--- a/Lectures/Lecture_8_Model_Fitting_Optimization_Techniques.pptx
+++ b/Lectures/Lecture_8_Model_Fitting_Optimization_Techniques.pptx
@@ -5,23 +5,26 @@
     <p:sldMasterId id="2147483648" r:id="rId1"/>
   </p:sldMasterIdLst>
   <p:notesMasterIdLst>
-    <p:notesMasterId r:id="rId13"/>
+    <p:notesMasterId r:id="rId16"/>
   </p:notesMasterIdLst>
   <p:handoutMasterIdLst>
-    <p:handoutMasterId r:id="rId14"/>
+    <p:handoutMasterId r:id="rId17"/>
   </p:handoutMasterIdLst>
   <p:sldIdLst>
     <p:sldId id="347" r:id="rId2"/>
     <p:sldId id="349" r:id="rId3"/>
     <p:sldId id="265" r:id="rId4"/>
     <p:sldId id="258" r:id="rId5"/>
-    <p:sldId id="348" r:id="rId6"/>
-    <p:sldId id="275" r:id="rId7"/>
+    <p:sldId id="275" r:id="rId6"/>
+    <p:sldId id="353" r:id="rId7"/>
     <p:sldId id="350" r:id="rId8"/>
-    <p:sldId id="351" r:id="rId9"/>
-    <p:sldId id="277" r:id="rId10"/>
-    <p:sldId id="278" r:id="rId11"/>
-    <p:sldId id="352" r:id="rId12"/>
+    <p:sldId id="354" r:id="rId9"/>
+    <p:sldId id="351" r:id="rId10"/>
+    <p:sldId id="277" r:id="rId11"/>
+    <p:sldId id="355" r:id="rId12"/>
+    <p:sldId id="356" r:id="rId13"/>
+    <p:sldId id="357" r:id="rId14"/>
+    <p:sldId id="352" r:id="rId15"/>
   </p:sldIdLst>
   <p:sldSz cx="9144000" cy="6858000" type="screen4x3"/>
   <p:notesSz cx="6858000" cy="9144000"/>
@@ -5208,8 +5211,8 @@
         </p:nvSpPr>
         <p:spPr>
           <a:xfrm>
-            <a:off x="266251" y="353179"/>
-            <a:ext cx="5019494" cy="541048"/>
+            <a:off x="-13504" y="444687"/>
+            <a:ext cx="6871504" cy="541048"/>
           </a:xfrm>
         </p:spPr>
         <p:txBody>
@@ -5223,302 +5226,189 @@
           </a:p>
         </p:txBody>
       </p:sp>
+      <p:sp>
+        <p:nvSpPr>
+          <p:cNvPr id="3" name="TextBox 2"/>
+          <p:cNvSpPr txBox="1"/>
+          <p:nvPr/>
+        </p:nvSpPr>
+        <p:spPr>
+          <a:xfrm>
+            <a:off x="797626" y="1348703"/>
+            <a:ext cx="4083105" cy="738664"/>
+          </a:xfrm>
+          <a:prstGeom prst="rect">
+            <a:avLst/>
+          </a:prstGeom>
+          <a:noFill/>
+        </p:spPr>
+        <p:txBody>
+          <a:bodyPr wrap="none" rtlCol="0">
+            <a:spAutoFit/>
+          </a:bodyPr>
+          <a:lstStyle/>
+          <a:p>
+            <a:r>
+              <a:rPr lang="en-US" sz="2100" dirty="0"/>
+              <a:t>It’s the algorithm, that rivers and </a:t>
+            </a:r>
+          </a:p>
+          <a:p>
+            <a:r>
+              <a:rPr lang="en-US" sz="2100" dirty="0"/>
+              <a:t>streams use to get to the sea.</a:t>
+            </a:r>
+          </a:p>
+        </p:txBody>
+      </p:sp>
+      <p:pic>
+        <p:nvPicPr>
+          <p:cNvPr id="4102" name="Picture 6" descr="_images/gradient_descent.png"/>
+          <p:cNvPicPr>
+            <a:picLocks noChangeAspect="1" noChangeArrowheads="1"/>
+          </p:cNvPicPr>
+          <p:nvPr/>
+        </p:nvPicPr>
+        <p:blipFill>
+          <a:blip r:embed="rId2">
+            <a:extLst>
+              <a:ext uri="{28A0092B-C50C-407E-A947-70E740481C1C}">
+                <a14:useLocalDpi xmlns:a14="http://schemas.microsoft.com/office/drawing/2010/main" val="0"/>
+              </a:ext>
+            </a:extLst>
+          </a:blip>
+          <a:srcRect/>
+          <a:stretch>
+            <a:fillRect/>
+          </a:stretch>
+        </p:blipFill>
+        <p:spPr bwMode="auto">
+          <a:xfrm>
+            <a:off x="5888327" y="763704"/>
+            <a:ext cx="2500313" cy="1714501"/>
+          </a:xfrm>
+          <a:prstGeom prst="rect">
+            <a:avLst/>
+          </a:prstGeom>
+          <a:noFill/>
+          <a:extLst>
+            <a:ext uri="{909E8E84-426E-40DD-AFC4-6F175D3DCCD1}">
+              <a14:hiddenFill xmlns:a14="http://schemas.microsoft.com/office/drawing/2010/main">
+                <a:solidFill>
+                  <a:srgbClr val="FFFFFF"/>
+                </a:solidFill>
+              </a14:hiddenFill>
+            </a:ext>
+          </a:extLst>
+        </p:spPr>
+      </p:pic>
+      <p:pic>
+        <p:nvPicPr>
+          <p:cNvPr id="8" name="Picture 7">
+            <a:extLst>
+              <a:ext uri="{FF2B5EF4-FFF2-40B4-BE49-F238E27FC236}">
+                <a16:creationId xmlns:a16="http://schemas.microsoft.com/office/drawing/2014/main" id="{3A40C343-0D6B-5D47-914F-34B6EBE5D27D}"/>
+              </a:ext>
+            </a:extLst>
+          </p:cNvPr>
+          <p:cNvPicPr>
+            <a:picLocks noChangeAspect="1"/>
+          </p:cNvPicPr>
+          <p:nvPr/>
+        </p:nvPicPr>
+        <p:blipFill>
+          <a:blip r:embed="rId3"/>
+          <a:stretch>
+            <a:fillRect/>
+          </a:stretch>
+        </p:blipFill>
+        <p:spPr>
+          <a:xfrm>
+            <a:off x="990600" y="2438400"/>
+            <a:ext cx="4854790" cy="3124200"/>
+          </a:xfrm>
+          <a:prstGeom prst="rect">
+            <a:avLst/>
+          </a:prstGeom>
+        </p:spPr>
+      </p:pic>
       <mc:AlternateContent xmlns:mc="http://schemas.openxmlformats.org/markup-compatibility/2006">
         <mc:Choice xmlns:a14="http://schemas.microsoft.com/office/drawing/2010/main" Requires="a14">
           <p:sp>
             <p:nvSpPr>
-              <p:cNvPr id="4" name="Rectangle 3"/>
-              <p:cNvSpPr/>
+              <p:cNvPr id="9" name="TextBox 8">
+                <a:extLst>
+                  <a:ext uri="{FF2B5EF4-FFF2-40B4-BE49-F238E27FC236}">
+                    <a16:creationId xmlns:a16="http://schemas.microsoft.com/office/drawing/2014/main" id="{702273CC-8CD4-D248-9C4B-323D2E14EE32}"/>
+                  </a:ext>
+                </a:extLst>
+              </p:cNvPr>
+              <p:cNvSpPr txBox="1"/>
               <p:nvPr/>
             </p:nvSpPr>
             <p:spPr>
               <a:xfrm>
-                <a:off x="5100469" y="1011730"/>
-                <a:ext cx="3652663" cy="869725"/>
+                <a:off x="1981200" y="4774347"/>
+                <a:ext cx="455894" cy="449162"/>
               </a:xfrm>
               <a:prstGeom prst="rect">
                 <a:avLst/>
               </a:prstGeom>
+              <a:noFill/>
             </p:spPr>
             <p:txBody>
-              <a:bodyPr wrap="square">
+              <a:bodyPr wrap="none" lIns="0" tIns="0" rIns="0" bIns="0" rtlCol="0">
                 <a:spAutoFit/>
               </a:bodyPr>
               <a:lstStyle/>
               <a:p>
-                <a:pPr/>
                 <a14:m>
                   <m:oMathPara xmlns:m="http://schemas.openxmlformats.org/officeDocument/2006/math">
                     <m:oMathParaPr>
                       <m:jc m:val="centerGroup"/>
                     </m:oMathParaPr>
                     <m:oMath xmlns:m="http://schemas.openxmlformats.org/officeDocument/2006/math">
-                      <m:sSup>
-                        <m:sSupPr>
+                      <m:sSub>
+                        <m:sSubPr>
                           <m:ctrlPr>
-                            <a:rPr lang="en-US" b="0" i="1" smtClean="0">
+                            <a:rPr lang="en-US" sz="2800" b="0" i="1" smtClean="0">
                               <a:latin typeface="Cambria Math" panose="02040503050406030204" pitchFamily="18" charset="0"/>
                             </a:rPr>
                           </m:ctrlPr>
-                        </m:sSupPr>
+                        </m:sSubPr>
                         <m:e>
-                          <m:r>
-                            <a:rPr lang="en-US" b="0" i="1" smtClean="0">
-                              <a:latin typeface="Cambria Math" panose="02040503050406030204" pitchFamily="18" charset="0"/>
-                            </a:rPr>
-                            <m:t>𝜒</m:t>
-                          </m:r>
-                        </m:e>
-                        <m:sup>
-                          <m:r>
-                            <a:rPr lang="en-US" b="0" i="1" smtClean="0">
-                              <a:latin typeface="Cambria Math" panose="02040503050406030204" pitchFamily="18" charset="0"/>
-                            </a:rPr>
-                            <m:t>2</m:t>
-                          </m:r>
-                        </m:sup>
-                      </m:sSup>
-                      <m:r>
-                        <a:rPr lang="en-US" b="0" i="1" smtClean="0">
-                          <a:latin typeface="Cambria Math" panose="02040503050406030204" pitchFamily="18" charset="0"/>
-                        </a:rPr>
-                        <m:t>=</m:t>
-                      </m:r>
-                      <m:nary>
-                        <m:naryPr>
-                          <m:chr m:val="∑"/>
-                          <m:subHide m:val="on"/>
-                          <m:ctrlPr>
-                            <a:rPr lang="en-US" b="0" i="1" smtClean="0">
-                              <a:latin typeface="Cambria Math" panose="02040503050406030204" pitchFamily="18" charset="0"/>
-                            </a:rPr>
-                          </m:ctrlPr>
-                        </m:naryPr>
-                        <m:sub/>
-                        <m:sup>
-                          <m:r>
-                            <a:rPr lang="en-US" b="0" i="1" smtClean="0">
-                              <a:latin typeface="Cambria Math" panose="02040503050406030204" pitchFamily="18" charset="0"/>
-                            </a:rPr>
-                            <m:t>𝑁</m:t>
-                          </m:r>
-                        </m:sup>
-                        <m:e>
-                          <m:r>
-                            <a:rPr lang="en-US" b="0" i="1" smtClean="0">
-                              <a:latin typeface="Cambria Math" panose="02040503050406030204" pitchFamily="18" charset="0"/>
-                            </a:rPr>
-                            <m:t> </m:t>
-                          </m:r>
-                        </m:e>
-                      </m:nary>
-                      <m:sSup>
-                        <m:sSupPr>
-                          <m:ctrlPr>
-                            <a:rPr lang="en-US" b="0" i="1" smtClean="0">
-                              <a:latin typeface="Cambria Math" panose="02040503050406030204" pitchFamily="18" charset="0"/>
-                            </a:rPr>
-                          </m:ctrlPr>
-                        </m:sSupPr>
-                        <m:e>
-                          <m:d>
-                            <m:dPr>
+                          <m:acc>
+                            <m:accPr>
+                              <m:chr m:val="̂"/>
                               <m:ctrlPr>
-                                <a:rPr lang="en-US" b="0" i="1" smtClean="0">
+                                <a:rPr lang="en-US" sz="2800" b="0" i="1" smtClean="0">
                                   <a:latin typeface="Cambria Math" panose="02040503050406030204" pitchFamily="18" charset="0"/>
                                 </a:rPr>
                               </m:ctrlPr>
-                            </m:dPr>
+                            </m:accPr>
                             <m:e>
-                              <m:sSub>
-                                <m:sSubPr>
-                                  <m:ctrlPr>
-                                    <a:rPr lang="en-US" b="0" i="1" smtClean="0">
-                                      <a:latin typeface="Cambria Math" panose="02040503050406030204" pitchFamily="18" charset="0"/>
-                                    </a:rPr>
-                                  </m:ctrlPr>
-                                </m:sSubPr>
-                                <m:e>
-                                  <m:r>
-                                    <a:rPr lang="en-US" b="0" i="1" smtClean="0">
-                                      <a:latin typeface="Cambria Math" panose="02040503050406030204" pitchFamily="18" charset="0"/>
-                                    </a:rPr>
-                                    <m:t>𝑦</m:t>
-                                  </m:r>
-                                </m:e>
-                                <m:sub>
-                                  <m:r>
-                                    <a:rPr lang="en-US" b="0" i="1" smtClean="0">
-                                      <a:latin typeface="Cambria Math" panose="02040503050406030204" pitchFamily="18" charset="0"/>
-                                    </a:rPr>
-                                    <m:t>𝑖</m:t>
-                                  </m:r>
-                                </m:sub>
-                              </m:sSub>
                               <m:r>
-                                <a:rPr lang="en-US" b="0" i="1" smtClean="0">
+                                <a:rPr lang="en-US" sz="2800" b="0" i="1" smtClean="0">
                                   <a:latin typeface="Cambria Math" panose="02040503050406030204" pitchFamily="18" charset="0"/>
                                 </a:rPr>
-                                <m:t>−</m:t>
+                                <m:t>𝜃</m:t>
                               </m:r>
-                              <m:f>
-                                <m:fPr>
-                                  <m:ctrlPr>
-                                    <a:rPr lang="en-US" b="0" i="1" smtClean="0">
-                                      <a:latin typeface="Cambria Math" panose="02040503050406030204" pitchFamily="18" charset="0"/>
-                                    </a:rPr>
-                                  </m:ctrlPr>
-                                </m:fPr>
-                                <m:num>
-                                  <m:r>
-                                    <a:rPr lang="en-US" b="0" i="1" smtClean="0">
-                                      <a:latin typeface="Cambria Math" panose="02040503050406030204" pitchFamily="18" charset="0"/>
-                                    </a:rPr>
-                                    <m:t>𝑓</m:t>
-                                  </m:r>
-                                  <m:d>
-                                    <m:dPr>
-                                      <m:ctrlPr>
-                                        <a:rPr lang="en-US" b="0" i="1" smtClean="0">
-                                          <a:latin typeface="Cambria Math" panose="02040503050406030204" pitchFamily="18" charset="0"/>
-                                        </a:rPr>
-                                      </m:ctrlPr>
-                                    </m:dPr>
-                                    <m:e>
-                                      <m:sSub>
-                                        <m:sSubPr>
-                                          <m:ctrlPr>
-                                            <a:rPr lang="en-US" b="0" i="1" smtClean="0">
-                                              <a:latin typeface="Cambria Math" panose="02040503050406030204" pitchFamily="18" charset="0"/>
-                                            </a:rPr>
-                                          </m:ctrlPr>
-                                        </m:sSubPr>
-                                        <m:e>
-                                          <m:r>
-                                            <a:rPr lang="en-US" b="0" i="1" smtClean="0">
-                                              <a:latin typeface="Cambria Math" panose="02040503050406030204" pitchFamily="18" charset="0"/>
-                                            </a:rPr>
-                                            <m:t>𝑥</m:t>
-                                          </m:r>
-                                        </m:e>
-                                        <m:sub>
-                                          <m:r>
-                                            <a:rPr lang="en-US" b="0" i="1" smtClean="0">
-                                              <a:latin typeface="Cambria Math" panose="02040503050406030204" pitchFamily="18" charset="0"/>
-                                            </a:rPr>
-                                            <m:t>𝑖</m:t>
-                                          </m:r>
-                                        </m:sub>
-                                      </m:sSub>
-                                      <m:r>
-                                        <a:rPr lang="en-US" b="0" i="1" smtClean="0">
-                                          <a:latin typeface="Cambria Math" panose="02040503050406030204" pitchFamily="18" charset="0"/>
-                                        </a:rPr>
-                                        <m:t>;</m:t>
-                                      </m:r>
-                                      <m:sSub>
-                                        <m:sSubPr>
-                                          <m:ctrlPr>
-                                            <a:rPr lang="en-US" b="0" i="1" smtClean="0">
-                                              <a:latin typeface="Cambria Math" panose="02040503050406030204" pitchFamily="18" charset="0"/>
-                                            </a:rPr>
-                                          </m:ctrlPr>
-                                        </m:sSubPr>
-                                        <m:e>
-                                          <m:r>
-                                            <a:rPr lang="en-US" b="0" i="1" smtClean="0">
-                                              <a:latin typeface="Cambria Math" panose="02040503050406030204" pitchFamily="18" charset="0"/>
-                                            </a:rPr>
-                                            <m:t>𝑝</m:t>
-                                          </m:r>
-                                        </m:e>
-                                        <m:sub>
-                                          <m:r>
-                                            <a:rPr lang="en-US" b="0" i="1" smtClean="0">
-                                              <a:latin typeface="Cambria Math" panose="02040503050406030204" pitchFamily="18" charset="0"/>
-                                            </a:rPr>
-                                            <m:t>1</m:t>
-                                          </m:r>
-                                        </m:sub>
-                                      </m:sSub>
-                                      <m:r>
-                                        <a:rPr lang="en-US" b="0" i="1" smtClean="0">
-                                          <a:latin typeface="Cambria Math" panose="02040503050406030204" pitchFamily="18" charset="0"/>
-                                        </a:rPr>
-                                        <m:t>…</m:t>
-                                      </m:r>
-                                      <m:sSub>
-                                        <m:sSubPr>
-                                          <m:ctrlPr>
-                                            <a:rPr lang="en-US" b="0" i="1" smtClean="0">
-                                              <a:latin typeface="Cambria Math" panose="02040503050406030204" pitchFamily="18" charset="0"/>
-                                            </a:rPr>
-                                          </m:ctrlPr>
-                                        </m:sSubPr>
-                                        <m:e>
-                                          <m:r>
-                                            <a:rPr lang="en-US" b="0" i="1" smtClean="0">
-                                              <a:latin typeface="Cambria Math" panose="02040503050406030204" pitchFamily="18" charset="0"/>
-                                            </a:rPr>
-                                            <m:t>𝑝</m:t>
-                                          </m:r>
-                                        </m:e>
-                                        <m:sub>
-                                          <m:r>
-                                            <a:rPr lang="en-US" b="0" i="1" smtClean="0">
-                                              <a:latin typeface="Cambria Math" panose="02040503050406030204" pitchFamily="18" charset="0"/>
-                                            </a:rPr>
-                                            <m:t>𝑚</m:t>
-                                          </m:r>
-                                        </m:sub>
-                                      </m:sSub>
-                                    </m:e>
-                                  </m:d>
-                                </m:num>
-                                <m:den>
-                                  <m:sSub>
-                                    <m:sSubPr>
-                                      <m:ctrlPr>
-                                        <a:rPr lang="en-US" b="0" i="1" smtClean="0">
-                                          <a:latin typeface="Cambria Math" panose="02040503050406030204" pitchFamily="18" charset="0"/>
-                                        </a:rPr>
-                                      </m:ctrlPr>
-                                    </m:sSubPr>
-                                    <m:e>
-                                      <m:r>
-                                        <a:rPr lang="en-US" b="0" i="1" smtClean="0">
-                                          <a:latin typeface="Cambria Math" panose="02040503050406030204" pitchFamily="18" charset="0"/>
-                                        </a:rPr>
-                                        <m:t>𝜎</m:t>
-                                      </m:r>
-                                    </m:e>
-                                    <m:sub>
-                                      <m:r>
-                                        <a:rPr lang="en-US" b="0" i="1" smtClean="0">
-                                          <a:latin typeface="Cambria Math" panose="02040503050406030204" pitchFamily="18" charset="0"/>
-                                        </a:rPr>
-                                        <m:t>𝑖</m:t>
-                                      </m:r>
-                                    </m:sub>
-                                  </m:sSub>
-                                </m:den>
-                              </m:f>
                             </m:e>
-                          </m:d>
+                          </m:acc>
                         </m:e>
-                        <m:sup>
+                        <m:sub>
                           <m:r>
-                            <a:rPr lang="en-US" b="0" i="1" smtClean="0">
+                            <a:rPr lang="en-US" sz="2800" b="0" i="1" smtClean="0">
                               <a:latin typeface="Cambria Math" panose="02040503050406030204" pitchFamily="18" charset="0"/>
                             </a:rPr>
-                            <m:t>2</m:t>
+                            <m:t>0</m:t>
                           </m:r>
-                        </m:sup>
-                      </m:sSup>
+                        </m:sub>
+                      </m:sSub>
                     </m:oMath>
                   </m:oMathPara>
                 </a14:m>
-                <a:endParaRPr lang="en-US" b="0" dirty="0"/>
+                <a:endParaRPr lang="en-US" sz="2800" dirty="0"/>
               </a:p>
             </p:txBody>
           </p:sp>
@@ -5526,24 +5416,1539 @@
         <mc:Fallback>
           <p:sp>
             <p:nvSpPr>
-              <p:cNvPr id="4" name="Rectangle 3"/>
-              <p:cNvSpPr>
+              <p:cNvPr id="9" name="TextBox 8">
+                <a:extLst>
+                  <a:ext uri="{FF2B5EF4-FFF2-40B4-BE49-F238E27FC236}">
+                    <a16:creationId xmlns:a16="http://schemas.microsoft.com/office/drawing/2014/main" id="{702273CC-8CD4-D248-9C4B-323D2E14EE32}"/>
+                  </a:ext>
+                </a:extLst>
+              </p:cNvPr>
+              <p:cNvSpPr txBox="1">
                 <a:spLocks noRot="1" noChangeAspect="1" noMove="1" noResize="1" noEditPoints="1" noAdjustHandles="1" noChangeArrowheads="1" noChangeShapeType="1" noTextEdit="1"/>
               </p:cNvSpPr>
               <p:nvPr/>
             </p:nvSpPr>
             <p:spPr>
               <a:xfrm>
-                <a:off x="5100469" y="1011730"/>
-                <a:ext cx="3652663" cy="869725"/>
+                <a:off x="1981200" y="4774347"/>
+                <a:ext cx="455894" cy="449162"/>
               </a:xfrm>
               <a:prstGeom prst="rect">
                 <a:avLst/>
               </a:prstGeom>
               <a:blipFill>
-                <a:blip r:embed="rId2"/>
+                <a:blip r:embed="rId4"/>
                 <a:stretch>
-                  <a:fillRect l="-2083" t="-95652" b="-150725"/>
+                  <a:fillRect l="-16667" t="-13889" r="-2778" b="-16667"/>
+                </a:stretch>
+              </a:blipFill>
+            </p:spPr>
+            <p:txBody>
+              <a:bodyPr/>
+              <a:lstStyle/>
+              <a:p>
+                <a:r>
+                  <a:rPr lang="en-US">
+                    <a:noFill/>
+                  </a:rPr>
+                  <a:t> </a:t>
+                </a:r>
+              </a:p>
+            </p:txBody>
+          </p:sp>
+        </mc:Fallback>
+      </mc:AlternateContent>
+      <mc:AlternateContent xmlns:mc="http://schemas.openxmlformats.org/markup-compatibility/2006">
+        <mc:Choice xmlns:a14="http://schemas.microsoft.com/office/drawing/2010/main" Requires="a14">
+          <p:sp>
+            <p:nvSpPr>
+              <p:cNvPr id="10" name="TextBox 9">
+                <a:extLst>
+                  <a:ext uri="{FF2B5EF4-FFF2-40B4-BE49-F238E27FC236}">
+                    <a16:creationId xmlns:a16="http://schemas.microsoft.com/office/drawing/2014/main" id="{FF2BBE3B-1BBB-9D4C-A4D4-B86119630F47}"/>
+                  </a:ext>
+                </a:extLst>
+              </p:cNvPr>
+              <p:cNvSpPr txBox="1"/>
+              <p:nvPr/>
+            </p:nvSpPr>
+            <p:spPr>
+              <a:xfrm>
+                <a:off x="5155900" y="4423619"/>
+                <a:ext cx="447622" cy="449162"/>
+              </a:xfrm>
+              <a:prstGeom prst="rect">
+                <a:avLst/>
+              </a:prstGeom>
+              <a:noFill/>
+            </p:spPr>
+            <p:txBody>
+              <a:bodyPr wrap="none" lIns="0" tIns="0" rIns="0" bIns="0" rtlCol="0">
+                <a:spAutoFit/>
+              </a:bodyPr>
+              <a:lstStyle/>
+              <a:p>
+                <a14:m>
+                  <m:oMathPara xmlns:m="http://schemas.openxmlformats.org/officeDocument/2006/math">
+                    <m:oMathParaPr>
+                      <m:jc m:val="centerGroup"/>
+                    </m:oMathParaPr>
+                    <m:oMath xmlns:m="http://schemas.openxmlformats.org/officeDocument/2006/math">
+                      <m:sSub>
+                        <m:sSubPr>
+                          <m:ctrlPr>
+                            <a:rPr lang="en-US" sz="2800" b="0" i="1" smtClean="0">
+                              <a:latin typeface="Cambria Math" panose="02040503050406030204" pitchFamily="18" charset="0"/>
+                            </a:rPr>
+                          </m:ctrlPr>
+                        </m:sSubPr>
+                        <m:e>
+                          <m:acc>
+                            <m:accPr>
+                              <m:chr m:val="̂"/>
+                              <m:ctrlPr>
+                                <a:rPr lang="en-US" sz="2800" b="0" i="1" smtClean="0">
+                                  <a:latin typeface="Cambria Math" panose="02040503050406030204" pitchFamily="18" charset="0"/>
+                                </a:rPr>
+                              </m:ctrlPr>
+                            </m:accPr>
+                            <m:e>
+                              <m:r>
+                                <a:rPr lang="en-US" sz="2800" b="0" i="1" smtClean="0">
+                                  <a:latin typeface="Cambria Math" panose="02040503050406030204" pitchFamily="18" charset="0"/>
+                                </a:rPr>
+                                <m:t>𝜃</m:t>
+                              </m:r>
+                            </m:e>
+                          </m:acc>
+                        </m:e>
+                        <m:sub>
+                          <m:r>
+                            <a:rPr lang="en-US" sz="2800" b="0" i="1" smtClean="0">
+                              <a:latin typeface="Cambria Math" panose="02040503050406030204" pitchFamily="18" charset="0"/>
+                            </a:rPr>
+                            <m:t>1</m:t>
+                          </m:r>
+                        </m:sub>
+                      </m:sSub>
+                    </m:oMath>
+                  </m:oMathPara>
+                </a14:m>
+                <a:endParaRPr lang="en-US" sz="2800" dirty="0"/>
+              </a:p>
+            </p:txBody>
+          </p:sp>
+        </mc:Choice>
+        <mc:Fallback>
+          <p:sp>
+            <p:nvSpPr>
+              <p:cNvPr id="10" name="TextBox 9">
+                <a:extLst>
+                  <a:ext uri="{FF2B5EF4-FFF2-40B4-BE49-F238E27FC236}">
+                    <a16:creationId xmlns:a16="http://schemas.microsoft.com/office/drawing/2014/main" id="{FF2BBE3B-1BBB-9D4C-A4D4-B86119630F47}"/>
+                  </a:ext>
+                </a:extLst>
+              </p:cNvPr>
+              <p:cNvSpPr txBox="1">
+                <a:spLocks noRot="1" noChangeAspect="1" noMove="1" noResize="1" noEditPoints="1" noAdjustHandles="1" noChangeArrowheads="1" noChangeShapeType="1" noTextEdit="1"/>
+              </p:cNvSpPr>
+              <p:nvPr/>
+            </p:nvSpPr>
+            <p:spPr>
+              <a:xfrm>
+                <a:off x="5155900" y="4423619"/>
+                <a:ext cx="447622" cy="449162"/>
+              </a:xfrm>
+              <a:prstGeom prst="rect">
+                <a:avLst/>
+              </a:prstGeom>
+              <a:blipFill>
+                <a:blip r:embed="rId5"/>
+                <a:stretch>
+                  <a:fillRect l="-13889" t="-16667" r="-2778" b="-13889"/>
+                </a:stretch>
+              </a:blipFill>
+            </p:spPr>
+            <p:txBody>
+              <a:bodyPr/>
+              <a:lstStyle/>
+              <a:p>
+                <a:r>
+                  <a:rPr lang="en-US">
+                    <a:noFill/>
+                  </a:rPr>
+                  <a:t> </a:t>
+                </a:r>
+              </a:p>
+            </p:txBody>
+          </p:sp>
+        </mc:Fallback>
+      </mc:AlternateContent>
+      <mc:AlternateContent xmlns:mc="http://schemas.openxmlformats.org/markup-compatibility/2006">
+        <mc:Choice xmlns:a14="http://schemas.microsoft.com/office/drawing/2010/main" Requires="a14">
+          <p:sp>
+            <p:nvSpPr>
+              <p:cNvPr id="11" name="TextBox 10">
+                <a:extLst>
+                  <a:ext uri="{FF2B5EF4-FFF2-40B4-BE49-F238E27FC236}">
+                    <a16:creationId xmlns:a16="http://schemas.microsoft.com/office/drawing/2014/main" id="{61C3E177-259F-754D-BD1C-FC3D27BB31C4}"/>
+                  </a:ext>
+                </a:extLst>
+              </p:cNvPr>
+              <p:cNvSpPr txBox="1"/>
+              <p:nvPr/>
+            </p:nvSpPr>
+            <p:spPr>
+              <a:xfrm>
+                <a:off x="4114800" y="3238823"/>
+                <a:ext cx="646652" cy="384785"/>
+              </a:xfrm>
+              <a:prstGeom prst="rect">
+                <a:avLst/>
+              </a:prstGeom>
+              <a:noFill/>
+            </p:spPr>
+            <p:txBody>
+              <a:bodyPr wrap="none" lIns="0" tIns="0" rIns="0" bIns="0" rtlCol="0">
+                <a:spAutoFit/>
+              </a:bodyPr>
+              <a:lstStyle/>
+              <a:p>
+                <a14:m>
+                  <m:oMathPara xmlns:m="http://schemas.openxmlformats.org/officeDocument/2006/math">
+                    <m:oMathParaPr>
+                      <m:jc m:val="centerGroup"/>
+                    </m:oMathParaPr>
+                    <m:oMath xmlns:m="http://schemas.openxmlformats.org/officeDocument/2006/math">
+                      <m:r>
+                        <a:rPr lang="en-US" sz="2400" b="0" i="1" smtClean="0">
+                          <a:latin typeface="Cambria Math" panose="02040503050406030204" pitchFamily="18" charset="0"/>
+                        </a:rPr>
+                        <m:t>𝐽</m:t>
+                      </m:r>
+                      <m:r>
+                        <a:rPr lang="en-US" sz="2400" b="0" i="1" smtClean="0">
+                          <a:latin typeface="Cambria Math" panose="02040503050406030204" pitchFamily="18" charset="0"/>
+                        </a:rPr>
+                        <m:t>(</m:t>
+                      </m:r>
+                      <m:acc>
+                        <m:accPr>
+                          <m:chr m:val="̂"/>
+                          <m:ctrlPr>
+                            <a:rPr lang="en-US" sz="2400" b="0" i="1" smtClean="0">
+                              <a:latin typeface="Cambria Math" panose="02040503050406030204" pitchFamily="18" charset="0"/>
+                            </a:rPr>
+                          </m:ctrlPr>
+                        </m:accPr>
+                        <m:e>
+                          <m:r>
+                            <a:rPr lang="en-US" sz="2400" b="0" i="1" smtClean="0">
+                              <a:latin typeface="Cambria Math" panose="02040503050406030204" pitchFamily="18" charset="0"/>
+                            </a:rPr>
+                            <m:t>𝜃</m:t>
+                          </m:r>
+                        </m:e>
+                      </m:acc>
+                      <m:r>
+                        <a:rPr lang="en-US" sz="2400" b="0" i="1" smtClean="0">
+                          <a:latin typeface="Cambria Math" panose="02040503050406030204" pitchFamily="18" charset="0"/>
+                        </a:rPr>
+                        <m:t>)</m:t>
+                      </m:r>
+                    </m:oMath>
+                  </m:oMathPara>
+                </a14:m>
+                <a:endParaRPr lang="en-US" sz="2400" dirty="0"/>
+              </a:p>
+            </p:txBody>
+          </p:sp>
+        </mc:Choice>
+        <mc:Fallback>
+          <p:sp>
+            <p:nvSpPr>
+              <p:cNvPr id="11" name="TextBox 10">
+                <a:extLst>
+                  <a:ext uri="{FF2B5EF4-FFF2-40B4-BE49-F238E27FC236}">
+                    <a16:creationId xmlns:a16="http://schemas.microsoft.com/office/drawing/2014/main" id="{61C3E177-259F-754D-BD1C-FC3D27BB31C4}"/>
+                  </a:ext>
+                </a:extLst>
+              </p:cNvPr>
+              <p:cNvSpPr txBox="1">
+                <a:spLocks noRot="1" noChangeAspect="1" noMove="1" noResize="1" noEditPoints="1" noAdjustHandles="1" noChangeArrowheads="1" noChangeShapeType="1" noTextEdit="1"/>
+              </p:cNvSpPr>
+              <p:nvPr/>
+            </p:nvSpPr>
+            <p:spPr>
+              <a:xfrm>
+                <a:off x="4114800" y="3238823"/>
+                <a:ext cx="646652" cy="384785"/>
+              </a:xfrm>
+              <a:prstGeom prst="rect">
+                <a:avLst/>
+              </a:prstGeom>
+              <a:blipFill>
+                <a:blip r:embed="rId6"/>
+                <a:stretch>
+                  <a:fillRect l="-15686" t="-19355" r="-13725" b="-35484"/>
+                </a:stretch>
+              </a:blipFill>
+            </p:spPr>
+            <p:txBody>
+              <a:bodyPr/>
+              <a:lstStyle/>
+              <a:p>
+                <a:r>
+                  <a:rPr lang="en-US">
+                    <a:noFill/>
+                  </a:rPr>
+                  <a:t> </a:t>
+                </a:r>
+              </a:p>
+            </p:txBody>
+          </p:sp>
+        </mc:Fallback>
+      </mc:AlternateContent>
+    </p:spTree>
+    <p:extLst>
+      <p:ext uri="{BB962C8B-B14F-4D97-AF65-F5344CB8AC3E}">
+        <p14:creationId xmlns:p14="http://schemas.microsoft.com/office/powerpoint/2010/main" val="289003601"/>
+      </p:ext>
+    </p:extLst>
+  </p:cSld>
+  <p:clrMapOvr>
+    <a:masterClrMapping/>
+  </p:clrMapOvr>
+</p:sld>
+</file>
+
+<file path=ppt/slides/slide11.xml><?xml version="1.0" encoding="utf-8"?>
+<p:sld xmlns:a="http://schemas.openxmlformats.org/drawingml/2006/main" xmlns:r="http://schemas.openxmlformats.org/officeDocument/2006/relationships" xmlns:p="http://schemas.openxmlformats.org/presentationml/2006/main">
+  <p:cSld>
+    <p:spTree>
+      <p:nvGrpSpPr>
+        <p:cNvPr id="1" name=""/>
+        <p:cNvGrpSpPr/>
+        <p:nvPr/>
+      </p:nvGrpSpPr>
+      <p:grpSpPr>
+        <a:xfrm>
+          <a:off x="0" y="0"/>
+          <a:ext cx="0" cy="0"/>
+          <a:chOff x="0" y="0"/>
+          <a:chExt cx="0" cy="0"/>
+        </a:xfrm>
+      </p:grpSpPr>
+      <p:sp>
+        <p:nvSpPr>
+          <p:cNvPr id="2" name="Title 1">
+            <a:extLst>
+              <a:ext uri="{FF2B5EF4-FFF2-40B4-BE49-F238E27FC236}">
+                <a16:creationId xmlns:a16="http://schemas.microsoft.com/office/drawing/2014/main" id="{06A094E0-1C4A-AC4C-95F7-2D456CE26B3D}"/>
+              </a:ext>
+            </a:extLst>
+          </p:cNvPr>
+          <p:cNvSpPr>
+            <a:spLocks noGrp="1"/>
+          </p:cNvSpPr>
+          <p:nvPr>
+            <p:ph type="title"/>
+          </p:nvPr>
+        </p:nvSpPr>
+        <p:spPr/>
+        <p:txBody>
+          <a:bodyPr/>
+          <a:lstStyle/>
+          <a:p>
+            <a:r>
+              <a:rPr lang="en-US" dirty="0"/>
+              <a:t>Gradient Descent In Brief</a:t>
+            </a:r>
+          </a:p>
+        </p:txBody>
+      </p:sp>
+      <p:sp>
+        <p:nvSpPr>
+          <p:cNvPr id="4" name="Slide Number Placeholder 3">
+            <a:extLst>
+              <a:ext uri="{FF2B5EF4-FFF2-40B4-BE49-F238E27FC236}">
+                <a16:creationId xmlns:a16="http://schemas.microsoft.com/office/drawing/2014/main" id="{BF2BEDEC-DC3F-6E4A-B7CF-0F342C097968}"/>
+              </a:ext>
+            </a:extLst>
+          </p:cNvPr>
+          <p:cNvSpPr>
+            <a:spLocks noGrp="1"/>
+          </p:cNvSpPr>
+          <p:nvPr>
+            <p:ph type="sldNum" sz="quarter" idx="11"/>
+          </p:nvPr>
+        </p:nvSpPr>
+        <p:spPr/>
+        <p:txBody>
+          <a:bodyPr/>
+          <a:lstStyle/>
+          <a:p>
+            <a:pPr>
+              <a:defRPr/>
+            </a:pPr>
+            <a:fld id="{3EF4E9CC-9D91-476E-91FD-5BEEC1642931}" type="slidenum">
+              <a:rPr lang="en-US" altLang="x-none" smtClean="0"/>
+              <a:pPr>
+                <a:defRPr/>
+              </a:pPr>
+              <a:t>11</a:t>
+            </a:fld>
+            <a:endParaRPr lang="en-US" altLang="x-none"/>
+          </a:p>
+        </p:txBody>
+      </p:sp>
+      <p:grpSp>
+        <p:nvGrpSpPr>
+          <p:cNvPr id="9" name="Group 8">
+            <a:extLst>
+              <a:ext uri="{FF2B5EF4-FFF2-40B4-BE49-F238E27FC236}">
+                <a16:creationId xmlns:a16="http://schemas.microsoft.com/office/drawing/2014/main" id="{B0A38D00-F864-FF40-9DE6-5B185471608E}"/>
+              </a:ext>
+            </a:extLst>
+          </p:cNvPr>
+          <p:cNvGrpSpPr/>
+          <p:nvPr/>
+        </p:nvGrpSpPr>
+        <p:grpSpPr>
+          <a:xfrm>
+            <a:off x="381000" y="1165225"/>
+            <a:ext cx="7816560" cy="4527550"/>
+            <a:chOff x="533400" y="1165225"/>
+            <a:chExt cx="7816560" cy="4527550"/>
+          </a:xfrm>
+        </p:grpSpPr>
+        <p:pic>
+          <p:nvPicPr>
+            <p:cNvPr id="6" name="Picture 5">
+              <a:extLst>
+                <a:ext uri="{FF2B5EF4-FFF2-40B4-BE49-F238E27FC236}">
+                  <a16:creationId xmlns:a16="http://schemas.microsoft.com/office/drawing/2014/main" id="{BFF98337-2261-1F4B-A676-42CDD6531985}"/>
+                </a:ext>
+              </a:extLst>
+            </p:cNvPr>
+            <p:cNvPicPr>
+              <a:picLocks noChangeAspect="1"/>
+            </p:cNvPicPr>
+            <p:nvPr/>
+          </p:nvPicPr>
+          <p:blipFill>
+            <a:blip r:embed="rId2"/>
+            <a:stretch>
+              <a:fillRect/>
+            </a:stretch>
+          </p:blipFill>
+          <p:spPr>
+            <a:xfrm>
+              <a:off x="533400" y="1165225"/>
+              <a:ext cx="7816560" cy="4527550"/>
+            </a:xfrm>
+            <a:prstGeom prst="rect">
+              <a:avLst/>
+            </a:prstGeom>
+          </p:spPr>
+        </p:pic>
+        <mc:AlternateContent xmlns:mc="http://schemas.openxmlformats.org/markup-compatibility/2006">
+          <mc:Choice xmlns:a14="http://schemas.microsoft.com/office/drawing/2010/main" Requires="a14">
+            <p:sp>
+              <p:nvSpPr>
+                <p:cNvPr id="7" name="TextBox 6">
+                  <a:extLst>
+                    <a:ext uri="{FF2B5EF4-FFF2-40B4-BE49-F238E27FC236}">
+                      <a16:creationId xmlns:a16="http://schemas.microsoft.com/office/drawing/2014/main" id="{FD3B1D53-38D4-0142-90D8-8531E464E24D}"/>
+                    </a:ext>
+                  </a:extLst>
+                </p:cNvPr>
+                <p:cNvSpPr txBox="1"/>
+                <p:nvPr/>
+              </p:nvSpPr>
+              <p:spPr>
+                <a:xfrm>
+                  <a:off x="1981200" y="2286000"/>
+                  <a:ext cx="564129" cy="369332"/>
+                </a:xfrm>
+                <a:prstGeom prst="rect">
+                  <a:avLst/>
+                </a:prstGeom>
+                <a:solidFill>
+                  <a:schemeClr val="bg1"/>
+                </a:solidFill>
+              </p:spPr>
+              <p:txBody>
+                <a:bodyPr wrap="none" rtlCol="0">
+                  <a:spAutoFit/>
+                </a:bodyPr>
+                <a:lstStyle/>
+                <a:p>
+                  <a14:m>
+                    <m:oMathPara xmlns:m="http://schemas.openxmlformats.org/officeDocument/2006/math">
+                      <m:oMathParaPr>
+                        <m:jc m:val="centerGroup"/>
+                      </m:oMathParaPr>
+                      <m:oMath xmlns:m="http://schemas.openxmlformats.org/officeDocument/2006/math">
+                        <m:sSup>
+                          <m:sSupPr>
+                            <m:ctrlPr>
+                              <a:rPr lang="en-US" b="0" i="1" smtClean="0">
+                                <a:latin typeface="Cambria Math" panose="02040503050406030204" pitchFamily="18" charset="0"/>
+                              </a:rPr>
+                            </m:ctrlPr>
+                          </m:sSupPr>
+                          <m:e>
+                            <m:r>
+                              <a:rPr lang="en-US" b="0" i="1" smtClean="0">
+                                <a:latin typeface="Cambria Math" panose="02040503050406030204" pitchFamily="18" charset="0"/>
+                              </a:rPr>
+                              <m:t>𝑅</m:t>
+                            </m:r>
+                          </m:e>
+                          <m:sup>
+                            <m:r>
+                              <a:rPr lang="en-US" b="0" i="1" smtClean="0">
+                                <a:latin typeface="Cambria Math" panose="02040503050406030204" pitchFamily="18" charset="0"/>
+                              </a:rPr>
+                              <m:t>𝑀</m:t>
+                            </m:r>
+                          </m:sup>
+                        </m:sSup>
+                      </m:oMath>
+                    </m:oMathPara>
+                  </a14:m>
+                  <a:endParaRPr lang="en-US" dirty="0"/>
+                </a:p>
+              </p:txBody>
+            </p:sp>
+          </mc:Choice>
+          <mc:Fallback>
+            <p:sp>
+              <p:nvSpPr>
+                <p:cNvPr id="7" name="TextBox 6">
+                  <a:extLst>
+                    <a:ext uri="{FF2B5EF4-FFF2-40B4-BE49-F238E27FC236}">
+                      <a16:creationId xmlns:a16="http://schemas.microsoft.com/office/drawing/2014/main" id="{FD3B1D53-38D4-0142-90D8-8531E464E24D}"/>
+                    </a:ext>
+                  </a:extLst>
+                </p:cNvPr>
+                <p:cNvSpPr txBox="1">
+                  <a:spLocks noRot="1" noChangeAspect="1" noMove="1" noResize="1" noEditPoints="1" noAdjustHandles="1" noChangeArrowheads="1" noChangeShapeType="1" noTextEdit="1"/>
+                </p:cNvSpPr>
+                <p:nvPr/>
+              </p:nvSpPr>
+              <p:spPr>
+                <a:xfrm>
+                  <a:off x="1981200" y="2286000"/>
+                  <a:ext cx="564129" cy="369332"/>
+                </a:xfrm>
+                <a:prstGeom prst="rect">
+                  <a:avLst/>
+                </a:prstGeom>
+                <a:blipFill>
+                  <a:blip r:embed="rId3"/>
+                  <a:stretch>
+                    <a:fillRect/>
+                  </a:stretch>
+                </a:blipFill>
+              </p:spPr>
+              <p:txBody>
+                <a:bodyPr/>
+                <a:lstStyle/>
+                <a:p>
+                  <a:r>
+                    <a:rPr lang="en-US">
+                      <a:noFill/>
+                    </a:rPr>
+                    <a:t> </a:t>
+                  </a:r>
+                </a:p>
+              </p:txBody>
+            </p:sp>
+          </mc:Fallback>
+        </mc:AlternateContent>
+      </p:grpSp>
+      <mc:AlternateContent xmlns:mc="http://schemas.openxmlformats.org/markup-compatibility/2006">
+        <mc:Choice xmlns:a14="http://schemas.microsoft.com/office/drawing/2010/main" Requires="a14">
+          <p:sp>
+            <p:nvSpPr>
+              <p:cNvPr id="8" name="TextBox 7">
+                <a:extLst>
+                  <a:ext uri="{FF2B5EF4-FFF2-40B4-BE49-F238E27FC236}">
+                    <a16:creationId xmlns:a16="http://schemas.microsoft.com/office/drawing/2014/main" id="{5F02FC81-39AB-354B-B444-31C567AB1330}"/>
+                  </a:ext>
+                </a:extLst>
+              </p:cNvPr>
+              <p:cNvSpPr txBox="1"/>
+              <p:nvPr/>
+            </p:nvSpPr>
+            <p:spPr>
+              <a:xfrm>
+                <a:off x="1676400" y="5562600"/>
+                <a:ext cx="3111749" cy="1015663"/>
+              </a:xfrm>
+              <a:prstGeom prst="rect">
+                <a:avLst/>
+              </a:prstGeom>
+              <a:solidFill>
+                <a:schemeClr val="bg1">
+                  <a:lumMod val="85000"/>
+                </a:schemeClr>
+              </a:solidFill>
+            </p:spPr>
+            <p:txBody>
+              <a:bodyPr wrap="none" rtlCol="0">
+                <a:spAutoFit/>
+              </a:bodyPr>
+              <a:lstStyle/>
+              <a:p>
+                <a:r>
+                  <a:rPr lang="en-US" sz="2000" b="1" dirty="0"/>
+                  <a:t>Challenges</a:t>
+                </a:r>
+              </a:p>
+              <a:p>
+                <a:pPr marL="342900" indent="-342900">
+                  <a:buAutoNum type="arabicPeriod"/>
+                </a:pPr>
+                <a:r>
+                  <a:rPr lang="en-US" sz="2000" dirty="0"/>
+                  <a:t>Choosing learning rate</a:t>
+                </a:r>
+              </a:p>
+              <a:p>
+                <a:pPr marL="342900" indent="-342900">
+                  <a:buAutoNum type="arabicPeriod"/>
+                </a:pPr>
+                <a:r>
+                  <a:rPr lang="en-US" sz="2000" dirty="0"/>
+                  <a:t>Non-convex </a:t>
+                </a:r>
+                <a14:m>
+                  <m:oMath xmlns:m="http://schemas.openxmlformats.org/officeDocument/2006/math">
+                    <m:r>
+                      <a:rPr lang="en-US" sz="2000" b="0" i="1" smtClean="0">
+                        <a:latin typeface="Cambria Math" panose="02040503050406030204" pitchFamily="18" charset="0"/>
+                      </a:rPr>
+                      <m:t>𝐽</m:t>
+                    </m:r>
+                    <m:r>
+                      <a:rPr lang="en-US" sz="2000" b="0" i="1" smtClean="0">
+                        <a:latin typeface="Cambria Math" panose="02040503050406030204" pitchFamily="18" charset="0"/>
+                      </a:rPr>
+                      <m:t>(</m:t>
+                    </m:r>
+                    <m:r>
+                      <a:rPr lang="en-US" sz="2000" b="0" i="1" smtClean="0">
+                        <a:latin typeface="Cambria Math" panose="02040503050406030204" pitchFamily="18" charset="0"/>
+                      </a:rPr>
+                      <m:t>𝜃</m:t>
+                    </m:r>
+                    <m:r>
+                      <a:rPr lang="en-US" sz="2000" b="0" i="1" smtClean="0">
+                        <a:latin typeface="Cambria Math" panose="02040503050406030204" pitchFamily="18" charset="0"/>
+                      </a:rPr>
+                      <m:t>)</m:t>
+                    </m:r>
+                  </m:oMath>
+                </a14:m>
+                <a:endParaRPr lang="en-US" sz="2000" dirty="0"/>
+              </a:p>
+            </p:txBody>
+          </p:sp>
+        </mc:Choice>
+        <mc:Fallback>
+          <p:sp>
+            <p:nvSpPr>
+              <p:cNvPr id="8" name="TextBox 7">
+                <a:extLst>
+                  <a:ext uri="{FF2B5EF4-FFF2-40B4-BE49-F238E27FC236}">
+                    <a16:creationId xmlns:a16="http://schemas.microsoft.com/office/drawing/2014/main" id="{5F02FC81-39AB-354B-B444-31C567AB1330}"/>
+                  </a:ext>
+                </a:extLst>
+              </p:cNvPr>
+              <p:cNvSpPr txBox="1">
+                <a:spLocks noRot="1" noChangeAspect="1" noMove="1" noResize="1" noEditPoints="1" noAdjustHandles="1" noChangeArrowheads="1" noChangeShapeType="1" noTextEdit="1"/>
+              </p:cNvSpPr>
+              <p:nvPr/>
+            </p:nvSpPr>
+            <p:spPr>
+              <a:xfrm>
+                <a:off x="1676400" y="5562600"/>
+                <a:ext cx="3111749" cy="1015663"/>
+              </a:xfrm>
+              <a:prstGeom prst="rect">
+                <a:avLst/>
+              </a:prstGeom>
+              <a:blipFill>
+                <a:blip r:embed="rId4"/>
+                <a:stretch>
+                  <a:fillRect l="-2041" t="-2469" r="-816" b="-8642"/>
+                </a:stretch>
+              </a:blipFill>
+            </p:spPr>
+            <p:txBody>
+              <a:bodyPr/>
+              <a:lstStyle/>
+              <a:p>
+                <a:r>
+                  <a:rPr lang="en-US">
+                    <a:noFill/>
+                  </a:rPr>
+                  <a:t> </a:t>
+                </a:r>
+              </a:p>
+            </p:txBody>
+          </p:sp>
+        </mc:Fallback>
+      </mc:AlternateContent>
+      <p:pic>
+        <p:nvPicPr>
+          <p:cNvPr id="10" name="Picture 9">
+            <a:extLst>
+              <a:ext uri="{FF2B5EF4-FFF2-40B4-BE49-F238E27FC236}">
+                <a16:creationId xmlns:a16="http://schemas.microsoft.com/office/drawing/2014/main" id="{19AC10E2-27C3-DC41-8F8F-E51EC978E244}"/>
+              </a:ext>
+            </a:extLst>
+          </p:cNvPr>
+          <p:cNvPicPr>
+            <a:picLocks noChangeAspect="1"/>
+          </p:cNvPicPr>
+          <p:nvPr/>
+        </p:nvPicPr>
+        <p:blipFill>
+          <a:blip r:embed="rId5"/>
+          <a:stretch>
+            <a:fillRect/>
+          </a:stretch>
+        </p:blipFill>
+        <p:spPr>
+          <a:xfrm>
+            <a:off x="7239000" y="340886"/>
+            <a:ext cx="1580119" cy="1016853"/>
+          </a:xfrm>
+          <a:prstGeom prst="rect">
+            <a:avLst/>
+          </a:prstGeom>
+        </p:spPr>
+      </p:pic>
+    </p:spTree>
+    <p:extLst>
+      <p:ext uri="{BB962C8B-B14F-4D97-AF65-F5344CB8AC3E}">
+        <p14:creationId xmlns:p14="http://schemas.microsoft.com/office/powerpoint/2010/main" val="3565867144"/>
+      </p:ext>
+    </p:extLst>
+  </p:cSld>
+  <p:clrMapOvr>
+    <a:masterClrMapping/>
+  </p:clrMapOvr>
+  <p:timing>
+    <p:tnLst>
+      <p:par>
+        <p:cTn id="1" dur="indefinite" restart="never" nodeType="tmRoot">
+          <p:childTnLst>
+            <p:seq concurrent="1" nextAc="seek">
+              <p:cTn id="2" dur="indefinite" nodeType="mainSeq">
+                <p:childTnLst>
+                  <p:par>
+                    <p:cTn id="3" fill="hold">
+                      <p:stCondLst>
+                        <p:cond delay="indefinite"/>
+                      </p:stCondLst>
+                      <p:childTnLst>
+                        <p:par>
+                          <p:cTn id="4" fill="hold">
+                            <p:stCondLst>
+                              <p:cond delay="0"/>
+                            </p:stCondLst>
+                            <p:childTnLst>
+                              <p:par>
+                                <p:cTn id="5" presetID="1" presetClass="entr" presetSubtype="0" fill="hold" grpId="0" nodeType="clickEffect">
+                                  <p:stCondLst>
+                                    <p:cond delay="0"/>
+                                  </p:stCondLst>
+                                  <p:childTnLst>
+                                    <p:set>
+                                      <p:cBhvr>
+                                        <p:cTn id="6" dur="1" fill="hold">
+                                          <p:stCondLst>
+                                            <p:cond delay="0"/>
+                                          </p:stCondLst>
+                                        </p:cTn>
+                                        <p:tgtEl>
+                                          <p:spTgt spid="8"/>
+                                        </p:tgtEl>
+                                        <p:attrNameLst>
+                                          <p:attrName>style.visibility</p:attrName>
+                                        </p:attrNameLst>
+                                      </p:cBhvr>
+                                      <p:to>
+                                        <p:strVal val="visible"/>
+                                      </p:to>
+                                    </p:set>
+                                  </p:childTnLst>
+                                </p:cTn>
+                              </p:par>
+                            </p:childTnLst>
+                          </p:cTn>
+                        </p:par>
+                      </p:childTnLst>
+                    </p:cTn>
+                  </p:par>
+                </p:childTnLst>
+              </p:cTn>
+              <p:prevCondLst>
+                <p:cond evt="onPrev" delay="0">
+                  <p:tgtEl>
+                    <p:sldTgt/>
+                  </p:tgtEl>
+                </p:cond>
+              </p:prevCondLst>
+              <p:nextCondLst>
+                <p:cond evt="onNext" delay="0">
+                  <p:tgtEl>
+                    <p:sldTgt/>
+                  </p:tgtEl>
+                </p:cond>
+              </p:nextCondLst>
+            </p:seq>
+          </p:childTnLst>
+        </p:cTn>
+      </p:par>
+    </p:tnLst>
+    <p:bldLst>
+      <p:bldP spid="8" grpId="0" animBg="1"/>
+    </p:bldLst>
+  </p:timing>
+</p:sld>
+</file>
+
+<file path=ppt/slides/slide12.xml><?xml version="1.0" encoding="utf-8"?>
+<p:sld xmlns:a="http://schemas.openxmlformats.org/drawingml/2006/main" xmlns:r="http://schemas.openxmlformats.org/officeDocument/2006/relationships" xmlns:p="http://schemas.openxmlformats.org/presentationml/2006/main">
+  <p:cSld>
+    <p:spTree>
+      <p:nvGrpSpPr>
+        <p:cNvPr id="1" name=""/>
+        <p:cNvGrpSpPr/>
+        <p:nvPr/>
+      </p:nvGrpSpPr>
+      <p:grpSpPr>
+        <a:xfrm>
+          <a:off x="0" y="0"/>
+          <a:ext cx="0" cy="0"/>
+          <a:chOff x="0" y="0"/>
+          <a:chExt cx="0" cy="0"/>
+        </a:xfrm>
+      </p:grpSpPr>
+      <p:sp>
+        <p:nvSpPr>
+          <p:cNvPr id="2" name="Title 1">
+            <a:extLst>
+              <a:ext uri="{FF2B5EF4-FFF2-40B4-BE49-F238E27FC236}">
+                <a16:creationId xmlns:a16="http://schemas.microsoft.com/office/drawing/2014/main" id="{9C2BD96D-3690-D44A-A934-65770ABE1223}"/>
+              </a:ext>
+            </a:extLst>
+          </p:cNvPr>
+          <p:cNvSpPr>
+            <a:spLocks noGrp="1"/>
+          </p:cNvSpPr>
+          <p:nvPr>
+            <p:ph type="title"/>
+          </p:nvPr>
+        </p:nvSpPr>
+        <p:spPr/>
+        <p:txBody>
+          <a:bodyPr/>
+          <a:lstStyle/>
+          <a:p>
+            <a:r>
+              <a:rPr lang="en-US" dirty="0"/>
+              <a:t>(Gauss) Newton</a:t>
+            </a:r>
+          </a:p>
+        </p:txBody>
+      </p:sp>
+      <p:sp>
+        <p:nvSpPr>
+          <p:cNvPr id="3" name="Slide Number Placeholder 2">
+            <a:extLst>
+              <a:ext uri="{FF2B5EF4-FFF2-40B4-BE49-F238E27FC236}">
+                <a16:creationId xmlns:a16="http://schemas.microsoft.com/office/drawing/2014/main" id="{763D1B43-FA9A-DD4F-A1B6-A78A72F8E91C}"/>
+              </a:ext>
+            </a:extLst>
+          </p:cNvPr>
+          <p:cNvSpPr>
+            <a:spLocks noGrp="1"/>
+          </p:cNvSpPr>
+          <p:nvPr>
+            <p:ph type="sldNum" sz="quarter" idx="11"/>
+          </p:nvPr>
+        </p:nvSpPr>
+        <p:spPr/>
+        <p:txBody>
+          <a:bodyPr/>
+          <a:lstStyle/>
+          <a:p>
+            <a:pPr>
+              <a:defRPr/>
+            </a:pPr>
+            <a:fld id="{2E4304A7-0FB2-4094-BC1E-DB17183AD0C1}" type="slidenum">
+              <a:rPr lang="en-US" altLang="x-none" smtClean="0"/>
+              <a:pPr>
+                <a:defRPr/>
+              </a:pPr>
+              <a:t>12</a:t>
+            </a:fld>
+            <a:endParaRPr lang="en-US" altLang="x-none"/>
+          </a:p>
+        </p:txBody>
+      </p:sp>
+      <p:pic>
+        <p:nvPicPr>
+          <p:cNvPr id="6" name="Picture 5">
+            <a:extLst>
+              <a:ext uri="{FF2B5EF4-FFF2-40B4-BE49-F238E27FC236}">
+                <a16:creationId xmlns:a16="http://schemas.microsoft.com/office/drawing/2014/main" id="{7D91EE08-F1EF-9B4A-9859-6E124B62A1A7}"/>
+              </a:ext>
+            </a:extLst>
+          </p:cNvPr>
+          <p:cNvPicPr>
+            <a:picLocks noChangeAspect="1"/>
+          </p:cNvPicPr>
+          <p:nvPr/>
+        </p:nvPicPr>
+        <p:blipFill>
+          <a:blip r:embed="rId2"/>
+          <a:stretch>
+            <a:fillRect/>
+          </a:stretch>
+        </p:blipFill>
+        <p:spPr>
+          <a:xfrm>
+            <a:off x="1981200" y="1828800"/>
+            <a:ext cx="5537200" cy="2984500"/>
+          </a:xfrm>
+          <a:prstGeom prst="rect">
+            <a:avLst/>
+          </a:prstGeom>
+        </p:spPr>
+      </p:pic>
+      <mc:AlternateContent xmlns:mc="http://schemas.openxmlformats.org/markup-compatibility/2006">
+        <mc:Choice xmlns:a14="http://schemas.microsoft.com/office/drawing/2010/main" Requires="a14">
+          <p:sp>
+            <p:nvSpPr>
+              <p:cNvPr id="7" name="TextBox 6">
+                <a:extLst>
+                  <a:ext uri="{FF2B5EF4-FFF2-40B4-BE49-F238E27FC236}">
+                    <a16:creationId xmlns:a16="http://schemas.microsoft.com/office/drawing/2014/main" id="{ECCCFE93-746F-3645-B95D-564D80625DA0}"/>
+                  </a:ext>
+                </a:extLst>
+              </p:cNvPr>
+              <p:cNvSpPr txBox="1"/>
+              <p:nvPr/>
+            </p:nvSpPr>
+            <p:spPr>
+              <a:xfrm>
+                <a:off x="1524000" y="4971010"/>
+                <a:ext cx="6391686" cy="1996316"/>
+              </a:xfrm>
+              <a:prstGeom prst="rect">
+                <a:avLst/>
+              </a:prstGeom>
+              <a:noFill/>
+            </p:spPr>
+            <p:txBody>
+              <a:bodyPr wrap="none" rtlCol="0">
+                <a:spAutoFit/>
+              </a:bodyPr>
+              <a:lstStyle/>
+              <a:p>
+                <a:r>
+                  <a:rPr lang="en-US" sz="2000" dirty="0"/>
+                  <a:t>Newton’s method for finding roots, that is where </a:t>
+                </a:r>
+                <a:r>
+                  <a:rPr lang="en-US" sz="2000" i="1" dirty="0"/>
+                  <a:t>f(x)=0.</a:t>
+                </a:r>
+              </a:p>
+              <a:p>
+                <a:pPr marL="342900" indent="-342900">
+                  <a:buFont typeface="+mj-lt"/>
+                  <a:buAutoNum type="arabicPeriod"/>
+                </a:pPr>
+                <a:r>
+                  <a:rPr lang="en-US" sz="2000" dirty="0"/>
+                  <a:t>Approximation : </a:t>
+                </a:r>
+                <a14:m>
+                  <m:oMath xmlns:m="http://schemas.openxmlformats.org/officeDocument/2006/math">
+                    <m:r>
+                      <a:rPr lang="en-US" sz="2000" b="0" i="0" smtClean="0">
+                        <a:latin typeface="Cambria Math" panose="02040503050406030204" pitchFamily="18" charset="0"/>
+                      </a:rPr>
+                      <m:t>0=</m:t>
+                    </m:r>
+                    <m:r>
+                      <a:rPr lang="en-US" sz="2000" b="0" i="1" smtClean="0">
+                        <a:latin typeface="Cambria Math" panose="02040503050406030204" pitchFamily="18" charset="0"/>
+                      </a:rPr>
+                      <m:t>𝑓</m:t>
+                    </m:r>
+                    <m:d>
+                      <m:dPr>
+                        <m:ctrlPr>
+                          <a:rPr lang="en-US" sz="2000" b="0" i="1" smtClean="0">
+                            <a:latin typeface="Cambria Math" panose="02040503050406030204" pitchFamily="18" charset="0"/>
+                          </a:rPr>
+                        </m:ctrlPr>
+                      </m:dPr>
+                      <m:e>
+                        <m:r>
+                          <a:rPr lang="en-US" sz="2000" b="0" i="1" smtClean="0">
+                            <a:latin typeface="Cambria Math" panose="02040503050406030204" pitchFamily="18" charset="0"/>
+                          </a:rPr>
+                          <m:t>𝑥</m:t>
+                        </m:r>
+                      </m:e>
+                    </m:d>
+                    <m:r>
+                      <a:rPr lang="en-US" sz="2000" b="0" i="1" smtClean="0">
+                        <a:latin typeface="Cambria Math" panose="02040503050406030204" pitchFamily="18" charset="0"/>
+                      </a:rPr>
+                      <m:t>≈</m:t>
+                    </m:r>
+                    <m:sSub>
+                      <m:sSubPr>
+                        <m:ctrlPr>
+                          <a:rPr lang="en-US" sz="2000" b="0" i="1" smtClean="0">
+                            <a:latin typeface="Cambria Math" panose="02040503050406030204" pitchFamily="18" charset="0"/>
+                          </a:rPr>
+                        </m:ctrlPr>
+                      </m:sSubPr>
+                      <m:e>
+                        <m:r>
+                          <a:rPr lang="en-US" sz="2000" b="0" i="1" smtClean="0">
+                            <a:latin typeface="Cambria Math" panose="02040503050406030204" pitchFamily="18" charset="0"/>
+                          </a:rPr>
+                          <m:t>𝑥</m:t>
+                        </m:r>
+                      </m:e>
+                      <m:sub>
+                        <m:r>
+                          <a:rPr lang="en-US" sz="2000" b="0" i="1" smtClean="0">
+                            <a:latin typeface="Cambria Math" panose="02040503050406030204" pitchFamily="18" charset="0"/>
+                          </a:rPr>
+                          <m:t>0</m:t>
+                        </m:r>
+                      </m:sub>
+                    </m:sSub>
+                    <m:r>
+                      <a:rPr lang="en-US" sz="2000" b="0" i="1" smtClean="0">
+                        <a:latin typeface="Cambria Math" panose="02040503050406030204" pitchFamily="18" charset="0"/>
+                      </a:rPr>
+                      <m:t>+</m:t>
+                    </m:r>
+                    <m:sSup>
+                      <m:sSupPr>
+                        <m:ctrlPr>
+                          <a:rPr lang="en-US" sz="2000" b="0" i="1" smtClean="0">
+                            <a:latin typeface="Cambria Math" panose="02040503050406030204" pitchFamily="18" charset="0"/>
+                          </a:rPr>
+                        </m:ctrlPr>
+                      </m:sSupPr>
+                      <m:e>
+                        <m:r>
+                          <a:rPr lang="en-US" sz="2000" b="0" i="1" smtClean="0">
+                            <a:latin typeface="Cambria Math" panose="02040503050406030204" pitchFamily="18" charset="0"/>
+                          </a:rPr>
+                          <m:t>𝑓</m:t>
+                        </m:r>
+                      </m:e>
+                      <m:sup>
+                        <m:r>
+                          <a:rPr lang="en-US" sz="2000" b="0" i="1" smtClean="0">
+                            <a:latin typeface="Cambria Math" panose="02040503050406030204" pitchFamily="18" charset="0"/>
+                          </a:rPr>
+                          <m:t>′</m:t>
+                        </m:r>
+                      </m:sup>
+                    </m:sSup>
+                    <m:d>
+                      <m:dPr>
+                        <m:ctrlPr>
+                          <a:rPr lang="en-US" sz="2000" b="0" i="1" smtClean="0">
+                            <a:latin typeface="Cambria Math" panose="02040503050406030204" pitchFamily="18" charset="0"/>
+                          </a:rPr>
+                        </m:ctrlPr>
+                      </m:dPr>
+                      <m:e>
+                        <m:sSub>
+                          <m:sSubPr>
+                            <m:ctrlPr>
+                              <a:rPr lang="en-US" sz="2000" b="0" i="1" smtClean="0">
+                                <a:latin typeface="Cambria Math" panose="02040503050406030204" pitchFamily="18" charset="0"/>
+                              </a:rPr>
+                            </m:ctrlPr>
+                          </m:sSubPr>
+                          <m:e>
+                            <m:r>
+                              <a:rPr lang="en-US" sz="2000" b="0" i="1" smtClean="0">
+                                <a:latin typeface="Cambria Math" panose="02040503050406030204" pitchFamily="18" charset="0"/>
+                              </a:rPr>
+                              <m:t>𝑥</m:t>
+                            </m:r>
+                          </m:e>
+                          <m:sub>
+                            <m:r>
+                              <a:rPr lang="en-US" sz="2000" b="0" i="1" smtClean="0">
+                                <a:latin typeface="Cambria Math" panose="02040503050406030204" pitchFamily="18" charset="0"/>
+                              </a:rPr>
+                              <m:t>0</m:t>
+                            </m:r>
+                          </m:sub>
+                        </m:sSub>
+                      </m:e>
+                    </m:d>
+                    <m:d>
+                      <m:dPr>
+                        <m:ctrlPr>
+                          <a:rPr lang="en-US" sz="2000" b="0" i="1" smtClean="0">
+                            <a:latin typeface="Cambria Math" panose="02040503050406030204" pitchFamily="18" charset="0"/>
+                          </a:rPr>
+                        </m:ctrlPr>
+                      </m:dPr>
+                      <m:e>
+                        <m:r>
+                          <a:rPr lang="en-US" sz="2000" b="0" i="1" smtClean="0">
+                            <a:latin typeface="Cambria Math" panose="02040503050406030204" pitchFamily="18" charset="0"/>
+                          </a:rPr>
+                          <m:t>𝑥</m:t>
+                        </m:r>
+                        <m:r>
+                          <a:rPr lang="en-US" sz="2000" b="0" i="1" smtClean="0">
+                            <a:latin typeface="Cambria Math" panose="02040503050406030204" pitchFamily="18" charset="0"/>
+                          </a:rPr>
+                          <m:t>−</m:t>
+                        </m:r>
+                        <m:sSub>
+                          <m:sSubPr>
+                            <m:ctrlPr>
+                              <a:rPr lang="en-US" sz="2000" b="0" i="1" smtClean="0">
+                                <a:latin typeface="Cambria Math" panose="02040503050406030204" pitchFamily="18" charset="0"/>
+                              </a:rPr>
+                            </m:ctrlPr>
+                          </m:sSubPr>
+                          <m:e>
+                            <m:r>
+                              <a:rPr lang="en-US" sz="2000" b="0" i="1" smtClean="0">
+                                <a:latin typeface="Cambria Math" panose="02040503050406030204" pitchFamily="18" charset="0"/>
+                              </a:rPr>
+                              <m:t>𝑥</m:t>
+                            </m:r>
+                          </m:e>
+                          <m:sub>
+                            <m:r>
+                              <a:rPr lang="en-US" sz="2000" b="0" i="1" smtClean="0">
+                                <a:latin typeface="Cambria Math" panose="02040503050406030204" pitchFamily="18" charset="0"/>
+                              </a:rPr>
+                              <m:t>0</m:t>
+                            </m:r>
+                          </m:sub>
+                        </m:sSub>
+                      </m:e>
+                    </m:d>
+                  </m:oMath>
+                </a14:m>
+                <a:endParaRPr lang="en-US" sz="2000" b="0" dirty="0"/>
+              </a:p>
+              <a:p>
+                <a:pPr marL="342900" indent="-342900">
+                  <a:buFont typeface="+mj-lt"/>
+                  <a:buAutoNum type="arabicPeriod"/>
+                </a:pPr>
+                <a:r>
+                  <a:rPr lang="en-US" sz="2000" dirty="0"/>
+                  <a:t>With simple algebra: </a:t>
+                </a:r>
+                <a14:m>
+                  <m:oMath xmlns:m="http://schemas.openxmlformats.org/officeDocument/2006/math">
+                    <m:r>
+                      <a:rPr lang="en-US" sz="2000" b="0" i="1" smtClean="0">
+                        <a:latin typeface="Cambria Math" panose="02040503050406030204" pitchFamily="18" charset="0"/>
+                      </a:rPr>
+                      <m:t>𝑥</m:t>
+                    </m:r>
+                    <m:r>
+                      <a:rPr lang="en-US" sz="2000" b="0" i="1" smtClean="0">
+                        <a:latin typeface="Cambria Math" panose="02040503050406030204" pitchFamily="18" charset="0"/>
+                      </a:rPr>
+                      <m:t>=</m:t>
+                    </m:r>
+                    <m:sSub>
+                      <m:sSubPr>
+                        <m:ctrlPr>
+                          <a:rPr lang="en-US" sz="2000" b="0" i="1" smtClean="0">
+                            <a:latin typeface="Cambria Math" panose="02040503050406030204" pitchFamily="18" charset="0"/>
+                          </a:rPr>
+                        </m:ctrlPr>
+                      </m:sSubPr>
+                      <m:e>
+                        <m:r>
+                          <a:rPr lang="en-US" sz="2000" b="0" i="1" smtClean="0">
+                            <a:latin typeface="Cambria Math" panose="02040503050406030204" pitchFamily="18" charset="0"/>
+                          </a:rPr>
+                          <m:t>𝑥</m:t>
+                        </m:r>
+                      </m:e>
+                      <m:sub>
+                        <m:r>
+                          <a:rPr lang="en-US" sz="2000" b="0" i="1" smtClean="0">
+                            <a:latin typeface="Cambria Math" panose="02040503050406030204" pitchFamily="18" charset="0"/>
+                          </a:rPr>
+                          <m:t>0</m:t>
+                        </m:r>
+                      </m:sub>
+                    </m:sSub>
+                    <m:r>
+                      <a:rPr lang="en-US" sz="2000" b="0" i="1" smtClean="0">
+                        <a:latin typeface="Cambria Math" panose="02040503050406030204" pitchFamily="18" charset="0"/>
+                      </a:rPr>
+                      <m:t>−</m:t>
+                    </m:r>
+                    <m:f>
+                      <m:fPr>
+                        <m:ctrlPr>
+                          <a:rPr lang="en-US" sz="2000" b="0" i="1" smtClean="0">
+                            <a:latin typeface="Cambria Math" panose="02040503050406030204" pitchFamily="18" charset="0"/>
+                          </a:rPr>
+                        </m:ctrlPr>
+                      </m:fPr>
+                      <m:num>
+                        <m:r>
+                          <a:rPr lang="en-US" sz="2000" b="0" i="1" smtClean="0">
+                            <a:latin typeface="Cambria Math" panose="02040503050406030204" pitchFamily="18" charset="0"/>
+                          </a:rPr>
+                          <m:t>𝑓</m:t>
+                        </m:r>
+                        <m:r>
+                          <a:rPr lang="en-US" sz="2000" b="0" i="1" smtClean="0">
+                            <a:latin typeface="Cambria Math" panose="02040503050406030204" pitchFamily="18" charset="0"/>
+                          </a:rPr>
+                          <m:t>(</m:t>
+                        </m:r>
+                        <m:sSub>
+                          <m:sSubPr>
+                            <m:ctrlPr>
+                              <a:rPr lang="en-US" sz="2000" b="0" i="1" smtClean="0">
+                                <a:latin typeface="Cambria Math" panose="02040503050406030204" pitchFamily="18" charset="0"/>
+                              </a:rPr>
+                            </m:ctrlPr>
+                          </m:sSubPr>
+                          <m:e>
+                            <m:r>
+                              <a:rPr lang="en-US" sz="2000" b="0" i="1" smtClean="0">
+                                <a:latin typeface="Cambria Math" panose="02040503050406030204" pitchFamily="18" charset="0"/>
+                              </a:rPr>
+                              <m:t>𝑥</m:t>
+                            </m:r>
+                          </m:e>
+                          <m:sub>
+                            <m:r>
+                              <a:rPr lang="en-US" sz="2000" b="0" i="1" smtClean="0">
+                                <a:latin typeface="Cambria Math" panose="02040503050406030204" pitchFamily="18" charset="0"/>
+                              </a:rPr>
+                              <m:t>0</m:t>
+                            </m:r>
+                          </m:sub>
+                        </m:sSub>
+                        <m:r>
+                          <a:rPr lang="en-US" sz="2000" b="0" i="1" smtClean="0">
+                            <a:latin typeface="Cambria Math" panose="02040503050406030204" pitchFamily="18" charset="0"/>
+                          </a:rPr>
+                          <m:t>)</m:t>
+                        </m:r>
+                      </m:num>
+                      <m:den>
+                        <m:r>
+                          <a:rPr lang="en-US" sz="2000" b="0" i="1" smtClean="0">
+                            <a:latin typeface="Cambria Math" panose="02040503050406030204" pitchFamily="18" charset="0"/>
+                          </a:rPr>
+                          <m:t>𝑓</m:t>
+                        </m:r>
+                        <m:r>
+                          <a:rPr lang="en-US" sz="2000" b="0" i="1" smtClean="0">
+                            <a:latin typeface="Cambria Math" panose="02040503050406030204" pitchFamily="18" charset="0"/>
+                          </a:rPr>
+                          <m:t>′(</m:t>
+                        </m:r>
+                        <m:sSub>
+                          <m:sSubPr>
+                            <m:ctrlPr>
+                              <a:rPr lang="en-US" sz="2000" b="0" i="1" smtClean="0">
+                                <a:latin typeface="Cambria Math" panose="02040503050406030204" pitchFamily="18" charset="0"/>
+                              </a:rPr>
+                            </m:ctrlPr>
+                          </m:sSubPr>
+                          <m:e>
+                            <m:r>
+                              <a:rPr lang="en-US" sz="2000" b="0" i="1" smtClean="0">
+                                <a:latin typeface="Cambria Math" panose="02040503050406030204" pitchFamily="18" charset="0"/>
+                              </a:rPr>
+                              <m:t>𝑥</m:t>
+                            </m:r>
+                          </m:e>
+                          <m:sub>
+                            <m:r>
+                              <a:rPr lang="en-US" sz="2000" b="0" i="1" smtClean="0">
+                                <a:latin typeface="Cambria Math" panose="02040503050406030204" pitchFamily="18" charset="0"/>
+                              </a:rPr>
+                              <m:t>0</m:t>
+                            </m:r>
+                          </m:sub>
+                        </m:sSub>
+                        <m:r>
+                          <a:rPr lang="en-US" sz="2000" b="0" i="1" smtClean="0">
+                            <a:latin typeface="Cambria Math" panose="02040503050406030204" pitchFamily="18" charset="0"/>
+                          </a:rPr>
+                          <m:t>)</m:t>
+                        </m:r>
+                      </m:den>
+                    </m:f>
+                  </m:oMath>
+                </a14:m>
+                <a:endParaRPr lang="en-US" sz="2000" dirty="0"/>
+              </a:p>
+              <a:p>
+                <a:pPr marL="342900" indent="-342900">
+                  <a:buFont typeface="+mj-lt"/>
+                  <a:buAutoNum type="arabicPeriod"/>
+                </a:pPr>
+                <a14:m>
+                  <m:oMath xmlns:m="http://schemas.openxmlformats.org/officeDocument/2006/math">
+                    <m:sSub>
+                      <m:sSubPr>
+                        <m:ctrlPr>
+                          <a:rPr lang="en-US" sz="2000" b="0" i="1" smtClean="0">
+                            <a:latin typeface="Cambria Math" panose="02040503050406030204" pitchFamily="18" charset="0"/>
+                          </a:rPr>
+                        </m:ctrlPr>
+                      </m:sSubPr>
+                      <m:e>
+                        <m:r>
+                          <a:rPr lang="en-US" sz="2000" b="0" i="1" smtClean="0">
+                            <a:latin typeface="Cambria Math" panose="02040503050406030204" pitchFamily="18" charset="0"/>
+                          </a:rPr>
+                          <m:t>𝑥</m:t>
+                        </m:r>
+                      </m:e>
+                      <m:sub>
+                        <m:r>
+                          <a:rPr lang="en-US" sz="2000" b="0" i="1" smtClean="0">
+                            <a:latin typeface="Cambria Math" panose="02040503050406030204" pitchFamily="18" charset="0"/>
+                          </a:rPr>
+                          <m:t>𝑛</m:t>
+                        </m:r>
+                      </m:sub>
+                    </m:sSub>
+                    <m:r>
+                      <a:rPr lang="en-US" sz="2000" b="0" i="1" smtClean="0">
+                        <a:latin typeface="Cambria Math" panose="02040503050406030204" pitchFamily="18" charset="0"/>
+                      </a:rPr>
+                      <m:t>=</m:t>
+                    </m:r>
+                    <m:sSub>
+                      <m:sSubPr>
+                        <m:ctrlPr>
+                          <a:rPr lang="en-US" sz="2000" b="0" i="1" smtClean="0">
+                            <a:latin typeface="Cambria Math" panose="02040503050406030204" pitchFamily="18" charset="0"/>
+                          </a:rPr>
+                        </m:ctrlPr>
+                      </m:sSubPr>
+                      <m:e>
+                        <m:r>
+                          <a:rPr lang="en-US" sz="2000" b="0" i="1" smtClean="0">
+                            <a:latin typeface="Cambria Math" panose="02040503050406030204" pitchFamily="18" charset="0"/>
+                          </a:rPr>
+                          <m:t>𝑥</m:t>
+                        </m:r>
+                      </m:e>
+                      <m:sub>
+                        <m:r>
+                          <a:rPr lang="en-US" sz="2000" b="0" i="1" smtClean="0">
+                            <a:latin typeface="Cambria Math" panose="02040503050406030204" pitchFamily="18" charset="0"/>
+                          </a:rPr>
+                          <m:t>𝑛</m:t>
+                        </m:r>
+                        <m:r>
+                          <a:rPr lang="en-US" sz="2000" b="0" i="1" smtClean="0">
+                            <a:latin typeface="Cambria Math" panose="02040503050406030204" pitchFamily="18" charset="0"/>
+                          </a:rPr>
+                          <m:t>−1</m:t>
+                        </m:r>
+                      </m:sub>
+                    </m:sSub>
+                    <m:r>
+                      <a:rPr lang="en-US" sz="2000" b="0" i="1" smtClean="0">
+                        <a:latin typeface="Cambria Math" panose="02040503050406030204" pitchFamily="18" charset="0"/>
+                      </a:rPr>
+                      <m:t>−</m:t>
+                    </m:r>
+                    <m:f>
+                      <m:fPr>
+                        <m:ctrlPr>
+                          <a:rPr lang="en-US" sz="2000" b="0" i="1" smtClean="0">
+                            <a:latin typeface="Cambria Math" panose="02040503050406030204" pitchFamily="18" charset="0"/>
+                          </a:rPr>
+                        </m:ctrlPr>
+                      </m:fPr>
+                      <m:num>
+                        <m:r>
+                          <a:rPr lang="en-US" sz="2000" b="0" i="1" smtClean="0">
+                            <a:latin typeface="Cambria Math" panose="02040503050406030204" pitchFamily="18" charset="0"/>
+                          </a:rPr>
+                          <m:t>𝑓</m:t>
+                        </m:r>
+                        <m:r>
+                          <a:rPr lang="en-US" sz="2000" b="0" i="1" smtClean="0">
+                            <a:latin typeface="Cambria Math" panose="02040503050406030204" pitchFamily="18" charset="0"/>
+                          </a:rPr>
+                          <m:t>(</m:t>
+                        </m:r>
+                        <m:sSub>
+                          <m:sSubPr>
+                            <m:ctrlPr>
+                              <a:rPr lang="en-US" sz="2000" b="0" i="1" smtClean="0">
+                                <a:latin typeface="Cambria Math" panose="02040503050406030204" pitchFamily="18" charset="0"/>
+                              </a:rPr>
+                            </m:ctrlPr>
+                          </m:sSubPr>
+                          <m:e>
+                            <m:r>
+                              <a:rPr lang="en-US" sz="2000" b="0" i="1" smtClean="0">
+                                <a:latin typeface="Cambria Math" panose="02040503050406030204" pitchFamily="18" charset="0"/>
+                              </a:rPr>
+                              <m:t>𝑥</m:t>
+                            </m:r>
+                          </m:e>
+                          <m:sub>
+                            <m:r>
+                              <a:rPr lang="en-US" sz="2000" b="0" i="1" smtClean="0">
+                                <a:latin typeface="Cambria Math" panose="02040503050406030204" pitchFamily="18" charset="0"/>
+                              </a:rPr>
+                              <m:t>𝑛</m:t>
+                            </m:r>
+                            <m:r>
+                              <a:rPr lang="en-US" sz="2000" b="0" i="1" smtClean="0">
+                                <a:latin typeface="Cambria Math" panose="02040503050406030204" pitchFamily="18" charset="0"/>
+                              </a:rPr>
+                              <m:t>−1</m:t>
+                            </m:r>
+                          </m:sub>
+                        </m:sSub>
+                        <m:r>
+                          <a:rPr lang="en-US" sz="2000" b="0" i="1" smtClean="0">
+                            <a:latin typeface="Cambria Math" panose="02040503050406030204" pitchFamily="18" charset="0"/>
+                          </a:rPr>
+                          <m:t>)</m:t>
+                        </m:r>
+                      </m:num>
+                      <m:den>
+                        <m:r>
+                          <a:rPr lang="en-US" sz="2000" i="1">
+                            <a:latin typeface="Cambria Math" panose="02040503050406030204" pitchFamily="18" charset="0"/>
+                          </a:rPr>
+                          <m:t>𝑓</m:t>
+                        </m:r>
+                        <m:r>
+                          <a:rPr lang="en-US" sz="2000" b="0" i="1" smtClean="0">
+                            <a:latin typeface="Cambria Math" panose="02040503050406030204" pitchFamily="18" charset="0"/>
+                          </a:rPr>
+                          <m:t>′</m:t>
+                        </m:r>
+                        <m:r>
+                          <a:rPr lang="en-US" sz="2000" i="1">
+                            <a:latin typeface="Cambria Math" panose="02040503050406030204" pitchFamily="18" charset="0"/>
+                          </a:rPr>
+                          <m:t>(</m:t>
+                        </m:r>
+                        <m:sSub>
+                          <m:sSubPr>
+                            <m:ctrlPr>
+                              <a:rPr lang="en-US" sz="2000" i="1">
+                                <a:latin typeface="Cambria Math" panose="02040503050406030204" pitchFamily="18" charset="0"/>
+                              </a:rPr>
+                            </m:ctrlPr>
+                          </m:sSubPr>
+                          <m:e>
+                            <m:r>
+                              <a:rPr lang="en-US" sz="2000" i="1">
+                                <a:latin typeface="Cambria Math" panose="02040503050406030204" pitchFamily="18" charset="0"/>
+                              </a:rPr>
+                              <m:t>𝑥</m:t>
+                            </m:r>
+                          </m:e>
+                          <m:sub>
+                            <m:r>
+                              <a:rPr lang="en-US" sz="2000" i="1">
+                                <a:latin typeface="Cambria Math" panose="02040503050406030204" pitchFamily="18" charset="0"/>
+                              </a:rPr>
+                              <m:t>𝑛</m:t>
+                            </m:r>
+                            <m:r>
+                              <a:rPr lang="en-US" sz="2000" i="1">
+                                <a:latin typeface="Cambria Math" panose="02040503050406030204" pitchFamily="18" charset="0"/>
+                              </a:rPr>
+                              <m:t>−1</m:t>
+                            </m:r>
+                          </m:sub>
+                        </m:sSub>
+                        <m:r>
+                          <a:rPr lang="en-US" sz="2000" i="1">
+                            <a:latin typeface="Cambria Math" panose="02040503050406030204" pitchFamily="18" charset="0"/>
+                          </a:rPr>
+                          <m:t>)</m:t>
+                        </m:r>
+                      </m:den>
+                    </m:f>
+                  </m:oMath>
+                </a14:m>
+                <a:endParaRPr lang="en-US" sz="2000" dirty="0"/>
+              </a:p>
+              <a:p>
+                <a:endParaRPr lang="en-US" sz="2000" dirty="0"/>
+              </a:p>
+            </p:txBody>
+          </p:sp>
+        </mc:Choice>
+        <mc:Fallback>
+          <p:sp>
+            <p:nvSpPr>
+              <p:cNvPr id="7" name="TextBox 6">
+                <a:extLst>
+                  <a:ext uri="{FF2B5EF4-FFF2-40B4-BE49-F238E27FC236}">
+                    <a16:creationId xmlns:a16="http://schemas.microsoft.com/office/drawing/2014/main" id="{ECCCFE93-746F-3645-B95D-564D80625DA0}"/>
+                  </a:ext>
+                </a:extLst>
+              </p:cNvPr>
+              <p:cNvSpPr txBox="1">
+                <a:spLocks noRot="1" noChangeAspect="1" noMove="1" noResize="1" noEditPoints="1" noAdjustHandles="1" noChangeArrowheads="1" noChangeShapeType="1" noTextEdit="1"/>
+              </p:cNvSpPr>
+              <p:nvPr/>
+            </p:nvSpPr>
+            <p:spPr>
+              <a:xfrm>
+                <a:off x="1524000" y="4971010"/>
+                <a:ext cx="6391686" cy="1996316"/>
+              </a:xfrm>
+              <a:prstGeom prst="rect">
+                <a:avLst/>
+              </a:prstGeom>
+              <a:blipFill>
+                <a:blip r:embed="rId3"/>
+                <a:stretch>
+                  <a:fillRect l="-994" t="-1258"/>
                 </a:stretch>
               </a:blipFill>
             </p:spPr>
@@ -5564,14 +6969,20 @@
       </mc:AlternateContent>
       <p:sp>
         <p:nvSpPr>
-          <p:cNvPr id="3" name="TextBox 2"/>
+          <p:cNvPr id="8" name="TextBox 7">
+            <a:extLst>
+              <a:ext uri="{FF2B5EF4-FFF2-40B4-BE49-F238E27FC236}">
+                <a16:creationId xmlns:a16="http://schemas.microsoft.com/office/drawing/2014/main" id="{6F54DF09-C715-F649-8100-DC58B441AE0B}"/>
+              </a:ext>
+            </a:extLst>
+          </p:cNvPr>
           <p:cNvSpPr txBox="1"/>
           <p:nvPr/>
         </p:nvSpPr>
         <p:spPr>
           <a:xfrm>
-            <a:off x="190819" y="1795141"/>
-            <a:ext cx="9124614" cy="1708160"/>
+            <a:off x="990600" y="986135"/>
+            <a:ext cx="6049285" cy="461665"/>
           </a:xfrm>
           <a:prstGeom prst="rect">
             <a:avLst/>
@@ -5585,36 +6996,606 @@
           <a:lstStyle/>
           <a:p>
             <a:r>
-              <a:rPr lang="en-US" sz="2100" dirty="0"/>
-              <a:t>In gradient descent movement is perpendicular to the counter lines.</a:t>
-            </a:r>
-          </a:p>
-          <a:p>
-            <a:endParaRPr lang="en-US" sz="2100" dirty="0"/>
-          </a:p>
-          <a:p>
-            <a:r>
-              <a:rPr lang="en-US" sz="2100" dirty="0"/>
-              <a:t>Major problem is judging how far to travel at each step.  There is therefore </a:t>
-            </a:r>
-          </a:p>
-          <a:p>
-            <a:r>
-              <a:rPr lang="en-US" sz="2100" dirty="0"/>
-              <a:t>a tendency to either overshoot of take small steps and take tool long to get </a:t>
-            </a:r>
-          </a:p>
-          <a:p>
-            <a:r>
-              <a:rPr lang="en-US" sz="2100" dirty="0"/>
-              <a:t>the bottom of the fitness landscape.</a:t>
+              <a:rPr lang="en-US" sz="2400" dirty="0"/>
+              <a:t>Extends Newton’s method for finding roots.</a:t>
             </a:r>
           </a:p>
         </p:txBody>
       </p:sp>
       <p:pic>
         <p:nvPicPr>
-          <p:cNvPr id="5" name="Picture 4"/>
+          <p:cNvPr id="9" name="Picture 8">
+            <a:extLst>
+              <a:ext uri="{FF2B5EF4-FFF2-40B4-BE49-F238E27FC236}">
+                <a16:creationId xmlns:a16="http://schemas.microsoft.com/office/drawing/2014/main" id="{3A4F5491-3068-B640-8CCD-B8A2E0A926DE}"/>
+              </a:ext>
+            </a:extLst>
+          </p:cNvPr>
+          <p:cNvPicPr>
+            <a:picLocks noChangeAspect="1"/>
+          </p:cNvPicPr>
+          <p:nvPr/>
+        </p:nvPicPr>
+        <p:blipFill>
+          <a:blip r:embed="rId4"/>
+          <a:stretch>
+            <a:fillRect/>
+          </a:stretch>
+        </p:blipFill>
+        <p:spPr>
+          <a:xfrm>
+            <a:off x="7239000" y="340886"/>
+            <a:ext cx="1580119" cy="1016853"/>
+          </a:xfrm>
+          <a:prstGeom prst="rect">
+            <a:avLst/>
+          </a:prstGeom>
+        </p:spPr>
+      </p:pic>
+    </p:spTree>
+    <p:extLst>
+      <p:ext uri="{BB962C8B-B14F-4D97-AF65-F5344CB8AC3E}">
+        <p14:creationId xmlns:p14="http://schemas.microsoft.com/office/powerpoint/2010/main" val="3142362544"/>
+      </p:ext>
+    </p:extLst>
+  </p:cSld>
+  <p:clrMapOvr>
+    <a:masterClrMapping/>
+  </p:clrMapOvr>
+  <p:timing>
+    <p:tnLst>
+      <p:par>
+        <p:cTn id="1" dur="indefinite" restart="never" nodeType="tmRoot">
+          <p:childTnLst>
+            <p:seq concurrent="1" nextAc="seek">
+              <p:cTn id="2" dur="indefinite" nodeType="mainSeq">
+                <p:childTnLst>
+                  <p:par>
+                    <p:cTn id="3" fill="hold">
+                      <p:stCondLst>
+                        <p:cond delay="indefinite"/>
+                      </p:stCondLst>
+                      <p:childTnLst>
+                        <p:par>
+                          <p:cTn id="4" fill="hold">
+                            <p:stCondLst>
+                              <p:cond delay="0"/>
+                            </p:stCondLst>
+                            <p:childTnLst>
+                              <p:par>
+                                <p:cTn id="5" presetID="1" presetClass="entr" presetSubtype="0" fill="hold" nodeType="clickEffect">
+                                  <p:stCondLst>
+                                    <p:cond delay="0"/>
+                                  </p:stCondLst>
+                                  <p:childTnLst>
+                                    <p:set>
+                                      <p:cBhvr>
+                                        <p:cTn id="6" dur="1" fill="hold">
+                                          <p:stCondLst>
+                                            <p:cond delay="0"/>
+                                          </p:stCondLst>
+                                        </p:cTn>
+                                        <p:tgtEl>
+                                          <p:spTgt spid="6"/>
+                                        </p:tgtEl>
+                                        <p:attrNameLst>
+                                          <p:attrName>style.visibility</p:attrName>
+                                        </p:attrNameLst>
+                                      </p:cBhvr>
+                                      <p:to>
+                                        <p:strVal val="visible"/>
+                                      </p:to>
+                                    </p:set>
+                                  </p:childTnLst>
+                                </p:cTn>
+                              </p:par>
+                            </p:childTnLst>
+                          </p:cTn>
+                        </p:par>
+                      </p:childTnLst>
+                    </p:cTn>
+                  </p:par>
+                  <p:par>
+                    <p:cTn id="7" fill="hold">
+                      <p:stCondLst>
+                        <p:cond delay="indefinite"/>
+                      </p:stCondLst>
+                      <p:childTnLst>
+                        <p:par>
+                          <p:cTn id="8" fill="hold">
+                            <p:stCondLst>
+                              <p:cond delay="0"/>
+                            </p:stCondLst>
+                            <p:childTnLst>
+                              <p:par>
+                                <p:cTn id="9" presetID="1" presetClass="entr" presetSubtype="0" fill="hold" grpId="0" nodeType="clickEffect">
+                                  <p:stCondLst>
+                                    <p:cond delay="0"/>
+                                  </p:stCondLst>
+                                  <p:childTnLst>
+                                    <p:set>
+                                      <p:cBhvr>
+                                        <p:cTn id="10" dur="1" fill="hold">
+                                          <p:stCondLst>
+                                            <p:cond delay="0"/>
+                                          </p:stCondLst>
+                                        </p:cTn>
+                                        <p:tgtEl>
+                                          <p:spTgt spid="7"/>
+                                        </p:tgtEl>
+                                        <p:attrNameLst>
+                                          <p:attrName>style.visibility</p:attrName>
+                                        </p:attrNameLst>
+                                      </p:cBhvr>
+                                      <p:to>
+                                        <p:strVal val="visible"/>
+                                      </p:to>
+                                    </p:set>
+                                  </p:childTnLst>
+                                </p:cTn>
+                              </p:par>
+                            </p:childTnLst>
+                          </p:cTn>
+                        </p:par>
+                      </p:childTnLst>
+                    </p:cTn>
+                  </p:par>
+                </p:childTnLst>
+              </p:cTn>
+              <p:prevCondLst>
+                <p:cond evt="onPrev" delay="0">
+                  <p:tgtEl>
+                    <p:sldTgt/>
+                  </p:tgtEl>
+                </p:cond>
+              </p:prevCondLst>
+              <p:nextCondLst>
+                <p:cond evt="onNext" delay="0">
+                  <p:tgtEl>
+                    <p:sldTgt/>
+                  </p:tgtEl>
+                </p:cond>
+              </p:nextCondLst>
+            </p:seq>
+          </p:childTnLst>
+        </p:cTn>
+      </p:par>
+    </p:tnLst>
+    <p:bldLst>
+      <p:bldP spid="7" grpId="0"/>
+    </p:bldLst>
+  </p:timing>
+</p:sld>
+</file>
+
+<file path=ppt/slides/slide13.xml><?xml version="1.0" encoding="utf-8"?>
+<p:sld xmlns:a="http://schemas.openxmlformats.org/drawingml/2006/main" xmlns:r="http://schemas.openxmlformats.org/officeDocument/2006/relationships" xmlns:p="http://schemas.openxmlformats.org/presentationml/2006/main">
+  <p:cSld>
+    <p:spTree>
+      <p:nvGrpSpPr>
+        <p:cNvPr id="1" name=""/>
+        <p:cNvGrpSpPr/>
+        <p:nvPr/>
+      </p:nvGrpSpPr>
+      <p:grpSpPr>
+        <a:xfrm>
+          <a:off x="0" y="0"/>
+          <a:ext cx="0" cy="0"/>
+          <a:chOff x="0" y="0"/>
+          <a:chExt cx="0" cy="0"/>
+        </a:xfrm>
+      </p:grpSpPr>
+      <p:sp>
+        <p:nvSpPr>
+          <p:cNvPr id="2" name="Title 1">
+            <a:extLst>
+              <a:ext uri="{FF2B5EF4-FFF2-40B4-BE49-F238E27FC236}">
+                <a16:creationId xmlns:a16="http://schemas.microsoft.com/office/drawing/2014/main" id="{B9193A0C-4940-BC4F-8053-1C3BFB651B23}"/>
+              </a:ext>
+            </a:extLst>
+          </p:cNvPr>
+          <p:cNvSpPr>
+            <a:spLocks noGrp="1"/>
+          </p:cNvSpPr>
+          <p:nvPr>
+            <p:ph type="title"/>
+          </p:nvPr>
+        </p:nvSpPr>
+        <p:spPr/>
+        <p:txBody>
+          <a:bodyPr/>
+          <a:lstStyle/>
+          <a:p>
+            <a:r>
+              <a:rPr lang="en-US" dirty="0"/>
+              <a:t>Gauss-Newton &amp; Minima</a:t>
+            </a:r>
+          </a:p>
+        </p:txBody>
+      </p:sp>
+      <mc:AlternateContent xmlns:mc="http://schemas.openxmlformats.org/markup-compatibility/2006">
+        <mc:Choice xmlns:a14="http://schemas.microsoft.com/office/drawing/2010/main" Requires="a14">
+          <p:sp>
+            <p:nvSpPr>
+              <p:cNvPr id="5" name="Content Placeholder 4">
+                <a:extLst>
+                  <a:ext uri="{FF2B5EF4-FFF2-40B4-BE49-F238E27FC236}">
+                    <a16:creationId xmlns:a16="http://schemas.microsoft.com/office/drawing/2014/main" id="{95FF13A4-83CF-5748-99C1-EFE9A1CFFE0A}"/>
+                  </a:ext>
+                </a:extLst>
+              </p:cNvPr>
+              <p:cNvSpPr>
+                <a:spLocks noGrp="1"/>
+              </p:cNvSpPr>
+              <p:nvPr>
+                <p:ph idx="1"/>
+              </p:nvPr>
+            </p:nvSpPr>
+            <p:spPr/>
+            <p:txBody>
+              <a:bodyPr/>
+              <a:lstStyle/>
+              <a:p>
+                <a:r>
+                  <a:rPr lang="en-US" dirty="0"/>
+                  <a:t>At a minima, the derivative must be 0.</a:t>
+                </a:r>
+              </a:p>
+              <a:p>
+                <a:pPr marL="457200" lvl="1" indent="0">
+                  <a:buNone/>
+                </a:pPr>
+                <a:r>
+                  <a:rPr lang="en-US" dirty="0"/>
+                  <a:t>So, find roots of </a:t>
+                </a:r>
+                <a14:m>
+                  <m:oMath xmlns:m="http://schemas.openxmlformats.org/officeDocument/2006/math">
+                    <m:r>
+                      <a:rPr lang="en-US" b="0" i="1" smtClean="0">
+                        <a:latin typeface="Cambria Math" panose="02040503050406030204" pitchFamily="18" charset="0"/>
+                      </a:rPr>
+                      <m:t>𝑓</m:t>
+                    </m:r>
+                    <m:r>
+                      <a:rPr lang="en-US" b="0" i="1" smtClean="0">
+                        <a:latin typeface="Cambria Math" panose="02040503050406030204" pitchFamily="18" charset="0"/>
+                      </a:rPr>
+                      <m:t>′</m:t>
+                    </m:r>
+                  </m:oMath>
+                </a14:m>
+                <a:r>
+                  <a:rPr lang="en-US" dirty="0"/>
+                  <a:t> instead of </a:t>
+                </a:r>
+                <a:r>
+                  <a:rPr lang="en-US" i="1" dirty="0"/>
+                  <a:t>f</a:t>
+                </a:r>
+                <a:r>
+                  <a:rPr lang="en-US" dirty="0"/>
+                  <a:t>.</a:t>
+                </a:r>
+              </a:p>
+              <a:p>
+                <a:pPr marL="457200" lvl="1" indent="0">
+                  <a:buNone/>
+                </a:pPr>
+                <a14:m>
+                  <m:oMathPara xmlns:m="http://schemas.openxmlformats.org/officeDocument/2006/math">
+                    <m:oMathParaPr>
+                      <m:jc m:val="centerGroup"/>
+                    </m:oMathParaPr>
+                    <m:oMath xmlns:m="http://schemas.openxmlformats.org/officeDocument/2006/math">
+                      <m:sSub>
+                        <m:sSubPr>
+                          <m:ctrlPr>
+                            <a:rPr lang="en-US" i="1">
+                              <a:latin typeface="Cambria Math" panose="02040503050406030204" pitchFamily="18" charset="0"/>
+                            </a:rPr>
+                          </m:ctrlPr>
+                        </m:sSubPr>
+                        <m:e>
+                          <m:r>
+                            <a:rPr lang="en-US" i="1">
+                              <a:latin typeface="Cambria Math" panose="02040503050406030204" pitchFamily="18" charset="0"/>
+                            </a:rPr>
+                            <m:t>𝑥</m:t>
+                          </m:r>
+                        </m:e>
+                        <m:sub>
+                          <m:r>
+                            <a:rPr lang="en-US" i="1">
+                              <a:latin typeface="Cambria Math" panose="02040503050406030204" pitchFamily="18" charset="0"/>
+                            </a:rPr>
+                            <m:t>𝑛</m:t>
+                          </m:r>
+                        </m:sub>
+                      </m:sSub>
+                      <m:r>
+                        <a:rPr lang="en-US" i="1">
+                          <a:latin typeface="Cambria Math" panose="02040503050406030204" pitchFamily="18" charset="0"/>
+                        </a:rPr>
+                        <m:t>=</m:t>
+                      </m:r>
+                      <m:sSub>
+                        <m:sSubPr>
+                          <m:ctrlPr>
+                            <a:rPr lang="en-US" i="1">
+                              <a:latin typeface="Cambria Math" panose="02040503050406030204" pitchFamily="18" charset="0"/>
+                            </a:rPr>
+                          </m:ctrlPr>
+                        </m:sSubPr>
+                        <m:e>
+                          <m:r>
+                            <a:rPr lang="en-US" i="1">
+                              <a:latin typeface="Cambria Math" panose="02040503050406030204" pitchFamily="18" charset="0"/>
+                            </a:rPr>
+                            <m:t>𝑥</m:t>
+                          </m:r>
+                        </m:e>
+                        <m:sub>
+                          <m:r>
+                            <a:rPr lang="en-US" i="1">
+                              <a:latin typeface="Cambria Math" panose="02040503050406030204" pitchFamily="18" charset="0"/>
+                            </a:rPr>
+                            <m:t>𝑛</m:t>
+                          </m:r>
+                          <m:r>
+                            <a:rPr lang="en-US" i="1">
+                              <a:latin typeface="Cambria Math" panose="02040503050406030204" pitchFamily="18" charset="0"/>
+                            </a:rPr>
+                            <m:t>−1</m:t>
+                          </m:r>
+                        </m:sub>
+                      </m:sSub>
+                      <m:r>
+                        <a:rPr lang="en-US" i="1">
+                          <a:latin typeface="Cambria Math" panose="02040503050406030204" pitchFamily="18" charset="0"/>
+                        </a:rPr>
+                        <m:t>−</m:t>
+                      </m:r>
+                      <m:f>
+                        <m:fPr>
+                          <m:ctrlPr>
+                            <a:rPr lang="en-US" i="1">
+                              <a:latin typeface="Cambria Math" panose="02040503050406030204" pitchFamily="18" charset="0"/>
+                            </a:rPr>
+                          </m:ctrlPr>
+                        </m:fPr>
+                        <m:num>
+                          <m:r>
+                            <a:rPr lang="en-US" i="1">
+                              <a:latin typeface="Cambria Math" panose="02040503050406030204" pitchFamily="18" charset="0"/>
+                            </a:rPr>
+                            <m:t>𝑓</m:t>
+                          </m:r>
+                          <m:r>
+                            <a:rPr lang="en-US" b="0" i="1" smtClean="0">
+                              <a:latin typeface="Cambria Math" panose="02040503050406030204" pitchFamily="18" charset="0"/>
+                            </a:rPr>
+                            <m:t>′</m:t>
+                          </m:r>
+                          <m:r>
+                            <a:rPr lang="en-US" i="1">
+                              <a:latin typeface="Cambria Math" panose="02040503050406030204" pitchFamily="18" charset="0"/>
+                            </a:rPr>
+                            <m:t>(</m:t>
+                          </m:r>
+                          <m:sSub>
+                            <m:sSubPr>
+                              <m:ctrlPr>
+                                <a:rPr lang="en-US" i="1">
+                                  <a:latin typeface="Cambria Math" panose="02040503050406030204" pitchFamily="18" charset="0"/>
+                                </a:rPr>
+                              </m:ctrlPr>
+                            </m:sSubPr>
+                            <m:e>
+                              <m:r>
+                                <a:rPr lang="en-US" i="1">
+                                  <a:latin typeface="Cambria Math" panose="02040503050406030204" pitchFamily="18" charset="0"/>
+                                </a:rPr>
+                                <m:t>𝑥</m:t>
+                              </m:r>
+                            </m:e>
+                            <m:sub>
+                              <m:r>
+                                <a:rPr lang="en-US" i="1">
+                                  <a:latin typeface="Cambria Math" panose="02040503050406030204" pitchFamily="18" charset="0"/>
+                                </a:rPr>
+                                <m:t>𝑛</m:t>
+                              </m:r>
+                              <m:r>
+                                <a:rPr lang="en-US" i="1">
+                                  <a:latin typeface="Cambria Math" panose="02040503050406030204" pitchFamily="18" charset="0"/>
+                                </a:rPr>
+                                <m:t>−1</m:t>
+                              </m:r>
+                            </m:sub>
+                          </m:sSub>
+                          <m:r>
+                            <a:rPr lang="en-US" i="1">
+                              <a:latin typeface="Cambria Math" panose="02040503050406030204" pitchFamily="18" charset="0"/>
+                            </a:rPr>
+                            <m:t>)</m:t>
+                          </m:r>
+                        </m:num>
+                        <m:den>
+                          <m:r>
+                            <a:rPr lang="en-US" i="1">
+                              <a:latin typeface="Cambria Math" panose="02040503050406030204" pitchFamily="18" charset="0"/>
+                            </a:rPr>
+                            <m:t>𝑓</m:t>
+                          </m:r>
+                          <m:r>
+                            <a:rPr lang="en-US" i="1">
+                              <a:latin typeface="Cambria Math" panose="02040503050406030204" pitchFamily="18" charset="0"/>
+                            </a:rPr>
+                            <m:t>′</m:t>
+                          </m:r>
+                          <m:r>
+                            <a:rPr lang="en-US" b="0" i="1" smtClean="0">
+                              <a:latin typeface="Cambria Math" panose="02040503050406030204" pitchFamily="18" charset="0"/>
+                            </a:rPr>
+                            <m:t>′</m:t>
+                          </m:r>
+                          <m:r>
+                            <a:rPr lang="en-US" i="1">
+                              <a:latin typeface="Cambria Math" panose="02040503050406030204" pitchFamily="18" charset="0"/>
+                            </a:rPr>
+                            <m:t>(</m:t>
+                          </m:r>
+                          <m:sSub>
+                            <m:sSubPr>
+                              <m:ctrlPr>
+                                <a:rPr lang="en-US" i="1">
+                                  <a:latin typeface="Cambria Math" panose="02040503050406030204" pitchFamily="18" charset="0"/>
+                                </a:rPr>
+                              </m:ctrlPr>
+                            </m:sSubPr>
+                            <m:e>
+                              <m:r>
+                                <a:rPr lang="en-US" i="1">
+                                  <a:latin typeface="Cambria Math" panose="02040503050406030204" pitchFamily="18" charset="0"/>
+                                </a:rPr>
+                                <m:t>𝑥</m:t>
+                              </m:r>
+                            </m:e>
+                            <m:sub>
+                              <m:r>
+                                <a:rPr lang="en-US" i="1">
+                                  <a:latin typeface="Cambria Math" panose="02040503050406030204" pitchFamily="18" charset="0"/>
+                                </a:rPr>
+                                <m:t>𝑛</m:t>
+                              </m:r>
+                              <m:r>
+                                <a:rPr lang="en-US" i="1">
+                                  <a:latin typeface="Cambria Math" panose="02040503050406030204" pitchFamily="18" charset="0"/>
+                                </a:rPr>
+                                <m:t>−1</m:t>
+                              </m:r>
+                            </m:sub>
+                          </m:sSub>
+                          <m:r>
+                            <a:rPr lang="en-US" i="1">
+                              <a:latin typeface="Cambria Math" panose="02040503050406030204" pitchFamily="18" charset="0"/>
+                            </a:rPr>
+                            <m:t>)</m:t>
+                          </m:r>
+                        </m:den>
+                      </m:f>
+                    </m:oMath>
+                  </m:oMathPara>
+                </a14:m>
+                <a:endParaRPr lang="en-US" dirty="0"/>
+              </a:p>
+              <a:p>
+                <a:r>
+                  <a:rPr lang="en-US" dirty="0"/>
+                  <a:t>Gauss-Newton generalizes from scalar valued functions to vector valued function</a:t>
+                </a:r>
+              </a:p>
+              <a:p>
+                <a:r>
+                  <a:rPr lang="en-US" dirty="0"/>
+                  <a:t>Issues</a:t>
+                </a:r>
+              </a:p>
+              <a:p>
+                <a:pPr lvl="1"/>
+                <a:r>
+                  <a:rPr lang="en-US" dirty="0"/>
+                  <a:t>Handling non-convex functions</a:t>
+                </a:r>
+              </a:p>
+            </p:txBody>
+          </p:sp>
+        </mc:Choice>
+        <mc:Fallback>
+          <p:sp>
+            <p:nvSpPr>
+              <p:cNvPr id="5" name="Content Placeholder 4">
+                <a:extLst>
+                  <a:ext uri="{FF2B5EF4-FFF2-40B4-BE49-F238E27FC236}">
+                    <a16:creationId xmlns:a16="http://schemas.microsoft.com/office/drawing/2014/main" id="{95FF13A4-83CF-5748-99C1-EFE9A1CFFE0A}"/>
+                  </a:ext>
+                </a:extLst>
+              </p:cNvPr>
+              <p:cNvSpPr>
+                <a:spLocks noGrp="1" noRot="1" noChangeAspect="1" noMove="1" noResize="1" noEditPoints="1" noAdjustHandles="1" noChangeArrowheads="1" noChangeShapeType="1" noTextEdit="1"/>
+              </p:cNvSpPr>
+              <p:nvPr>
+                <p:ph idx="1"/>
+              </p:nvPr>
+            </p:nvSpPr>
+            <p:spPr>
+              <a:blipFill>
+                <a:blip r:embed="rId2"/>
+                <a:stretch>
+                  <a:fillRect l="-1852" t="-1944"/>
+                </a:stretch>
+              </a:blipFill>
+            </p:spPr>
+            <p:txBody>
+              <a:bodyPr/>
+              <a:lstStyle/>
+              <a:p>
+                <a:r>
+                  <a:rPr lang="en-US">
+                    <a:noFill/>
+                  </a:rPr>
+                  <a:t> </a:t>
+                </a:r>
+              </a:p>
+            </p:txBody>
+          </p:sp>
+        </mc:Fallback>
+      </mc:AlternateContent>
+      <p:sp>
+        <p:nvSpPr>
+          <p:cNvPr id="3" name="Slide Number Placeholder 2">
+            <a:extLst>
+              <a:ext uri="{FF2B5EF4-FFF2-40B4-BE49-F238E27FC236}">
+                <a16:creationId xmlns:a16="http://schemas.microsoft.com/office/drawing/2014/main" id="{626D7A09-F039-BE48-9234-8D3F8D0185FA}"/>
+              </a:ext>
+            </a:extLst>
+          </p:cNvPr>
+          <p:cNvSpPr>
+            <a:spLocks noGrp="1"/>
+          </p:cNvSpPr>
+          <p:nvPr>
+            <p:ph type="sldNum" sz="quarter" idx="11"/>
+          </p:nvPr>
+        </p:nvSpPr>
+        <p:spPr/>
+        <p:txBody>
+          <a:bodyPr/>
+          <a:lstStyle/>
+          <a:p>
+            <a:pPr>
+              <a:defRPr/>
+            </a:pPr>
+            <a:fld id="{2E4304A7-0FB2-4094-BC1E-DB17183AD0C1}" type="slidenum">
+              <a:rPr lang="en-US" altLang="x-none" smtClean="0"/>
+              <a:pPr>
+                <a:defRPr/>
+              </a:pPr>
+              <a:t>13</a:t>
+            </a:fld>
+            <a:endParaRPr lang="en-US" altLang="x-none"/>
+          </a:p>
+        </p:txBody>
+      </p:sp>
+      <p:pic>
+        <p:nvPicPr>
+          <p:cNvPr id="6" name="Picture 5">
+            <a:extLst>
+              <a:ext uri="{FF2B5EF4-FFF2-40B4-BE49-F238E27FC236}">
+                <a16:creationId xmlns:a16="http://schemas.microsoft.com/office/drawing/2014/main" id="{43FD9DEE-E443-6949-AC08-84E786779997}"/>
+              </a:ext>
+            </a:extLst>
+          </p:cNvPr>
           <p:cNvPicPr>
             <a:picLocks noChangeAspect="1"/>
           </p:cNvPicPr>
@@ -5628,32 +7609,8 @@
         </p:blipFill>
         <p:spPr>
           <a:xfrm>
-            <a:off x="1323715" y="3679565"/>
-            <a:ext cx="2904565" cy="2372743"/>
-          </a:xfrm>
-          <a:prstGeom prst="rect">
-            <a:avLst/>
-          </a:prstGeom>
-        </p:spPr>
-      </p:pic>
-      <p:pic>
-        <p:nvPicPr>
-          <p:cNvPr id="6" name="Picture 5"/>
-          <p:cNvPicPr>
-            <a:picLocks noChangeAspect="1"/>
-          </p:cNvPicPr>
-          <p:nvPr/>
-        </p:nvPicPr>
-        <p:blipFill>
-          <a:blip r:embed="rId4"/>
-          <a:stretch>
-            <a:fillRect/>
-          </a:stretch>
-        </p:blipFill>
-        <p:spPr>
-          <a:xfrm>
-            <a:off x="5562600" y="3611286"/>
-            <a:ext cx="2364581" cy="2421731"/>
+            <a:off x="7239000" y="340886"/>
+            <a:ext cx="1580119" cy="1016853"/>
           </a:xfrm>
           <a:prstGeom prst="rect">
             <a:avLst/>
@@ -5663,7 +7620,7 @@
     </p:spTree>
     <p:extLst>
       <p:ext uri="{BB962C8B-B14F-4D97-AF65-F5344CB8AC3E}">
-        <p14:creationId xmlns:p14="http://schemas.microsoft.com/office/powerpoint/2010/main" val="1349062573"/>
+        <p14:creationId xmlns:p14="http://schemas.microsoft.com/office/powerpoint/2010/main" val="174420805"/>
       </p:ext>
     </p:extLst>
   </p:cSld>
@@ -5673,7 +7630,7 @@
 </p:sld>
 </file>
 
-<file path=ppt/slides/slide11.xml><?xml version="1.0" encoding="utf-8"?>
+<file path=ppt/slides/slide14.xml><?xml version="1.0" encoding="utf-8"?>
 <p:sld xmlns:a="http://schemas.openxmlformats.org/drawingml/2006/main" xmlns:r="http://schemas.openxmlformats.org/officeDocument/2006/relationships" xmlns:p="http://schemas.openxmlformats.org/presentationml/2006/main">
   <p:cSld>
     <p:spTree>
@@ -5776,7 +7733,7 @@
               <a:pPr>
                 <a:defRPr/>
               </a:pPr>
-              <a:t>11</a:t>
+              <a:t>14</a:t>
             </a:fld>
             <a:endParaRPr lang="en-US" altLang="x-none"/>
           </a:p>
@@ -6058,76 +8015,11 @@
           <a:p>
             <a:r>
               <a:rPr lang="en-US" dirty="0"/>
-              <a:t>Modeling Example: Linear Regression</a:t>
+              <a:t>Parameter Optimization Summary</a:t>
             </a:r>
           </a:p>
         </p:txBody>
       </p:sp>
-      <p:pic>
-        <p:nvPicPr>
-          <p:cNvPr id="1026" name="Picture 2" descr="Linear regression"/>
-          <p:cNvPicPr>
-            <a:picLocks noChangeAspect="1" noChangeArrowheads="1"/>
-          </p:cNvPicPr>
-          <p:nvPr/>
-        </p:nvPicPr>
-        <p:blipFill>
-          <a:blip r:embed="rId2">
-            <a:extLst>
-              <a:ext uri="{28A0092B-C50C-407E-A947-70E740481C1C}">
-                <a14:useLocalDpi xmlns:a14="http://schemas.microsoft.com/office/drawing/2010/main" val="0"/>
-              </a:ext>
-            </a:extLst>
-          </a:blip>
-          <a:srcRect/>
-          <a:stretch>
-            <a:fillRect/>
-          </a:stretch>
-        </p:blipFill>
-        <p:spPr bwMode="auto">
-          <a:xfrm>
-            <a:off x="4352417" y="1920411"/>
-            <a:ext cx="3360728" cy="2639780"/>
-          </a:xfrm>
-          <a:prstGeom prst="rect">
-            <a:avLst/>
-          </a:prstGeom>
-          <a:noFill/>
-          <a:extLst>
-            <a:ext uri="{909E8E84-426E-40DD-AFC4-6F175D3DCCD1}">
-              <a14:hiddenFill xmlns:a14="http://schemas.microsoft.com/office/drawing/2010/main">
-                <a:solidFill>
-                  <a:srgbClr val="FFFFFF"/>
-                </a:solidFill>
-              </a14:hiddenFill>
-            </a:ext>
-          </a:extLst>
-        </p:spPr>
-      </p:pic>
-      <p:pic>
-        <p:nvPicPr>
-          <p:cNvPr id="4" name="Picture 3"/>
-          <p:cNvPicPr>
-            <a:picLocks noChangeAspect="1"/>
-          </p:cNvPicPr>
-          <p:nvPr/>
-        </p:nvPicPr>
-        <p:blipFill>
-          <a:blip r:embed="rId3"/>
-          <a:stretch>
-            <a:fillRect/>
-          </a:stretch>
-        </p:blipFill>
-        <p:spPr>
-          <a:xfrm>
-            <a:off x="228600" y="1945166"/>
-            <a:ext cx="3812576" cy="1591266"/>
-          </a:xfrm>
-          <a:prstGeom prst="rect">
-            <a:avLst/>
-          </a:prstGeom>
-        </p:spPr>
-      </p:pic>
       <p:sp>
         <p:nvSpPr>
           <p:cNvPr id="5" name="TextBox 4"/>
@@ -6136,7 +8028,7 @@
         </p:nvSpPr>
         <p:spPr>
           <a:xfrm>
-            <a:off x="1238136" y="1153180"/>
+            <a:off x="1238136" y="838200"/>
             <a:ext cx="1962397" cy="523220"/>
           </a:xfrm>
           <a:prstGeom prst="rect">
@@ -6165,8 +8057,8 @@
         </p:nvSpPr>
         <p:spPr>
           <a:xfrm>
-            <a:off x="5697462" y="1153180"/>
-            <a:ext cx="1362874" cy="523220"/>
+            <a:off x="5029200" y="838200"/>
+            <a:ext cx="3060453" cy="523220"/>
           </a:xfrm>
           <a:prstGeom prst="rect">
             <a:avLst/>
@@ -6181,106 +8073,7 @@
           <a:p>
             <a:r>
               <a:rPr lang="en-US" sz="2800" b="1" dirty="0"/>
-              <a:t>The Fit</a:t>
-            </a:r>
-          </a:p>
-        </p:txBody>
-      </p:sp>
-      <p:cxnSp>
-        <p:nvCxnSpPr>
-          <p:cNvPr id="12" name="Straight Arrow Connector 11"/>
-          <p:cNvCxnSpPr/>
-          <p:nvPr/>
-        </p:nvCxnSpPr>
-        <p:spPr>
-          <a:xfrm flipV="1">
-            <a:off x="1754503" y="3536432"/>
-            <a:ext cx="0" cy="546498"/>
-          </a:xfrm>
-          <a:prstGeom prst="straightConnector1">
-            <a:avLst/>
-          </a:prstGeom>
-          <a:ln>
-            <a:tailEnd type="triangle"/>
-          </a:ln>
-        </p:spPr>
-        <p:style>
-          <a:lnRef idx="3">
-            <a:schemeClr val="accent1"/>
-          </a:lnRef>
-          <a:fillRef idx="0">
-            <a:schemeClr val="accent1"/>
-          </a:fillRef>
-          <a:effectRef idx="2">
-            <a:schemeClr val="accent1"/>
-          </a:effectRef>
-          <a:fontRef idx="minor">
-            <a:schemeClr val="tx1"/>
-          </a:fontRef>
-        </p:style>
-      </p:cxnSp>
-      <p:cxnSp>
-        <p:nvCxnSpPr>
-          <p:cNvPr id="14" name="Straight Arrow Connector 13"/>
-          <p:cNvCxnSpPr/>
-          <p:nvPr/>
-        </p:nvCxnSpPr>
-        <p:spPr>
-          <a:xfrm flipV="1">
-            <a:off x="2433581" y="3537774"/>
-            <a:ext cx="0" cy="546498"/>
-          </a:xfrm>
-          <a:prstGeom prst="straightConnector1">
-            <a:avLst/>
-          </a:prstGeom>
-          <a:ln>
-            <a:tailEnd type="triangle"/>
-          </a:ln>
-        </p:spPr>
-        <p:style>
-          <a:lnRef idx="3">
-            <a:schemeClr val="accent1"/>
-          </a:lnRef>
-          <a:fillRef idx="0">
-            <a:schemeClr val="accent1"/>
-          </a:fillRef>
-          <a:effectRef idx="2">
-            <a:schemeClr val="accent1"/>
-          </a:effectRef>
-          <a:fontRef idx="minor">
-            <a:schemeClr val="tx1"/>
-          </a:fontRef>
-        </p:style>
-      </p:cxnSp>
-      <p:sp>
-        <p:nvSpPr>
-          <p:cNvPr id="13" name="TextBox 12"/>
-          <p:cNvSpPr txBox="1"/>
-          <p:nvPr/>
-        </p:nvSpPr>
-        <p:spPr>
-          <a:xfrm>
-            <a:off x="1238137" y="4141466"/>
-            <a:ext cx="2098651" cy="323165"/>
-          </a:xfrm>
-          <a:prstGeom prst="rect">
-            <a:avLst/>
-          </a:prstGeom>
-          <a:noFill/>
-        </p:spPr>
-        <p:txBody>
-          <a:bodyPr wrap="none" rtlCol="0">
-            <a:spAutoFit/>
-          </a:bodyPr>
-          <a:lstStyle/>
-          <a:p>
-            <a:r>
-              <a:rPr lang="en-US" sz="1500" dirty="0">
-                <a:solidFill>
-                  <a:srgbClr val="0070C0"/>
-                </a:solidFill>
-              </a:rPr>
-              <a:t>The Fitted Parameters</a:t>
+              <a:t>Ex: Linear Model</a:t>
             </a:r>
           </a:p>
         </p:txBody>
@@ -6289,47 +8082,46 @@
         <mc:Choice xmlns:a14="http://schemas.microsoft.com/office/drawing/2010/main" Requires="a14">
           <p:sp>
             <p:nvSpPr>
-              <p:cNvPr id="9" name="TextBox 8">
+              <p:cNvPr id="18" name="Rectangle 17">
                 <a:extLst>
                   <a:ext uri="{FF2B5EF4-FFF2-40B4-BE49-F238E27FC236}">
-                    <a16:creationId xmlns:a16="http://schemas.microsoft.com/office/drawing/2014/main" id="{3D24F99A-145A-2245-9990-3BA9E83857EC}"/>
+                    <a16:creationId xmlns:a16="http://schemas.microsoft.com/office/drawing/2014/main" id="{EDE3B88A-B051-0942-ADD2-E34BCE55B837}"/>
                   </a:ext>
                 </a:extLst>
               </p:cNvPr>
-              <p:cNvSpPr txBox="1"/>
+              <p:cNvSpPr/>
               <p:nvPr/>
             </p:nvSpPr>
             <p:spPr>
               <a:xfrm>
-                <a:off x="7588697" y="2525355"/>
-                <a:ext cx="305917" cy="430887"/>
+                <a:off x="838200" y="1295400"/>
+                <a:ext cx="2940036" cy="523220"/>
               </a:xfrm>
               <a:prstGeom prst="rect">
                 <a:avLst/>
               </a:prstGeom>
-              <a:noFill/>
             </p:spPr>
             <p:txBody>
-              <a:bodyPr wrap="none" lIns="0" tIns="0" rIns="0" bIns="0" rtlCol="0">
+              <a:bodyPr wrap="none">
                 <a:spAutoFit/>
               </a:bodyPr>
               <a:lstStyle/>
               <a:p>
+                <a:pPr/>
                 <a14:m>
                   <m:oMathPara xmlns:m="http://schemas.openxmlformats.org/officeDocument/2006/math">
                     <m:oMathParaPr>
                       <m:jc m:val="centerGroup"/>
                     </m:oMathParaPr>
                     <m:oMath xmlns:m="http://schemas.openxmlformats.org/officeDocument/2006/math">
-                      <m:acc>
-                        <m:accPr>
-                          <m:chr m:val="̂"/>
+                      <m:sSub>
+                        <m:sSubPr>
                           <m:ctrlPr>
                             <a:rPr lang="en-US" sz="2800" b="0" i="1" smtClean="0">
                               <a:latin typeface="Cambria Math" panose="02040503050406030204" pitchFamily="18" charset="0"/>
                             </a:rPr>
                           </m:ctrlPr>
-                        </m:accPr>
+                        </m:sSubPr>
                         <m:e>
                           <m:r>
                             <a:rPr lang="en-US" sz="2800" b="0" i="1" smtClean="0">
@@ -6338,7 +8130,106 @@
                             <m:t>𝑦</m:t>
                           </m:r>
                         </m:e>
-                      </m:acc>
+                        <m:sub>
+                          <m:r>
+                            <a:rPr lang="en-US" sz="2800" b="0" i="1" smtClean="0">
+                              <a:latin typeface="Cambria Math" panose="02040503050406030204" pitchFamily="18" charset="0"/>
+                            </a:rPr>
+                            <m:t>𝑖</m:t>
+                          </m:r>
+                        </m:sub>
+                      </m:sSub>
+                      <m:r>
+                        <a:rPr lang="en-US" sz="2800" b="0" i="1" smtClean="0">
+                          <a:latin typeface="Cambria Math" panose="02040503050406030204" pitchFamily="18" charset="0"/>
+                        </a:rPr>
+                        <m:t>=</m:t>
+                      </m:r>
+                      <m:r>
+                        <a:rPr lang="en-US" sz="2800" i="1">
+                          <a:latin typeface="Cambria Math" panose="02040503050406030204" pitchFamily="18" charset="0"/>
+                        </a:rPr>
+                        <m:t>𝑓</m:t>
+                      </m:r>
+                      <m:d>
+                        <m:dPr>
+                          <m:ctrlPr>
+                            <a:rPr lang="en-US" sz="2800" i="1">
+                              <a:latin typeface="Cambria Math" panose="02040503050406030204" pitchFamily="18" charset="0"/>
+                            </a:rPr>
+                          </m:ctrlPr>
+                        </m:dPr>
+                        <m:e>
+                          <m:sSub>
+                            <m:sSubPr>
+                              <m:ctrlPr>
+                                <a:rPr lang="en-US" sz="2800" b="0" i="1" smtClean="0">
+                                  <a:latin typeface="Cambria Math" panose="02040503050406030204" pitchFamily="18" charset="0"/>
+                                </a:rPr>
+                              </m:ctrlPr>
+                            </m:sSubPr>
+                            <m:e>
+                              <m:r>
+                                <a:rPr lang="en-US" sz="2800" i="1">
+                                  <a:latin typeface="Cambria Math" panose="02040503050406030204" pitchFamily="18" charset="0"/>
+                                </a:rPr>
+                                <m:t>𝑥</m:t>
+                              </m:r>
+                            </m:e>
+                            <m:sub>
+                              <m:r>
+                                <a:rPr lang="en-US" sz="2800" b="0" i="1" smtClean="0">
+                                  <a:latin typeface="Cambria Math" panose="02040503050406030204" pitchFamily="18" charset="0"/>
+                                </a:rPr>
+                                <m:t>𝑖</m:t>
+                              </m:r>
+                            </m:sub>
+                          </m:sSub>
+                          <m:r>
+                            <a:rPr lang="en-US" sz="2800" i="1">
+                              <a:latin typeface="Cambria Math" panose="02040503050406030204" pitchFamily="18" charset="0"/>
+                            </a:rPr>
+                            <m:t>;</m:t>
+                          </m:r>
+                          <m:r>
+                            <a:rPr lang="en-US" sz="2800" i="1">
+                              <a:latin typeface="Cambria Math" panose="02040503050406030204" pitchFamily="18" charset="0"/>
+                            </a:rPr>
+                            <m:t>𝜃</m:t>
+                          </m:r>
+                        </m:e>
+                      </m:d>
+                      <m:r>
+                        <a:rPr lang="en-US" sz="2800" b="0" i="1" smtClean="0">
+                          <a:latin typeface="Cambria Math" panose="02040503050406030204" pitchFamily="18" charset="0"/>
+                        </a:rPr>
+                        <m:t>+</m:t>
+                      </m:r>
+                      <m:sSub>
+                        <m:sSubPr>
+                          <m:ctrlPr>
+                            <a:rPr lang="en-US" sz="2800" b="0" i="1" smtClean="0">
+                              <a:latin typeface="Cambria Math" panose="02040503050406030204" pitchFamily="18" charset="0"/>
+                            </a:rPr>
+                          </m:ctrlPr>
+                        </m:sSubPr>
+                        <m:e>
+                          <m:r>
+                            <a:rPr lang="en-US" sz="2800" b="0" i="1" smtClean="0">
+                              <a:latin typeface="Cambria Math" panose="02040503050406030204" pitchFamily="18" charset="0"/>
+                            </a:rPr>
+                            <m:t>𝜖</m:t>
+                          </m:r>
+                        </m:e>
+                        <m:sub>
+                          <m:r>
+                            <a:rPr lang="en-US" sz="2800" b="0" i="1" smtClean="0">
+                              <a:latin typeface="Cambria Math" panose="02040503050406030204" pitchFamily="18" charset="0"/>
+                            </a:rPr>
+                            <m:t>𝑖</m:t>
+                          </m:r>
+                        </m:sub>
+                      </m:sSub>
                     </m:oMath>
                   </m:oMathPara>
                 </a14:m>
@@ -6350,30 +8241,30 @@
         <mc:Fallback>
           <p:sp>
             <p:nvSpPr>
-              <p:cNvPr id="9" name="TextBox 8">
+              <p:cNvPr id="18" name="Rectangle 17">
                 <a:extLst>
                   <a:ext uri="{FF2B5EF4-FFF2-40B4-BE49-F238E27FC236}">
-                    <a16:creationId xmlns:a16="http://schemas.microsoft.com/office/drawing/2014/main" id="{3D24F99A-145A-2245-9990-3BA9E83857EC}"/>
+                    <a16:creationId xmlns:a16="http://schemas.microsoft.com/office/drawing/2014/main" id="{EDE3B88A-B051-0942-ADD2-E34BCE55B837}"/>
                   </a:ext>
                 </a:extLst>
               </p:cNvPr>
-              <p:cNvSpPr txBox="1">
+              <p:cNvSpPr>
                 <a:spLocks noRot="1" noChangeAspect="1" noMove="1" noResize="1" noEditPoints="1" noAdjustHandles="1" noChangeArrowheads="1" noChangeShapeType="1" noTextEdit="1"/>
               </p:cNvSpPr>
               <p:nvPr/>
             </p:nvSpPr>
             <p:spPr>
               <a:xfrm>
-                <a:off x="7588697" y="2525355"/>
-                <a:ext cx="305917" cy="430887"/>
+                <a:off x="838200" y="1295400"/>
+                <a:ext cx="2940036" cy="523220"/>
               </a:xfrm>
               <a:prstGeom prst="rect">
                 <a:avLst/>
               </a:prstGeom>
               <a:blipFill>
-                <a:blip r:embed="rId4"/>
+                <a:blip r:embed="rId2"/>
                 <a:stretch>
-                  <a:fillRect l="-24000" t="-14286" r="-16000" b="-22857"/>
+                  <a:fillRect b="-19048"/>
                 </a:stretch>
               </a:blipFill>
             </p:spPr>
@@ -6396,10 +8287,10 @@
         <mc:Choice xmlns:a14="http://schemas.microsoft.com/office/drawing/2010/main" Requires="a14">
           <p:sp>
             <p:nvSpPr>
-              <p:cNvPr id="15" name="TextBox 14">
+              <p:cNvPr id="19" name="TextBox 18">
                 <a:extLst>
                   <a:ext uri="{FF2B5EF4-FFF2-40B4-BE49-F238E27FC236}">
-                    <a16:creationId xmlns:a16="http://schemas.microsoft.com/office/drawing/2014/main" id="{5E9E4AE9-BDB0-4B48-8018-56B636968069}"/>
+                    <a16:creationId xmlns:a16="http://schemas.microsoft.com/office/drawing/2014/main" id="{A0AD7F7C-EA7C-2A48-80B3-A9AAA61EF064}"/>
                   </a:ext>
                 </a:extLst>
               </p:cNvPr>
@@ -6408,8 +8299,8 @@
             </p:nvSpPr>
             <p:spPr>
               <a:xfrm>
-                <a:off x="7637021" y="1986926"/>
-                <a:ext cx="381963" cy="430887"/>
+                <a:off x="5029200" y="1397758"/>
+                <a:ext cx="3014736" cy="430887"/>
               </a:xfrm>
               <a:prstGeom prst="rect">
                 <a:avLst/>
@@ -6441,7 +8332,125 @@
                             <a:rPr lang="en-US" sz="2800" b="0" i="1" smtClean="0">
                               <a:latin typeface="Cambria Math" panose="02040503050406030204" pitchFamily="18" charset="0"/>
                             </a:rPr>
-                            <m:t>𝑒</m:t>
+                            <m:t>𝑦</m:t>
+                          </m:r>
+                        </m:e>
+                        <m:sub>
+                          <m:r>
+                            <a:rPr lang="en-US" sz="2800" b="0" i="1" smtClean="0">
+                              <a:latin typeface="Cambria Math" panose="02040503050406030204" pitchFamily="18" charset="0"/>
+                            </a:rPr>
+                            <m:t>𝑖</m:t>
+                          </m:r>
+                        </m:sub>
+                      </m:sSub>
+                      <m:r>
+                        <a:rPr lang="en-US" sz="2800" b="0" i="1" smtClean="0">
+                          <a:latin typeface="Cambria Math" panose="02040503050406030204" pitchFamily="18" charset="0"/>
+                        </a:rPr>
+                        <m:t>=</m:t>
+                      </m:r>
+                      <m:sSub>
+                        <m:sSubPr>
+                          <m:ctrlPr>
+                            <a:rPr lang="en-US" sz="2800" b="0" i="1" smtClean="0">
+                              <a:latin typeface="Cambria Math" panose="02040503050406030204" pitchFamily="18" charset="0"/>
+                            </a:rPr>
+                          </m:ctrlPr>
+                        </m:sSubPr>
+                        <m:e>
+                          <m:r>
+                            <a:rPr lang="en-US" sz="2800" b="0" i="1" smtClean="0">
+                              <a:latin typeface="Cambria Math" panose="02040503050406030204" pitchFamily="18" charset="0"/>
+                            </a:rPr>
+                            <m:t>𝜃</m:t>
+                          </m:r>
+                        </m:e>
+                        <m:sub>
+                          <m:r>
+                            <a:rPr lang="en-US" sz="2800" b="0" i="1" smtClean="0">
+                              <a:latin typeface="Cambria Math" panose="02040503050406030204" pitchFamily="18" charset="0"/>
+                            </a:rPr>
+                            <m:t>0</m:t>
+                          </m:r>
+                        </m:sub>
+                      </m:sSub>
+                      <m:r>
+                        <a:rPr lang="en-US" sz="2800" b="0" i="1" smtClean="0">
+                          <a:latin typeface="Cambria Math" panose="02040503050406030204" pitchFamily="18" charset="0"/>
+                        </a:rPr>
+                        <m:t>+</m:t>
+                      </m:r>
+                      <m:sSub>
+                        <m:sSubPr>
+                          <m:ctrlPr>
+                            <a:rPr lang="en-US" sz="2800" b="0" i="1" smtClean="0">
+                              <a:latin typeface="Cambria Math" panose="02040503050406030204" pitchFamily="18" charset="0"/>
+                            </a:rPr>
+                          </m:ctrlPr>
+                        </m:sSubPr>
+                        <m:e>
+                          <m:r>
+                            <a:rPr lang="en-US" sz="2800" b="0" i="1" smtClean="0">
+                              <a:latin typeface="Cambria Math" panose="02040503050406030204" pitchFamily="18" charset="0"/>
+                            </a:rPr>
+                            <m:t>𝜃</m:t>
+                          </m:r>
+                        </m:e>
+                        <m:sub>
+                          <m:r>
+                            <a:rPr lang="en-US" sz="2800" b="0" i="1" smtClean="0">
+                              <a:latin typeface="Cambria Math" panose="02040503050406030204" pitchFamily="18" charset="0"/>
+                            </a:rPr>
+                            <m:t>1</m:t>
+                          </m:r>
+                        </m:sub>
+                      </m:sSub>
+                      <m:sSub>
+                        <m:sSubPr>
+                          <m:ctrlPr>
+                            <a:rPr lang="en-US" sz="2800" b="0" i="1" smtClean="0">
+                              <a:latin typeface="Cambria Math" panose="02040503050406030204" pitchFamily="18" charset="0"/>
+                            </a:rPr>
+                          </m:ctrlPr>
+                        </m:sSubPr>
+                        <m:e>
+                          <m:r>
+                            <a:rPr lang="en-US" sz="2800" b="0" i="1" smtClean="0">
+                              <a:latin typeface="Cambria Math" panose="02040503050406030204" pitchFamily="18" charset="0"/>
+                            </a:rPr>
+                            <m:t>𝑥</m:t>
+                          </m:r>
+                        </m:e>
+                        <m:sub>
+                          <m:r>
+                            <a:rPr lang="en-US" sz="2800" b="0" i="1" smtClean="0">
+                              <a:latin typeface="Cambria Math" panose="02040503050406030204" pitchFamily="18" charset="0"/>
+                            </a:rPr>
+                            <m:t>𝑖</m:t>
+                          </m:r>
+                        </m:sub>
+                      </m:sSub>
+                      <m:r>
+                        <a:rPr lang="en-US" sz="2800" b="0" i="1" smtClean="0">
+                          <a:latin typeface="Cambria Math" panose="02040503050406030204" pitchFamily="18" charset="0"/>
+                        </a:rPr>
+                        <m:t>+</m:t>
+                      </m:r>
+                      <m:sSub>
+                        <m:sSubPr>
+                          <m:ctrlPr>
+                            <a:rPr lang="en-US" sz="2800" b="0" i="1" smtClean="0">
+                              <a:latin typeface="Cambria Math" panose="02040503050406030204" pitchFamily="18" charset="0"/>
+                            </a:rPr>
+                          </m:ctrlPr>
+                        </m:sSubPr>
+                        <m:e>
+                          <m:r>
+                            <a:rPr lang="en-US" sz="2800" b="0" i="1" smtClean="0">
+                              <a:latin typeface="Cambria Math" panose="02040503050406030204" pitchFamily="18" charset="0"/>
+                            </a:rPr>
+                            <m:t>𝜖</m:t>
                           </m:r>
                         </m:e>
                         <m:sub>
@@ -6456,7 +8465,7 @@
                     </m:oMath>
                   </m:oMathPara>
                 </a14:m>
-                <a:endParaRPr lang="en-US" dirty="0"/>
+                <a:endParaRPr lang="en-US" sz="2800" dirty="0"/>
               </a:p>
             </p:txBody>
           </p:sp>
@@ -6464,10 +8473,10 @@
         <mc:Fallback>
           <p:sp>
             <p:nvSpPr>
-              <p:cNvPr id="15" name="TextBox 14">
+              <p:cNvPr id="19" name="TextBox 18">
                 <a:extLst>
                   <a:ext uri="{FF2B5EF4-FFF2-40B4-BE49-F238E27FC236}">
-                    <a16:creationId xmlns:a16="http://schemas.microsoft.com/office/drawing/2014/main" id="{5E9E4AE9-BDB0-4B48-8018-56B636968069}"/>
+                    <a16:creationId xmlns:a16="http://schemas.microsoft.com/office/drawing/2014/main" id="{A0AD7F7C-EA7C-2A48-80B3-A9AAA61EF064}"/>
                   </a:ext>
                 </a:extLst>
               </p:cNvPr>
@@ -6478,16 +8487,16 @@
             </p:nvSpPr>
             <p:spPr>
               <a:xfrm>
-                <a:off x="7637021" y="1986926"/>
-                <a:ext cx="381963" cy="430887"/>
+                <a:off x="5029200" y="1397758"/>
+                <a:ext cx="3014736" cy="430887"/>
               </a:xfrm>
               <a:prstGeom prst="rect">
                 <a:avLst/>
               </a:prstGeom>
               <a:blipFill>
-                <a:blip r:embed="rId5"/>
+                <a:blip r:embed="rId3"/>
                 <a:stretch>
-                  <a:fillRect l="-6452" r="-3226" b="-17647"/>
+                  <a:fillRect l="-2110" b="-22857"/>
                 </a:stretch>
               </a:blipFill>
             </p:spPr>
@@ -6508,10 +8517,10 @@
       </mc:AlternateContent>
       <p:sp>
         <p:nvSpPr>
-          <p:cNvPr id="10" name="TextBox 9">
+          <p:cNvPr id="20" name="TextBox 19">
             <a:extLst>
               <a:ext uri="{FF2B5EF4-FFF2-40B4-BE49-F238E27FC236}">
-                <a16:creationId xmlns:a16="http://schemas.microsoft.com/office/drawing/2014/main" id="{B971481C-2258-9742-9D5D-EE4A163BB55A}"/>
+                <a16:creationId xmlns:a16="http://schemas.microsoft.com/office/drawing/2014/main" id="{E9AF0712-D4A2-794C-9AFC-4F046FA5F535}"/>
               </a:ext>
             </a:extLst>
           </p:cNvPr>
@@ -6520,8 +8529,8 @@
         </p:nvSpPr>
         <p:spPr>
           <a:xfrm>
-            <a:off x="7274004" y="1575834"/>
-            <a:ext cx="1107996" cy="369332"/>
+            <a:off x="304800" y="1828800"/>
+            <a:ext cx="1694695" cy="400110"/>
           </a:xfrm>
           <a:prstGeom prst="rect">
             <a:avLst/>
@@ -6535,18 +8544,18 @@
           <a:lstStyle/>
           <a:p>
             <a:r>
-              <a:rPr lang="en-US" dirty="0"/>
-              <a:t>residuals</a:t>
+              <a:rPr lang="en-US" sz="2000" dirty="0"/>
+              <a:t>Observations</a:t>
             </a:r>
           </a:p>
         </p:txBody>
       </p:sp>
       <p:sp>
         <p:nvSpPr>
-          <p:cNvPr id="16" name="TextBox 15">
+          <p:cNvPr id="22" name="TextBox 21">
             <a:extLst>
               <a:ext uri="{FF2B5EF4-FFF2-40B4-BE49-F238E27FC236}">
-                <a16:creationId xmlns:a16="http://schemas.microsoft.com/office/drawing/2014/main" id="{62CF1BD2-FDC5-844D-B3FF-DFDE754525B9}"/>
+                <a16:creationId xmlns:a16="http://schemas.microsoft.com/office/drawing/2014/main" id="{C9AFE952-2E98-9246-BD46-AA7790C1D271}"/>
               </a:ext>
             </a:extLst>
           </p:cNvPr>
@@ -6555,8 +8564,8 @@
         </p:nvSpPr>
         <p:spPr>
           <a:xfrm>
-            <a:off x="7701570" y="2793256"/>
-            <a:ext cx="1133644" cy="369332"/>
+            <a:off x="304800" y="2619346"/>
+            <a:ext cx="2637260" cy="400110"/>
           </a:xfrm>
           <a:prstGeom prst="rect">
             <a:avLst/>
@@ -6570,18 +8579,18 @@
           <a:lstStyle/>
           <a:p>
             <a:r>
-              <a:rPr lang="en-US" dirty="0"/>
-              <a:t>predicted</a:t>
+              <a:rPr lang="en-US" sz="2000" dirty="0"/>
+              <a:t>Explanatory variables</a:t>
             </a:r>
           </a:p>
         </p:txBody>
       </p:sp>
       <p:sp>
         <p:nvSpPr>
-          <p:cNvPr id="11" name="TextBox 10">
+          <p:cNvPr id="23" name="TextBox 22">
             <a:extLst>
               <a:ext uri="{FF2B5EF4-FFF2-40B4-BE49-F238E27FC236}">
-                <a16:creationId xmlns:a16="http://schemas.microsoft.com/office/drawing/2014/main" id="{6B041649-7385-AA4E-99A0-17789DCDF7FE}"/>
+                <a16:creationId xmlns:a16="http://schemas.microsoft.com/office/drawing/2014/main" id="{EF3FD5D6-EC1A-0E4D-9469-5539AAE42CF6}"/>
               </a:ext>
             </a:extLst>
           </p:cNvPr>
@@ -6590,8 +8599,8 @@
         </p:nvSpPr>
         <p:spPr>
           <a:xfrm>
-            <a:off x="3664475" y="4049171"/>
-            <a:ext cx="1261884" cy="646331"/>
+            <a:off x="304800" y="3409890"/>
+            <a:ext cx="3674404" cy="400110"/>
           </a:xfrm>
           <a:prstGeom prst="rect">
             <a:avLst/>
@@ -6605,26 +8614,991 @@
           <a:lstStyle/>
           <a:p>
             <a:r>
-              <a:rPr lang="en-US" dirty="0"/>
-              <a:t>Parameter</a:t>
+              <a:rPr lang="en-US" sz="2000" dirty="0"/>
+              <a:t>Noise (random variable) – </a:t>
             </a:r>
-          </a:p>
-          <a:p>
             <a:r>
-              <a:rPr lang="en-US" dirty="0"/>
-              <a:t>estimate</a:t>
+              <a:rPr lang="en-US" sz="2000" dirty="0" err="1"/>
+              <a:t>i.i.d</a:t>
+            </a:r>
+            <a:r>
+              <a:rPr lang="en-US" sz="2000" dirty="0"/>
+              <a:t>.</a:t>
             </a:r>
           </a:p>
         </p:txBody>
       </p:sp>
+      <p:sp>
+        <p:nvSpPr>
+          <p:cNvPr id="24" name="TextBox 23">
+            <a:extLst>
+              <a:ext uri="{FF2B5EF4-FFF2-40B4-BE49-F238E27FC236}">
+                <a16:creationId xmlns:a16="http://schemas.microsoft.com/office/drawing/2014/main" id="{7C030537-9FF2-7240-838B-1B4C025046D6}"/>
+              </a:ext>
+            </a:extLst>
+          </p:cNvPr>
+          <p:cNvSpPr txBox="1"/>
+          <p:nvPr/>
+        </p:nvSpPr>
+        <p:spPr>
+          <a:xfrm>
+            <a:off x="304800" y="3014619"/>
+            <a:ext cx="1508746" cy="400110"/>
+          </a:xfrm>
+          <a:prstGeom prst="rect">
+            <a:avLst/>
+          </a:prstGeom>
+          <a:noFill/>
+        </p:spPr>
+        <p:txBody>
+          <a:bodyPr wrap="none" rtlCol="0">
+            <a:spAutoFit/>
+          </a:bodyPr>
+          <a:lstStyle/>
+          <a:p>
+            <a:r>
+              <a:rPr lang="en-US" sz="2000" dirty="0"/>
+              <a:t>Parameters</a:t>
+            </a:r>
+          </a:p>
+        </p:txBody>
+      </p:sp>
+      <p:sp>
+        <p:nvSpPr>
+          <p:cNvPr id="26" name="TextBox 25">
+            <a:extLst>
+              <a:ext uri="{FF2B5EF4-FFF2-40B4-BE49-F238E27FC236}">
+                <a16:creationId xmlns:a16="http://schemas.microsoft.com/office/drawing/2014/main" id="{4C1C1331-9443-C14B-9F44-5DA21B2782DC}"/>
+              </a:ext>
+            </a:extLst>
+          </p:cNvPr>
+          <p:cNvSpPr txBox="1"/>
+          <p:nvPr/>
+        </p:nvSpPr>
+        <p:spPr>
+          <a:xfrm>
+            <a:off x="304800" y="2224073"/>
+            <a:ext cx="883575" cy="400110"/>
+          </a:xfrm>
+          <a:prstGeom prst="rect">
+            <a:avLst/>
+          </a:prstGeom>
+          <a:noFill/>
+        </p:spPr>
+        <p:txBody>
+          <a:bodyPr wrap="none" rtlCol="0">
+            <a:spAutoFit/>
+          </a:bodyPr>
+          <a:lstStyle/>
+          <a:p>
+            <a:r>
+              <a:rPr lang="en-US" sz="2000" dirty="0"/>
+              <a:t>Model</a:t>
+            </a:r>
+          </a:p>
+        </p:txBody>
+      </p:sp>
+      <p:cxnSp>
+        <p:nvCxnSpPr>
+          <p:cNvPr id="27" name="Elbow Connector 26">
+            <a:extLst>
+              <a:ext uri="{FF2B5EF4-FFF2-40B4-BE49-F238E27FC236}">
+                <a16:creationId xmlns:a16="http://schemas.microsoft.com/office/drawing/2014/main" id="{A1247F82-BA2D-BC4D-BF77-FF8D840D8197}"/>
+              </a:ext>
+            </a:extLst>
+          </p:cNvPr>
+          <p:cNvCxnSpPr>
+            <a:stCxn id="23" idx="3"/>
+            <a:endCxn id="18" idx="3"/>
+          </p:cNvCxnSpPr>
+          <p:nvPr/>
+        </p:nvCxnSpPr>
+        <p:spPr>
+          <a:xfrm flipH="1" flipV="1">
+            <a:off x="3778236" y="1557010"/>
+            <a:ext cx="200968" cy="2052935"/>
+          </a:xfrm>
+          <a:prstGeom prst="bentConnector3">
+            <a:avLst>
+              <a:gd name="adj1" fmla="val -113749"/>
+            </a:avLst>
+          </a:prstGeom>
+          <a:ln>
+            <a:tailEnd type="triangle"/>
+          </a:ln>
+        </p:spPr>
+        <p:style>
+          <a:lnRef idx="2">
+            <a:schemeClr val="accent1"/>
+          </a:lnRef>
+          <a:fillRef idx="0">
+            <a:schemeClr val="accent1"/>
+          </a:fillRef>
+          <a:effectRef idx="1">
+            <a:schemeClr val="accent1"/>
+          </a:effectRef>
+          <a:fontRef idx="minor">
+            <a:schemeClr val="tx1"/>
+          </a:fontRef>
+        </p:style>
+      </p:cxnSp>
+      <p:cxnSp>
+        <p:nvCxnSpPr>
+          <p:cNvPr id="29" name="Elbow Connector 28">
+            <a:extLst>
+              <a:ext uri="{FF2B5EF4-FFF2-40B4-BE49-F238E27FC236}">
+                <a16:creationId xmlns:a16="http://schemas.microsoft.com/office/drawing/2014/main" id="{375A27CA-887E-4546-960C-9C33B7C7CFAD}"/>
+              </a:ext>
+            </a:extLst>
+          </p:cNvPr>
+          <p:cNvCxnSpPr>
+            <a:cxnSpLocks/>
+          </p:cNvCxnSpPr>
+          <p:nvPr/>
+        </p:nvCxnSpPr>
+        <p:spPr>
+          <a:xfrm rot="16200000" flipV="1">
+            <a:off x="2044014" y="1975917"/>
+            <a:ext cx="895662" cy="581069"/>
+          </a:xfrm>
+          <a:prstGeom prst="bentConnector3">
+            <a:avLst>
+              <a:gd name="adj1" fmla="val 50000"/>
+            </a:avLst>
+          </a:prstGeom>
+          <a:ln>
+            <a:tailEnd type="triangle"/>
+          </a:ln>
+        </p:spPr>
+        <p:style>
+          <a:lnRef idx="2">
+            <a:schemeClr val="accent1"/>
+          </a:lnRef>
+          <a:fillRef idx="0">
+            <a:schemeClr val="accent1"/>
+          </a:fillRef>
+          <a:effectRef idx="1">
+            <a:schemeClr val="accent1"/>
+          </a:effectRef>
+          <a:fontRef idx="minor">
+            <a:schemeClr val="tx1"/>
+          </a:fontRef>
+        </p:style>
+      </p:cxnSp>
+      <p:cxnSp>
+        <p:nvCxnSpPr>
+          <p:cNvPr id="38" name="Elbow Connector 37">
+            <a:extLst>
+              <a:ext uri="{FF2B5EF4-FFF2-40B4-BE49-F238E27FC236}">
+                <a16:creationId xmlns:a16="http://schemas.microsoft.com/office/drawing/2014/main" id="{1086A101-5C6D-5746-BA34-04929C041EE8}"/>
+              </a:ext>
+            </a:extLst>
+          </p:cNvPr>
+          <p:cNvCxnSpPr>
+            <a:cxnSpLocks/>
+          </p:cNvCxnSpPr>
+          <p:nvPr/>
+        </p:nvCxnSpPr>
+        <p:spPr>
+          <a:xfrm flipV="1">
+            <a:off x="633046" y="1633582"/>
+            <a:ext cx="317302" cy="275818"/>
+          </a:xfrm>
+          <a:prstGeom prst="bentConnector3">
+            <a:avLst>
+              <a:gd name="adj1" fmla="val 50000"/>
+            </a:avLst>
+          </a:prstGeom>
+          <a:ln>
+            <a:tailEnd type="triangle"/>
+          </a:ln>
+        </p:spPr>
+        <p:style>
+          <a:lnRef idx="2">
+            <a:schemeClr val="accent1"/>
+          </a:lnRef>
+          <a:fillRef idx="0">
+            <a:schemeClr val="accent1"/>
+          </a:fillRef>
+          <a:effectRef idx="1">
+            <a:schemeClr val="accent1"/>
+          </a:effectRef>
+          <a:fontRef idx="minor">
+            <a:schemeClr val="tx1"/>
+          </a:fontRef>
+        </p:style>
+      </p:cxnSp>
+      <p:cxnSp>
+        <p:nvCxnSpPr>
+          <p:cNvPr id="44" name="Straight Connector 43">
+            <a:extLst>
+              <a:ext uri="{FF2B5EF4-FFF2-40B4-BE49-F238E27FC236}">
+                <a16:creationId xmlns:a16="http://schemas.microsoft.com/office/drawing/2014/main" id="{8BEFA958-389C-F240-A705-1FEC7ADE3D64}"/>
+              </a:ext>
+            </a:extLst>
+          </p:cNvPr>
+          <p:cNvCxnSpPr>
+            <a:stCxn id="26" idx="3"/>
+          </p:cNvCxnSpPr>
+          <p:nvPr/>
+        </p:nvCxnSpPr>
+        <p:spPr>
+          <a:xfrm>
+            <a:off x="1188375" y="2424128"/>
+            <a:ext cx="953627" cy="0"/>
+          </a:xfrm>
+          <a:prstGeom prst="line">
+            <a:avLst/>
+          </a:prstGeom>
+        </p:spPr>
+        <p:style>
+          <a:lnRef idx="2">
+            <a:schemeClr val="accent1"/>
+          </a:lnRef>
+          <a:fillRef idx="0">
+            <a:schemeClr val="accent1"/>
+          </a:fillRef>
+          <a:effectRef idx="1">
+            <a:schemeClr val="accent1"/>
+          </a:effectRef>
+          <a:fontRef idx="minor">
+            <a:schemeClr val="tx1"/>
+          </a:fontRef>
+        </p:style>
+      </p:cxnSp>
+      <p:cxnSp>
+        <p:nvCxnSpPr>
+          <p:cNvPr id="46" name="Straight Arrow Connector 45">
+            <a:extLst>
+              <a:ext uri="{FF2B5EF4-FFF2-40B4-BE49-F238E27FC236}">
+                <a16:creationId xmlns:a16="http://schemas.microsoft.com/office/drawing/2014/main" id="{2DD93698-A224-564C-91D4-C8117D7F9A4A}"/>
+              </a:ext>
+            </a:extLst>
+          </p:cNvPr>
+          <p:cNvCxnSpPr/>
+          <p:nvPr/>
+        </p:nvCxnSpPr>
+        <p:spPr>
+          <a:xfrm flipH="1" flipV="1">
+            <a:off x="1905000" y="1818620"/>
+            <a:ext cx="237002" cy="605508"/>
+          </a:xfrm>
+          <a:prstGeom prst="straightConnector1">
+            <a:avLst/>
+          </a:prstGeom>
+          <a:ln>
+            <a:tailEnd type="triangle"/>
+          </a:ln>
+        </p:spPr>
+        <p:style>
+          <a:lnRef idx="2">
+            <a:schemeClr val="accent1"/>
+          </a:lnRef>
+          <a:fillRef idx="0">
+            <a:schemeClr val="accent1"/>
+          </a:fillRef>
+          <a:effectRef idx="1">
+            <a:schemeClr val="accent1"/>
+          </a:effectRef>
+          <a:fontRef idx="minor">
+            <a:schemeClr val="tx1"/>
+          </a:fontRef>
+        </p:style>
+      </p:cxnSp>
+      <p:cxnSp>
+        <p:nvCxnSpPr>
+          <p:cNvPr id="48" name="Straight Connector 47">
+            <a:extLst>
+              <a:ext uri="{FF2B5EF4-FFF2-40B4-BE49-F238E27FC236}">
+                <a16:creationId xmlns:a16="http://schemas.microsoft.com/office/drawing/2014/main" id="{6731ABE4-808F-8640-A5B4-2285315B6FBA}"/>
+              </a:ext>
+            </a:extLst>
+          </p:cNvPr>
+          <p:cNvCxnSpPr>
+            <a:stCxn id="24" idx="3"/>
+          </p:cNvCxnSpPr>
+          <p:nvPr/>
+        </p:nvCxnSpPr>
+        <p:spPr>
+          <a:xfrm>
+            <a:off x="1813546" y="3214674"/>
+            <a:ext cx="1850929" cy="0"/>
+          </a:xfrm>
+          <a:prstGeom prst="line">
+            <a:avLst/>
+          </a:prstGeom>
+        </p:spPr>
+        <p:style>
+          <a:lnRef idx="2">
+            <a:schemeClr val="accent1"/>
+          </a:lnRef>
+          <a:fillRef idx="0">
+            <a:schemeClr val="accent1"/>
+          </a:fillRef>
+          <a:effectRef idx="1">
+            <a:schemeClr val="accent1"/>
+          </a:effectRef>
+          <a:fontRef idx="minor">
+            <a:schemeClr val="tx1"/>
+          </a:fontRef>
+        </p:style>
+      </p:cxnSp>
+      <p:cxnSp>
+        <p:nvCxnSpPr>
+          <p:cNvPr id="50" name="Straight Arrow Connector 49">
+            <a:extLst>
+              <a:ext uri="{FF2B5EF4-FFF2-40B4-BE49-F238E27FC236}">
+                <a16:creationId xmlns:a16="http://schemas.microsoft.com/office/drawing/2014/main" id="{9E8C1675-BB42-A346-BE43-7712F553A36C}"/>
+              </a:ext>
+            </a:extLst>
+          </p:cNvPr>
+          <p:cNvCxnSpPr/>
+          <p:nvPr/>
+        </p:nvCxnSpPr>
+        <p:spPr>
+          <a:xfrm flipH="1" flipV="1">
+            <a:off x="2667000" y="1676400"/>
+            <a:ext cx="997475" cy="1538274"/>
+          </a:xfrm>
+          <a:prstGeom prst="straightConnector1">
+            <a:avLst/>
+          </a:prstGeom>
+          <a:ln>
+            <a:tailEnd type="triangle"/>
+          </a:ln>
+        </p:spPr>
+        <p:style>
+          <a:lnRef idx="2">
+            <a:schemeClr val="accent1"/>
+          </a:lnRef>
+          <a:fillRef idx="0">
+            <a:schemeClr val="accent1"/>
+          </a:fillRef>
+          <a:effectRef idx="1">
+            <a:schemeClr val="accent1"/>
+          </a:effectRef>
+          <a:fontRef idx="minor">
+            <a:schemeClr val="tx1"/>
+          </a:fontRef>
+        </p:style>
+      </p:cxnSp>
+      <p:grpSp>
+        <p:nvGrpSpPr>
+          <p:cNvPr id="58" name="Group 57">
+            <a:extLst>
+              <a:ext uri="{FF2B5EF4-FFF2-40B4-BE49-F238E27FC236}">
+                <a16:creationId xmlns:a16="http://schemas.microsoft.com/office/drawing/2014/main" id="{15C68773-7B72-F445-8266-D8D4A609DA3A}"/>
+              </a:ext>
+            </a:extLst>
+          </p:cNvPr>
+          <p:cNvGrpSpPr/>
+          <p:nvPr/>
+        </p:nvGrpSpPr>
+        <p:grpSpPr>
+          <a:xfrm>
+            <a:off x="4583643" y="1968643"/>
+            <a:ext cx="4560357" cy="2984357"/>
+            <a:chOff x="4583643" y="2133600"/>
+            <a:chExt cx="4560357" cy="2984357"/>
+          </a:xfrm>
+        </p:grpSpPr>
+        <p:pic>
+          <p:nvPicPr>
+            <p:cNvPr id="1026" name="Picture 2" descr="Linear regression"/>
+            <p:cNvPicPr>
+              <a:picLocks noChangeAspect="1" noChangeArrowheads="1"/>
+            </p:cNvPicPr>
+            <p:nvPr/>
+          </p:nvPicPr>
+          <p:blipFill>
+            <a:blip r:embed="rId4">
+              <a:extLst>
+                <a:ext uri="{28A0092B-C50C-407E-A947-70E740481C1C}">
+                  <a14:useLocalDpi xmlns:a14="http://schemas.microsoft.com/office/drawing/2010/main" val="0"/>
+                </a:ext>
+              </a:extLst>
+            </a:blip>
+            <a:srcRect/>
+            <a:stretch>
+              <a:fillRect/>
+            </a:stretch>
+          </p:blipFill>
+          <p:spPr bwMode="auto">
+            <a:xfrm>
+              <a:off x="4661203" y="2478177"/>
+              <a:ext cx="3360728" cy="2639780"/>
+            </a:xfrm>
+            <a:prstGeom prst="rect">
+              <a:avLst/>
+            </a:prstGeom>
+            <a:noFill/>
+            <a:extLst>
+              <a:ext uri="{909E8E84-426E-40DD-AFC4-6F175D3DCCD1}">
+                <a14:hiddenFill xmlns:a14="http://schemas.microsoft.com/office/drawing/2010/main">
+                  <a:solidFill>
+                    <a:srgbClr val="FFFFFF"/>
+                  </a:solidFill>
+                </a14:hiddenFill>
+              </a:ext>
+            </a:extLst>
+          </p:spPr>
+        </p:pic>
+        <mc:AlternateContent xmlns:mc="http://schemas.openxmlformats.org/markup-compatibility/2006">
+          <mc:Choice xmlns:a14="http://schemas.microsoft.com/office/drawing/2010/main" Requires="a14">
+            <p:sp>
+              <p:nvSpPr>
+                <p:cNvPr id="9" name="TextBox 8">
+                  <a:extLst>
+                    <a:ext uri="{FF2B5EF4-FFF2-40B4-BE49-F238E27FC236}">
+                      <a16:creationId xmlns:a16="http://schemas.microsoft.com/office/drawing/2014/main" id="{3D24F99A-145A-2245-9990-3BA9E83857EC}"/>
+                    </a:ext>
+                  </a:extLst>
+                </p:cNvPr>
+                <p:cNvSpPr txBox="1"/>
+                <p:nvPr/>
+              </p:nvSpPr>
+              <p:spPr>
+                <a:xfrm>
+                  <a:off x="7897483" y="3083121"/>
+                  <a:ext cx="305917" cy="430887"/>
+                </a:xfrm>
+                <a:prstGeom prst="rect">
+                  <a:avLst/>
+                </a:prstGeom>
+                <a:noFill/>
+              </p:spPr>
+              <p:txBody>
+                <a:bodyPr wrap="none" lIns="0" tIns="0" rIns="0" bIns="0" rtlCol="0">
+                  <a:spAutoFit/>
+                </a:bodyPr>
+                <a:lstStyle/>
+                <a:p>
+                  <a14:m>
+                    <m:oMathPara xmlns:m="http://schemas.openxmlformats.org/officeDocument/2006/math">
+                      <m:oMathParaPr>
+                        <m:jc m:val="centerGroup"/>
+                      </m:oMathParaPr>
+                      <m:oMath xmlns:m="http://schemas.openxmlformats.org/officeDocument/2006/math">
+                        <m:acc>
+                          <m:accPr>
+                            <m:chr m:val="̂"/>
+                            <m:ctrlPr>
+                              <a:rPr lang="en-US" sz="2800" b="0" i="1" smtClean="0">
+                                <a:latin typeface="Cambria Math" panose="02040503050406030204" pitchFamily="18" charset="0"/>
+                              </a:rPr>
+                            </m:ctrlPr>
+                          </m:accPr>
+                          <m:e>
+                            <m:r>
+                              <a:rPr lang="en-US" sz="2800" b="0" i="1" smtClean="0">
+                                <a:latin typeface="Cambria Math" panose="02040503050406030204" pitchFamily="18" charset="0"/>
+                              </a:rPr>
+                              <m:t>𝑦</m:t>
+                            </m:r>
+                          </m:e>
+                        </m:acc>
+                      </m:oMath>
+                    </m:oMathPara>
+                  </a14:m>
+                  <a:endParaRPr lang="en-US" sz="2800" dirty="0"/>
+                </a:p>
+              </p:txBody>
+            </p:sp>
+          </mc:Choice>
+          <mc:Fallback>
+            <p:sp>
+              <p:nvSpPr>
+                <p:cNvPr id="9" name="TextBox 8">
+                  <a:extLst>
+                    <a:ext uri="{FF2B5EF4-FFF2-40B4-BE49-F238E27FC236}">
+                      <a16:creationId xmlns:a16="http://schemas.microsoft.com/office/drawing/2014/main" id="{3D24F99A-145A-2245-9990-3BA9E83857EC}"/>
+                    </a:ext>
+                  </a:extLst>
+                </p:cNvPr>
+                <p:cNvSpPr txBox="1">
+                  <a:spLocks noRot="1" noChangeAspect="1" noMove="1" noResize="1" noEditPoints="1" noAdjustHandles="1" noChangeArrowheads="1" noChangeShapeType="1" noTextEdit="1"/>
+                </p:cNvSpPr>
+                <p:nvPr/>
+              </p:nvSpPr>
+              <p:spPr>
+                <a:xfrm>
+                  <a:off x="7897483" y="3083121"/>
+                  <a:ext cx="305917" cy="430887"/>
+                </a:xfrm>
+                <a:prstGeom prst="rect">
+                  <a:avLst/>
+                </a:prstGeom>
+                <a:blipFill>
+                  <a:blip r:embed="rId5"/>
+                  <a:stretch>
+                    <a:fillRect l="-24000" t="-14286" r="-20000" b="-22857"/>
+                  </a:stretch>
+                </a:blipFill>
+              </p:spPr>
+              <p:txBody>
+                <a:bodyPr/>
+                <a:lstStyle/>
+                <a:p>
+                  <a:r>
+                    <a:rPr lang="en-US">
+                      <a:noFill/>
+                    </a:rPr>
+                    <a:t> </a:t>
+                  </a:r>
+                </a:p>
+              </p:txBody>
+            </p:sp>
+          </mc:Fallback>
+        </mc:AlternateContent>
+        <mc:AlternateContent xmlns:mc="http://schemas.openxmlformats.org/markup-compatibility/2006">
+          <mc:Choice xmlns:a14="http://schemas.microsoft.com/office/drawing/2010/main" Requires="a14">
+            <p:sp>
+              <p:nvSpPr>
+                <p:cNvPr id="15" name="TextBox 14">
+                  <a:extLst>
+                    <a:ext uri="{FF2B5EF4-FFF2-40B4-BE49-F238E27FC236}">
+                      <a16:creationId xmlns:a16="http://schemas.microsoft.com/office/drawing/2014/main" id="{5E9E4AE9-BDB0-4B48-8018-56B636968069}"/>
+                    </a:ext>
+                  </a:extLst>
+                </p:cNvPr>
+                <p:cNvSpPr txBox="1"/>
+                <p:nvPr/>
+              </p:nvSpPr>
+              <p:spPr>
+                <a:xfrm>
+                  <a:off x="7945807" y="2544692"/>
+                  <a:ext cx="381963" cy="430887"/>
+                </a:xfrm>
+                <a:prstGeom prst="rect">
+                  <a:avLst/>
+                </a:prstGeom>
+                <a:noFill/>
+              </p:spPr>
+              <p:txBody>
+                <a:bodyPr wrap="none" lIns="0" tIns="0" rIns="0" bIns="0" rtlCol="0">
+                  <a:spAutoFit/>
+                </a:bodyPr>
+                <a:lstStyle/>
+                <a:p>
+                  <a14:m>
+                    <m:oMathPara xmlns:m="http://schemas.openxmlformats.org/officeDocument/2006/math">
+                      <m:oMathParaPr>
+                        <m:jc m:val="centerGroup"/>
+                      </m:oMathParaPr>
+                      <m:oMath xmlns:m="http://schemas.openxmlformats.org/officeDocument/2006/math">
+                        <m:sSub>
+                          <m:sSubPr>
+                            <m:ctrlPr>
+                              <a:rPr lang="en-US" sz="2800" b="0" i="1" smtClean="0">
+                                <a:latin typeface="Cambria Math" panose="02040503050406030204" pitchFamily="18" charset="0"/>
+                              </a:rPr>
+                            </m:ctrlPr>
+                          </m:sSubPr>
+                          <m:e>
+                            <m:r>
+                              <a:rPr lang="en-US" sz="2800" b="0" i="1" smtClean="0">
+                                <a:latin typeface="Cambria Math" panose="02040503050406030204" pitchFamily="18" charset="0"/>
+                              </a:rPr>
+                              <m:t>𝑒</m:t>
+                            </m:r>
+                          </m:e>
+                          <m:sub>
+                            <m:r>
+                              <a:rPr lang="en-US" sz="2800" b="0" i="1" smtClean="0">
+                                <a:latin typeface="Cambria Math" panose="02040503050406030204" pitchFamily="18" charset="0"/>
+                              </a:rPr>
+                              <m:t>𝑖</m:t>
+                            </m:r>
+                          </m:sub>
+                        </m:sSub>
+                      </m:oMath>
+                    </m:oMathPara>
+                  </a14:m>
+                  <a:endParaRPr lang="en-US" dirty="0"/>
+                </a:p>
+              </p:txBody>
+            </p:sp>
+          </mc:Choice>
+          <mc:Fallback>
+            <p:sp>
+              <p:nvSpPr>
+                <p:cNvPr id="15" name="TextBox 14">
+                  <a:extLst>
+                    <a:ext uri="{FF2B5EF4-FFF2-40B4-BE49-F238E27FC236}">
+                      <a16:creationId xmlns:a16="http://schemas.microsoft.com/office/drawing/2014/main" id="{5E9E4AE9-BDB0-4B48-8018-56B636968069}"/>
+                    </a:ext>
+                  </a:extLst>
+                </p:cNvPr>
+                <p:cNvSpPr txBox="1">
+                  <a:spLocks noRot="1" noChangeAspect="1" noMove="1" noResize="1" noEditPoints="1" noAdjustHandles="1" noChangeArrowheads="1" noChangeShapeType="1" noTextEdit="1"/>
+                </p:cNvSpPr>
+                <p:nvPr/>
+              </p:nvSpPr>
+              <p:spPr>
+                <a:xfrm>
+                  <a:off x="7945807" y="2544692"/>
+                  <a:ext cx="381963" cy="430887"/>
+                </a:xfrm>
+                <a:prstGeom prst="rect">
+                  <a:avLst/>
+                </a:prstGeom>
+                <a:blipFill>
+                  <a:blip r:embed="rId6"/>
+                  <a:stretch>
+                    <a:fillRect l="-6452" r="-3226" b="-17143"/>
+                  </a:stretch>
+                </a:blipFill>
+              </p:spPr>
+              <p:txBody>
+                <a:bodyPr/>
+                <a:lstStyle/>
+                <a:p>
+                  <a:r>
+                    <a:rPr lang="en-US">
+                      <a:noFill/>
+                    </a:rPr>
+                    <a:t> </a:t>
+                  </a:r>
+                </a:p>
+              </p:txBody>
+            </p:sp>
+          </mc:Fallback>
+        </mc:AlternateContent>
+        <p:sp>
+          <p:nvSpPr>
+            <p:cNvPr id="10" name="TextBox 9">
+              <a:extLst>
+                <a:ext uri="{FF2B5EF4-FFF2-40B4-BE49-F238E27FC236}">
+                  <a16:creationId xmlns:a16="http://schemas.microsoft.com/office/drawing/2014/main" id="{B971481C-2258-9742-9D5D-EE4A163BB55A}"/>
+                </a:ext>
+              </a:extLst>
+            </p:cNvPr>
+            <p:cNvSpPr txBox="1"/>
+            <p:nvPr/>
+          </p:nvSpPr>
+          <p:spPr>
+            <a:xfrm>
+              <a:off x="7582790" y="2133600"/>
+              <a:ext cx="1107996" cy="369332"/>
+            </a:xfrm>
+            <a:prstGeom prst="rect">
+              <a:avLst/>
+            </a:prstGeom>
+            <a:noFill/>
+          </p:spPr>
+          <p:txBody>
+            <a:bodyPr wrap="none" rtlCol="0">
+              <a:spAutoFit/>
+            </a:bodyPr>
+            <a:lstStyle/>
+            <a:p>
+              <a:r>
+                <a:rPr lang="en-US" dirty="0"/>
+                <a:t>residuals</a:t>
+              </a:r>
+            </a:p>
+          </p:txBody>
+        </p:sp>
+        <p:sp>
+          <p:nvSpPr>
+            <p:cNvPr id="16" name="TextBox 15">
+              <a:extLst>
+                <a:ext uri="{FF2B5EF4-FFF2-40B4-BE49-F238E27FC236}">
+                  <a16:creationId xmlns:a16="http://schemas.microsoft.com/office/drawing/2014/main" id="{62CF1BD2-FDC5-844D-B3FF-DFDE754525B9}"/>
+                </a:ext>
+              </a:extLst>
+            </p:cNvPr>
+            <p:cNvSpPr txBox="1"/>
+            <p:nvPr/>
+          </p:nvSpPr>
+          <p:spPr>
+            <a:xfrm>
+              <a:off x="8010356" y="3351022"/>
+              <a:ext cx="1133644" cy="369332"/>
+            </a:xfrm>
+            <a:prstGeom prst="rect">
+              <a:avLst/>
+            </a:prstGeom>
+            <a:noFill/>
+          </p:spPr>
+          <p:txBody>
+            <a:bodyPr wrap="none" rtlCol="0">
+              <a:spAutoFit/>
+            </a:bodyPr>
+            <a:lstStyle/>
+            <a:p>
+              <a:r>
+                <a:rPr lang="en-US" dirty="0"/>
+                <a:t>predicted</a:t>
+              </a:r>
+            </a:p>
+          </p:txBody>
+        </p:sp>
+        <mc:AlternateContent xmlns:mc="http://schemas.openxmlformats.org/markup-compatibility/2006">
+          <mc:Choice xmlns:a14="http://schemas.microsoft.com/office/drawing/2010/main" Requires="a14">
+            <p:sp>
+              <p:nvSpPr>
+                <p:cNvPr id="57" name="TextBox 56">
+                  <a:extLst>
+                    <a:ext uri="{FF2B5EF4-FFF2-40B4-BE49-F238E27FC236}">
+                      <a16:creationId xmlns:a16="http://schemas.microsoft.com/office/drawing/2014/main" id="{D3820197-EACE-8B40-B7C1-F18B884378C9}"/>
+                    </a:ext>
+                  </a:extLst>
+                </p:cNvPr>
+                <p:cNvSpPr txBox="1"/>
+                <p:nvPr/>
+              </p:nvSpPr>
+              <p:spPr>
+                <a:xfrm>
+                  <a:off x="4583643" y="4415068"/>
+                  <a:ext cx="293157" cy="288733"/>
+                </a:xfrm>
+                <a:prstGeom prst="rect">
+                  <a:avLst/>
+                </a:prstGeom>
+                <a:solidFill>
+                  <a:schemeClr val="bg1"/>
+                </a:solidFill>
+              </p:spPr>
+              <p:txBody>
+                <a:bodyPr wrap="none" lIns="0" tIns="0" rIns="0" bIns="0" rtlCol="0">
+                  <a:spAutoFit/>
+                </a:bodyPr>
+                <a:lstStyle/>
+                <a:p>
+                  <a14:m>
+                    <m:oMathPara xmlns:m="http://schemas.openxmlformats.org/officeDocument/2006/math">
+                      <m:oMathParaPr>
+                        <m:jc m:val="centerGroup"/>
+                      </m:oMathParaPr>
+                      <m:oMath xmlns:m="http://schemas.openxmlformats.org/officeDocument/2006/math">
+                        <m:sSub>
+                          <m:sSubPr>
+                            <m:ctrlPr>
+                              <a:rPr lang="en-US" b="0" i="0" smtClean="0">
+                                <a:latin typeface="Cambria Math" panose="02040503050406030204" pitchFamily="18" charset="0"/>
+                              </a:rPr>
+                            </m:ctrlPr>
+                          </m:sSubPr>
+                          <m:e>
+                            <m:acc>
+                              <m:accPr>
+                                <m:chr m:val="̂"/>
+                                <m:ctrlPr>
+                                  <a:rPr lang="en-US" b="0" i="1" smtClean="0">
+                                    <a:latin typeface="Cambria Math" panose="02040503050406030204" pitchFamily="18" charset="0"/>
+                                  </a:rPr>
+                                </m:ctrlPr>
+                              </m:accPr>
+                              <m:e>
+                                <m:r>
+                                  <a:rPr lang="en-US" b="0" i="1" smtClean="0">
+                                    <a:latin typeface="Cambria Math" panose="02040503050406030204" pitchFamily="18" charset="0"/>
+                                  </a:rPr>
+                                  <m:t>𝜃</m:t>
+                                </m:r>
+                              </m:e>
+                            </m:acc>
+                          </m:e>
+                          <m:sub>
+                            <m:r>
+                              <a:rPr lang="en-US" b="0" i="0" smtClean="0">
+                                <a:latin typeface="Cambria Math" panose="02040503050406030204" pitchFamily="18" charset="0"/>
+                              </a:rPr>
+                              <m:t>0</m:t>
+                            </m:r>
+                          </m:sub>
+                        </m:sSub>
+                      </m:oMath>
+                    </m:oMathPara>
+                  </a14:m>
+                  <a:endParaRPr lang="en-US" dirty="0"/>
+                </a:p>
+              </p:txBody>
+            </p:sp>
+          </mc:Choice>
+          <mc:Fallback>
+            <p:sp>
+              <p:nvSpPr>
+                <p:cNvPr id="57" name="TextBox 56">
+                  <a:extLst>
+                    <a:ext uri="{FF2B5EF4-FFF2-40B4-BE49-F238E27FC236}">
+                      <a16:creationId xmlns:a16="http://schemas.microsoft.com/office/drawing/2014/main" id="{D3820197-EACE-8B40-B7C1-F18B884378C9}"/>
+                    </a:ext>
+                  </a:extLst>
+                </p:cNvPr>
+                <p:cNvSpPr txBox="1">
+                  <a:spLocks noRot="1" noChangeAspect="1" noMove="1" noResize="1" noEditPoints="1" noAdjustHandles="1" noChangeArrowheads="1" noChangeShapeType="1" noTextEdit="1"/>
+                </p:cNvSpPr>
+                <p:nvPr/>
+              </p:nvSpPr>
+              <p:spPr>
+                <a:xfrm>
+                  <a:off x="4583643" y="4415068"/>
+                  <a:ext cx="293157" cy="288733"/>
+                </a:xfrm>
+                <a:prstGeom prst="rect">
+                  <a:avLst/>
+                </a:prstGeom>
+                <a:blipFill>
+                  <a:blip r:embed="rId7"/>
+                  <a:stretch>
+                    <a:fillRect l="-12500" t="-21739" b="-13043"/>
+                  </a:stretch>
+                </a:blipFill>
+              </p:spPr>
+              <p:txBody>
+                <a:bodyPr/>
+                <a:lstStyle/>
+                <a:p>
+                  <a:r>
+                    <a:rPr lang="en-US">
+                      <a:noFill/>
+                    </a:rPr>
+                    <a:t> </a:t>
+                  </a:r>
+                </a:p>
+              </p:txBody>
+            </p:sp>
+          </mc:Fallback>
+        </mc:AlternateContent>
+        <mc:AlternateContent xmlns:mc="http://schemas.openxmlformats.org/markup-compatibility/2006">
+          <mc:Choice xmlns:a14="http://schemas.microsoft.com/office/drawing/2010/main" Requires="a14">
+            <p:sp>
+              <p:nvSpPr>
+                <p:cNvPr id="59" name="TextBox 58">
+                  <a:extLst>
+                    <a:ext uri="{FF2B5EF4-FFF2-40B4-BE49-F238E27FC236}">
+                      <a16:creationId xmlns:a16="http://schemas.microsoft.com/office/drawing/2014/main" id="{486FC616-CFD1-D249-82EF-147A64198995}"/>
+                    </a:ext>
+                  </a:extLst>
+                </p:cNvPr>
+                <p:cNvSpPr txBox="1"/>
+                <p:nvPr/>
+              </p:nvSpPr>
+              <p:spPr>
+                <a:xfrm>
+                  <a:off x="7166786" y="3576868"/>
+                  <a:ext cx="287835" cy="288733"/>
+                </a:xfrm>
+                <a:prstGeom prst="rect">
+                  <a:avLst/>
+                </a:prstGeom>
+                <a:solidFill>
+                  <a:schemeClr val="bg1"/>
+                </a:solidFill>
+              </p:spPr>
+              <p:txBody>
+                <a:bodyPr wrap="none" lIns="0" tIns="0" rIns="0" bIns="0" rtlCol="0">
+                  <a:spAutoFit/>
+                </a:bodyPr>
+                <a:lstStyle/>
+                <a:p>
+                  <a14:m>
+                    <m:oMathPara xmlns:m="http://schemas.openxmlformats.org/officeDocument/2006/math">
+                      <m:oMathParaPr>
+                        <m:jc m:val="centerGroup"/>
+                      </m:oMathParaPr>
+                      <m:oMath xmlns:m="http://schemas.openxmlformats.org/officeDocument/2006/math">
+                        <m:sSub>
+                          <m:sSubPr>
+                            <m:ctrlPr>
+                              <a:rPr lang="en-US" b="0" i="1" smtClean="0">
+                                <a:latin typeface="Cambria Math" panose="02040503050406030204" pitchFamily="18" charset="0"/>
+                              </a:rPr>
+                            </m:ctrlPr>
+                          </m:sSubPr>
+                          <m:e>
+                            <m:acc>
+                              <m:accPr>
+                                <m:chr m:val="̂"/>
+                                <m:ctrlPr>
+                                  <a:rPr lang="en-US" b="0" i="1" smtClean="0">
+                                    <a:latin typeface="Cambria Math" panose="02040503050406030204" pitchFamily="18" charset="0"/>
+                                  </a:rPr>
+                                </m:ctrlPr>
+                              </m:accPr>
+                              <m:e>
+                                <m:r>
+                                  <a:rPr lang="en-US" b="0" i="1" smtClean="0">
+                                    <a:latin typeface="Cambria Math" panose="02040503050406030204" pitchFamily="18" charset="0"/>
+                                  </a:rPr>
+                                  <m:t>𝜃</m:t>
+                                </m:r>
+                              </m:e>
+                            </m:acc>
+                          </m:e>
+                          <m:sub>
+                            <m:r>
+                              <a:rPr lang="en-US" b="0" i="1" smtClean="0">
+                                <a:latin typeface="Cambria Math" panose="02040503050406030204" pitchFamily="18" charset="0"/>
+                              </a:rPr>
+                              <m:t>1</m:t>
+                            </m:r>
+                          </m:sub>
+                        </m:sSub>
+                      </m:oMath>
+                    </m:oMathPara>
+                  </a14:m>
+                  <a:endParaRPr lang="en-US" dirty="0"/>
+                </a:p>
+              </p:txBody>
+            </p:sp>
+          </mc:Choice>
+          <mc:Fallback>
+            <p:sp>
+              <p:nvSpPr>
+                <p:cNvPr id="59" name="TextBox 58">
+                  <a:extLst>
+                    <a:ext uri="{FF2B5EF4-FFF2-40B4-BE49-F238E27FC236}">
+                      <a16:creationId xmlns:a16="http://schemas.microsoft.com/office/drawing/2014/main" id="{486FC616-CFD1-D249-82EF-147A64198995}"/>
+                    </a:ext>
+                  </a:extLst>
+                </p:cNvPr>
+                <p:cNvSpPr txBox="1">
+                  <a:spLocks noRot="1" noChangeAspect="1" noMove="1" noResize="1" noEditPoints="1" noAdjustHandles="1" noChangeArrowheads="1" noChangeShapeType="1" noTextEdit="1"/>
+                </p:cNvSpPr>
+                <p:nvPr/>
+              </p:nvSpPr>
+              <p:spPr>
+                <a:xfrm>
+                  <a:off x="7166786" y="3576868"/>
+                  <a:ext cx="287835" cy="288733"/>
+                </a:xfrm>
+                <a:prstGeom prst="rect">
+                  <a:avLst/>
+                </a:prstGeom>
+                <a:blipFill>
+                  <a:blip r:embed="rId8"/>
+                  <a:stretch>
+                    <a:fillRect l="-17391" t="-21739" r="-4348" b="-13043"/>
+                  </a:stretch>
+                </a:blipFill>
+              </p:spPr>
+              <p:txBody>
+                <a:bodyPr/>
+                <a:lstStyle/>
+                <a:p>
+                  <a:r>
+                    <a:rPr lang="en-US">
+                      <a:noFill/>
+                    </a:rPr>
+                    <a:t> </a:t>
+                  </a:r>
+                </a:p>
+              </p:txBody>
+            </p:sp>
+          </mc:Fallback>
+        </mc:AlternateContent>
+      </p:grpSp>
       <mc:AlternateContent xmlns:mc="http://schemas.openxmlformats.org/markup-compatibility/2006">
         <mc:Choice xmlns:a14="http://schemas.microsoft.com/office/drawing/2010/main" Requires="a14">
           <p:sp>
             <p:nvSpPr>
-              <p:cNvPr id="17" name="TextBox 16">
+              <p:cNvPr id="60" name="TextBox 59">
                 <a:extLst>
                   <a:ext uri="{FF2B5EF4-FFF2-40B4-BE49-F238E27FC236}">
-                    <a16:creationId xmlns:a16="http://schemas.microsoft.com/office/drawing/2014/main" id="{8DDABF58-AF70-3545-8DF4-CF67088AF53B}"/>
+                    <a16:creationId xmlns:a16="http://schemas.microsoft.com/office/drawing/2014/main" id="{1E2DCE57-7FBC-644F-BA96-A628A0648489}"/>
                   </a:ext>
                 </a:extLst>
               </p:cNvPr>
@@ -6633,8 +9607,8 @@
             </p:nvSpPr>
             <p:spPr>
               <a:xfrm>
-                <a:off x="1447800" y="5105400"/>
-                <a:ext cx="5921814" cy="912558"/>
+                <a:off x="4496739" y="4883177"/>
+                <a:ext cx="4238789" cy="1028743"/>
               </a:xfrm>
               <a:prstGeom prst="rect">
                 <a:avLst/>
@@ -6647,27 +9621,451 @@
               </a:bodyPr>
               <a:lstStyle/>
               <a:p>
+                <a14:m>
+                  <m:oMath xmlns:m="http://schemas.openxmlformats.org/officeDocument/2006/math">
+                    <m:acc>
+                      <m:accPr>
+                        <m:chr m:val="̂"/>
+                        <m:ctrlPr>
+                          <a:rPr lang="en-US" sz="2000" b="0" i="1" smtClean="0">
+                            <a:latin typeface="Cambria Math" panose="02040503050406030204" pitchFamily="18" charset="0"/>
+                          </a:rPr>
+                        </m:ctrlPr>
+                      </m:accPr>
+                      <m:e>
+                        <m:r>
+                          <a:rPr lang="en-US" sz="2000" b="0" i="1" smtClean="0">
+                            <a:latin typeface="Cambria Math" panose="02040503050406030204" pitchFamily="18" charset="0"/>
+                          </a:rPr>
+                          <m:t>𝑦</m:t>
+                        </m:r>
+                      </m:e>
+                    </m:acc>
+                    <m:r>
+                      <a:rPr lang="en-US" sz="2000" b="0" i="1" smtClean="0">
+                        <a:latin typeface="Cambria Math" panose="02040503050406030204" pitchFamily="18" charset="0"/>
+                      </a:rPr>
+                      <m:t>, </m:t>
+                    </m:r>
+                    <m:acc>
+                      <m:accPr>
+                        <m:chr m:val="̂"/>
+                        <m:ctrlPr>
+                          <a:rPr lang="en-US" sz="2000" b="0" i="1" smtClean="0">
+                            <a:latin typeface="Cambria Math" panose="02040503050406030204" pitchFamily="18" charset="0"/>
+                          </a:rPr>
+                        </m:ctrlPr>
+                      </m:accPr>
+                      <m:e>
+                        <m:r>
+                          <a:rPr lang="en-US" sz="2000" b="0" i="1" smtClean="0">
+                            <a:latin typeface="Cambria Math" panose="02040503050406030204" pitchFamily="18" charset="0"/>
+                          </a:rPr>
+                          <m:t>𝜃</m:t>
+                        </m:r>
+                      </m:e>
+                    </m:acc>
+                  </m:oMath>
+                </a14:m>
                 <a:r>
-                  <a:rPr lang="en-US" sz="2800" b="1" dirty="0"/>
-                  <a:t>Fitness score (objective function)</a:t>
+                  <a:rPr lang="en-US" sz="2000" dirty="0"/>
+                  <a:t>: Estimated from modeling fitting</a:t>
                 </a:r>
               </a:p>
               <a:p>
                 <a14:m>
                   <m:oMath xmlns:m="http://schemas.openxmlformats.org/officeDocument/2006/math">
+                    <m:sSub>
+                      <m:sSubPr>
+                        <m:ctrlPr>
+                          <a:rPr lang="en-US" sz="2000" b="0" i="1" smtClean="0">
+                            <a:latin typeface="Cambria Math" panose="02040503050406030204" pitchFamily="18" charset="0"/>
+                          </a:rPr>
+                        </m:ctrlPr>
+                      </m:sSubPr>
+                      <m:e>
+                        <m:r>
+                          <a:rPr lang="en-US" sz="2000" b="0" i="1" smtClean="0">
+                            <a:latin typeface="Cambria Math" panose="02040503050406030204" pitchFamily="18" charset="0"/>
+                          </a:rPr>
+                          <m:t>𝑒</m:t>
+                        </m:r>
+                      </m:e>
+                      <m:sub>
+                        <m:r>
+                          <a:rPr lang="en-US" sz="2000" b="0" i="1" smtClean="0">
+                            <a:latin typeface="Cambria Math" panose="02040503050406030204" pitchFamily="18" charset="0"/>
+                          </a:rPr>
+                          <m:t>𝑖</m:t>
+                        </m:r>
+                      </m:sub>
+                    </m:sSub>
+                    <m:r>
+                      <a:rPr lang="en-US" sz="2000" b="0" i="1" smtClean="0">
+                        <a:latin typeface="Cambria Math" panose="02040503050406030204" pitchFamily="18" charset="0"/>
+                      </a:rPr>
+                      <m:t>=</m:t>
+                    </m:r>
+                    <m:sSub>
+                      <m:sSubPr>
+                        <m:ctrlPr>
+                          <a:rPr lang="en-US" sz="2000" b="0" i="1" smtClean="0">
+                            <a:latin typeface="Cambria Math" panose="02040503050406030204" pitchFamily="18" charset="0"/>
+                          </a:rPr>
+                        </m:ctrlPr>
+                      </m:sSubPr>
+                      <m:e>
+                        <m:r>
+                          <a:rPr lang="en-US" sz="2000" b="0" i="1" smtClean="0">
+                            <a:latin typeface="Cambria Math" panose="02040503050406030204" pitchFamily="18" charset="0"/>
+                          </a:rPr>
+                          <m:t>𝑦</m:t>
+                        </m:r>
+                      </m:e>
+                      <m:sub>
+                        <m:r>
+                          <a:rPr lang="en-US" sz="2000" b="0" i="1" smtClean="0">
+                            <a:latin typeface="Cambria Math" panose="02040503050406030204" pitchFamily="18" charset="0"/>
+                          </a:rPr>
+                          <m:t>𝑖</m:t>
+                        </m:r>
+                      </m:sub>
+                    </m:sSub>
+                    <m:r>
+                      <a:rPr lang="en-US" sz="2000" b="0" i="1" smtClean="0">
+                        <a:latin typeface="Cambria Math" panose="02040503050406030204" pitchFamily="18" charset="0"/>
+                      </a:rPr>
+                      <m:t>−</m:t>
+                    </m:r>
+                    <m:sSub>
+                      <m:sSubPr>
+                        <m:ctrlPr>
+                          <a:rPr lang="en-US" sz="2000" b="0" i="1" smtClean="0">
+                            <a:latin typeface="Cambria Math" panose="02040503050406030204" pitchFamily="18" charset="0"/>
+                          </a:rPr>
+                        </m:ctrlPr>
+                      </m:sSubPr>
+                      <m:e>
+                        <m:acc>
+                          <m:accPr>
+                            <m:chr m:val="̂"/>
+                            <m:ctrlPr>
+                              <a:rPr lang="en-US" sz="2000" b="0" i="1" smtClean="0">
+                                <a:latin typeface="Cambria Math" panose="02040503050406030204" pitchFamily="18" charset="0"/>
+                              </a:rPr>
+                            </m:ctrlPr>
+                          </m:accPr>
+                          <m:e>
+                            <m:r>
+                              <a:rPr lang="en-US" sz="2000" b="0" i="1" smtClean="0">
+                                <a:latin typeface="Cambria Math" panose="02040503050406030204" pitchFamily="18" charset="0"/>
+                              </a:rPr>
+                              <m:t>𝑦</m:t>
+                            </m:r>
+                          </m:e>
+                        </m:acc>
+                      </m:e>
+                      <m:sub>
+                        <m:r>
+                          <a:rPr lang="en-US" sz="2000" b="0" i="1" smtClean="0">
+                            <a:latin typeface="Cambria Math" panose="02040503050406030204" pitchFamily="18" charset="0"/>
+                          </a:rPr>
+                          <m:t>𝑖</m:t>
+                        </m:r>
+                      </m:sub>
+                    </m:sSub>
+                    <m:r>
+                      <a:rPr lang="en-US" sz="2000" b="0" i="1" smtClean="0">
+                        <a:latin typeface="Cambria Math" panose="02040503050406030204" pitchFamily="18" charset="0"/>
+                      </a:rPr>
+                      <m:t>:</m:t>
+                    </m:r>
+                  </m:oMath>
+                </a14:m>
+                <a:r>
+                  <a:rPr lang="en-US" sz="2000" dirty="0"/>
+                  <a:t> Residual</a:t>
+                </a:r>
+              </a:p>
+              <a:p>
+                <a:r>
+                  <a:rPr lang="en-US" sz="2000" dirty="0"/>
+                  <a:t> </a:t>
+                </a:r>
+                <a:endParaRPr lang="en-US" sz="2000" i="1" dirty="0"/>
+              </a:p>
+            </p:txBody>
+          </p:sp>
+        </mc:Choice>
+        <mc:Fallback>
+          <p:sp>
+            <p:nvSpPr>
+              <p:cNvPr id="60" name="TextBox 59">
+                <a:extLst>
+                  <a:ext uri="{FF2B5EF4-FFF2-40B4-BE49-F238E27FC236}">
+                    <a16:creationId xmlns:a16="http://schemas.microsoft.com/office/drawing/2014/main" id="{1E2DCE57-7FBC-644F-BA96-A628A0648489}"/>
+                  </a:ext>
+                </a:extLst>
+              </p:cNvPr>
+              <p:cNvSpPr txBox="1">
+                <a:spLocks noRot="1" noChangeAspect="1" noMove="1" noResize="1" noEditPoints="1" noAdjustHandles="1" noChangeArrowheads="1" noChangeShapeType="1" noTextEdit="1"/>
+              </p:cNvSpPr>
+              <p:nvPr/>
+            </p:nvSpPr>
+            <p:spPr>
+              <a:xfrm>
+                <a:off x="4496739" y="4883177"/>
+                <a:ext cx="4238789" cy="1028743"/>
+              </a:xfrm>
+              <a:prstGeom prst="rect">
+                <a:avLst/>
+              </a:prstGeom>
+              <a:blipFill>
+                <a:blip r:embed="rId9"/>
+                <a:stretch>
+                  <a:fillRect l="-1493" t="-1220" r="-299" b="-8537"/>
+                </a:stretch>
+              </a:blipFill>
+            </p:spPr>
+            <p:txBody>
+              <a:bodyPr/>
+              <a:lstStyle/>
+              <a:p>
+                <a:r>
+                  <a:rPr lang="en-US">
+                    <a:noFill/>
+                  </a:rPr>
+                  <a:t> </a:t>
+                </a:r>
+              </a:p>
+            </p:txBody>
+          </p:sp>
+        </mc:Fallback>
+      </mc:AlternateContent>
+      <mc:AlternateContent xmlns:mc="http://schemas.openxmlformats.org/markup-compatibility/2006">
+        <mc:Choice xmlns:a14="http://schemas.microsoft.com/office/drawing/2010/main" Requires="a14">
+          <p:sp>
+            <p:nvSpPr>
+              <p:cNvPr id="62" name="TextBox 61">
+                <a:extLst>
+                  <a:ext uri="{FF2B5EF4-FFF2-40B4-BE49-F238E27FC236}">
+                    <a16:creationId xmlns:a16="http://schemas.microsoft.com/office/drawing/2014/main" id="{60358E3D-63B6-1F41-91EE-F39CBC405C83}"/>
+                  </a:ext>
+                </a:extLst>
+              </p:cNvPr>
+              <p:cNvSpPr txBox="1"/>
+              <p:nvPr/>
+            </p:nvSpPr>
+            <p:spPr>
+              <a:xfrm>
+                <a:off x="4394892" y="5872161"/>
+                <a:ext cx="4596708" cy="347403"/>
+              </a:xfrm>
+              <a:prstGeom prst="rect">
+                <a:avLst/>
+              </a:prstGeom>
+              <a:noFill/>
+            </p:spPr>
+            <p:txBody>
+              <a:bodyPr wrap="none" lIns="0" tIns="0" rIns="0" bIns="0" rtlCol="0">
+                <a:spAutoFit/>
+              </a:bodyPr>
+              <a:lstStyle/>
+              <a:p>
+                <a14:m>
+                  <m:oMath xmlns:m="http://schemas.openxmlformats.org/officeDocument/2006/math">
+                    <m:r>
+                      <a:rPr lang="en-US" sz="2000" b="0" i="1" smtClean="0">
+                        <a:latin typeface="Cambria Math" panose="02040503050406030204" pitchFamily="18" charset="0"/>
+                      </a:rPr>
+                      <m:t>𝐽</m:t>
+                    </m:r>
+                    <m:d>
+                      <m:dPr>
+                        <m:ctrlPr>
+                          <a:rPr lang="en-US" sz="2000" b="0" i="1" smtClean="0">
+                            <a:latin typeface="Cambria Math" panose="02040503050406030204" pitchFamily="18" charset="0"/>
+                          </a:rPr>
+                        </m:ctrlPr>
+                      </m:dPr>
+                      <m:e>
+                        <m:acc>
+                          <m:accPr>
+                            <m:chr m:val="̂"/>
+                            <m:ctrlPr>
+                              <a:rPr lang="en-US" sz="2000" b="0" i="1" smtClean="0">
+                                <a:latin typeface="Cambria Math" panose="02040503050406030204" pitchFamily="18" charset="0"/>
+                              </a:rPr>
+                            </m:ctrlPr>
+                          </m:accPr>
+                          <m:e>
+                            <m:r>
+                              <a:rPr lang="en-US" sz="2000" b="0" i="1" smtClean="0">
+                                <a:latin typeface="Cambria Math" panose="02040503050406030204" pitchFamily="18" charset="0"/>
+                              </a:rPr>
+                              <m:t>𝜃</m:t>
+                            </m:r>
+                          </m:e>
+                        </m:acc>
+                      </m:e>
+                    </m:d>
+                    <m:r>
+                      <a:rPr lang="en-US" sz="2000" b="0" i="1" smtClean="0">
+                        <a:latin typeface="Cambria Math" panose="02040503050406030204" pitchFamily="18" charset="0"/>
+                      </a:rPr>
+                      <m:t>:</m:t>
+                    </m:r>
+                    <m:r>
+                      <a:rPr lang="en-US" sz="2000" b="0" i="0" smtClean="0">
+                        <a:latin typeface="Cambria Math" panose="02040503050406030204" pitchFamily="18" charset="0"/>
+                      </a:rPr>
+                      <m:t> </m:t>
+                    </m:r>
+                  </m:oMath>
+                </a14:m>
+                <a:r>
+                  <a:rPr lang="en-US" sz="2000" dirty="0"/>
+                  <a:t>Non-zero measure of model quality</a:t>
+                </a:r>
+              </a:p>
+            </p:txBody>
+          </p:sp>
+        </mc:Choice>
+        <mc:Fallback>
+          <p:sp>
+            <p:nvSpPr>
+              <p:cNvPr id="62" name="TextBox 61">
+                <a:extLst>
+                  <a:ext uri="{FF2B5EF4-FFF2-40B4-BE49-F238E27FC236}">
+                    <a16:creationId xmlns:a16="http://schemas.microsoft.com/office/drawing/2014/main" id="{60358E3D-63B6-1F41-91EE-F39CBC405C83}"/>
+                  </a:ext>
+                </a:extLst>
+              </p:cNvPr>
+              <p:cNvSpPr txBox="1">
+                <a:spLocks noRot="1" noChangeAspect="1" noMove="1" noResize="1" noEditPoints="1" noAdjustHandles="1" noChangeArrowheads="1" noChangeShapeType="1" noTextEdit="1"/>
+              </p:cNvSpPr>
+              <p:nvPr/>
+            </p:nvSpPr>
+            <p:spPr>
+              <a:xfrm>
+                <a:off x="4394892" y="5872161"/>
+                <a:ext cx="4596708" cy="347403"/>
+              </a:xfrm>
+              <a:prstGeom prst="rect">
+                <a:avLst/>
+              </a:prstGeom>
+              <a:blipFill>
+                <a:blip r:embed="rId10"/>
+                <a:stretch>
+                  <a:fillRect l="-2204" t="-13793" r="-2204" b="-34483"/>
+                </a:stretch>
+              </a:blipFill>
+            </p:spPr>
+            <p:txBody>
+              <a:bodyPr/>
+              <a:lstStyle/>
+              <a:p>
+                <a:r>
+                  <a:rPr lang="en-US">
+                    <a:noFill/>
+                  </a:rPr>
+                  <a:t> </a:t>
+                </a:r>
+              </a:p>
+            </p:txBody>
+          </p:sp>
+        </mc:Fallback>
+      </mc:AlternateContent>
+      <mc:AlternateContent xmlns:mc="http://schemas.openxmlformats.org/markup-compatibility/2006">
+        <mc:Choice xmlns:a14="http://schemas.microsoft.com/office/drawing/2010/main" Requires="a14">
+          <p:sp>
+            <p:nvSpPr>
+              <p:cNvPr id="63" name="TextBox 62">
+                <a:extLst>
+                  <a:ext uri="{FF2B5EF4-FFF2-40B4-BE49-F238E27FC236}">
+                    <a16:creationId xmlns:a16="http://schemas.microsoft.com/office/drawing/2014/main" id="{8D65A6D3-E54A-9940-902F-41687748CC4F}"/>
+                  </a:ext>
+                </a:extLst>
+              </p:cNvPr>
+              <p:cNvSpPr txBox="1"/>
+              <p:nvPr/>
+            </p:nvSpPr>
+            <p:spPr>
+              <a:xfrm>
+                <a:off x="4395857" y="6281997"/>
+                <a:ext cx="2516266" cy="347403"/>
+              </a:xfrm>
+              <a:prstGeom prst="rect">
+                <a:avLst/>
+              </a:prstGeom>
+              <a:noFill/>
+            </p:spPr>
+            <p:txBody>
+              <a:bodyPr wrap="none" lIns="0" tIns="0" rIns="0" bIns="0" rtlCol="0">
+                <a:spAutoFit/>
+              </a:bodyPr>
+              <a:lstStyle/>
+              <a:p>
+                <a:r>
+                  <a:rPr lang="en-US" sz="2000" b="0" dirty="0"/>
+                  <a:t>Example: </a:t>
+                </a:r>
+                <a14:m>
+                  <m:oMath xmlns:m="http://schemas.openxmlformats.org/officeDocument/2006/math">
+                    <m:r>
+                      <a:rPr lang="en-US" sz="2000" b="0" i="1" smtClean="0">
+                        <a:latin typeface="Cambria Math" panose="02040503050406030204" pitchFamily="18" charset="0"/>
+                      </a:rPr>
+                      <m:t>𝐽</m:t>
+                    </m:r>
+                    <m:d>
+                      <m:dPr>
+                        <m:ctrlPr>
+                          <a:rPr lang="en-US" sz="2000" b="0" i="1" smtClean="0">
+                            <a:latin typeface="Cambria Math" panose="02040503050406030204" pitchFamily="18" charset="0"/>
+                          </a:rPr>
+                        </m:ctrlPr>
+                      </m:dPr>
+                      <m:e>
+                        <m:acc>
+                          <m:accPr>
+                            <m:chr m:val="̂"/>
+                            <m:ctrlPr>
+                              <a:rPr lang="en-US" sz="2000" b="0" i="1" smtClean="0">
+                                <a:latin typeface="Cambria Math" panose="02040503050406030204" pitchFamily="18" charset="0"/>
+                              </a:rPr>
+                            </m:ctrlPr>
+                          </m:accPr>
+                          <m:e>
+                            <m:r>
+                              <a:rPr lang="en-US" sz="2000" b="0" i="1" smtClean="0">
+                                <a:latin typeface="Cambria Math" panose="02040503050406030204" pitchFamily="18" charset="0"/>
+                              </a:rPr>
+                              <m:t>𝜃</m:t>
+                            </m:r>
+                          </m:e>
+                        </m:acc>
+                      </m:e>
+                    </m:d>
+                    <m:r>
+                      <a:rPr lang="en-US" sz="2000" b="0" i="1" smtClean="0">
+                        <a:latin typeface="Cambria Math" panose="02040503050406030204" pitchFamily="18" charset="0"/>
+                      </a:rPr>
+                      <m:t>=</m:t>
+                    </m:r>
                     <m:nary>
                       <m:naryPr>
                         <m:chr m:val="∑"/>
                         <m:supHide m:val="on"/>
                         <m:ctrlPr>
-                          <a:rPr lang="en-US" sz="2400" b="0" i="1" smtClean="0">
+                          <a:rPr lang="en-US" sz="2000" b="0" i="1" smtClean="0">
                             <a:latin typeface="Cambria Math" panose="02040503050406030204" pitchFamily="18" charset="0"/>
                           </a:rPr>
                         </m:ctrlPr>
                       </m:naryPr>
                       <m:sub>
                         <m:r>
-                          <a:rPr lang="en-US" sz="2400" b="0" i="1" smtClean="0">
+                          <a:rPr lang="en-US" sz="2000" b="0" i="1" smtClean="0">
                             <a:latin typeface="Cambria Math" panose="02040503050406030204" pitchFamily="18" charset="0"/>
                           </a:rPr>
                           <m:t>𝑖</m:t>
@@ -6678,14 +10076,14 @@
                         <m:sSubSup>
                           <m:sSubSupPr>
                             <m:ctrlPr>
-                              <a:rPr lang="en-US" sz="2400" b="0" i="1" smtClean="0">
+                              <a:rPr lang="en-US" sz="2000" b="0" i="1" smtClean="0">
                                 <a:latin typeface="Cambria Math" panose="02040503050406030204" pitchFamily="18" charset="0"/>
                               </a:rPr>
                             </m:ctrlPr>
                           </m:sSubSupPr>
                           <m:e>
                             <m:r>
-                              <a:rPr lang="en-US" sz="2400" b="0" i="1" smtClean="0">
+                              <a:rPr lang="en-US" sz="2000" b="0" i="1" smtClean="0">
                                 <a:latin typeface="Cambria Math" panose="02040503050406030204" pitchFamily="18" charset="0"/>
                               </a:rPr>
                               <m:t>𝑒</m:t>
@@ -6693,7 +10091,7 @@
                           </m:e>
                           <m:sub>
                             <m:r>
-                              <a:rPr lang="en-US" sz="2400" b="0" i="1" smtClean="0">
+                              <a:rPr lang="en-US" sz="2000" b="0" i="1" smtClean="0">
                                 <a:latin typeface="Cambria Math" panose="02040503050406030204" pitchFamily="18" charset="0"/>
                               </a:rPr>
                               <m:t>𝑖</m:t>
@@ -6701,7 +10099,7 @@
                           </m:sub>
                           <m:sup>
                             <m:r>
-                              <a:rPr lang="en-US" sz="2400" b="0" i="1" smtClean="0">
+                              <a:rPr lang="en-US" sz="2000" b="0" i="1" smtClean="0">
                                 <a:latin typeface="Cambria Math" panose="02040503050406030204" pitchFamily="18" charset="0"/>
                               </a:rPr>
                               <m:t>2</m:t>
@@ -6710,162 +10108,9 @@
                         </m:sSubSup>
                       </m:e>
                     </m:nary>
-                    <m:r>
-                      <a:rPr lang="en-US" sz="2400" b="0" i="1" smtClean="0">
-                        <a:latin typeface="Cambria Math" panose="02040503050406030204" pitchFamily="18" charset="0"/>
-                      </a:rPr>
-                      <m:t>, </m:t>
-                    </m:r>
-                    <m:nary>
-                      <m:naryPr>
-                        <m:chr m:val="∑"/>
-                        <m:supHide m:val="on"/>
-                        <m:ctrlPr>
-                          <a:rPr lang="en-US" sz="2400" b="0" i="1" smtClean="0">
-                            <a:latin typeface="Cambria Math" panose="02040503050406030204" pitchFamily="18" charset="0"/>
-                          </a:rPr>
-                        </m:ctrlPr>
-                      </m:naryPr>
-                      <m:sub>
-                        <m:r>
-                          <a:rPr lang="en-US" sz="2400" b="0" i="1" smtClean="0">
-                            <a:latin typeface="Cambria Math" panose="02040503050406030204" pitchFamily="18" charset="0"/>
-                          </a:rPr>
-                          <m:t>𝑖</m:t>
-                        </m:r>
-                      </m:sub>
-                      <m:sup/>
-                      <m:e>
-                        <m:d>
-                          <m:dPr>
-                            <m:begChr m:val="|"/>
-                            <m:endChr m:val="|"/>
-                            <m:ctrlPr>
-                              <a:rPr lang="en-US" sz="2400" b="0" i="1" smtClean="0">
-                                <a:latin typeface="Cambria Math" panose="02040503050406030204" pitchFamily="18" charset="0"/>
-                              </a:rPr>
-                            </m:ctrlPr>
-                          </m:dPr>
-                          <m:e>
-                            <m:sSub>
-                              <m:sSubPr>
-                                <m:ctrlPr>
-                                  <a:rPr lang="en-US" sz="2400" b="0" i="1" smtClean="0">
-                                    <a:latin typeface="Cambria Math" panose="02040503050406030204" pitchFamily="18" charset="0"/>
-                                  </a:rPr>
-                                </m:ctrlPr>
-                              </m:sSubPr>
-                              <m:e>
-                                <m:r>
-                                  <a:rPr lang="en-US" sz="2400" b="0" i="1" smtClean="0">
-                                    <a:latin typeface="Cambria Math" panose="02040503050406030204" pitchFamily="18" charset="0"/>
-                                  </a:rPr>
-                                  <m:t>𝑒</m:t>
-                                </m:r>
-                              </m:e>
-                              <m:sub>
-                                <m:r>
-                                  <a:rPr lang="en-US" sz="2400" b="0" i="1" smtClean="0">
-                                    <a:latin typeface="Cambria Math" panose="02040503050406030204" pitchFamily="18" charset="0"/>
-                                  </a:rPr>
-                                  <m:t>𝑖</m:t>
-                                </m:r>
-                              </m:sub>
-                            </m:sSub>
-                          </m:e>
-                        </m:d>
-                        <m:r>
-                          <a:rPr lang="en-US" sz="2400" b="0" i="1" smtClean="0">
-                            <a:latin typeface="Cambria Math" panose="02040503050406030204" pitchFamily="18" charset="0"/>
-                          </a:rPr>
-                          <m:t>, </m:t>
-                        </m:r>
-                      </m:e>
-                    </m:nary>
-                    <m:func>
-                      <m:funcPr>
-                        <m:ctrlPr>
-                          <a:rPr lang="en-US" sz="2400" b="0" i="1" smtClean="0">
-                            <a:latin typeface="Cambria Math" panose="02040503050406030204" pitchFamily="18" charset="0"/>
-                          </a:rPr>
-                        </m:ctrlPr>
-                      </m:funcPr>
-                      <m:fName>
-                        <m:limLow>
-                          <m:limLowPr>
-                            <m:ctrlPr>
-                              <a:rPr lang="en-US" sz="2400" b="0" i="1" smtClean="0">
-                                <a:latin typeface="Cambria Math" panose="02040503050406030204" pitchFamily="18" charset="0"/>
-                              </a:rPr>
-                            </m:ctrlPr>
-                          </m:limLowPr>
-                          <m:e>
-                            <m:r>
-                              <m:rPr>
-                                <m:sty m:val="p"/>
-                              </m:rPr>
-                              <a:rPr lang="en-US" sz="2400" b="0" i="0" smtClean="0">
-                                <a:latin typeface="Cambria Math" panose="02040503050406030204" pitchFamily="18" charset="0"/>
-                              </a:rPr>
-                              <m:t>max</m:t>
-                            </m:r>
-                          </m:e>
-                          <m:lim>
-                            <m:r>
-                              <a:rPr lang="en-US" sz="2400" b="0" i="1" smtClean="0">
-                                <a:latin typeface="Cambria Math" panose="02040503050406030204" pitchFamily="18" charset="0"/>
-                              </a:rPr>
-                              <m:t>𝑖</m:t>
-                            </m:r>
-                          </m:lim>
-                        </m:limLow>
-                      </m:fName>
-                      <m:e>
-                        <m:sSub>
-                          <m:sSubPr>
-                            <m:ctrlPr>
-                              <a:rPr lang="en-US" sz="2400" b="0" i="1" smtClean="0">
-                                <a:latin typeface="Cambria Math" panose="02040503050406030204" pitchFamily="18" charset="0"/>
-                              </a:rPr>
-                            </m:ctrlPr>
-                          </m:sSubPr>
-                          <m:e>
-                            <m:r>
-                              <a:rPr lang="en-US" sz="2400" b="0" i="1" smtClean="0">
-                                <a:latin typeface="Cambria Math" panose="02040503050406030204" pitchFamily="18" charset="0"/>
-                              </a:rPr>
-                              <m:t>|</m:t>
-                            </m:r>
-                            <m:r>
-                              <a:rPr lang="en-US" sz="2400" b="0" i="1" smtClean="0">
-                                <a:latin typeface="Cambria Math" panose="02040503050406030204" pitchFamily="18" charset="0"/>
-                              </a:rPr>
-                              <m:t>𝑒</m:t>
-                            </m:r>
-                          </m:e>
-                          <m:sub>
-                            <m:r>
-                              <a:rPr lang="en-US" sz="2400" b="0" i="1" smtClean="0">
-                                <a:latin typeface="Cambria Math" panose="02040503050406030204" pitchFamily="18" charset="0"/>
-                              </a:rPr>
-                              <m:t>𝑖</m:t>
-                            </m:r>
-                          </m:sub>
-                        </m:sSub>
-                        <m:r>
-                          <a:rPr lang="en-US" sz="2400" b="0" i="1" smtClean="0">
-                            <a:latin typeface="Cambria Math" panose="02040503050406030204" pitchFamily="18" charset="0"/>
-                          </a:rPr>
-                          <m:t>|</m:t>
-                        </m:r>
-                      </m:e>
-                    </m:func>
                   </m:oMath>
                 </a14:m>
-                <a:r>
-                  <a:rPr lang="en-US" sz="2400" dirty="0"/>
-                  <a:t> </a:t>
-                </a:r>
+                <a:endParaRPr lang="en-US" sz="2000" dirty="0"/>
               </a:p>
             </p:txBody>
           </p:sp>
@@ -6873,10 +10118,10 @@
         <mc:Fallback>
           <p:sp>
             <p:nvSpPr>
-              <p:cNvPr id="17" name="TextBox 16">
+              <p:cNvPr id="63" name="TextBox 62">
                 <a:extLst>
                   <a:ext uri="{FF2B5EF4-FFF2-40B4-BE49-F238E27FC236}">
-                    <a16:creationId xmlns:a16="http://schemas.microsoft.com/office/drawing/2014/main" id="{8DDABF58-AF70-3545-8DF4-CF67088AF53B}"/>
+                    <a16:creationId xmlns:a16="http://schemas.microsoft.com/office/drawing/2014/main" id="{8D65A6D3-E54A-9940-902F-41687748CC4F}"/>
                   </a:ext>
                 </a:extLst>
               </p:cNvPr>
@@ -6887,16 +10132,269 @@
             </p:nvSpPr>
             <p:spPr>
               <a:xfrm>
-                <a:off x="1447800" y="5105400"/>
-                <a:ext cx="5921814" cy="912558"/>
+                <a:off x="4395857" y="6281997"/>
+                <a:ext cx="2516266" cy="347403"/>
               </a:xfrm>
               <a:prstGeom prst="rect">
                 <a:avLst/>
               </a:prstGeom>
               <a:blipFill>
-                <a:blip r:embed="rId6"/>
+                <a:blip r:embed="rId11"/>
                 <a:stretch>
-                  <a:fillRect l="-7923" t="-15068" r="-1071" b="-95890"/>
+                  <a:fillRect l="-5528" t="-139286" r="-1005" b="-214286"/>
+                </a:stretch>
+              </a:blipFill>
+            </p:spPr>
+            <p:txBody>
+              <a:bodyPr/>
+              <a:lstStyle/>
+              <a:p>
+                <a:r>
+                  <a:rPr lang="en-US">
+                    <a:noFill/>
+                  </a:rPr>
+                  <a:t> </a:t>
+                </a:r>
+              </a:p>
+            </p:txBody>
+          </p:sp>
+        </mc:Fallback>
+      </mc:AlternateContent>
+      <mc:AlternateContent xmlns:mc="http://schemas.openxmlformats.org/markup-compatibility/2006">
+        <mc:Choice xmlns:a14="http://schemas.microsoft.com/office/drawing/2010/main" Requires="a14">
+          <p:sp>
+            <p:nvSpPr>
+              <p:cNvPr id="1024" name="TextBox 1023">
+                <a:extLst>
+                  <a:ext uri="{FF2B5EF4-FFF2-40B4-BE49-F238E27FC236}">
+                    <a16:creationId xmlns:a16="http://schemas.microsoft.com/office/drawing/2014/main" id="{8B61A033-6A93-2C46-990C-689F56332F86}"/>
+                  </a:ext>
+                </a:extLst>
+              </p:cNvPr>
+              <p:cNvSpPr txBox="1"/>
+              <p:nvPr/>
+            </p:nvSpPr>
+            <p:spPr>
+              <a:xfrm>
+                <a:off x="559225" y="4953000"/>
+                <a:ext cx="3488455" cy="747512"/>
+              </a:xfrm>
+              <a:prstGeom prst="rect">
+                <a:avLst/>
+              </a:prstGeom>
+              <a:solidFill>
+                <a:schemeClr val="bg1">
+                  <a:lumMod val="85000"/>
+                </a:schemeClr>
+              </a:solidFill>
+            </p:spPr>
+            <p:txBody>
+              <a:bodyPr wrap="none" rtlCol="0">
+                <a:spAutoFit/>
+              </a:bodyPr>
+              <a:lstStyle/>
+              <a:p>
+                <a:r>
+                  <a:rPr lang="en-US" sz="2000" dirty="0"/>
+                  <a:t>Parameter Optimization Goal</a:t>
+                </a:r>
+              </a:p>
+              <a:p>
+                <a:r>
+                  <a:rPr lang="en-US" sz="2000" dirty="0"/>
+                  <a:t>Find    that minimizes </a:t>
+                </a:r>
+                <a14:m>
+                  <m:oMath xmlns:m="http://schemas.openxmlformats.org/officeDocument/2006/math">
+                    <m:r>
+                      <a:rPr lang="en-US" sz="2000" b="0" i="1" smtClean="0">
+                        <a:latin typeface="Cambria Math" panose="02040503050406030204" pitchFamily="18" charset="0"/>
+                      </a:rPr>
+                      <m:t>𝐽</m:t>
+                    </m:r>
+                    <m:d>
+                      <m:dPr>
+                        <m:ctrlPr>
+                          <a:rPr lang="en-US" sz="2000" b="0" i="1" smtClean="0">
+                            <a:latin typeface="Cambria Math" panose="02040503050406030204" pitchFamily="18" charset="0"/>
+                          </a:rPr>
+                        </m:ctrlPr>
+                      </m:dPr>
+                      <m:e>
+                        <m:acc>
+                          <m:accPr>
+                            <m:chr m:val="̂"/>
+                            <m:ctrlPr>
+                              <a:rPr lang="en-US" sz="2000" b="0" i="1" smtClean="0">
+                                <a:latin typeface="Cambria Math" panose="02040503050406030204" pitchFamily="18" charset="0"/>
+                              </a:rPr>
+                            </m:ctrlPr>
+                          </m:accPr>
+                          <m:e>
+                            <m:r>
+                              <a:rPr lang="en-US" sz="2000" b="0" i="1" smtClean="0">
+                                <a:latin typeface="Cambria Math" panose="02040503050406030204" pitchFamily="18" charset="0"/>
+                              </a:rPr>
+                              <m:t>𝜃</m:t>
+                            </m:r>
+                          </m:e>
+                        </m:acc>
+                      </m:e>
+                    </m:d>
+                    <m:r>
+                      <a:rPr lang="en-US" sz="2000" b="0" i="1" smtClean="0">
+                        <a:latin typeface="Cambria Math" panose="02040503050406030204" pitchFamily="18" charset="0"/>
+                      </a:rPr>
+                      <m:t>.</m:t>
+                    </m:r>
+                  </m:oMath>
+                </a14:m>
+                <a:r>
+                  <a:rPr lang="en-US" sz="2000" dirty="0"/>
+                  <a:t> </a:t>
+                </a:r>
+              </a:p>
+            </p:txBody>
+          </p:sp>
+        </mc:Choice>
+        <mc:Fallback>
+          <p:sp>
+            <p:nvSpPr>
+              <p:cNvPr id="1024" name="TextBox 1023">
+                <a:extLst>
+                  <a:ext uri="{FF2B5EF4-FFF2-40B4-BE49-F238E27FC236}">
+                    <a16:creationId xmlns:a16="http://schemas.microsoft.com/office/drawing/2014/main" id="{8B61A033-6A93-2C46-990C-689F56332F86}"/>
+                  </a:ext>
+                </a:extLst>
+              </p:cNvPr>
+              <p:cNvSpPr txBox="1">
+                <a:spLocks noRot="1" noChangeAspect="1" noMove="1" noResize="1" noEditPoints="1" noAdjustHandles="1" noChangeArrowheads="1" noChangeShapeType="1" noTextEdit="1"/>
+              </p:cNvSpPr>
+              <p:nvPr/>
+            </p:nvSpPr>
+            <p:spPr>
+              <a:xfrm>
+                <a:off x="559225" y="4953000"/>
+                <a:ext cx="3488455" cy="747512"/>
+              </a:xfrm>
+              <a:prstGeom prst="rect">
+                <a:avLst/>
+              </a:prstGeom>
+              <a:blipFill>
+                <a:blip r:embed="rId12"/>
+                <a:stretch>
+                  <a:fillRect l="-1812" t="-3333" r="-725" b="-11667"/>
+                </a:stretch>
+              </a:blipFill>
+            </p:spPr>
+            <p:txBody>
+              <a:bodyPr/>
+              <a:lstStyle/>
+              <a:p>
+                <a:r>
+                  <a:rPr lang="en-US">
+                    <a:noFill/>
+                  </a:rPr>
+                  <a:t> </a:t>
+                </a:r>
+              </a:p>
+            </p:txBody>
+          </p:sp>
+        </mc:Fallback>
+      </mc:AlternateContent>
+      <mc:AlternateContent xmlns:mc="http://schemas.openxmlformats.org/markup-compatibility/2006">
+        <mc:Choice xmlns:a14="http://schemas.microsoft.com/office/drawing/2010/main" Requires="a14">
+          <p:sp>
+            <p:nvSpPr>
+              <p:cNvPr id="1025" name="TextBox 1024">
+                <a:extLst>
+                  <a:ext uri="{FF2B5EF4-FFF2-40B4-BE49-F238E27FC236}">
+                    <a16:creationId xmlns:a16="http://schemas.microsoft.com/office/drawing/2014/main" id="{C47A066E-98BF-144A-8899-70FD089DB5BC}"/>
+                  </a:ext>
+                </a:extLst>
+              </p:cNvPr>
+              <p:cNvSpPr txBox="1"/>
+              <p:nvPr/>
+            </p:nvSpPr>
+            <p:spPr>
+              <a:xfrm>
+                <a:off x="1143000" y="5317943"/>
+                <a:ext cx="222304" cy="320857"/>
+              </a:xfrm>
+              <a:prstGeom prst="rect">
+                <a:avLst/>
+              </a:prstGeom>
+              <a:solidFill>
+                <a:schemeClr val="bg1">
+                  <a:lumMod val="85000"/>
+                </a:schemeClr>
+              </a:solidFill>
+            </p:spPr>
+            <p:txBody>
+              <a:bodyPr wrap="none" lIns="0" tIns="0" rIns="0" bIns="0" rtlCol="0">
+                <a:spAutoFit/>
+              </a:bodyPr>
+              <a:lstStyle/>
+              <a:p>
+                <a14:m>
+                  <m:oMathPara xmlns:m="http://schemas.openxmlformats.org/officeDocument/2006/math">
+                    <m:oMathParaPr>
+                      <m:jc m:val="centerGroup"/>
+                    </m:oMathParaPr>
+                    <m:oMath xmlns:m="http://schemas.openxmlformats.org/officeDocument/2006/math">
+                      <m:acc>
+                        <m:accPr>
+                          <m:chr m:val="̂"/>
+                          <m:ctrlPr>
+                            <a:rPr lang="en-US" sz="2000" b="0" i="1" smtClean="0">
+                              <a:latin typeface="Cambria Math" panose="02040503050406030204" pitchFamily="18" charset="0"/>
+                            </a:rPr>
+                          </m:ctrlPr>
+                        </m:accPr>
+                        <m:e>
+                          <m:r>
+                            <a:rPr lang="en-US" sz="2000" b="0" i="1" smtClean="0">
+                              <a:latin typeface="Cambria Math" panose="02040503050406030204" pitchFamily="18" charset="0"/>
+                            </a:rPr>
+                            <m:t>𝜃</m:t>
+                          </m:r>
+                        </m:e>
+                      </m:acc>
+                    </m:oMath>
+                  </m:oMathPara>
+                </a14:m>
+                <a:endParaRPr lang="en-US" sz="2000" dirty="0"/>
+              </a:p>
+            </p:txBody>
+          </p:sp>
+        </mc:Choice>
+        <mc:Fallback>
+          <p:sp>
+            <p:nvSpPr>
+              <p:cNvPr id="1025" name="TextBox 1024">
+                <a:extLst>
+                  <a:ext uri="{FF2B5EF4-FFF2-40B4-BE49-F238E27FC236}">
+                    <a16:creationId xmlns:a16="http://schemas.microsoft.com/office/drawing/2014/main" id="{C47A066E-98BF-144A-8899-70FD089DB5BC}"/>
+                  </a:ext>
+                </a:extLst>
+              </p:cNvPr>
+              <p:cNvSpPr txBox="1">
+                <a:spLocks noRot="1" noChangeAspect="1" noMove="1" noResize="1" noEditPoints="1" noAdjustHandles="1" noChangeArrowheads="1" noChangeShapeType="1" noTextEdit="1"/>
+              </p:cNvSpPr>
+              <p:nvPr/>
+            </p:nvSpPr>
+            <p:spPr>
+              <a:xfrm>
+                <a:off x="1143000" y="5317943"/>
+                <a:ext cx="222304" cy="320857"/>
+              </a:xfrm>
+              <a:prstGeom prst="rect">
+                <a:avLst/>
+              </a:prstGeom>
+              <a:blipFill>
+                <a:blip r:embed="rId13"/>
+                <a:stretch>
+                  <a:fillRect l="-21053" t="-15385" r="-15789" b="-3846"/>
                 </a:stretch>
               </a:blipFill>
             </p:spPr>
@@ -6946,7 +10444,7 @@
                             </p:stCondLst>
                             <p:childTnLst>
                               <p:par>
-                                <p:cTn id="5" presetID="1" presetClass="entr" presetSubtype="0" fill="hold" nodeType="clickEffect">
+                                <p:cTn id="5" presetID="1" presetClass="entr" presetSubtype="0" fill="hold" grpId="0" nodeType="clickEffect">
                                   <p:stCondLst>
                                     <p:cond delay="0"/>
                                   </p:stCondLst>
@@ -6959,7 +10457,7 @@
                                           </p:stCondLst>
                                         </p:cTn>
                                         <p:tgtEl>
-                                          <p:spTgt spid="1026"/>
+                                          <p:spTgt spid="7"/>
                                         </p:tgtEl>
                                         <p:attrNameLst>
                                           <p:attrName>style.visibility</p:attrName>
@@ -6986,7 +10484,7 @@
                                           </p:stCondLst>
                                         </p:cTn>
                                         <p:tgtEl>
-                                          <p:spTgt spid="7"/>
+                                          <p:spTgt spid="19"/>
                                         </p:tgtEl>
                                         <p:attrNameLst>
                                           <p:attrName>style.visibility</p:attrName>
@@ -6999,35 +10497,26 @@
                                   </p:childTnLst>
                                 </p:cTn>
                               </p:par>
+                            </p:childTnLst>
+                          </p:cTn>
+                        </p:par>
+                      </p:childTnLst>
+                    </p:cTn>
+                  </p:par>
+                  <p:par>
+                    <p:cTn id="9" fill="hold">
+                      <p:stCondLst>
+                        <p:cond delay="indefinite"/>
+                      </p:stCondLst>
+                      <p:childTnLst>
+                        <p:par>
+                          <p:cTn id="10" fill="hold">
+                            <p:stCondLst>
+                              <p:cond delay="0"/>
+                            </p:stCondLst>
+                            <p:childTnLst>
                               <p:par>
-                                <p:cTn id="9" presetID="1" presetClass="entr" presetSubtype="0" fill="hold" grpId="0" nodeType="withEffect">
-                                  <p:stCondLst>
-                                    <p:cond delay="0"/>
-                                  </p:stCondLst>
-                                  <p:childTnLst>
-                                    <p:set>
-                                      <p:cBhvr>
-                                        <p:cTn id="10" dur="1" fill="hold">
-                                          <p:stCondLst>
-                                            <p:cond delay="0"/>
-                                          </p:stCondLst>
-                                        </p:cTn>
-                                        <p:tgtEl>
-                                          <p:spTgt spid="9"/>
-                                        </p:tgtEl>
-                                        <p:attrNameLst>
-                                          <p:attrName>style.visibility</p:attrName>
-                                        </p:attrNameLst>
-                                      </p:cBhvr>
-                                      <p:to>
-                                        <p:strVal val="visible"/>
-                                      </p:to>
-                                    </p:set>
-                                  </p:childTnLst>
-                                </p:cTn>
-                              </p:par>
-                              <p:par>
-                                <p:cTn id="11" presetID="1" presetClass="entr" presetSubtype="0" fill="hold" grpId="0" nodeType="withEffect">
+                                <p:cTn id="11" presetID="1" presetClass="entr" presetSubtype="0" fill="hold" nodeType="clickEffect">
                                   <p:stCondLst>
                                     <p:cond delay="0"/>
                                   </p:stCondLst>
@@ -7040,7 +10529,7 @@
                                           </p:stCondLst>
                                         </p:cTn>
                                         <p:tgtEl>
-                                          <p:spTgt spid="15"/>
+                                          <p:spTgt spid="58"/>
                                         </p:tgtEl>
                                         <p:attrNameLst>
                                           <p:attrName>style.visibility</p:attrName>
@@ -7067,61 +10556,7 @@
                                           </p:stCondLst>
                                         </p:cTn>
                                         <p:tgtEl>
-                                          <p:spTgt spid="10"/>
-                                        </p:tgtEl>
-                                        <p:attrNameLst>
-                                          <p:attrName>style.visibility</p:attrName>
-                                        </p:attrNameLst>
-                                      </p:cBhvr>
-                                      <p:to>
-                                        <p:strVal val="visible"/>
-                                      </p:to>
-                                    </p:set>
-                                  </p:childTnLst>
-                                </p:cTn>
-                              </p:par>
-                              <p:par>
-                                <p:cTn id="15" presetID="1" presetClass="entr" presetSubtype="0" fill="hold" grpId="0" nodeType="withEffect">
-                                  <p:stCondLst>
-                                    <p:cond delay="0"/>
-                                  </p:stCondLst>
-                                  <p:childTnLst>
-                                    <p:set>
-                                      <p:cBhvr>
-                                        <p:cTn id="16" dur="1" fill="hold">
-                                          <p:stCondLst>
-                                            <p:cond delay="0"/>
-                                          </p:stCondLst>
-                                        </p:cTn>
-                                        <p:tgtEl>
-                                          <p:spTgt spid="16"/>
-                                        </p:tgtEl>
-                                        <p:attrNameLst>
-                                          <p:attrName>style.visibility</p:attrName>
-                                        </p:attrNameLst>
-                                      </p:cBhvr>
-                                      <p:to>
-                                        <p:strVal val="visible"/>
-                                      </p:to>
-                                    </p:set>
-                                  </p:childTnLst>
-                                </p:cTn>
-                              </p:par>
-                              <p:par>
-                                <p:cTn id="17" presetID="1" presetClass="entr" presetSubtype="0" fill="hold" grpId="0" nodeType="withEffect">
-                                  <p:stCondLst>
-                                    <p:cond delay="0"/>
-                                  </p:stCondLst>
-                                  <p:childTnLst>
-                                    <p:set>
-                                      <p:cBhvr>
-                                        <p:cTn id="18" dur="1" fill="hold">
-                                          <p:stCondLst>
-                                            <p:cond delay="0"/>
-                                          </p:stCondLst>
-                                        </p:cTn>
-                                        <p:tgtEl>
-                                          <p:spTgt spid="11"/>
+                                          <p:spTgt spid="60"/>
                                         </p:tgtEl>
                                         <p:attrNameLst>
                                           <p:attrName>style.visibility</p:attrName>
@@ -7141,32 +10576,131 @@
                     </p:cTn>
                   </p:par>
                   <p:par>
-                    <p:cTn id="19" fill="hold">
+                    <p:cTn id="15" fill="hold">
                       <p:stCondLst>
                         <p:cond delay="indefinite"/>
                       </p:stCondLst>
                       <p:childTnLst>
                         <p:par>
-                          <p:cTn id="20" fill="hold">
+                          <p:cTn id="16" fill="hold">
                             <p:stCondLst>
                               <p:cond delay="0"/>
                             </p:stCondLst>
                             <p:childTnLst>
                               <p:par>
-                                <p:cTn id="21" presetID="1" presetClass="entr" presetSubtype="0" fill="hold" grpId="0" nodeType="clickEffect">
+                                <p:cTn id="17" presetID="1" presetClass="entr" presetSubtype="0" fill="hold" grpId="0" nodeType="clickEffect">
                                   <p:stCondLst>
                                     <p:cond delay="0"/>
                                   </p:stCondLst>
                                   <p:childTnLst>
                                     <p:set>
                                       <p:cBhvr>
-                                        <p:cTn id="22" dur="1" fill="hold">
+                                        <p:cTn id="18" dur="1" fill="hold">
                                           <p:stCondLst>
                                             <p:cond delay="0"/>
                                           </p:stCondLst>
                                         </p:cTn>
                                         <p:tgtEl>
-                                          <p:spTgt spid="17"/>
+                                          <p:spTgt spid="63"/>
+                                        </p:tgtEl>
+                                        <p:attrNameLst>
+                                          <p:attrName>style.visibility</p:attrName>
+                                        </p:attrNameLst>
+                                      </p:cBhvr>
+                                      <p:to>
+                                        <p:strVal val="visible"/>
+                                      </p:to>
+                                    </p:set>
+                                  </p:childTnLst>
+                                </p:cTn>
+                              </p:par>
+                              <p:par>
+                                <p:cTn id="19" presetID="1" presetClass="entr" presetSubtype="0" fill="hold" grpId="0" nodeType="withEffect">
+                                  <p:stCondLst>
+                                    <p:cond delay="0"/>
+                                  </p:stCondLst>
+                                  <p:childTnLst>
+                                    <p:set>
+                                      <p:cBhvr>
+                                        <p:cTn id="20" dur="1" fill="hold">
+                                          <p:stCondLst>
+                                            <p:cond delay="0"/>
+                                          </p:stCondLst>
+                                        </p:cTn>
+                                        <p:tgtEl>
+                                          <p:spTgt spid="62"/>
+                                        </p:tgtEl>
+                                        <p:attrNameLst>
+                                          <p:attrName>style.visibility</p:attrName>
+                                        </p:attrNameLst>
+                                      </p:cBhvr>
+                                      <p:to>
+                                        <p:strVal val="visible"/>
+                                      </p:to>
+                                    </p:set>
+                                  </p:childTnLst>
+                                </p:cTn>
+                              </p:par>
+                            </p:childTnLst>
+                          </p:cTn>
+                        </p:par>
+                      </p:childTnLst>
+                    </p:cTn>
+                  </p:par>
+                  <p:par>
+                    <p:cTn id="21" fill="hold">
+                      <p:stCondLst>
+                        <p:cond delay="indefinite"/>
+                      </p:stCondLst>
+                      <p:childTnLst>
+                        <p:par>
+                          <p:cTn id="22" fill="hold">
+                            <p:stCondLst>
+                              <p:cond delay="0"/>
+                            </p:stCondLst>
+                            <p:childTnLst>
+                              <p:par>
+                                <p:cTn id="23" presetID="1" presetClass="entr" presetSubtype="0" fill="hold" grpId="0" nodeType="clickEffect">
+                                  <p:stCondLst>
+                                    <p:cond delay="0"/>
+                                  </p:stCondLst>
+                                  <p:childTnLst>
+                                    <p:set>
+                                      <p:cBhvr>
+                                        <p:cTn id="24" dur="1" fill="hold">
+                                          <p:stCondLst>
+                                            <p:cond delay="0"/>
+                                          </p:stCondLst>
+                                        </p:cTn>
+                                        <p:tgtEl>
+                                          <p:spTgt spid="1024"/>
+                                        </p:tgtEl>
+                                        <p:attrNameLst>
+                                          <p:attrName>style.visibility</p:attrName>
+                                        </p:attrNameLst>
+                                      </p:cBhvr>
+                                      <p:to>
+                                        <p:strVal val="visible"/>
+                                      </p:to>
+                                    </p:set>
+                                  </p:childTnLst>
+                                </p:cTn>
+                              </p:par>
+                              <p:par>
+                                <p:cTn id="25" presetID="1" presetClass="entr" presetSubtype="0" fill="hold" grpId="0" nodeType="withEffect">
+                                  <p:stCondLst>
+                                    <p:cond delay="0"/>
+                                  </p:stCondLst>
+                                  <p:childTnLst>
+                                    <p:set>
+                                      <p:cBhvr>
+                                        <p:cTn id="26" dur="1" fill="hold">
+                                          <p:stCondLst>
+                                            <p:cond delay="0"/>
+                                          </p:stCondLst>
+                                        </p:cTn>
+                                        <p:tgtEl>
+                                          <p:spTgt spid="1025"/>
                                         </p:tgtEl>
                                         <p:attrNameLst>
                                           <p:attrName>style.visibility</p:attrName>
@@ -7208,12 +10742,12 @@
     </p:tnLst>
     <p:bldLst>
       <p:bldP spid="7" grpId="0"/>
-      <p:bldP spid="9" grpId="0"/>
-      <p:bldP spid="15" grpId="0"/>
-      <p:bldP spid="10" grpId="0"/>
-      <p:bldP spid="16" grpId="0"/>
-      <p:bldP spid="11" grpId="0"/>
-      <p:bldP spid="17" grpId="0"/>
+      <p:bldP spid="19" grpId="0"/>
+      <p:bldP spid="60" grpId="0"/>
+      <p:bldP spid="62" grpId="0"/>
+      <p:bldP spid="63" grpId="0"/>
+      <p:bldP spid="1024" grpId="0" animBg="1"/>
+      <p:bldP spid="1025" grpId="0" animBg="1"/>
     </p:bldLst>
   </p:timing>
 </p:sld>
@@ -7236,181 +10770,6 @@
           <a:chExt cx="0" cy="0"/>
         </a:xfrm>
       </p:grpSpPr>
-      <p:sp>
-        <p:nvSpPr>
-          <p:cNvPr id="4" name="Title 3">
-            <a:extLst>
-              <a:ext uri="{FF2B5EF4-FFF2-40B4-BE49-F238E27FC236}">
-                <a16:creationId xmlns:a16="http://schemas.microsoft.com/office/drawing/2014/main" id="{F35805A0-2E2F-164E-A8CB-FB2CA97F1D0A}"/>
-              </a:ext>
-            </a:extLst>
-          </p:cNvPr>
-          <p:cNvSpPr>
-            <a:spLocks noGrp="1"/>
-          </p:cNvSpPr>
-          <p:nvPr>
-            <p:ph type="title"/>
-          </p:nvPr>
-        </p:nvSpPr>
-        <p:spPr/>
-        <p:txBody>
-          <a:bodyPr/>
-          <a:lstStyle/>
-          <a:p>
-            <a:r>
-              <a:rPr lang="en-US" dirty="0"/>
-              <a:t>Estimating Parameter Values</a:t>
-            </a:r>
-          </a:p>
-        </p:txBody>
-      </p:sp>
-      <p:sp>
-        <p:nvSpPr>
-          <p:cNvPr id="5" name="Content Placeholder 4">
-            <a:extLst>
-              <a:ext uri="{FF2B5EF4-FFF2-40B4-BE49-F238E27FC236}">
-                <a16:creationId xmlns:a16="http://schemas.microsoft.com/office/drawing/2014/main" id="{15E89E74-372E-394D-973F-22CE7FC0B1F3}"/>
-              </a:ext>
-            </a:extLst>
-          </p:cNvPr>
-          <p:cNvSpPr>
-            <a:spLocks noGrp="1"/>
-          </p:cNvSpPr>
-          <p:nvPr>
-            <p:ph idx="1"/>
-          </p:nvPr>
-        </p:nvSpPr>
-        <p:spPr/>
-        <p:txBody>
-          <a:bodyPr/>
-          <a:lstStyle/>
-          <a:p>
-            <a:r>
-              <a:rPr lang="en-US" dirty="0"/>
-              <a:t>Least squares linear regression</a:t>
-            </a:r>
-          </a:p>
-          <a:p>
-            <a:pPr lvl="1"/>
-            <a:r>
-              <a:rPr lang="en-US" dirty="0"/>
-              <a:t>Can calculate optimal estimates from data</a:t>
-            </a:r>
-          </a:p>
-          <a:p>
-            <a:r>
-              <a:rPr lang="en-US" dirty="0"/>
-              <a:t>Estimating parameter values for complicated models, like simulations requires searching the “parameter space”</a:t>
-            </a:r>
-          </a:p>
-          <a:p>
-            <a:pPr lvl="1"/>
-            <a:r>
-              <a:rPr lang="en-US" dirty="0"/>
-              <a:t>Parameter space: the combination of all possible values of parameters</a:t>
-            </a:r>
-          </a:p>
-        </p:txBody>
-      </p:sp>
-      <p:sp>
-        <p:nvSpPr>
-          <p:cNvPr id="3" name="Slide Number Placeholder 2">
-            <a:extLst>
-              <a:ext uri="{FF2B5EF4-FFF2-40B4-BE49-F238E27FC236}">
-                <a16:creationId xmlns:a16="http://schemas.microsoft.com/office/drawing/2014/main" id="{2027026B-F29C-2449-8555-9861CCD7BF52}"/>
-              </a:ext>
-            </a:extLst>
-          </p:cNvPr>
-          <p:cNvSpPr>
-            <a:spLocks noGrp="1"/>
-          </p:cNvSpPr>
-          <p:nvPr>
-            <p:ph type="sldNum" sz="quarter" idx="11"/>
-          </p:nvPr>
-        </p:nvSpPr>
-        <p:spPr/>
-        <p:txBody>
-          <a:bodyPr/>
-          <a:lstStyle/>
-          <a:p>
-            <a:pPr>
-              <a:defRPr/>
-            </a:pPr>
-            <a:fld id="{2E4304A7-0FB2-4094-BC1E-DB17183AD0C1}" type="slidenum">
-              <a:rPr lang="en-US" altLang="x-none" smtClean="0"/>
-              <a:pPr>
-                <a:defRPr/>
-              </a:pPr>
-              <a:t>5</a:t>
-            </a:fld>
-            <a:endParaRPr lang="en-US" altLang="x-none"/>
-          </a:p>
-        </p:txBody>
-      </p:sp>
-    </p:spTree>
-    <p:extLst>
-      <p:ext uri="{BB962C8B-B14F-4D97-AF65-F5344CB8AC3E}">
-        <p14:creationId xmlns:p14="http://schemas.microsoft.com/office/powerpoint/2010/main" val="1927853610"/>
-      </p:ext>
-    </p:extLst>
-  </p:cSld>
-  <p:clrMapOvr>
-    <a:masterClrMapping/>
-  </p:clrMapOvr>
-</p:sld>
-</file>
-
-<file path=ppt/slides/slide6.xml><?xml version="1.0" encoding="utf-8"?>
-<p:sld xmlns:a="http://schemas.openxmlformats.org/drawingml/2006/main" xmlns:r="http://schemas.openxmlformats.org/officeDocument/2006/relationships" xmlns:p="http://schemas.openxmlformats.org/presentationml/2006/main">
-  <p:cSld>
-    <p:spTree>
-      <p:nvGrpSpPr>
-        <p:cNvPr id="1" name=""/>
-        <p:cNvGrpSpPr/>
-        <p:nvPr/>
-      </p:nvGrpSpPr>
-      <p:grpSpPr>
-        <a:xfrm>
-          <a:off x="0" y="0"/>
-          <a:ext cx="0" cy="0"/>
-          <a:chOff x="0" y="0"/>
-          <a:chExt cx="0" cy="0"/>
-        </a:xfrm>
-      </p:grpSpPr>
-      <p:sp>
-        <p:nvSpPr>
-          <p:cNvPr id="2" name="Title 1"/>
-          <p:cNvSpPr>
-            <a:spLocks noGrp="1"/>
-          </p:cNvSpPr>
-          <p:nvPr>
-            <p:ph type="title"/>
-          </p:nvPr>
-        </p:nvSpPr>
-        <p:spPr>
-          <a:xfrm>
-            <a:off x="457200" y="228600"/>
-            <a:ext cx="8229600" cy="838200"/>
-          </a:xfrm>
-        </p:spPr>
-        <p:txBody>
-          <a:bodyPr/>
-          <a:lstStyle/>
-          <a:p>
-            <a:r>
-              <a:rPr lang="en-US" sz="3200" dirty="0"/>
-              <a:t>Parameter Optimization</a:t>
-            </a:r>
-            <a:br>
-              <a:rPr lang="en-US" sz="3200" dirty="0"/>
-            </a:br>
-            <a:r>
-              <a:rPr lang="en-US" sz="3200" dirty="0"/>
-              <a:t>Find smallest value of objective function</a:t>
-            </a:r>
-          </a:p>
-        </p:txBody>
-      </p:sp>
       <p:pic>
         <p:nvPicPr>
           <p:cNvPr id="3" name="Picture 2"/>
@@ -7435,190 +10794,664 @@
           </a:prstGeom>
         </p:spPr>
       </p:pic>
-      <p:sp>
-        <p:nvSpPr>
-          <p:cNvPr id="5" name="TextBox 4">
-            <a:extLst>
-              <a:ext uri="{FF2B5EF4-FFF2-40B4-BE49-F238E27FC236}">
-                <a16:creationId xmlns:a16="http://schemas.microsoft.com/office/drawing/2014/main" id="{8CF8937A-0338-6447-AC45-B38ADA584845}"/>
-              </a:ext>
-            </a:extLst>
-          </p:cNvPr>
-          <p:cNvSpPr txBox="1"/>
-          <p:nvPr/>
-        </p:nvSpPr>
-        <p:spPr>
-          <a:xfrm>
-            <a:off x="4724400" y="1999565"/>
-            <a:ext cx="1223412" cy="646331"/>
-          </a:xfrm>
-          <a:prstGeom prst="rect">
-            <a:avLst/>
-          </a:prstGeom>
-          <a:noFill/>
-        </p:spPr>
-        <p:txBody>
-          <a:bodyPr wrap="none" rtlCol="0">
-            <a:spAutoFit/>
-          </a:bodyPr>
-          <a:lstStyle/>
-          <a:p>
-            <a:r>
-              <a:rPr lang="en-US" dirty="0"/>
-              <a:t>Response</a:t>
-            </a:r>
-          </a:p>
-          <a:p>
-            <a:r>
-              <a:rPr lang="en-US" dirty="0"/>
-              <a:t>surface</a:t>
-            </a:r>
-          </a:p>
-        </p:txBody>
-      </p:sp>
-      <p:sp>
-        <p:nvSpPr>
-          <p:cNvPr id="6" name="TextBox 5">
-            <a:extLst>
-              <a:ext uri="{FF2B5EF4-FFF2-40B4-BE49-F238E27FC236}">
-                <a16:creationId xmlns:a16="http://schemas.microsoft.com/office/drawing/2014/main" id="{B68F8A1A-4A69-B846-AB79-50BB4F56B4BB}"/>
-              </a:ext>
-            </a:extLst>
-          </p:cNvPr>
-          <p:cNvSpPr txBox="1"/>
-          <p:nvPr/>
-        </p:nvSpPr>
-        <p:spPr>
-          <a:xfrm>
-            <a:off x="381000" y="4212104"/>
-            <a:ext cx="8305800" cy="1938992"/>
-          </a:xfrm>
-          <a:prstGeom prst="rect">
-            <a:avLst/>
-          </a:prstGeom>
-          <a:solidFill>
-            <a:schemeClr val="bg1"/>
-          </a:solidFill>
-        </p:spPr>
-        <p:txBody>
-          <a:bodyPr wrap="square" rtlCol="0">
-            <a:spAutoFit/>
-          </a:bodyPr>
-          <a:lstStyle/>
-          <a:p>
-            <a:r>
-              <a:rPr lang="en-US" sz="2400" dirty="0"/>
-              <a:t>The quality and efficiency of an optimization technique</a:t>
-            </a:r>
-          </a:p>
-          <a:p>
-            <a:r>
-              <a:rPr lang="en-US" sz="2400" dirty="0"/>
-              <a:t>depends on:</a:t>
-            </a:r>
-          </a:p>
-          <a:p>
-            <a:pPr marL="285750" indent="-285750">
-              <a:buFont typeface="Arial" panose="020B0604020202020204" pitchFamily="34" charset="0"/>
-              <a:buChar char="•"/>
-            </a:pPr>
-            <a:r>
-              <a:rPr lang="en-US" sz="2400" dirty="0"/>
-              <a:t>Characteristics of the response surface (non-convex?)</a:t>
-            </a:r>
-          </a:p>
-          <a:p>
-            <a:pPr marL="285750" indent="-285750">
-              <a:buFont typeface="Arial" panose="020B0604020202020204" pitchFamily="34" charset="0"/>
-              <a:buChar char="•"/>
-            </a:pPr>
-            <a:r>
-              <a:rPr lang="en-US" sz="2400" dirty="0"/>
-              <a:t>Number of parameters (determines size of search space)</a:t>
-            </a:r>
-          </a:p>
-          <a:p>
-            <a:pPr marL="285750" indent="-285750">
-              <a:buFont typeface="Arial" panose="020B0604020202020204" pitchFamily="34" charset="0"/>
-              <a:buChar char="•"/>
-            </a:pPr>
-            <a:r>
-              <a:rPr lang="en-US" sz="2400" dirty="0"/>
-              <a:t>Starting point for the optimization search</a:t>
-            </a:r>
-          </a:p>
-        </p:txBody>
-      </p:sp>
-      <p:sp>
-        <p:nvSpPr>
-          <p:cNvPr id="7" name="TextBox 6">
-            <a:extLst>
-              <a:ext uri="{FF2B5EF4-FFF2-40B4-BE49-F238E27FC236}">
-                <a16:creationId xmlns:a16="http://schemas.microsoft.com/office/drawing/2014/main" id="{8C816161-2470-CC40-9F69-6608CC0F267D}"/>
-              </a:ext>
-            </a:extLst>
-          </p:cNvPr>
-          <p:cNvSpPr txBox="1"/>
-          <p:nvPr/>
-        </p:nvSpPr>
-        <p:spPr>
-          <a:xfrm>
-            <a:off x="5715000" y="3200400"/>
-            <a:ext cx="1454244" cy="369332"/>
-          </a:xfrm>
-          <a:prstGeom prst="rect">
-            <a:avLst/>
-          </a:prstGeom>
-          <a:noFill/>
-        </p:spPr>
-        <p:txBody>
-          <a:bodyPr wrap="none" rtlCol="0">
-            <a:spAutoFit/>
-          </a:bodyPr>
-          <a:lstStyle/>
-          <a:p>
-            <a:r>
-              <a:rPr lang="en-US" dirty="0"/>
-              <a:t>Parameter 1</a:t>
-            </a:r>
-          </a:p>
-        </p:txBody>
-      </p:sp>
-      <p:sp>
-        <p:nvSpPr>
-          <p:cNvPr id="8" name="TextBox 7">
-            <a:extLst>
-              <a:ext uri="{FF2B5EF4-FFF2-40B4-BE49-F238E27FC236}">
-                <a16:creationId xmlns:a16="http://schemas.microsoft.com/office/drawing/2014/main" id="{AD2D27DC-68B1-2A45-9165-5D8A0A573A41}"/>
-              </a:ext>
-            </a:extLst>
-          </p:cNvPr>
-          <p:cNvSpPr txBox="1"/>
-          <p:nvPr/>
-        </p:nvSpPr>
-        <p:spPr>
-          <a:xfrm>
-            <a:off x="1730415" y="3442928"/>
-            <a:ext cx="1454244" cy="369332"/>
-          </a:xfrm>
-          <a:prstGeom prst="rect">
-            <a:avLst/>
-          </a:prstGeom>
-          <a:noFill/>
-        </p:spPr>
-        <p:txBody>
-          <a:bodyPr wrap="none" rtlCol="0">
-            <a:spAutoFit/>
-          </a:bodyPr>
-          <a:lstStyle/>
-          <a:p>
-            <a:r>
-              <a:rPr lang="en-US" dirty="0"/>
-              <a:t>Parameter 2</a:t>
-            </a:r>
-          </a:p>
-        </p:txBody>
-      </p:sp>
+      <mc:AlternateContent xmlns:mc="http://schemas.openxmlformats.org/markup-compatibility/2006">
+        <mc:Choice xmlns:a14="http://schemas.microsoft.com/office/drawing/2010/main" Requires="a14">
+          <p:sp>
+            <p:nvSpPr>
+              <p:cNvPr id="6" name="TextBox 5">
+                <a:extLst>
+                  <a:ext uri="{FF2B5EF4-FFF2-40B4-BE49-F238E27FC236}">
+                    <a16:creationId xmlns:a16="http://schemas.microsoft.com/office/drawing/2014/main" id="{B68F8A1A-4A69-B846-AB79-50BB4F56B4BB}"/>
+                  </a:ext>
+                </a:extLst>
+              </p:cNvPr>
+              <p:cNvSpPr txBox="1"/>
+              <p:nvPr/>
+            </p:nvSpPr>
+            <p:spPr>
+              <a:xfrm>
+                <a:off x="381000" y="4212104"/>
+                <a:ext cx="8305800" cy="1984069"/>
+              </a:xfrm>
+              <a:prstGeom prst="rect">
+                <a:avLst/>
+              </a:prstGeom>
+              <a:solidFill>
+                <a:schemeClr val="bg1"/>
+              </a:solidFill>
+            </p:spPr>
+            <p:txBody>
+              <a:bodyPr wrap="square" rtlCol="0">
+                <a:spAutoFit/>
+              </a:bodyPr>
+              <a:lstStyle/>
+              <a:p>
+                <a:r>
+                  <a:rPr lang="en-US" sz="2400" dirty="0"/>
+                  <a:t>The quality and efficiency of an optimization technique</a:t>
+                </a:r>
+              </a:p>
+              <a:p>
+                <a:r>
+                  <a:rPr lang="en-US" sz="2400" dirty="0"/>
+                  <a:t>depends on:</a:t>
+                </a:r>
+              </a:p>
+              <a:p>
+                <a:pPr marL="285750" indent="-285750">
+                  <a:buFont typeface="Arial" panose="020B0604020202020204" pitchFamily="34" charset="0"/>
+                  <a:buChar char="•"/>
+                </a:pPr>
+                <a:r>
+                  <a:rPr lang="en-US" sz="2400" dirty="0"/>
+                  <a:t>Characteristics of </a:t>
+                </a:r>
+                <a14:m>
+                  <m:oMath xmlns:m="http://schemas.openxmlformats.org/officeDocument/2006/math">
+                    <m:r>
+                      <a:rPr lang="en-US" sz="2400" b="0" i="1" smtClean="0">
+                        <a:latin typeface="Cambria Math" panose="02040503050406030204" pitchFamily="18" charset="0"/>
+                      </a:rPr>
+                      <m:t>𝐽</m:t>
+                    </m:r>
+                    <m:r>
+                      <a:rPr lang="en-US" sz="2400" b="0" i="1" smtClean="0">
+                        <a:latin typeface="Cambria Math" panose="02040503050406030204" pitchFamily="18" charset="0"/>
+                      </a:rPr>
+                      <m:t>(</m:t>
+                    </m:r>
+                    <m:acc>
+                      <m:accPr>
+                        <m:chr m:val="̂"/>
+                        <m:ctrlPr>
+                          <a:rPr lang="en-US" sz="2400" b="0" i="1" smtClean="0">
+                            <a:latin typeface="Cambria Math" panose="02040503050406030204" pitchFamily="18" charset="0"/>
+                          </a:rPr>
+                        </m:ctrlPr>
+                      </m:accPr>
+                      <m:e>
+                        <m:r>
+                          <a:rPr lang="en-US" sz="2400" b="0" i="1" smtClean="0">
+                            <a:latin typeface="Cambria Math" panose="02040503050406030204" pitchFamily="18" charset="0"/>
+                          </a:rPr>
+                          <m:t>𝜃</m:t>
+                        </m:r>
+                      </m:e>
+                    </m:acc>
+                    <m:r>
+                      <a:rPr lang="en-US" sz="2400" b="0" i="1" smtClean="0">
+                        <a:latin typeface="Cambria Math" panose="02040503050406030204" pitchFamily="18" charset="0"/>
+                      </a:rPr>
+                      <m:t>)</m:t>
+                    </m:r>
+                  </m:oMath>
+                </a14:m>
+                <a:r>
+                  <a:rPr lang="en-US" sz="2400" dirty="0"/>
+                  <a:t> (non-convex?)</a:t>
+                </a:r>
+              </a:p>
+              <a:p>
+                <a:pPr marL="285750" indent="-285750">
+                  <a:buFont typeface="Arial" panose="020B0604020202020204" pitchFamily="34" charset="0"/>
+                  <a:buChar char="•"/>
+                </a:pPr>
+                <a:r>
+                  <a:rPr lang="en-US" sz="2400" dirty="0"/>
+                  <a:t>Number of parameters (determines size of search space)</a:t>
+                </a:r>
+              </a:p>
+              <a:p>
+                <a:pPr marL="285750" indent="-285750">
+                  <a:buFont typeface="Arial" panose="020B0604020202020204" pitchFamily="34" charset="0"/>
+                  <a:buChar char="•"/>
+                </a:pPr>
+                <a:r>
+                  <a:rPr lang="en-US" sz="2400" dirty="0"/>
+                  <a:t>Starting point for the optimization search</a:t>
+                </a:r>
+              </a:p>
+            </p:txBody>
+          </p:sp>
+        </mc:Choice>
+        <mc:Fallback>
+          <p:sp>
+            <p:nvSpPr>
+              <p:cNvPr id="6" name="TextBox 5">
+                <a:extLst>
+                  <a:ext uri="{FF2B5EF4-FFF2-40B4-BE49-F238E27FC236}">
+                    <a16:creationId xmlns:a16="http://schemas.microsoft.com/office/drawing/2014/main" id="{B68F8A1A-4A69-B846-AB79-50BB4F56B4BB}"/>
+                  </a:ext>
+                </a:extLst>
+              </p:cNvPr>
+              <p:cNvSpPr txBox="1">
+                <a:spLocks noRot="1" noChangeAspect="1" noMove="1" noResize="1" noEditPoints="1" noAdjustHandles="1" noChangeArrowheads="1" noChangeShapeType="1" noTextEdit="1"/>
+              </p:cNvSpPr>
+              <p:nvPr/>
+            </p:nvSpPr>
+            <p:spPr>
+              <a:xfrm>
+                <a:off x="381000" y="4212104"/>
+                <a:ext cx="8305800" cy="1984069"/>
+              </a:xfrm>
+              <a:prstGeom prst="rect">
+                <a:avLst/>
+              </a:prstGeom>
+              <a:blipFill>
+                <a:blip r:embed="rId3"/>
+                <a:stretch>
+                  <a:fillRect l="-1069" t="-2548" b="-3822"/>
+                </a:stretch>
+              </a:blipFill>
+            </p:spPr>
+            <p:txBody>
+              <a:bodyPr/>
+              <a:lstStyle/>
+              <a:p>
+                <a:r>
+                  <a:rPr lang="en-US">
+                    <a:noFill/>
+                  </a:rPr>
+                  <a:t> </a:t>
+                </a:r>
+              </a:p>
+            </p:txBody>
+          </p:sp>
+        </mc:Fallback>
+      </mc:AlternateContent>
+      <mc:AlternateContent xmlns:mc="http://schemas.openxmlformats.org/markup-compatibility/2006">
+        <mc:Choice xmlns:a14="http://schemas.microsoft.com/office/drawing/2010/main" Requires="a14">
+          <p:sp>
+            <p:nvSpPr>
+              <p:cNvPr id="9" name="TextBox 8">
+                <a:extLst>
+                  <a:ext uri="{FF2B5EF4-FFF2-40B4-BE49-F238E27FC236}">
+                    <a16:creationId xmlns:a16="http://schemas.microsoft.com/office/drawing/2014/main" id="{3C97F462-3B77-694D-8CF3-5DDEBDB214E1}"/>
+                  </a:ext>
+                </a:extLst>
+              </p:cNvPr>
+              <p:cNvSpPr txBox="1"/>
+              <p:nvPr/>
+            </p:nvSpPr>
+            <p:spPr>
+              <a:xfrm>
+                <a:off x="2743200" y="3555147"/>
+                <a:ext cx="455894" cy="449162"/>
+              </a:xfrm>
+              <a:prstGeom prst="rect">
+                <a:avLst/>
+              </a:prstGeom>
+              <a:noFill/>
+            </p:spPr>
+            <p:txBody>
+              <a:bodyPr wrap="none" lIns="0" tIns="0" rIns="0" bIns="0" rtlCol="0">
+                <a:spAutoFit/>
+              </a:bodyPr>
+              <a:lstStyle/>
+              <a:p>
+                <a14:m>
+                  <m:oMathPara xmlns:m="http://schemas.openxmlformats.org/officeDocument/2006/math">
+                    <m:oMathParaPr>
+                      <m:jc m:val="centerGroup"/>
+                    </m:oMathParaPr>
+                    <m:oMath xmlns:m="http://schemas.openxmlformats.org/officeDocument/2006/math">
+                      <m:sSub>
+                        <m:sSubPr>
+                          <m:ctrlPr>
+                            <a:rPr lang="en-US" sz="2800" b="0" i="1" smtClean="0">
+                              <a:latin typeface="Cambria Math" panose="02040503050406030204" pitchFamily="18" charset="0"/>
+                            </a:rPr>
+                          </m:ctrlPr>
+                        </m:sSubPr>
+                        <m:e>
+                          <m:acc>
+                            <m:accPr>
+                              <m:chr m:val="̂"/>
+                              <m:ctrlPr>
+                                <a:rPr lang="en-US" sz="2800" b="0" i="1" smtClean="0">
+                                  <a:latin typeface="Cambria Math" panose="02040503050406030204" pitchFamily="18" charset="0"/>
+                                </a:rPr>
+                              </m:ctrlPr>
+                            </m:accPr>
+                            <m:e>
+                              <m:r>
+                                <a:rPr lang="en-US" sz="2800" b="0" i="1" smtClean="0">
+                                  <a:latin typeface="Cambria Math" panose="02040503050406030204" pitchFamily="18" charset="0"/>
+                                </a:rPr>
+                                <m:t>𝜃</m:t>
+                              </m:r>
+                            </m:e>
+                          </m:acc>
+                        </m:e>
+                        <m:sub>
+                          <m:r>
+                            <a:rPr lang="en-US" sz="2800" b="0" i="1" smtClean="0">
+                              <a:latin typeface="Cambria Math" panose="02040503050406030204" pitchFamily="18" charset="0"/>
+                            </a:rPr>
+                            <m:t>0</m:t>
+                          </m:r>
+                        </m:sub>
+                      </m:sSub>
+                    </m:oMath>
+                  </m:oMathPara>
+                </a14:m>
+                <a:endParaRPr lang="en-US" sz="2800" dirty="0"/>
+              </a:p>
+            </p:txBody>
+          </p:sp>
+        </mc:Choice>
+        <mc:Fallback>
+          <p:sp>
+            <p:nvSpPr>
+              <p:cNvPr id="9" name="TextBox 8">
+                <a:extLst>
+                  <a:ext uri="{FF2B5EF4-FFF2-40B4-BE49-F238E27FC236}">
+                    <a16:creationId xmlns:a16="http://schemas.microsoft.com/office/drawing/2014/main" id="{3C97F462-3B77-694D-8CF3-5DDEBDB214E1}"/>
+                  </a:ext>
+                </a:extLst>
+              </p:cNvPr>
+              <p:cNvSpPr txBox="1">
+                <a:spLocks noRot="1" noChangeAspect="1" noMove="1" noResize="1" noEditPoints="1" noAdjustHandles="1" noChangeArrowheads="1" noChangeShapeType="1" noTextEdit="1"/>
+              </p:cNvSpPr>
+              <p:nvPr/>
+            </p:nvSpPr>
+            <p:spPr>
+              <a:xfrm>
+                <a:off x="2743200" y="3555147"/>
+                <a:ext cx="455894" cy="449162"/>
+              </a:xfrm>
+              <a:prstGeom prst="rect">
+                <a:avLst/>
+              </a:prstGeom>
+              <a:blipFill>
+                <a:blip r:embed="rId4"/>
+                <a:stretch>
+                  <a:fillRect l="-16667" t="-13889" r="-2778" b="-16667"/>
+                </a:stretch>
+              </a:blipFill>
+            </p:spPr>
+            <p:txBody>
+              <a:bodyPr/>
+              <a:lstStyle/>
+              <a:p>
+                <a:r>
+                  <a:rPr lang="en-US">
+                    <a:noFill/>
+                  </a:rPr>
+                  <a:t> </a:t>
+                </a:r>
+              </a:p>
+            </p:txBody>
+          </p:sp>
+        </mc:Fallback>
+      </mc:AlternateContent>
+      <mc:AlternateContent xmlns:mc="http://schemas.openxmlformats.org/markup-compatibility/2006">
+        <mc:Choice xmlns:a14="http://schemas.microsoft.com/office/drawing/2010/main" Requires="a14">
+          <p:sp>
+            <p:nvSpPr>
+              <p:cNvPr id="10" name="TextBox 9">
+                <a:extLst>
+                  <a:ext uri="{FF2B5EF4-FFF2-40B4-BE49-F238E27FC236}">
+                    <a16:creationId xmlns:a16="http://schemas.microsoft.com/office/drawing/2014/main" id="{96F6ED7F-8FF4-A041-A8C6-129DA0BA4267}"/>
+                  </a:ext>
+                </a:extLst>
+              </p:cNvPr>
+              <p:cNvSpPr txBox="1"/>
+              <p:nvPr/>
+            </p:nvSpPr>
+            <p:spPr>
+              <a:xfrm>
+                <a:off x="5917900" y="3204419"/>
+                <a:ext cx="447622" cy="449162"/>
+              </a:xfrm>
+              <a:prstGeom prst="rect">
+                <a:avLst/>
+              </a:prstGeom>
+              <a:noFill/>
+            </p:spPr>
+            <p:txBody>
+              <a:bodyPr wrap="none" lIns="0" tIns="0" rIns="0" bIns="0" rtlCol="0">
+                <a:spAutoFit/>
+              </a:bodyPr>
+              <a:lstStyle/>
+              <a:p>
+                <a14:m>
+                  <m:oMathPara xmlns:m="http://schemas.openxmlformats.org/officeDocument/2006/math">
+                    <m:oMathParaPr>
+                      <m:jc m:val="centerGroup"/>
+                    </m:oMathParaPr>
+                    <m:oMath xmlns:m="http://schemas.openxmlformats.org/officeDocument/2006/math">
+                      <m:sSub>
+                        <m:sSubPr>
+                          <m:ctrlPr>
+                            <a:rPr lang="en-US" sz="2800" b="0" i="1" smtClean="0">
+                              <a:latin typeface="Cambria Math" panose="02040503050406030204" pitchFamily="18" charset="0"/>
+                            </a:rPr>
+                          </m:ctrlPr>
+                        </m:sSubPr>
+                        <m:e>
+                          <m:acc>
+                            <m:accPr>
+                              <m:chr m:val="̂"/>
+                              <m:ctrlPr>
+                                <a:rPr lang="en-US" sz="2800" b="0" i="1" smtClean="0">
+                                  <a:latin typeface="Cambria Math" panose="02040503050406030204" pitchFamily="18" charset="0"/>
+                                </a:rPr>
+                              </m:ctrlPr>
+                            </m:accPr>
+                            <m:e>
+                              <m:r>
+                                <a:rPr lang="en-US" sz="2800" b="0" i="1" smtClean="0">
+                                  <a:latin typeface="Cambria Math" panose="02040503050406030204" pitchFamily="18" charset="0"/>
+                                </a:rPr>
+                                <m:t>𝜃</m:t>
+                              </m:r>
+                            </m:e>
+                          </m:acc>
+                        </m:e>
+                        <m:sub>
+                          <m:r>
+                            <a:rPr lang="en-US" sz="2800" b="0" i="1" smtClean="0">
+                              <a:latin typeface="Cambria Math" panose="02040503050406030204" pitchFamily="18" charset="0"/>
+                            </a:rPr>
+                            <m:t>1</m:t>
+                          </m:r>
+                        </m:sub>
+                      </m:sSub>
+                    </m:oMath>
+                  </m:oMathPara>
+                </a14:m>
+                <a:endParaRPr lang="en-US" sz="2800" dirty="0"/>
+              </a:p>
+            </p:txBody>
+          </p:sp>
+        </mc:Choice>
+        <mc:Fallback>
+          <p:sp>
+            <p:nvSpPr>
+              <p:cNvPr id="10" name="TextBox 9">
+                <a:extLst>
+                  <a:ext uri="{FF2B5EF4-FFF2-40B4-BE49-F238E27FC236}">
+                    <a16:creationId xmlns:a16="http://schemas.microsoft.com/office/drawing/2014/main" id="{96F6ED7F-8FF4-A041-A8C6-129DA0BA4267}"/>
+                  </a:ext>
+                </a:extLst>
+              </p:cNvPr>
+              <p:cNvSpPr txBox="1">
+                <a:spLocks noRot="1" noChangeAspect="1" noMove="1" noResize="1" noEditPoints="1" noAdjustHandles="1" noChangeArrowheads="1" noChangeShapeType="1" noTextEdit="1"/>
+              </p:cNvSpPr>
+              <p:nvPr/>
+            </p:nvSpPr>
+            <p:spPr>
+              <a:xfrm>
+                <a:off x="5917900" y="3204419"/>
+                <a:ext cx="447622" cy="449162"/>
+              </a:xfrm>
+              <a:prstGeom prst="rect">
+                <a:avLst/>
+              </a:prstGeom>
+              <a:blipFill>
+                <a:blip r:embed="rId5"/>
+                <a:stretch>
+                  <a:fillRect l="-13889" t="-16667" r="-2778" b="-13889"/>
+                </a:stretch>
+              </a:blipFill>
+            </p:spPr>
+            <p:txBody>
+              <a:bodyPr/>
+              <a:lstStyle/>
+              <a:p>
+                <a:r>
+                  <a:rPr lang="en-US">
+                    <a:noFill/>
+                  </a:rPr>
+                  <a:t> </a:t>
+                </a:r>
+              </a:p>
+            </p:txBody>
+          </p:sp>
+        </mc:Fallback>
+      </mc:AlternateContent>
+      <mc:AlternateContent xmlns:mc="http://schemas.openxmlformats.org/markup-compatibility/2006">
+        <mc:Choice xmlns:a14="http://schemas.microsoft.com/office/drawing/2010/main" Requires="a14">
+          <p:sp>
+            <p:nvSpPr>
+              <p:cNvPr id="2" name="Title 1"/>
+              <p:cNvSpPr>
+                <a:spLocks noGrp="1"/>
+              </p:cNvSpPr>
+              <p:nvPr>
+                <p:ph type="title"/>
+              </p:nvPr>
+            </p:nvSpPr>
+            <p:spPr>
+              <a:xfrm>
+                <a:off x="457200" y="228600"/>
+                <a:ext cx="8229600" cy="838200"/>
+              </a:xfrm>
+            </p:spPr>
+            <p:txBody>
+              <a:bodyPr/>
+              <a:lstStyle/>
+              <a:p>
+                <a:r>
+                  <a:rPr lang="en-US" sz="3200" dirty="0"/>
+                  <a:t>Parameter Optimization</a:t>
+                </a:r>
+                <a:br>
+                  <a:rPr lang="en-US" sz="3200" dirty="0"/>
+                </a:br>
+                <a:r>
+                  <a:rPr lang="en-US" sz="3200" dirty="0"/>
+                  <a:t>Minimize </a:t>
+                </a:r>
+                <a14:m>
+                  <m:oMath xmlns:m="http://schemas.openxmlformats.org/officeDocument/2006/math">
+                    <m:r>
+                      <a:rPr lang="en-US" sz="3200" b="1" i="1" smtClean="0">
+                        <a:latin typeface="Cambria Math" panose="02040503050406030204" pitchFamily="18" charset="0"/>
+                      </a:rPr>
+                      <m:t>𝑱</m:t>
+                    </m:r>
+                    <m:r>
+                      <a:rPr lang="en-US" sz="3200" b="1" i="1" smtClean="0">
+                        <a:latin typeface="Cambria Math" panose="02040503050406030204" pitchFamily="18" charset="0"/>
+                      </a:rPr>
+                      <m:t>(</m:t>
+                    </m:r>
+                    <m:acc>
+                      <m:accPr>
+                        <m:chr m:val="̂"/>
+                        <m:ctrlPr>
+                          <a:rPr lang="en-US" sz="3200" b="1" i="1" smtClean="0">
+                            <a:latin typeface="Cambria Math" panose="02040503050406030204" pitchFamily="18" charset="0"/>
+                          </a:rPr>
+                        </m:ctrlPr>
+                      </m:accPr>
+                      <m:e>
+                        <m:r>
+                          <a:rPr lang="en-US" sz="3200" b="1" i="1" smtClean="0">
+                            <a:latin typeface="Cambria Math" panose="02040503050406030204" pitchFamily="18" charset="0"/>
+                          </a:rPr>
+                          <m:t>𝜽</m:t>
+                        </m:r>
+                      </m:e>
+                    </m:acc>
+                    <m:r>
+                      <a:rPr lang="en-US" sz="3200" b="1" i="1" smtClean="0">
+                        <a:latin typeface="Cambria Math" panose="02040503050406030204" pitchFamily="18" charset="0"/>
+                      </a:rPr>
+                      <m:t>)</m:t>
+                    </m:r>
+                  </m:oMath>
+                </a14:m>
+                <a:endParaRPr lang="en-US" sz="3200" dirty="0"/>
+              </a:p>
+            </p:txBody>
+          </p:sp>
+        </mc:Choice>
+        <mc:Fallback>
+          <p:sp>
+            <p:nvSpPr>
+              <p:cNvPr id="2" name="Title 1"/>
+              <p:cNvSpPr>
+                <a:spLocks noGrp="1" noRot="1" noChangeAspect="1" noMove="1" noResize="1" noEditPoints="1" noAdjustHandles="1" noChangeArrowheads="1" noChangeShapeType="1" noTextEdit="1"/>
+              </p:cNvSpPr>
+              <p:nvPr>
+                <p:ph type="title"/>
+              </p:nvPr>
+            </p:nvSpPr>
+            <p:spPr>
+              <a:xfrm>
+                <a:off x="457200" y="228600"/>
+                <a:ext cx="8229600" cy="838200"/>
+              </a:xfrm>
+              <a:blipFill>
+                <a:blip r:embed="rId6"/>
+                <a:stretch>
+                  <a:fillRect t="-7463" b="-52239"/>
+                </a:stretch>
+              </a:blipFill>
+            </p:spPr>
+            <p:txBody>
+              <a:bodyPr/>
+              <a:lstStyle/>
+              <a:p>
+                <a:r>
+                  <a:rPr lang="en-US">
+                    <a:noFill/>
+                  </a:rPr>
+                  <a:t> </a:t>
+                </a:r>
+              </a:p>
+            </p:txBody>
+          </p:sp>
+        </mc:Fallback>
+      </mc:AlternateContent>
+      <mc:AlternateContent xmlns:mc="http://schemas.openxmlformats.org/markup-compatibility/2006">
+        <mc:Choice xmlns:a14="http://schemas.microsoft.com/office/drawing/2010/main" Requires="a14">
+          <p:sp>
+            <p:nvSpPr>
+              <p:cNvPr id="11" name="TextBox 10">
+                <a:extLst>
+                  <a:ext uri="{FF2B5EF4-FFF2-40B4-BE49-F238E27FC236}">
+                    <a16:creationId xmlns:a16="http://schemas.microsoft.com/office/drawing/2014/main" id="{83648D88-39D0-B440-AEB6-36FD1B1B5898}"/>
+                  </a:ext>
+                </a:extLst>
+              </p:cNvPr>
+              <p:cNvSpPr txBox="1"/>
+              <p:nvPr/>
+            </p:nvSpPr>
+            <p:spPr>
+              <a:xfrm>
+                <a:off x="4876800" y="2019623"/>
+                <a:ext cx="646652" cy="384785"/>
+              </a:xfrm>
+              <a:prstGeom prst="rect">
+                <a:avLst/>
+              </a:prstGeom>
+              <a:noFill/>
+            </p:spPr>
+            <p:txBody>
+              <a:bodyPr wrap="none" lIns="0" tIns="0" rIns="0" bIns="0" rtlCol="0">
+                <a:spAutoFit/>
+              </a:bodyPr>
+              <a:lstStyle/>
+              <a:p>
+                <a14:m>
+                  <m:oMathPara xmlns:m="http://schemas.openxmlformats.org/officeDocument/2006/math">
+                    <m:oMathParaPr>
+                      <m:jc m:val="centerGroup"/>
+                    </m:oMathParaPr>
+                    <m:oMath xmlns:m="http://schemas.openxmlformats.org/officeDocument/2006/math">
+                      <m:r>
+                        <a:rPr lang="en-US" sz="2400" b="0" i="1" smtClean="0">
+                          <a:latin typeface="Cambria Math" panose="02040503050406030204" pitchFamily="18" charset="0"/>
+                        </a:rPr>
+                        <m:t>𝐽</m:t>
+                      </m:r>
+                      <m:r>
+                        <a:rPr lang="en-US" sz="2400" b="0" i="1" smtClean="0">
+                          <a:latin typeface="Cambria Math" panose="02040503050406030204" pitchFamily="18" charset="0"/>
+                        </a:rPr>
+                        <m:t>(</m:t>
+                      </m:r>
+                      <m:acc>
+                        <m:accPr>
+                          <m:chr m:val="̂"/>
+                          <m:ctrlPr>
+                            <a:rPr lang="en-US" sz="2400" b="0" i="1" smtClean="0">
+                              <a:latin typeface="Cambria Math" panose="02040503050406030204" pitchFamily="18" charset="0"/>
+                            </a:rPr>
+                          </m:ctrlPr>
+                        </m:accPr>
+                        <m:e>
+                          <m:r>
+                            <a:rPr lang="en-US" sz="2400" b="0" i="1" smtClean="0">
+                              <a:latin typeface="Cambria Math" panose="02040503050406030204" pitchFamily="18" charset="0"/>
+                            </a:rPr>
+                            <m:t>𝜃</m:t>
+                          </m:r>
+                        </m:e>
+                      </m:acc>
+                      <m:r>
+                        <a:rPr lang="en-US" sz="2400" b="0" i="1" smtClean="0">
+                          <a:latin typeface="Cambria Math" panose="02040503050406030204" pitchFamily="18" charset="0"/>
+                        </a:rPr>
+                        <m:t>)</m:t>
+                      </m:r>
+                    </m:oMath>
+                  </m:oMathPara>
+                </a14:m>
+                <a:endParaRPr lang="en-US" sz="2400" dirty="0"/>
+              </a:p>
+            </p:txBody>
+          </p:sp>
+        </mc:Choice>
+        <mc:Fallback>
+          <p:sp>
+            <p:nvSpPr>
+              <p:cNvPr id="11" name="TextBox 10">
+                <a:extLst>
+                  <a:ext uri="{FF2B5EF4-FFF2-40B4-BE49-F238E27FC236}">
+                    <a16:creationId xmlns:a16="http://schemas.microsoft.com/office/drawing/2014/main" id="{83648D88-39D0-B440-AEB6-36FD1B1B5898}"/>
+                  </a:ext>
+                </a:extLst>
+              </p:cNvPr>
+              <p:cNvSpPr txBox="1">
+                <a:spLocks noRot="1" noChangeAspect="1" noMove="1" noResize="1" noEditPoints="1" noAdjustHandles="1" noChangeArrowheads="1" noChangeShapeType="1" noTextEdit="1"/>
+              </p:cNvSpPr>
+              <p:nvPr/>
+            </p:nvSpPr>
+            <p:spPr>
+              <a:xfrm>
+                <a:off x="4876800" y="2019623"/>
+                <a:ext cx="646652" cy="384785"/>
+              </a:xfrm>
+              <a:prstGeom prst="rect">
+                <a:avLst/>
+              </a:prstGeom>
+              <a:blipFill>
+                <a:blip r:embed="rId7"/>
+                <a:stretch>
+                  <a:fillRect l="-15686" t="-19355" r="-13725" b="-35484"/>
+                </a:stretch>
+              </a:blipFill>
+            </p:spPr>
+            <p:txBody>
+              <a:bodyPr/>
+              <a:lstStyle/>
+              <a:p>
+                <a:r>
+                  <a:rPr lang="en-US">
+                    <a:noFill/>
+                  </a:rPr>
+                  <a:t> </a:t>
+                </a:r>
+              </a:p>
+            </p:txBody>
+          </p:sp>
+        </mc:Fallback>
+      </mc:AlternateContent>
     </p:spTree>
     <p:extLst>
       <p:ext uri="{BB962C8B-B14F-4D97-AF65-F5344CB8AC3E}">
@@ -7680,15 +11513,33 @@
                                   </p:childTnLst>
                                 </p:cTn>
                               </p:par>
+                            </p:childTnLst>
+                          </p:cTn>
+                        </p:par>
+                      </p:childTnLst>
+                    </p:cTn>
+                  </p:par>
+                  <p:par>
+                    <p:cTn id="7" fill="hold">
+                      <p:stCondLst>
+                        <p:cond delay="indefinite"/>
+                      </p:stCondLst>
+                      <p:childTnLst>
+                        <p:par>
+                          <p:cTn id="8" fill="hold">
+                            <p:stCondLst>
+                              <p:cond delay="0"/>
+                            </p:stCondLst>
+                            <p:childTnLst>
                               <p:par>
-                                <p:cTn id="7" presetID="1" presetClass="entr" presetSubtype="0" fill="hold" nodeType="withEffect">
+                                <p:cTn id="9" presetID="1" presetClass="entr" presetSubtype="0" fill="hold" nodeType="clickEffect">
                                   <p:stCondLst>
                                     <p:cond delay="0"/>
                                   </p:stCondLst>
                                   <p:childTnLst>
                                     <p:set>
                                       <p:cBhvr>
-                                        <p:cTn id="8" dur="1" fill="hold">
+                                        <p:cTn id="10" dur="1" fill="hold">
                                           <p:stCondLst>
                                             <p:cond delay="0"/>
                                           </p:stCondLst>
@@ -7718,26 +11569,26 @@
                     </p:cTn>
                   </p:par>
                   <p:par>
-                    <p:cTn id="9" fill="hold">
+                    <p:cTn id="11" fill="hold">
                       <p:stCondLst>
                         <p:cond delay="indefinite"/>
                       </p:stCondLst>
                       <p:childTnLst>
                         <p:par>
-                          <p:cTn id="10" fill="hold">
+                          <p:cTn id="12" fill="hold">
                             <p:stCondLst>
                               <p:cond delay="0"/>
                             </p:stCondLst>
                             <p:childTnLst>
                               <p:par>
-                                <p:cTn id="11" presetID="1" presetClass="entr" presetSubtype="0" fill="hold" nodeType="clickEffect">
+                                <p:cTn id="13" presetID="1" presetClass="entr" presetSubtype="0" fill="hold" nodeType="clickEffect">
                                   <p:stCondLst>
                                     <p:cond delay="0"/>
                                   </p:stCondLst>
                                   <p:childTnLst>
                                     <p:set>
                                       <p:cBhvr>
-                                        <p:cTn id="12" dur="1" fill="hold">
+                                        <p:cTn id="14" dur="1" fill="hold">
                                           <p:stCondLst>
                                             <p:cond delay="0"/>
                                           </p:stCondLst>
@@ -7767,26 +11618,26 @@
                     </p:cTn>
                   </p:par>
                   <p:par>
-                    <p:cTn id="13" fill="hold">
+                    <p:cTn id="15" fill="hold">
                       <p:stCondLst>
                         <p:cond delay="indefinite"/>
                       </p:stCondLst>
                       <p:childTnLst>
                         <p:par>
-                          <p:cTn id="14" fill="hold">
+                          <p:cTn id="16" fill="hold">
                             <p:stCondLst>
                               <p:cond delay="0"/>
                             </p:stCondLst>
                             <p:childTnLst>
                               <p:par>
-                                <p:cTn id="15" presetID="1" presetClass="entr" presetSubtype="0" fill="hold" nodeType="clickEffect">
+                                <p:cTn id="17" presetID="1" presetClass="entr" presetSubtype="0" fill="hold" nodeType="clickEffect">
                                   <p:stCondLst>
                                     <p:cond delay="0"/>
                                   </p:stCondLst>
                                   <p:childTnLst>
                                     <p:set>
                                       <p:cBhvr>
-                                        <p:cTn id="16" dur="1" fill="hold">
+                                        <p:cTn id="18" dur="1" fill="hold">
                                           <p:stCondLst>
                                             <p:cond delay="0"/>
                                           </p:stCondLst>
@@ -7816,26 +11667,26 @@
                     </p:cTn>
                   </p:par>
                   <p:par>
-                    <p:cTn id="17" fill="hold">
+                    <p:cTn id="19" fill="hold">
                       <p:stCondLst>
                         <p:cond delay="indefinite"/>
                       </p:stCondLst>
                       <p:childTnLst>
                         <p:par>
-                          <p:cTn id="18" fill="hold">
+                          <p:cTn id="20" fill="hold">
                             <p:stCondLst>
                               <p:cond delay="0"/>
                             </p:stCondLst>
                             <p:childTnLst>
                               <p:par>
-                                <p:cTn id="19" presetID="1" presetClass="entr" presetSubtype="0" fill="hold" nodeType="clickEffect">
+                                <p:cTn id="21" presetID="1" presetClass="entr" presetSubtype="0" fill="hold" nodeType="clickEffect">
                                   <p:stCondLst>
                                     <p:cond delay="0"/>
                                   </p:stCondLst>
                                   <p:childTnLst>
                                     <p:set>
                                       <p:cBhvr>
-                                        <p:cTn id="20" dur="1" fill="hold">
+                                        <p:cTn id="22" dur="1" fill="hold">
                                           <p:stCondLst>
                                             <p:cond delay="0"/>
                                           </p:stCondLst>
@@ -7889,6 +11740,104 @@
 </p:sld>
 </file>
 
+<file path=ppt/slides/slide6.xml><?xml version="1.0" encoding="utf-8"?>
+<p:sld xmlns:a="http://schemas.openxmlformats.org/drawingml/2006/main" xmlns:r="http://schemas.openxmlformats.org/officeDocument/2006/relationships" xmlns:p="http://schemas.openxmlformats.org/presentationml/2006/main">
+  <p:cSld>
+    <p:spTree>
+      <p:nvGrpSpPr>
+        <p:cNvPr id="1" name=""/>
+        <p:cNvGrpSpPr/>
+        <p:nvPr/>
+      </p:nvGrpSpPr>
+      <p:grpSpPr>
+        <a:xfrm>
+          <a:off x="0" y="0"/>
+          <a:ext cx="0" cy="0"/>
+          <a:chOff x="0" y="0"/>
+          <a:chExt cx="0" cy="0"/>
+        </a:xfrm>
+      </p:grpSpPr>
+      <p:sp>
+        <p:nvSpPr>
+          <p:cNvPr id="2" name="Title 1">
+            <a:extLst>
+              <a:ext uri="{FF2B5EF4-FFF2-40B4-BE49-F238E27FC236}">
+                <a16:creationId xmlns:a16="http://schemas.microsoft.com/office/drawing/2014/main" id="{66EDE726-8A45-8545-B532-1DECE75EDD88}"/>
+              </a:ext>
+            </a:extLst>
+          </p:cNvPr>
+          <p:cNvSpPr>
+            <a:spLocks noGrp="1"/>
+          </p:cNvSpPr>
+          <p:nvPr>
+            <p:ph type="title"/>
+          </p:nvPr>
+        </p:nvSpPr>
+        <p:spPr>
+          <a:xfrm>
+            <a:off x="457200" y="2438400"/>
+            <a:ext cx="8229600" cy="838200"/>
+          </a:xfrm>
+        </p:spPr>
+        <p:txBody>
+          <a:bodyPr/>
+          <a:lstStyle/>
+          <a:p>
+            <a:r>
+              <a:rPr lang="en-US" sz="6000" dirty="0"/>
+              <a:t>Errata</a:t>
+            </a:r>
+          </a:p>
+        </p:txBody>
+      </p:sp>
+      <p:sp>
+        <p:nvSpPr>
+          <p:cNvPr id="4" name="Slide Number Placeholder 3">
+            <a:extLst>
+              <a:ext uri="{FF2B5EF4-FFF2-40B4-BE49-F238E27FC236}">
+                <a16:creationId xmlns:a16="http://schemas.microsoft.com/office/drawing/2014/main" id="{2DCCEC55-4F5B-864B-AAB2-8D6766BCEC48}"/>
+              </a:ext>
+            </a:extLst>
+          </p:cNvPr>
+          <p:cNvSpPr>
+            <a:spLocks noGrp="1"/>
+          </p:cNvSpPr>
+          <p:nvPr>
+            <p:ph type="sldNum" sz="quarter" idx="11"/>
+          </p:nvPr>
+        </p:nvSpPr>
+        <p:spPr/>
+        <p:txBody>
+          <a:bodyPr/>
+          <a:lstStyle/>
+          <a:p>
+            <a:pPr>
+              <a:defRPr/>
+            </a:pPr>
+            <a:fld id="{3EF4E9CC-9D91-476E-91FD-5BEEC1642931}" type="slidenum">
+              <a:rPr lang="en-US" altLang="x-none" smtClean="0"/>
+              <a:pPr>
+                <a:defRPr/>
+              </a:pPr>
+              <a:t>6</a:t>
+            </a:fld>
+            <a:endParaRPr lang="en-US" altLang="x-none"/>
+          </a:p>
+        </p:txBody>
+      </p:sp>
+    </p:spTree>
+    <p:extLst>
+      <p:ext uri="{BB962C8B-B14F-4D97-AF65-F5344CB8AC3E}">
+        <p14:creationId xmlns:p14="http://schemas.microsoft.com/office/powerpoint/2010/main" val="2423011860"/>
+      </p:ext>
+    </p:extLst>
+  </p:cSld>
+  <p:clrMapOvr>
+    <a:masterClrMapping/>
+  </p:clrMapOvr>
+</p:sld>
+</file>
+
 <file path=ppt/slides/slide7.xml><?xml version="1.0" encoding="utf-8"?>
 <p:sld xmlns:a="http://schemas.openxmlformats.org/drawingml/2006/main" xmlns:r="http://schemas.openxmlformats.org/officeDocument/2006/relationships" xmlns:p="http://schemas.openxmlformats.org/presentationml/2006/main">
   <p:cSld>
@@ -7929,7 +11878,7 @@
           <a:p>
             <a:r>
               <a:rPr lang="en-US" dirty="0"/>
-              <a:t>Errata</a:t>
+              <a:t>Correction to 2 Parameter Model</a:t>
             </a:r>
           </a:p>
         </p:txBody>
@@ -9573,70 +13522,27 @@
             <p:ph type="title"/>
           </p:nvPr>
         </p:nvSpPr>
-        <p:spPr/>
+        <p:spPr>
+          <a:xfrm>
+            <a:off x="457200" y="2133600"/>
+            <a:ext cx="8229600" cy="838200"/>
+          </a:xfrm>
+        </p:spPr>
         <p:txBody>
           <a:bodyPr/>
           <a:lstStyle/>
           <a:p>
             <a:r>
-              <a:rPr lang="en-US" dirty="0"/>
-              <a:t>Optimization Techniques</a:t>
+              <a:rPr lang="en-US" sz="6000" dirty="0"/>
+              <a:t>Optimization</a:t>
             </a:r>
-          </a:p>
-        </p:txBody>
-      </p:sp>
-      <p:sp>
-        <p:nvSpPr>
-          <p:cNvPr id="3" name="Content Placeholder 2">
-            <a:extLst>
-              <a:ext uri="{FF2B5EF4-FFF2-40B4-BE49-F238E27FC236}">
-                <a16:creationId xmlns:a16="http://schemas.microsoft.com/office/drawing/2014/main" id="{BF7C375B-B6B2-E942-AAAA-20482B5AF468}"/>
-              </a:ext>
-            </a:extLst>
-          </p:cNvPr>
-          <p:cNvSpPr>
-            <a:spLocks noGrp="1"/>
-          </p:cNvSpPr>
-          <p:nvPr>
-            <p:ph idx="1"/>
-          </p:nvPr>
-        </p:nvSpPr>
-        <p:spPr/>
-        <p:txBody>
-          <a:bodyPr/>
-          <a:lstStyle/>
-          <a:p>
+            <a:br>
+              <a:rPr lang="en-US" sz="6000" dirty="0"/>
+            </a:br>
             <a:r>
-              <a:rPr lang="en-US" dirty="0"/>
-              <a:t>Gradient decent</a:t>
+              <a:rPr lang="en-US" sz="6000" dirty="0"/>
+              <a:t>Techniques</a:t>
             </a:r>
-          </a:p>
-          <a:p>
-            <a:r>
-              <a:rPr lang="en-US" dirty="0"/>
-              <a:t>Gauss Newton</a:t>
-            </a:r>
-          </a:p>
-          <a:p>
-            <a:r>
-              <a:rPr lang="en-US" dirty="0"/>
-              <a:t>﻿Levenberg-Marquardt</a:t>
-            </a:r>
-          </a:p>
-          <a:p>
-            <a:r>
-              <a:rPr lang="en-US" dirty="0"/>
-              <a:t>Simulated annealing</a:t>
-            </a:r>
-          </a:p>
-          <a:p>
-            <a:r>
-              <a:rPr lang="en-US" dirty="0"/>
-              <a:t>Differential evolution</a:t>
-            </a:r>
-          </a:p>
-          <a:p>
-            <a:endParaRPr lang="en-US" dirty="0"/>
           </a:p>
         </p:txBody>
       </p:sp>
@@ -9678,7 +13584,7 @@
     </p:spTree>
     <p:extLst>
       <p:ext uri="{BB962C8B-B14F-4D97-AF65-F5344CB8AC3E}">
-        <p14:creationId xmlns:p14="http://schemas.microsoft.com/office/powerpoint/2010/main" val="168185330"/>
+        <p14:creationId xmlns:p14="http://schemas.microsoft.com/office/powerpoint/2010/main" val="2453085303"/>
       </p:ext>
     </p:extLst>
   </p:cSld>
@@ -9707,7 +13613,13 @@
       </p:grpSpPr>
       <p:sp>
         <p:nvSpPr>
-          <p:cNvPr id="2" name="Title 1"/>
+          <p:cNvPr id="2" name="Title 1">
+            <a:extLst>
+              <a:ext uri="{FF2B5EF4-FFF2-40B4-BE49-F238E27FC236}">
+                <a16:creationId xmlns:a16="http://schemas.microsoft.com/office/drawing/2014/main" id="{66EDE726-8A45-8545-B532-1DECE75EDD88}"/>
+              </a:ext>
+            </a:extLst>
+          </p:cNvPr>
           <p:cNvSpPr>
             <a:spLocks noGrp="1"/>
           </p:cNvSpPr>
@@ -9715,483 +13627,146 @@
             <p:ph type="title"/>
           </p:nvPr>
         </p:nvSpPr>
-        <p:spPr>
-          <a:xfrm>
-            <a:off x="-13504" y="444687"/>
-            <a:ext cx="6871504" cy="541048"/>
-          </a:xfrm>
-        </p:spPr>
+        <p:spPr/>
         <p:txBody>
           <a:bodyPr/>
           <a:lstStyle/>
           <a:p>
             <a:r>
               <a:rPr lang="en-US" dirty="0"/>
-              <a:t>Gradient Descent</a:t>
+              <a:t>Optimization Techniques</a:t>
             </a:r>
           </a:p>
         </p:txBody>
       </p:sp>
-      <mc:AlternateContent xmlns:mc="http://schemas.openxmlformats.org/markup-compatibility/2006">
-        <mc:Choice xmlns:a14="http://schemas.microsoft.com/office/drawing/2010/main" Requires="a14">
-          <p:sp>
-            <p:nvSpPr>
-              <p:cNvPr id="4" name="Rectangle 3"/>
-              <p:cNvSpPr/>
-              <p:nvPr/>
-            </p:nvSpPr>
-            <p:spPr>
-              <a:xfrm>
-                <a:off x="4172622" y="5255443"/>
-                <a:ext cx="3652663" cy="869725"/>
-              </a:xfrm>
-              <a:prstGeom prst="rect">
-                <a:avLst/>
-              </a:prstGeom>
-            </p:spPr>
-            <p:txBody>
-              <a:bodyPr wrap="square">
-                <a:spAutoFit/>
-              </a:bodyPr>
-              <a:lstStyle/>
-              <a:p>
-                <a:pPr/>
-                <a14:m>
-                  <m:oMathPara xmlns:m="http://schemas.openxmlformats.org/officeDocument/2006/math">
-                    <m:oMathParaPr>
-                      <m:jc m:val="centerGroup"/>
-                    </m:oMathParaPr>
-                    <m:oMath xmlns:m="http://schemas.openxmlformats.org/officeDocument/2006/math">
-                      <m:sSup>
-                        <m:sSupPr>
-                          <m:ctrlPr>
-                            <a:rPr lang="en-US" b="0" i="1" smtClean="0">
-                              <a:latin typeface="Cambria Math" panose="02040503050406030204" pitchFamily="18" charset="0"/>
-                            </a:rPr>
-                          </m:ctrlPr>
-                        </m:sSupPr>
-                        <m:e>
-                          <m:r>
-                            <a:rPr lang="en-US" b="0" i="1" smtClean="0">
-                              <a:latin typeface="Cambria Math" panose="02040503050406030204" pitchFamily="18" charset="0"/>
-                            </a:rPr>
-                            <m:t>𝜒</m:t>
-                          </m:r>
-                        </m:e>
-                        <m:sup>
-                          <m:r>
-                            <a:rPr lang="en-US" b="0" i="1" smtClean="0">
-                              <a:latin typeface="Cambria Math" panose="02040503050406030204" pitchFamily="18" charset="0"/>
-                            </a:rPr>
-                            <m:t>2</m:t>
-                          </m:r>
-                        </m:sup>
-                      </m:sSup>
-                      <m:r>
-                        <a:rPr lang="en-US" b="0" i="1" smtClean="0">
-                          <a:latin typeface="Cambria Math" panose="02040503050406030204" pitchFamily="18" charset="0"/>
-                        </a:rPr>
-                        <m:t>=</m:t>
-                      </m:r>
-                      <m:nary>
-                        <m:naryPr>
-                          <m:chr m:val="∑"/>
-                          <m:subHide m:val="on"/>
-                          <m:ctrlPr>
-                            <a:rPr lang="en-US" b="0" i="1" smtClean="0">
-                              <a:latin typeface="Cambria Math" panose="02040503050406030204" pitchFamily="18" charset="0"/>
-                            </a:rPr>
-                          </m:ctrlPr>
-                        </m:naryPr>
-                        <m:sub/>
-                        <m:sup>
-                          <m:r>
-                            <a:rPr lang="en-US" b="0" i="1" smtClean="0">
-                              <a:latin typeface="Cambria Math" panose="02040503050406030204" pitchFamily="18" charset="0"/>
-                            </a:rPr>
-                            <m:t>𝑁</m:t>
-                          </m:r>
-                        </m:sup>
-                        <m:e>
-                          <m:r>
-                            <a:rPr lang="en-US" b="0" i="1" smtClean="0">
-                              <a:latin typeface="Cambria Math" panose="02040503050406030204" pitchFamily="18" charset="0"/>
-                            </a:rPr>
-                            <m:t> </m:t>
-                          </m:r>
-                        </m:e>
-                      </m:nary>
-                      <m:sSup>
-                        <m:sSupPr>
-                          <m:ctrlPr>
-                            <a:rPr lang="en-US" b="0" i="1" smtClean="0">
-                              <a:latin typeface="Cambria Math" panose="02040503050406030204" pitchFamily="18" charset="0"/>
-                            </a:rPr>
-                          </m:ctrlPr>
-                        </m:sSupPr>
-                        <m:e>
-                          <m:d>
-                            <m:dPr>
-                              <m:ctrlPr>
-                                <a:rPr lang="en-US" b="0" i="1" smtClean="0">
-                                  <a:latin typeface="Cambria Math" panose="02040503050406030204" pitchFamily="18" charset="0"/>
-                                </a:rPr>
-                              </m:ctrlPr>
-                            </m:dPr>
-                            <m:e>
-                              <m:sSub>
-                                <m:sSubPr>
-                                  <m:ctrlPr>
-                                    <a:rPr lang="en-US" b="0" i="1" smtClean="0">
-                                      <a:latin typeface="Cambria Math" panose="02040503050406030204" pitchFamily="18" charset="0"/>
-                                    </a:rPr>
-                                  </m:ctrlPr>
-                                </m:sSubPr>
-                                <m:e>
-                                  <m:r>
-                                    <a:rPr lang="en-US" b="0" i="1" smtClean="0">
-                                      <a:latin typeface="Cambria Math" panose="02040503050406030204" pitchFamily="18" charset="0"/>
-                                    </a:rPr>
-                                    <m:t>𝑦</m:t>
-                                  </m:r>
-                                </m:e>
-                                <m:sub>
-                                  <m:r>
-                                    <a:rPr lang="en-US" b="0" i="1" smtClean="0">
-                                      <a:latin typeface="Cambria Math" panose="02040503050406030204" pitchFamily="18" charset="0"/>
-                                    </a:rPr>
-                                    <m:t>𝑖</m:t>
-                                  </m:r>
-                                </m:sub>
-                              </m:sSub>
-                              <m:r>
-                                <a:rPr lang="en-US" b="0" i="1" smtClean="0">
-                                  <a:latin typeface="Cambria Math" panose="02040503050406030204" pitchFamily="18" charset="0"/>
-                                </a:rPr>
-                                <m:t>−</m:t>
-                              </m:r>
-                              <m:f>
-                                <m:fPr>
-                                  <m:ctrlPr>
-                                    <a:rPr lang="en-US" b="0" i="1" smtClean="0">
-                                      <a:latin typeface="Cambria Math" panose="02040503050406030204" pitchFamily="18" charset="0"/>
-                                    </a:rPr>
-                                  </m:ctrlPr>
-                                </m:fPr>
-                                <m:num>
-                                  <m:r>
-                                    <a:rPr lang="en-US" b="0" i="1" smtClean="0">
-                                      <a:latin typeface="Cambria Math" panose="02040503050406030204" pitchFamily="18" charset="0"/>
-                                    </a:rPr>
-                                    <m:t>𝑓</m:t>
-                                  </m:r>
-                                  <m:d>
-                                    <m:dPr>
-                                      <m:ctrlPr>
-                                        <a:rPr lang="en-US" b="0" i="1" smtClean="0">
-                                          <a:latin typeface="Cambria Math" panose="02040503050406030204" pitchFamily="18" charset="0"/>
-                                        </a:rPr>
-                                      </m:ctrlPr>
-                                    </m:dPr>
-                                    <m:e>
-                                      <m:sSub>
-                                        <m:sSubPr>
-                                          <m:ctrlPr>
-                                            <a:rPr lang="en-US" b="0" i="1" smtClean="0">
-                                              <a:latin typeface="Cambria Math" panose="02040503050406030204" pitchFamily="18" charset="0"/>
-                                            </a:rPr>
-                                          </m:ctrlPr>
-                                        </m:sSubPr>
-                                        <m:e>
-                                          <m:r>
-                                            <a:rPr lang="en-US" b="0" i="1" smtClean="0">
-                                              <a:latin typeface="Cambria Math" panose="02040503050406030204" pitchFamily="18" charset="0"/>
-                                            </a:rPr>
-                                            <m:t>𝑥</m:t>
-                                          </m:r>
-                                        </m:e>
-                                        <m:sub>
-                                          <m:r>
-                                            <a:rPr lang="en-US" b="0" i="1" smtClean="0">
-                                              <a:latin typeface="Cambria Math" panose="02040503050406030204" pitchFamily="18" charset="0"/>
-                                            </a:rPr>
-                                            <m:t>𝑖</m:t>
-                                          </m:r>
-                                        </m:sub>
-                                      </m:sSub>
-                                      <m:r>
-                                        <a:rPr lang="en-US" b="0" i="1" smtClean="0">
-                                          <a:latin typeface="Cambria Math" panose="02040503050406030204" pitchFamily="18" charset="0"/>
-                                        </a:rPr>
-                                        <m:t>;</m:t>
-                                      </m:r>
-                                      <m:sSub>
-                                        <m:sSubPr>
-                                          <m:ctrlPr>
-                                            <a:rPr lang="en-US" b="0" i="1" smtClean="0">
-                                              <a:latin typeface="Cambria Math" panose="02040503050406030204" pitchFamily="18" charset="0"/>
-                                            </a:rPr>
-                                          </m:ctrlPr>
-                                        </m:sSubPr>
-                                        <m:e>
-                                          <m:r>
-                                            <a:rPr lang="en-US" b="0" i="1" smtClean="0">
-                                              <a:latin typeface="Cambria Math" panose="02040503050406030204" pitchFamily="18" charset="0"/>
-                                            </a:rPr>
-                                            <m:t>𝑝</m:t>
-                                          </m:r>
-                                        </m:e>
-                                        <m:sub>
-                                          <m:r>
-                                            <a:rPr lang="en-US" b="0" i="1" smtClean="0">
-                                              <a:latin typeface="Cambria Math" panose="02040503050406030204" pitchFamily="18" charset="0"/>
-                                            </a:rPr>
-                                            <m:t>1</m:t>
-                                          </m:r>
-                                        </m:sub>
-                                      </m:sSub>
-                                      <m:r>
-                                        <a:rPr lang="en-US" b="0" i="1" smtClean="0">
-                                          <a:latin typeface="Cambria Math" panose="02040503050406030204" pitchFamily="18" charset="0"/>
-                                        </a:rPr>
-                                        <m:t>…</m:t>
-                                      </m:r>
-                                      <m:sSub>
-                                        <m:sSubPr>
-                                          <m:ctrlPr>
-                                            <a:rPr lang="en-US" b="0" i="1" smtClean="0">
-                                              <a:latin typeface="Cambria Math" panose="02040503050406030204" pitchFamily="18" charset="0"/>
-                                            </a:rPr>
-                                          </m:ctrlPr>
-                                        </m:sSubPr>
-                                        <m:e>
-                                          <m:r>
-                                            <a:rPr lang="en-US" b="0" i="1" smtClean="0">
-                                              <a:latin typeface="Cambria Math" panose="02040503050406030204" pitchFamily="18" charset="0"/>
-                                            </a:rPr>
-                                            <m:t>𝑝</m:t>
-                                          </m:r>
-                                        </m:e>
-                                        <m:sub>
-                                          <m:r>
-                                            <a:rPr lang="en-US" b="0" i="1" smtClean="0">
-                                              <a:latin typeface="Cambria Math" panose="02040503050406030204" pitchFamily="18" charset="0"/>
-                                            </a:rPr>
-                                            <m:t>𝑚</m:t>
-                                          </m:r>
-                                        </m:sub>
-                                      </m:sSub>
-                                    </m:e>
-                                  </m:d>
-                                </m:num>
-                                <m:den>
-                                  <m:sSub>
-                                    <m:sSubPr>
-                                      <m:ctrlPr>
-                                        <a:rPr lang="en-US" b="0" i="1" smtClean="0">
-                                          <a:latin typeface="Cambria Math" panose="02040503050406030204" pitchFamily="18" charset="0"/>
-                                        </a:rPr>
-                                      </m:ctrlPr>
-                                    </m:sSubPr>
-                                    <m:e>
-                                      <m:r>
-                                        <a:rPr lang="en-US" b="0" i="1" smtClean="0">
-                                          <a:latin typeface="Cambria Math" panose="02040503050406030204" pitchFamily="18" charset="0"/>
-                                        </a:rPr>
-                                        <m:t>𝜎</m:t>
-                                      </m:r>
-                                    </m:e>
-                                    <m:sub>
-                                      <m:r>
-                                        <a:rPr lang="en-US" b="0" i="1" smtClean="0">
-                                          <a:latin typeface="Cambria Math" panose="02040503050406030204" pitchFamily="18" charset="0"/>
-                                        </a:rPr>
-                                        <m:t>𝑖</m:t>
-                                      </m:r>
-                                    </m:sub>
-                                  </m:sSub>
-                                </m:den>
-                              </m:f>
-                            </m:e>
-                          </m:d>
-                        </m:e>
-                        <m:sup>
-                          <m:r>
-                            <a:rPr lang="en-US" b="0" i="1" smtClean="0">
-                              <a:latin typeface="Cambria Math" panose="02040503050406030204" pitchFamily="18" charset="0"/>
-                            </a:rPr>
-                            <m:t>2</m:t>
-                          </m:r>
-                        </m:sup>
-                      </m:sSup>
-                    </m:oMath>
-                  </m:oMathPara>
-                </a14:m>
-                <a:endParaRPr lang="en-US" b="0" dirty="0"/>
-              </a:p>
-            </p:txBody>
-          </p:sp>
-        </mc:Choice>
-        <mc:Fallback>
-          <p:sp>
-            <p:nvSpPr>
-              <p:cNvPr id="4" name="Rectangle 3"/>
-              <p:cNvSpPr>
-                <a:spLocks noRot="1" noChangeAspect="1" noMove="1" noResize="1" noEditPoints="1" noAdjustHandles="1" noChangeArrowheads="1" noChangeShapeType="1" noTextEdit="1"/>
-              </p:cNvSpPr>
-              <p:nvPr/>
-            </p:nvSpPr>
-            <p:spPr>
-              <a:xfrm>
-                <a:off x="4172622" y="5255443"/>
-                <a:ext cx="3652663" cy="869725"/>
-              </a:xfrm>
-              <a:prstGeom prst="rect">
-                <a:avLst/>
-              </a:prstGeom>
-              <a:blipFill>
-                <a:blip r:embed="rId2"/>
-                <a:stretch>
-                  <a:fillRect l="-2083" t="-94203" b="-150725"/>
-                </a:stretch>
-              </a:blipFill>
-            </p:spPr>
-            <p:txBody>
-              <a:bodyPr/>
-              <a:lstStyle/>
-              <a:p>
-                <a:r>
-                  <a:rPr lang="en-US">
-                    <a:noFill/>
-                  </a:rPr>
-                  <a:t> </a:t>
-                </a:r>
-              </a:p>
-            </p:txBody>
-          </p:sp>
-        </mc:Fallback>
-      </mc:AlternateContent>
+      <p:sp>
+        <p:nvSpPr>
+          <p:cNvPr id="3" name="Content Placeholder 2">
+            <a:extLst>
+              <a:ext uri="{FF2B5EF4-FFF2-40B4-BE49-F238E27FC236}">
+                <a16:creationId xmlns:a16="http://schemas.microsoft.com/office/drawing/2014/main" id="{BF7C375B-B6B2-E942-AAAA-20482B5AF468}"/>
+              </a:ext>
+            </a:extLst>
+          </p:cNvPr>
+          <p:cNvSpPr>
+            <a:spLocks noGrp="1"/>
+          </p:cNvSpPr>
+          <p:nvPr>
+            <p:ph idx="1"/>
+          </p:nvPr>
+        </p:nvSpPr>
+        <p:spPr/>
+        <p:txBody>
+          <a:bodyPr/>
+          <a:lstStyle/>
+          <a:p>
+            <a:r>
+              <a:rPr lang="en-US" dirty="0"/>
+              <a:t>Gradient decent</a:t>
+            </a:r>
+          </a:p>
+          <a:p>
+            <a:r>
+              <a:rPr lang="en-US" dirty="0"/>
+              <a:t>Gauss-Newton</a:t>
+            </a:r>
+          </a:p>
+          <a:p>
+            <a:r>
+              <a:rPr lang="en-US" dirty="0" err="1"/>
+              <a:t>Lavenberg</a:t>
+            </a:r>
+            <a:r>
+              <a:rPr lang="en-US" dirty="0"/>
+              <a:t>-Marquardt</a:t>
+            </a:r>
+          </a:p>
+          <a:p>
+            <a:r>
+              <a:rPr lang="en-US" dirty="0"/>
+              <a:t>Simulated annealing</a:t>
+            </a:r>
+          </a:p>
+          <a:p>
+            <a:r>
+              <a:rPr lang="en-US" dirty="0"/>
+              <a:t>Differential evolution</a:t>
+            </a:r>
+          </a:p>
+          <a:p>
+            <a:endParaRPr lang="en-US" dirty="0"/>
+          </a:p>
+        </p:txBody>
+      </p:sp>
+      <p:sp>
+        <p:nvSpPr>
+          <p:cNvPr id="4" name="Slide Number Placeholder 3">
+            <a:extLst>
+              <a:ext uri="{FF2B5EF4-FFF2-40B4-BE49-F238E27FC236}">
+                <a16:creationId xmlns:a16="http://schemas.microsoft.com/office/drawing/2014/main" id="{2DCCEC55-4F5B-864B-AAB2-8D6766BCEC48}"/>
+              </a:ext>
+            </a:extLst>
+          </p:cNvPr>
+          <p:cNvSpPr>
+            <a:spLocks noGrp="1"/>
+          </p:cNvSpPr>
+          <p:nvPr>
+            <p:ph type="sldNum" sz="quarter" idx="11"/>
+          </p:nvPr>
+        </p:nvSpPr>
+        <p:spPr/>
+        <p:txBody>
+          <a:bodyPr/>
+          <a:lstStyle/>
+          <a:p>
+            <a:pPr>
+              <a:defRPr/>
+            </a:pPr>
+            <a:fld id="{3EF4E9CC-9D91-476E-91FD-5BEEC1642931}" type="slidenum">
+              <a:rPr lang="en-US" altLang="x-none" smtClean="0"/>
+              <a:pPr>
+                <a:defRPr/>
+              </a:pPr>
+              <a:t>9</a:t>
+            </a:fld>
+            <a:endParaRPr lang="en-US" altLang="x-none"/>
+          </a:p>
+        </p:txBody>
+      </p:sp>
       <p:pic>
         <p:nvPicPr>
-          <p:cNvPr id="4100" name="Picture 4" descr="Gradient descent picture"/>
+          <p:cNvPr id="5" name="Picture 4">
+            <a:extLst>
+              <a:ext uri="{FF2B5EF4-FFF2-40B4-BE49-F238E27FC236}">
+                <a16:creationId xmlns:a16="http://schemas.microsoft.com/office/drawing/2014/main" id="{7116BFAC-9729-A847-ABBC-EA5B52741699}"/>
+              </a:ext>
+            </a:extLst>
+          </p:cNvPr>
           <p:cNvPicPr>
-            <a:picLocks noChangeAspect="1" noChangeArrowheads="1"/>
+            <a:picLocks noChangeAspect="1"/>
           </p:cNvPicPr>
           <p:nvPr/>
         </p:nvPicPr>
         <p:blipFill>
-          <a:blip r:embed="rId3">
-            <a:extLst>
-              <a:ext uri="{28A0092B-C50C-407E-A947-70E740481C1C}">
-                <a14:useLocalDpi xmlns:a14="http://schemas.microsoft.com/office/drawing/2010/main" val="0"/>
-              </a:ext>
-            </a:extLst>
-          </a:blip>
-          <a:srcRect/>
+          <a:blip r:embed="rId2"/>
           <a:stretch>
             <a:fillRect/>
           </a:stretch>
         </p:blipFill>
-        <p:spPr bwMode="auto">
+        <p:spPr>
           <a:xfrm>
-            <a:off x="990600" y="2639916"/>
-            <a:ext cx="4286250" cy="2035970"/>
+            <a:off x="7772400" y="381000"/>
+            <a:ext cx="1074953" cy="914401"/>
           </a:xfrm>
           <a:prstGeom prst="rect">
             <a:avLst/>
           </a:prstGeom>
-          <a:noFill/>
-          <a:extLst>
-            <a:ext uri="{909E8E84-426E-40DD-AFC4-6F175D3DCCD1}">
-              <a14:hiddenFill xmlns:a14="http://schemas.microsoft.com/office/drawing/2010/main">
-                <a:solidFill>
-                  <a:srgbClr val="FFFFFF"/>
-                </a:solidFill>
-              </a14:hiddenFill>
-            </a:ext>
-          </a:extLst>
-        </p:spPr>
-      </p:pic>
-      <p:sp>
-        <p:nvSpPr>
-          <p:cNvPr id="3" name="TextBox 2"/>
-          <p:cNvSpPr txBox="1"/>
-          <p:nvPr/>
-        </p:nvSpPr>
-        <p:spPr>
-          <a:xfrm>
-            <a:off x="797626" y="1348703"/>
-            <a:ext cx="4083105" cy="738664"/>
-          </a:xfrm>
-          <a:prstGeom prst="rect">
-            <a:avLst/>
-          </a:prstGeom>
-          <a:noFill/>
-        </p:spPr>
-        <p:txBody>
-          <a:bodyPr wrap="none" rtlCol="0">
-            <a:spAutoFit/>
-          </a:bodyPr>
-          <a:lstStyle/>
-          <a:p>
-            <a:r>
-              <a:rPr lang="en-US" sz="2100" dirty="0"/>
-              <a:t>It’s the algorithm, that rivers and </a:t>
-            </a:r>
-          </a:p>
-          <a:p>
-            <a:r>
-              <a:rPr lang="en-US" sz="2100" dirty="0"/>
-              <a:t>streams use to get to the sea.</a:t>
-            </a:r>
-          </a:p>
-        </p:txBody>
-      </p:sp>
-      <p:pic>
-        <p:nvPicPr>
-          <p:cNvPr id="4102" name="Picture 6" descr="_images/gradient_descent.png"/>
-          <p:cNvPicPr>
-            <a:picLocks noChangeAspect="1" noChangeArrowheads="1"/>
-          </p:cNvPicPr>
-          <p:nvPr/>
-        </p:nvPicPr>
-        <p:blipFill>
-          <a:blip r:embed="rId4">
-            <a:extLst>
-              <a:ext uri="{28A0092B-C50C-407E-A947-70E740481C1C}">
-                <a14:useLocalDpi xmlns:a14="http://schemas.microsoft.com/office/drawing/2010/main" val="0"/>
-              </a:ext>
-            </a:extLst>
-          </a:blip>
-          <a:srcRect/>
-          <a:stretch>
-            <a:fillRect/>
-          </a:stretch>
-        </p:blipFill>
-        <p:spPr bwMode="auto">
-          <a:xfrm>
-            <a:off x="5888327" y="763704"/>
-            <a:ext cx="2500313" cy="1714501"/>
-          </a:xfrm>
-          <a:prstGeom prst="rect">
-            <a:avLst/>
-          </a:prstGeom>
-          <a:noFill/>
-          <a:extLst>
-            <a:ext uri="{909E8E84-426E-40DD-AFC4-6F175D3DCCD1}">
-              <a14:hiddenFill xmlns:a14="http://schemas.microsoft.com/office/drawing/2010/main">
-                <a:solidFill>
-                  <a:srgbClr val="FFFFFF"/>
-                </a:solidFill>
-              </a14:hiddenFill>
-            </a:ext>
-          </a:extLst>
         </p:spPr>
       </p:pic>
     </p:spTree>
     <p:extLst>
       <p:ext uri="{BB962C8B-B14F-4D97-AF65-F5344CB8AC3E}">
-        <p14:creationId xmlns:p14="http://schemas.microsoft.com/office/powerpoint/2010/main" val="289003601"/>
+        <p14:creationId xmlns:p14="http://schemas.microsoft.com/office/powerpoint/2010/main" val="168185330"/>
       </p:ext>
     </p:extLst>
   </p:cSld>

--- a/Lectures/Lecture_8_Model_Fitting_Optimization_Techniques.pptx
+++ b/Lectures/Lecture_8_Model_Fitting_Optimization_Techniques.pptx
@@ -5,26 +5,27 @@
     <p:sldMasterId id="2147483648" r:id="rId1"/>
   </p:sldMasterIdLst>
   <p:notesMasterIdLst>
-    <p:notesMasterId r:id="rId16"/>
+    <p:notesMasterId r:id="rId17"/>
   </p:notesMasterIdLst>
   <p:handoutMasterIdLst>
-    <p:handoutMasterId r:id="rId17"/>
+    <p:handoutMasterId r:id="rId18"/>
   </p:handoutMasterIdLst>
   <p:sldIdLst>
     <p:sldId id="347" r:id="rId2"/>
-    <p:sldId id="349" r:id="rId3"/>
-    <p:sldId id="265" r:id="rId4"/>
-    <p:sldId id="258" r:id="rId5"/>
-    <p:sldId id="275" r:id="rId6"/>
-    <p:sldId id="353" r:id="rId7"/>
-    <p:sldId id="350" r:id="rId8"/>
-    <p:sldId id="354" r:id="rId9"/>
-    <p:sldId id="351" r:id="rId10"/>
-    <p:sldId id="277" r:id="rId11"/>
-    <p:sldId id="355" r:id="rId12"/>
-    <p:sldId id="356" r:id="rId13"/>
-    <p:sldId id="357" r:id="rId14"/>
-    <p:sldId id="352" r:id="rId15"/>
+    <p:sldId id="358" r:id="rId3"/>
+    <p:sldId id="353" r:id="rId4"/>
+    <p:sldId id="350" r:id="rId5"/>
+    <p:sldId id="349" r:id="rId6"/>
+    <p:sldId id="265" r:id="rId7"/>
+    <p:sldId id="258" r:id="rId8"/>
+    <p:sldId id="275" r:id="rId9"/>
+    <p:sldId id="354" r:id="rId10"/>
+    <p:sldId id="351" r:id="rId11"/>
+    <p:sldId id="277" r:id="rId12"/>
+    <p:sldId id="355" r:id="rId13"/>
+    <p:sldId id="356" r:id="rId14"/>
+    <p:sldId id="357" r:id="rId15"/>
+    <p:sldId id="352" r:id="rId16"/>
   </p:sldIdLst>
   <p:sldSz cx="9144000" cy="6858000" type="screen4x3"/>
   <p:notesSz cx="6858000" cy="9144000"/>
@@ -896,6 +897,99 @@
     <p:extLst>
       <p:ext uri="{BB962C8B-B14F-4D97-AF65-F5344CB8AC3E}">
         <p14:creationId xmlns:p14="http://schemas.microsoft.com/office/powerpoint/2010/main" val="256389567"/>
+      </p:ext>
+    </p:extLst>
+  </p:cSld>
+  <p:clrMapOvr>
+    <a:masterClrMapping/>
+  </p:clrMapOvr>
+</p:notes>
+</file>
+
+<file path=ppt/notesSlides/notesSlide2.xml><?xml version="1.0" encoding="utf-8"?>
+<p:notes xmlns:a="http://schemas.openxmlformats.org/drawingml/2006/main" xmlns:r="http://schemas.openxmlformats.org/officeDocument/2006/relationships" xmlns:p="http://schemas.openxmlformats.org/presentationml/2006/main">
+  <p:cSld>
+    <p:spTree>
+      <p:nvGrpSpPr>
+        <p:cNvPr id="1" name=""/>
+        <p:cNvGrpSpPr/>
+        <p:nvPr/>
+      </p:nvGrpSpPr>
+      <p:grpSpPr>
+        <a:xfrm>
+          <a:off x="0" y="0"/>
+          <a:ext cx="0" cy="0"/>
+          <a:chOff x="0" y="0"/>
+          <a:chExt cx="0" cy="0"/>
+        </a:xfrm>
+      </p:grpSpPr>
+      <p:sp>
+        <p:nvSpPr>
+          <p:cNvPr id="2" name="Slide Image Placeholder 1"/>
+          <p:cNvSpPr>
+            <a:spLocks noGrp="1" noRot="1" noChangeAspect="1"/>
+          </p:cNvSpPr>
+          <p:nvPr>
+            <p:ph type="sldImg"/>
+          </p:nvPr>
+        </p:nvSpPr>
+        <p:spPr/>
+      </p:sp>
+      <p:sp>
+        <p:nvSpPr>
+          <p:cNvPr id="3" name="Notes Placeholder 2"/>
+          <p:cNvSpPr>
+            <a:spLocks noGrp="1"/>
+          </p:cNvSpPr>
+          <p:nvPr>
+            <p:ph type="body" idx="1"/>
+          </p:nvPr>
+        </p:nvSpPr>
+        <p:spPr/>
+        <p:txBody>
+          <a:bodyPr/>
+          <a:lstStyle/>
+          <a:p>
+            <a:r>
+              <a:rPr lang="en-US" dirty="0"/>
+              <a:t>Times in video: 0, 1:50, 2:20</a:t>
+            </a:r>
+          </a:p>
+        </p:txBody>
+      </p:sp>
+      <p:sp>
+        <p:nvSpPr>
+          <p:cNvPr id="4" name="Slide Number Placeholder 3"/>
+          <p:cNvSpPr>
+            <a:spLocks noGrp="1"/>
+          </p:cNvSpPr>
+          <p:nvPr>
+            <p:ph type="sldNum" sz="quarter" idx="5"/>
+          </p:nvPr>
+        </p:nvSpPr>
+        <p:spPr/>
+        <p:txBody>
+          <a:bodyPr/>
+          <a:lstStyle/>
+          <a:p>
+            <a:pPr>
+              <a:defRPr/>
+            </a:pPr>
+            <a:fld id="{1E3608CA-DBCA-4E8F-8DAB-6E1AFAF19782}" type="slidenum">
+              <a:rPr lang="en-US" altLang="x-none" smtClean="0"/>
+              <a:pPr>
+                <a:defRPr/>
+              </a:pPr>
+              <a:t>8</a:t>
+            </a:fld>
+            <a:endParaRPr lang="en-US" altLang="x-none"/>
+          </a:p>
+        </p:txBody>
+      </p:sp>
+    </p:spTree>
+    <p:extLst>
+      <p:ext uri="{BB962C8B-B14F-4D97-AF65-F5344CB8AC3E}">
+        <p14:creationId xmlns:p14="http://schemas.microsoft.com/office/powerpoint/2010/main" val="2454479706"/>
       </p:ext>
     </p:extLst>
   </p:cSld>
@@ -5068,7 +5162,7 @@
               <a:rPr lang="en-US" altLang="en-US" sz="4000" b="1" u="sng" dirty="0">
                 <a:ea typeface="ＭＳ Ｐゴシック" panose="020B0600070205080204" pitchFamily="34" charset="-128"/>
               </a:rPr>
-              <a:t>Optimization Techniques</a:t>
+              <a:t>Parameter Optimization Techniques</a:t>
             </a:r>
             <a:br>
               <a:rPr lang="en-US" altLang="en-US" b="1" dirty="0">
@@ -5183,6 +5277,188 @@
 </file>
 
 <file path=ppt/slides/slide10.xml><?xml version="1.0" encoding="utf-8"?>
+<p:sld xmlns:a="http://schemas.openxmlformats.org/drawingml/2006/main" xmlns:r="http://schemas.openxmlformats.org/officeDocument/2006/relationships" xmlns:p="http://schemas.openxmlformats.org/presentationml/2006/main">
+  <p:cSld>
+    <p:spTree>
+      <p:nvGrpSpPr>
+        <p:cNvPr id="1" name=""/>
+        <p:cNvGrpSpPr/>
+        <p:nvPr/>
+      </p:nvGrpSpPr>
+      <p:grpSpPr>
+        <a:xfrm>
+          <a:off x="0" y="0"/>
+          <a:ext cx="0" cy="0"/>
+          <a:chOff x="0" y="0"/>
+          <a:chExt cx="0" cy="0"/>
+        </a:xfrm>
+      </p:grpSpPr>
+      <p:sp>
+        <p:nvSpPr>
+          <p:cNvPr id="2" name="Title 1">
+            <a:extLst>
+              <a:ext uri="{FF2B5EF4-FFF2-40B4-BE49-F238E27FC236}">
+                <a16:creationId xmlns:a16="http://schemas.microsoft.com/office/drawing/2014/main" id="{66EDE726-8A45-8545-B532-1DECE75EDD88}"/>
+              </a:ext>
+            </a:extLst>
+          </p:cNvPr>
+          <p:cNvSpPr>
+            <a:spLocks noGrp="1"/>
+          </p:cNvSpPr>
+          <p:nvPr>
+            <p:ph type="title"/>
+          </p:nvPr>
+        </p:nvSpPr>
+        <p:spPr/>
+        <p:txBody>
+          <a:bodyPr/>
+          <a:lstStyle/>
+          <a:p>
+            <a:r>
+              <a:rPr lang="en-US" dirty="0"/>
+              <a:t>Optimization Techniques</a:t>
+            </a:r>
+          </a:p>
+        </p:txBody>
+      </p:sp>
+      <p:sp>
+        <p:nvSpPr>
+          <p:cNvPr id="3" name="Content Placeholder 2">
+            <a:extLst>
+              <a:ext uri="{FF2B5EF4-FFF2-40B4-BE49-F238E27FC236}">
+                <a16:creationId xmlns:a16="http://schemas.microsoft.com/office/drawing/2014/main" id="{BF7C375B-B6B2-E942-AAAA-20482B5AF468}"/>
+              </a:ext>
+            </a:extLst>
+          </p:cNvPr>
+          <p:cNvSpPr>
+            <a:spLocks noGrp="1"/>
+          </p:cNvSpPr>
+          <p:nvPr>
+            <p:ph idx="1"/>
+          </p:nvPr>
+        </p:nvSpPr>
+        <p:spPr/>
+        <p:txBody>
+          <a:bodyPr/>
+          <a:lstStyle/>
+          <a:p>
+            <a:r>
+              <a:rPr lang="en-US" dirty="0"/>
+              <a:t>Gradient decent</a:t>
+            </a:r>
+          </a:p>
+          <a:p>
+            <a:r>
+              <a:rPr lang="en-US" dirty="0"/>
+              <a:t>Gauss-Newton</a:t>
+            </a:r>
+          </a:p>
+          <a:p>
+            <a:r>
+              <a:rPr lang="en-US" dirty="0" err="1"/>
+              <a:t>Lavenberg</a:t>
+            </a:r>
+            <a:r>
+              <a:rPr lang="en-US" dirty="0"/>
+              <a:t>-Marquardt</a:t>
+            </a:r>
+          </a:p>
+          <a:p>
+            <a:r>
+              <a:rPr lang="en-US" dirty="0"/>
+              <a:t>Simulated annealing</a:t>
+            </a:r>
+          </a:p>
+          <a:p>
+            <a:r>
+              <a:rPr lang="en-US" dirty="0"/>
+              <a:t>Differential evolution</a:t>
+            </a:r>
+          </a:p>
+          <a:p>
+            <a:endParaRPr lang="en-US" dirty="0"/>
+          </a:p>
+        </p:txBody>
+      </p:sp>
+      <p:sp>
+        <p:nvSpPr>
+          <p:cNvPr id="4" name="Slide Number Placeholder 3">
+            <a:extLst>
+              <a:ext uri="{FF2B5EF4-FFF2-40B4-BE49-F238E27FC236}">
+                <a16:creationId xmlns:a16="http://schemas.microsoft.com/office/drawing/2014/main" id="{2DCCEC55-4F5B-864B-AAB2-8D6766BCEC48}"/>
+              </a:ext>
+            </a:extLst>
+          </p:cNvPr>
+          <p:cNvSpPr>
+            <a:spLocks noGrp="1"/>
+          </p:cNvSpPr>
+          <p:nvPr>
+            <p:ph type="sldNum" sz="quarter" idx="11"/>
+          </p:nvPr>
+        </p:nvSpPr>
+        <p:spPr/>
+        <p:txBody>
+          <a:bodyPr/>
+          <a:lstStyle/>
+          <a:p>
+            <a:pPr>
+              <a:defRPr/>
+            </a:pPr>
+            <a:fld id="{3EF4E9CC-9D91-476E-91FD-5BEEC1642931}" type="slidenum">
+              <a:rPr lang="en-US" altLang="x-none" smtClean="0"/>
+              <a:pPr>
+                <a:defRPr/>
+              </a:pPr>
+              <a:t>10</a:t>
+            </a:fld>
+            <a:endParaRPr lang="en-US" altLang="x-none"/>
+          </a:p>
+        </p:txBody>
+      </p:sp>
+      <p:pic>
+        <p:nvPicPr>
+          <p:cNvPr id="5" name="Picture 4">
+            <a:extLst>
+              <a:ext uri="{FF2B5EF4-FFF2-40B4-BE49-F238E27FC236}">
+                <a16:creationId xmlns:a16="http://schemas.microsoft.com/office/drawing/2014/main" id="{7116BFAC-9729-A847-ABBC-EA5B52741699}"/>
+              </a:ext>
+            </a:extLst>
+          </p:cNvPr>
+          <p:cNvPicPr>
+            <a:picLocks noChangeAspect="1"/>
+          </p:cNvPicPr>
+          <p:nvPr/>
+        </p:nvPicPr>
+        <p:blipFill>
+          <a:blip r:embed="rId2"/>
+          <a:stretch>
+            <a:fillRect/>
+          </a:stretch>
+        </p:blipFill>
+        <p:spPr>
+          <a:xfrm>
+            <a:off x="7772400" y="381000"/>
+            <a:ext cx="1074953" cy="914401"/>
+          </a:xfrm>
+          <a:prstGeom prst="rect">
+            <a:avLst/>
+          </a:prstGeom>
+        </p:spPr>
+      </p:pic>
+    </p:spTree>
+    <p:extLst>
+      <p:ext uri="{BB962C8B-B14F-4D97-AF65-F5344CB8AC3E}">
+        <p14:creationId xmlns:p14="http://schemas.microsoft.com/office/powerpoint/2010/main" val="168185330"/>
+      </p:ext>
+    </p:extLst>
+  </p:cSld>
+  <p:clrMapOvr>
+    <a:masterClrMapping/>
+  </p:clrMapOvr>
+</p:sld>
+</file>
+
+<file path=ppt/slides/slide11.xml><?xml version="1.0" encoding="utf-8"?>
 <p:sld xmlns:a="http://schemas.openxmlformats.org/drawingml/2006/main" xmlns:r="http://schemas.openxmlformats.org/officeDocument/2006/relationships" xmlns:p="http://schemas.openxmlformats.org/presentationml/2006/main">
   <p:cSld>
     <p:spTree>
@@ -5722,7 +5998,7 @@
 </p:sld>
 </file>
 
-<file path=ppt/slides/slide11.xml><?xml version="1.0" encoding="utf-8"?>
+<file path=ppt/slides/slide12.xml><?xml version="1.0" encoding="utf-8"?>
 <p:sld xmlns:a="http://schemas.openxmlformats.org/drawingml/2006/main" xmlns:r="http://schemas.openxmlformats.org/officeDocument/2006/relationships" xmlns:p="http://schemas.openxmlformats.org/presentationml/2006/main">
   <p:cSld>
     <p:spTree>
@@ -5796,7 +6072,7 @@
               <a:pPr>
                 <a:defRPr/>
               </a:pPr>
-              <a:t>11</a:t>
+              <a:t>12</a:t>
             </a:fld>
             <a:endParaRPr lang="en-US" altLang="x-none"/>
           </a:p>
@@ -6224,7 +6500,7 @@
 </p:sld>
 </file>
 
-<file path=ppt/slides/slide12.xml><?xml version="1.0" encoding="utf-8"?>
+<file path=ppt/slides/slide13.xml><?xml version="1.0" encoding="utf-8"?>
 <p:sld xmlns:a="http://schemas.openxmlformats.org/drawingml/2006/main" xmlns:r="http://schemas.openxmlformats.org/officeDocument/2006/relationships" xmlns:p="http://schemas.openxmlformats.org/presentationml/2006/main">
   <p:cSld>
     <p:spTree>
@@ -6298,42 +6574,12 @@
               <a:pPr>
                 <a:defRPr/>
               </a:pPr>
-              <a:t>12</a:t>
+              <a:t>13</a:t>
             </a:fld>
             <a:endParaRPr lang="en-US" altLang="x-none"/>
           </a:p>
         </p:txBody>
       </p:sp>
-      <p:pic>
-        <p:nvPicPr>
-          <p:cNvPr id="6" name="Picture 5">
-            <a:extLst>
-              <a:ext uri="{FF2B5EF4-FFF2-40B4-BE49-F238E27FC236}">
-                <a16:creationId xmlns:a16="http://schemas.microsoft.com/office/drawing/2014/main" id="{7D91EE08-F1EF-9B4A-9859-6E124B62A1A7}"/>
-              </a:ext>
-            </a:extLst>
-          </p:cNvPr>
-          <p:cNvPicPr>
-            <a:picLocks noChangeAspect="1"/>
-          </p:cNvPicPr>
-          <p:nvPr/>
-        </p:nvPicPr>
-        <p:blipFill>
-          <a:blip r:embed="rId2"/>
-          <a:stretch>
-            <a:fillRect/>
-          </a:stretch>
-        </p:blipFill>
-        <p:spPr>
-          <a:xfrm>
-            <a:off x="1981200" y="1828800"/>
-            <a:ext cx="5537200" cy="2984500"/>
-          </a:xfrm>
-          <a:prstGeom prst="rect">
-            <a:avLst/>
-          </a:prstGeom>
-        </p:spPr>
-      </p:pic>
       <mc:AlternateContent xmlns:mc="http://schemas.openxmlformats.org/markup-compatibility/2006">
         <mc:Choice xmlns:a14="http://schemas.microsoft.com/office/drawing/2010/main" Requires="a14">
           <p:sp>
@@ -6350,8 +6596,8 @@
             </p:nvSpPr>
             <p:spPr>
               <a:xfrm>
-                <a:off x="1524000" y="4971010"/>
-                <a:ext cx="6391686" cy="1996316"/>
+                <a:off x="1219200" y="4780626"/>
+                <a:ext cx="7425366" cy="1467774"/>
               </a:xfrm>
               <a:prstGeom prst="rect">
                 <a:avLst/>
@@ -6366,32 +6612,18 @@
               <a:p>
                 <a:r>
                   <a:rPr lang="en-US" sz="2000" dirty="0"/>
-                  <a:t>Newton’s method for finding roots, that is where </a:t>
-                </a:r>
-                <a:r>
-                  <a:rPr lang="en-US" sz="2000" i="1" dirty="0"/>
-                  <a:t>f(x)=0.</a:t>
-                </a:r>
-              </a:p>
-              <a:p>
-                <a:pPr marL="342900" indent="-342900">
-                  <a:buFont typeface="+mj-lt"/>
-                  <a:buAutoNum type="arabicPeriod"/>
-                </a:pPr>
-                <a:r>
-                  <a:rPr lang="en-US" sz="2000" dirty="0"/>
                   <a:t>Approximation : </a:t>
                 </a:r>
                 <a14:m>
                   <m:oMath xmlns:m="http://schemas.openxmlformats.org/officeDocument/2006/math">
                     <m:r>
-                      <a:rPr lang="en-US" sz="2000" b="0" i="0" smtClean="0">
+                      <a:rPr lang="en-US" sz="2400" b="0" i="0" smtClean="0">
                         <a:latin typeface="Cambria Math" panose="02040503050406030204" pitchFamily="18" charset="0"/>
                       </a:rPr>
                       <m:t>0=</m:t>
                     </m:r>
                     <m:r>
-                      <a:rPr lang="en-US" sz="2000" b="0" i="1" smtClean="0">
+                      <a:rPr lang="en-US" sz="2400" b="0" i="1" smtClean="0">
                         <a:latin typeface="Cambria Math" panose="02040503050406030204" pitchFamily="18" charset="0"/>
                       </a:rPr>
                       <m:t>𝑓</m:t>
@@ -6399,53 +6631,72 @@
                     <m:d>
                       <m:dPr>
                         <m:ctrlPr>
-                          <a:rPr lang="en-US" sz="2000" b="0" i="1" smtClean="0">
+                          <a:rPr lang="en-US" sz="2400" b="0" i="1" smtClean="0">
                             <a:latin typeface="Cambria Math" panose="02040503050406030204" pitchFamily="18" charset="0"/>
                           </a:rPr>
                         </m:ctrlPr>
                       </m:dPr>
                       <m:e>
+                        <m:sSup>
+                          <m:sSupPr>
+                            <m:ctrlPr>
+                              <a:rPr lang="en-US" sz="2400" b="0" i="1" smtClean="0">
+                                <a:latin typeface="Cambria Math" panose="02040503050406030204" pitchFamily="18" charset="0"/>
+                              </a:rPr>
+                            </m:ctrlPr>
+                          </m:sSupPr>
+                          <m:e>
+                            <m:r>
+                              <a:rPr lang="en-US" sz="2400" b="0" i="1" smtClean="0">
+                                <a:latin typeface="Cambria Math" panose="02040503050406030204" pitchFamily="18" charset="0"/>
+                              </a:rPr>
+                              <m:t>𝑥</m:t>
+                            </m:r>
+                          </m:e>
+                          <m:sup>
+                            <m:r>
+                              <a:rPr lang="en-US" sz="2400" b="0" i="1" smtClean="0">
+                                <a:latin typeface="Cambria Math" panose="02040503050406030204" pitchFamily="18" charset="0"/>
+                              </a:rPr>
+                              <m:t>[1]</m:t>
+                            </m:r>
+                          </m:sup>
+                        </m:sSup>
+                      </m:e>
+                    </m:d>
+                    <m:r>
+                      <a:rPr lang="en-US" sz="2400" b="0" i="1" smtClean="0">
+                        <a:latin typeface="Cambria Math" panose="02040503050406030204" pitchFamily="18" charset="0"/>
+                      </a:rPr>
+                      <m:t>≈</m:t>
+                    </m:r>
+                    <m:sSup>
+                      <m:sSupPr>
+                        <m:ctrlPr>
+                          <a:rPr lang="en-US" sz="2400" b="0" i="1" smtClean="0">
+                            <a:latin typeface="Cambria Math" panose="02040503050406030204" pitchFamily="18" charset="0"/>
+                          </a:rPr>
+                        </m:ctrlPr>
+                      </m:sSupPr>
+                      <m:e>
                         <m:r>
-                          <a:rPr lang="en-US" sz="2000" b="0" i="1" smtClean="0">
+                          <a:rPr lang="en-US" sz="2400" b="0" i="1" smtClean="0">
                             <a:latin typeface="Cambria Math" panose="02040503050406030204" pitchFamily="18" charset="0"/>
                           </a:rPr>
                           <m:t>𝑥</m:t>
                         </m:r>
                       </m:e>
-                    </m:d>
-                    <m:r>
-                      <a:rPr lang="en-US" sz="2000" b="0" i="1" smtClean="0">
-                        <a:latin typeface="Cambria Math" panose="02040503050406030204" pitchFamily="18" charset="0"/>
-                      </a:rPr>
-                      <m:t>≈</m:t>
-                    </m:r>
-                    <m:sSub>
-                      <m:sSubPr>
-                        <m:ctrlPr>
-                          <a:rPr lang="en-US" sz="2000" b="0" i="1" smtClean="0">
+                      <m:sup>
+                        <m:r>
+                          <a:rPr lang="en-US" sz="2400" b="0" i="1" smtClean="0">
                             <a:latin typeface="Cambria Math" panose="02040503050406030204" pitchFamily="18" charset="0"/>
                           </a:rPr>
-                        </m:ctrlPr>
-                      </m:sSubPr>
-                      <m:e>
-                        <m:r>
-                          <a:rPr lang="en-US" sz="2000" b="0" i="1" smtClean="0">
-                            <a:latin typeface="Cambria Math" panose="02040503050406030204" pitchFamily="18" charset="0"/>
-                          </a:rPr>
-                          <m:t>𝑥</m:t>
+                          <m:t>[0]</m:t>
                         </m:r>
-                      </m:e>
-                      <m:sub>
-                        <m:r>
-                          <a:rPr lang="en-US" sz="2000" b="0" i="1" smtClean="0">
-                            <a:latin typeface="Cambria Math" panose="02040503050406030204" pitchFamily="18" charset="0"/>
-                          </a:rPr>
-                          <m:t>0</m:t>
-                        </m:r>
-                      </m:sub>
-                    </m:sSub>
+                      </m:sup>
+                    </m:sSup>
                     <m:r>
-                      <a:rPr lang="en-US" sz="2000" b="0" i="1" smtClean="0">
+                      <a:rPr lang="en-US" sz="2400" b="0" i="1" smtClean="0">
                         <a:latin typeface="Cambria Math" panose="02040503050406030204" pitchFamily="18" charset="0"/>
                       </a:rPr>
                       <m:t>+</m:t>
@@ -6453,14 +6704,14 @@
                     <m:sSup>
                       <m:sSupPr>
                         <m:ctrlPr>
-                          <a:rPr lang="en-US" sz="2000" b="0" i="1" smtClean="0">
+                          <a:rPr lang="en-US" sz="2400" b="0" i="1" smtClean="0">
                             <a:latin typeface="Cambria Math" panose="02040503050406030204" pitchFamily="18" charset="0"/>
                           </a:rPr>
                         </m:ctrlPr>
                       </m:sSupPr>
                       <m:e>
                         <m:r>
-                          <a:rPr lang="en-US" sz="2000" b="0" i="1" smtClean="0">
+                          <a:rPr lang="en-US" sz="2400" b="0" i="1" smtClean="0">
                             <a:latin typeface="Cambria Math" panose="02040503050406030204" pitchFamily="18" charset="0"/>
                           </a:rPr>
                           <m:t>𝑓</m:t>
@@ -6468,7 +6719,7 @@
                       </m:e>
                       <m:sup>
                         <m:r>
-                          <a:rPr lang="en-US" sz="2000" b="0" i="1" smtClean="0">
+                          <a:rPr lang="en-US" sz="2400" b="0" i="1" smtClean="0">
                             <a:latin typeface="Cambria Math" panose="02040503050406030204" pitchFamily="18" charset="0"/>
                           </a:rPr>
                           <m:t>′</m:t>
@@ -6478,85 +6729,104 @@
                     <m:d>
                       <m:dPr>
                         <m:ctrlPr>
-                          <a:rPr lang="en-US" sz="2000" b="0" i="1" smtClean="0">
+                          <a:rPr lang="en-US" sz="2400" b="0" i="1" smtClean="0">
                             <a:latin typeface="Cambria Math" panose="02040503050406030204" pitchFamily="18" charset="0"/>
                           </a:rPr>
                         </m:ctrlPr>
                       </m:dPr>
                       <m:e>
-                        <m:sSub>
-                          <m:sSubPr>
+                        <m:sSup>
+                          <m:sSupPr>
                             <m:ctrlPr>
-                              <a:rPr lang="en-US" sz="2000" b="0" i="1" smtClean="0">
+                              <a:rPr lang="en-US" sz="2400" b="0" i="1" smtClean="0">
                                 <a:latin typeface="Cambria Math" panose="02040503050406030204" pitchFamily="18" charset="0"/>
                               </a:rPr>
                             </m:ctrlPr>
-                          </m:sSubPr>
+                          </m:sSupPr>
                           <m:e>
                             <m:r>
-                              <a:rPr lang="en-US" sz="2000" b="0" i="1" smtClean="0">
+                              <a:rPr lang="en-US" sz="2400" b="0" i="1" smtClean="0">
                                 <a:latin typeface="Cambria Math" panose="02040503050406030204" pitchFamily="18" charset="0"/>
                               </a:rPr>
                               <m:t>𝑥</m:t>
                             </m:r>
                           </m:e>
-                          <m:sub>
+                          <m:sup>
                             <m:r>
-                              <a:rPr lang="en-US" sz="2000" b="0" i="1" smtClean="0">
+                              <a:rPr lang="en-US" sz="2400" b="0" i="1" smtClean="0">
                                 <a:latin typeface="Cambria Math" panose="02040503050406030204" pitchFamily="18" charset="0"/>
                               </a:rPr>
-                              <m:t>0</m:t>
+                              <m:t>[0]</m:t>
                             </m:r>
-                          </m:sub>
-                        </m:sSub>
+                          </m:sup>
+                        </m:sSup>
                       </m:e>
                     </m:d>
                     <m:d>
                       <m:dPr>
                         <m:ctrlPr>
-                          <a:rPr lang="en-US" sz="2000" b="0" i="1" smtClean="0">
+                          <a:rPr lang="en-US" sz="2400" b="0" i="1" smtClean="0">
                             <a:latin typeface="Cambria Math" panose="02040503050406030204" pitchFamily="18" charset="0"/>
                           </a:rPr>
                         </m:ctrlPr>
                       </m:dPr>
                       <m:e>
-                        <m:r>
-                          <a:rPr lang="en-US" sz="2000" b="0" i="1" smtClean="0">
-                            <a:latin typeface="Cambria Math" panose="02040503050406030204" pitchFamily="18" charset="0"/>
-                          </a:rPr>
-                          <m:t>𝑥</m:t>
-                        </m:r>
-                        <m:r>
-                          <a:rPr lang="en-US" sz="2000" b="0" i="1" smtClean="0">
-                            <a:latin typeface="Cambria Math" panose="02040503050406030204" pitchFamily="18" charset="0"/>
-                          </a:rPr>
-                          <m:t>−</m:t>
-                        </m:r>
-                        <m:sSub>
-                          <m:sSubPr>
+                        <m:sSup>
+                          <m:sSupPr>
                             <m:ctrlPr>
-                              <a:rPr lang="en-US" sz="2000" b="0" i="1" smtClean="0">
+                              <a:rPr lang="en-US" sz="2400" b="0" i="1" smtClean="0">
                                 <a:latin typeface="Cambria Math" panose="02040503050406030204" pitchFamily="18" charset="0"/>
                               </a:rPr>
                             </m:ctrlPr>
-                          </m:sSubPr>
+                          </m:sSupPr>
                           <m:e>
                             <m:r>
-                              <a:rPr lang="en-US" sz="2000" b="0" i="1" smtClean="0">
+                              <a:rPr lang="en-US" sz="2400" b="0" i="1" smtClean="0">
                                 <a:latin typeface="Cambria Math" panose="02040503050406030204" pitchFamily="18" charset="0"/>
                               </a:rPr>
                               <m:t>𝑥</m:t>
                             </m:r>
                           </m:e>
-                          <m:sub>
+                          <m:sup>
                             <m:r>
-                              <a:rPr lang="en-US" sz="2000" b="0" i="1" smtClean="0">
+                              <a:rPr lang="en-US" sz="2400" b="0" i="1" smtClean="0">
                                 <a:latin typeface="Cambria Math" panose="02040503050406030204" pitchFamily="18" charset="0"/>
                               </a:rPr>
-                              <m:t>0</m:t>
+                              <m:t>[1]</m:t>
                             </m:r>
-                          </m:sub>
-                        </m:sSub>
+                          </m:sup>
+                        </m:sSup>
+                        <m:r>
+                          <a:rPr lang="en-US" sz="2400" b="0" i="1" smtClean="0">
+                            <a:latin typeface="Cambria Math" panose="02040503050406030204" pitchFamily="18" charset="0"/>
+                          </a:rPr>
+                          <m:t>−</m:t>
+                        </m:r>
+                        <m:sSup>
+                          <m:sSupPr>
+                            <m:ctrlPr>
+                              <a:rPr lang="en-US" sz="2400" b="0" i="1" smtClean="0">
+                                <a:latin typeface="Cambria Math" panose="02040503050406030204" pitchFamily="18" charset="0"/>
+                              </a:rPr>
+                            </m:ctrlPr>
+                          </m:sSupPr>
+                          <m:e>
+                            <m:r>
+                              <a:rPr lang="en-US" sz="2400" b="0" i="1" smtClean="0">
+                                <a:latin typeface="Cambria Math" panose="02040503050406030204" pitchFamily="18" charset="0"/>
+                              </a:rPr>
+                              <m:t>𝑥</m:t>
+                            </m:r>
+                          </m:e>
+                          <m:sup>
+                            <m:r>
+                              <a:rPr lang="en-US" sz="2400" b="0" i="1" smtClean="0">
+                                <a:latin typeface="Cambria Math" panose="02040503050406030204" pitchFamily="18" charset="0"/>
+                              </a:rPr>
+                              <m:t>[0]</m:t>
+                            </m:r>
+                          </m:sup>
+                        </m:sSup>
                       </m:e>
                     </m:d>
                   </m:oMath>
@@ -6564,55 +6834,100 @@
                 <a:endParaRPr lang="en-US" sz="2000" b="0" dirty="0"/>
               </a:p>
               <a:p>
-                <a:pPr marL="342900" indent="-342900">
-                  <a:buFont typeface="+mj-lt"/>
-                  <a:buAutoNum type="arabicPeriod"/>
-                </a:pPr>
                 <a:r>
                   <a:rPr lang="en-US" sz="2000" dirty="0"/>
-                  <a:t>With simple algebra: </a:t>
+                  <a:t>With simple algebra:</a:t>
                 </a:r>
                 <a14:m>
                   <m:oMath xmlns:m="http://schemas.openxmlformats.org/officeDocument/2006/math">
-                    <m:r>
-                      <a:rPr lang="en-US" sz="2000" b="0" i="1" smtClean="0">
-                        <a:latin typeface="Cambria Math" panose="02040503050406030204" pitchFamily="18" charset="0"/>
-                      </a:rPr>
-                      <m:t>𝑥</m:t>
-                    </m:r>
-                    <m:r>
-                      <a:rPr lang="en-US" sz="2000" b="0" i="1" smtClean="0">
-                        <a:latin typeface="Cambria Math" panose="02040503050406030204" pitchFamily="18" charset="0"/>
-                      </a:rPr>
-                      <m:t>=</m:t>
-                    </m:r>
-                    <m:sSub>
-                      <m:sSubPr>
+                    <m:sSup>
+                      <m:sSupPr>
                         <m:ctrlPr>
-                          <a:rPr lang="en-US" sz="2000" b="0" i="1" smtClean="0">
+                          <a:rPr lang="en-US" sz="2400" b="0" i="1" smtClean="0">
                             <a:latin typeface="Cambria Math" panose="02040503050406030204" pitchFamily="18" charset="0"/>
                           </a:rPr>
                         </m:ctrlPr>
-                      </m:sSubPr>
+                      </m:sSupPr>
                       <m:e>
                         <m:r>
-                          <a:rPr lang="en-US" sz="2000" b="0" i="1" smtClean="0">
+                          <a:rPr lang="en-US" sz="2400" b="0" i="0" smtClean="0">
+                            <a:latin typeface="Cambria Math" panose="02040503050406030204" pitchFamily="18" charset="0"/>
+                          </a:rPr>
+                          <m:t> </m:t>
+                        </m:r>
+                        <m:r>
+                          <a:rPr lang="en-US" sz="2400" b="0" i="1" smtClean="0">
                             <a:latin typeface="Cambria Math" panose="02040503050406030204" pitchFamily="18" charset="0"/>
                           </a:rPr>
                           <m:t>𝑥</m:t>
                         </m:r>
                       </m:e>
-                      <m:sub>
+                      <m:sup>
                         <m:r>
-                          <a:rPr lang="en-US" sz="2000" b="0" i="1" smtClean="0">
+                          <a:rPr lang="en-US" sz="2400" b="0" i="1" smtClean="0">
                             <a:latin typeface="Cambria Math" panose="02040503050406030204" pitchFamily="18" charset="0"/>
                           </a:rPr>
-                          <m:t>0</m:t>
+                          <m:t>[</m:t>
                         </m:r>
-                      </m:sub>
-                    </m:sSub>
+                        <m:r>
+                          <a:rPr lang="en-US" sz="2400" b="0" i="1" smtClean="0">
+                            <a:latin typeface="Cambria Math" panose="02040503050406030204" pitchFamily="18" charset="0"/>
+                          </a:rPr>
+                          <m:t>𝑛</m:t>
+                        </m:r>
+                        <m:r>
+                          <a:rPr lang="en-US" sz="2400" b="0" i="1" smtClean="0">
+                            <a:latin typeface="Cambria Math" panose="02040503050406030204" pitchFamily="18" charset="0"/>
+                          </a:rPr>
+                          <m:t>]</m:t>
+                        </m:r>
+                      </m:sup>
+                    </m:sSup>
                     <m:r>
-                      <a:rPr lang="en-US" sz="2000" b="0" i="1" smtClean="0">
+                      <a:rPr lang="en-US" sz="2400" b="0" i="1" smtClean="0">
+                        <a:latin typeface="Cambria Math" panose="02040503050406030204" pitchFamily="18" charset="0"/>
+                      </a:rPr>
+                      <m:t>=</m:t>
+                    </m:r>
+                    <m:sSup>
+                      <m:sSupPr>
+                        <m:ctrlPr>
+                          <a:rPr lang="en-US" sz="2400" b="0" i="1" smtClean="0">
+                            <a:latin typeface="Cambria Math" panose="02040503050406030204" pitchFamily="18" charset="0"/>
+                          </a:rPr>
+                        </m:ctrlPr>
+                      </m:sSupPr>
+                      <m:e>
+                        <m:r>
+                          <a:rPr lang="en-US" sz="2400" b="0" i="1" smtClean="0">
+                            <a:latin typeface="Cambria Math" panose="02040503050406030204" pitchFamily="18" charset="0"/>
+                          </a:rPr>
+                          <m:t>𝑥</m:t>
+                        </m:r>
+                      </m:e>
+                      <m:sup>
+                        <m:r>
+                          <a:rPr lang="en-US" sz="2400" b="0" i="1" smtClean="0">
+                            <a:latin typeface="Cambria Math" panose="02040503050406030204" pitchFamily="18" charset="0"/>
+                          </a:rPr>
+                          <m:t>[</m:t>
+                        </m:r>
+                        <m:r>
+                          <a:rPr lang="en-US" sz="2400" b="0" i="1" smtClean="0">
+                            <a:latin typeface="Cambria Math" panose="02040503050406030204" pitchFamily="18" charset="0"/>
+                          </a:rPr>
+                          <m:t>𝑛</m:t>
+                        </m:r>
+                        <m:r>
+                          <a:rPr lang="en-US" sz="2400" b="0" i="1" smtClean="0">
+                            <a:latin typeface="Cambria Math" panose="02040503050406030204" pitchFamily="18" charset="0"/>
+                          </a:rPr>
+                          <m:t>−1]</m:t>
+                        </m:r>
+                      </m:sup>
+                    </m:sSup>
+                    <m:r>
+                      <a:rPr lang="en-US" sz="2400" b="0" i="1" smtClean="0">
                         <a:latin typeface="Cambria Math" panose="02040503050406030204" pitchFamily="18" charset="0"/>
                       </a:rPr>
                       <m:t>−</m:t>
@@ -6620,51 +6935,70 @@
                     <m:f>
                       <m:fPr>
                         <m:ctrlPr>
-                          <a:rPr lang="en-US" sz="2000" b="0" i="1" smtClean="0">
+                          <a:rPr lang="en-US" sz="2400" b="0" i="1" smtClean="0">
                             <a:latin typeface="Cambria Math" panose="02040503050406030204" pitchFamily="18" charset="0"/>
                           </a:rPr>
                         </m:ctrlPr>
                       </m:fPr>
                       <m:num>
                         <m:r>
-                          <a:rPr lang="en-US" sz="2000" b="0" i="1" smtClean="0">
+                          <a:rPr lang="en-US" sz="2400" b="0" i="1" smtClean="0">
                             <a:latin typeface="Cambria Math" panose="02040503050406030204" pitchFamily="18" charset="0"/>
                           </a:rPr>
                           <m:t>𝑓</m:t>
                         </m:r>
                         <m:r>
-                          <a:rPr lang="en-US" sz="2000" b="0" i="1" smtClean="0">
+                          <a:rPr lang="en-US" sz="2400" b="0" i="1" smtClean="0">
                             <a:latin typeface="Cambria Math" panose="02040503050406030204" pitchFamily="18" charset="0"/>
                           </a:rPr>
                           <m:t>(</m:t>
                         </m:r>
-                        <m:sSub>
-                          <m:sSubPr>
+                        <m:sSup>
+                          <m:sSupPr>
                             <m:ctrlPr>
-                              <a:rPr lang="en-US" sz="2000" b="0" i="1" smtClean="0">
+                              <a:rPr lang="en-US" sz="2400" i="1">
                                 <a:latin typeface="Cambria Math" panose="02040503050406030204" pitchFamily="18" charset="0"/>
                               </a:rPr>
                             </m:ctrlPr>
-                          </m:sSubPr>
+                          </m:sSupPr>
                           <m:e>
                             <m:r>
-                              <a:rPr lang="en-US" sz="2000" b="0" i="1" smtClean="0">
+                              <a:rPr lang="en-US" sz="2400" i="1">
                                 <a:latin typeface="Cambria Math" panose="02040503050406030204" pitchFamily="18" charset="0"/>
                               </a:rPr>
                               <m:t>𝑥</m:t>
                             </m:r>
                           </m:e>
-                          <m:sub>
-                            <m:r>
-                              <a:rPr lang="en-US" sz="2000" b="0" i="1" smtClean="0">
-                                <a:latin typeface="Cambria Math" panose="02040503050406030204" pitchFamily="18" charset="0"/>
-                              </a:rPr>
-                              <m:t>0</m:t>
-                            </m:r>
-                          </m:sub>
-                        </m:sSub>
+                          <m:sup>
+                            <m:d>
+                              <m:dPr>
+                                <m:begChr m:val="["/>
+                                <m:endChr m:val="]"/>
+                                <m:ctrlPr>
+                                  <a:rPr lang="en-US" sz="2400" i="1">
+                                    <a:latin typeface="Cambria Math" panose="02040503050406030204" pitchFamily="18" charset="0"/>
+                                  </a:rPr>
+                                </m:ctrlPr>
+                              </m:dPr>
+                              <m:e>
+                                <m:r>
+                                  <a:rPr lang="en-US" sz="2400" i="1">
+                                    <a:latin typeface="Cambria Math" panose="02040503050406030204" pitchFamily="18" charset="0"/>
+                                  </a:rPr>
+                                  <m:t>𝑛</m:t>
+                                </m:r>
+                                <m:r>
+                                  <a:rPr lang="en-US" sz="2400" i="1">
+                                    <a:latin typeface="Cambria Math" panose="02040503050406030204" pitchFamily="18" charset="0"/>
+                                  </a:rPr>
+                                  <m:t>−1</m:t>
+                                </m:r>
+                              </m:e>
+                            </m:d>
+                          </m:sup>
+                        </m:sSup>
                         <m:r>
-                          <a:rPr lang="en-US" sz="2000" b="0" i="1" smtClean="0">
+                          <a:rPr lang="en-US" sz="2400" b="0" i="1" smtClean="0">
                             <a:latin typeface="Cambria Math" panose="02040503050406030204" pitchFamily="18" charset="0"/>
                           </a:rPr>
                           <m:t>)</m:t>
@@ -6672,240 +7006,69 @@
                       </m:num>
                       <m:den>
                         <m:r>
-                          <a:rPr lang="en-US" sz="2000" b="0" i="1" smtClean="0">
+                          <a:rPr lang="en-US" sz="2400" i="1">
                             <a:latin typeface="Cambria Math" panose="02040503050406030204" pitchFamily="18" charset="0"/>
                           </a:rPr>
                           <m:t>𝑓</m:t>
                         </m:r>
                         <m:r>
-                          <a:rPr lang="en-US" sz="2000" b="0" i="1" smtClean="0">
+                          <a:rPr lang="en-US" sz="2400" b="0" i="1" smtClean="0">
                             <a:latin typeface="Cambria Math" panose="02040503050406030204" pitchFamily="18" charset="0"/>
                           </a:rPr>
-                          <m:t>′(</m:t>
+                          <m:t>′</m:t>
                         </m:r>
-                        <m:sSub>
-                          <m:sSubPr>
+                        <m:r>
+                          <a:rPr lang="en-US" sz="2400" i="1">
+                            <a:latin typeface="Cambria Math" panose="02040503050406030204" pitchFamily="18" charset="0"/>
+                          </a:rPr>
+                          <m:t>(</m:t>
+                        </m:r>
+                        <m:sSup>
+                          <m:sSupPr>
                             <m:ctrlPr>
-                              <a:rPr lang="en-US" sz="2000" b="0" i="1" smtClean="0">
+                              <a:rPr lang="en-US" sz="2400" i="1">
                                 <a:latin typeface="Cambria Math" panose="02040503050406030204" pitchFamily="18" charset="0"/>
                               </a:rPr>
                             </m:ctrlPr>
-                          </m:sSubPr>
+                          </m:sSupPr>
                           <m:e>
                             <m:r>
-                              <a:rPr lang="en-US" sz="2000" b="0" i="1" smtClean="0">
+                              <a:rPr lang="en-US" sz="2400" i="1">
                                 <a:latin typeface="Cambria Math" panose="02040503050406030204" pitchFamily="18" charset="0"/>
                               </a:rPr>
                               <m:t>𝑥</m:t>
                             </m:r>
                           </m:e>
-                          <m:sub>
-                            <m:r>
-                              <a:rPr lang="en-US" sz="2000" b="0" i="1" smtClean="0">
-                                <a:latin typeface="Cambria Math" panose="02040503050406030204" pitchFamily="18" charset="0"/>
-                              </a:rPr>
-                              <m:t>0</m:t>
-                            </m:r>
-                          </m:sub>
-                        </m:sSub>
+                          <m:sup>
+                            <m:d>
+                              <m:dPr>
+                                <m:begChr m:val="["/>
+                                <m:endChr m:val="]"/>
+                                <m:ctrlPr>
+                                  <a:rPr lang="en-US" sz="2400" i="1">
+                                    <a:latin typeface="Cambria Math" panose="02040503050406030204" pitchFamily="18" charset="0"/>
+                                  </a:rPr>
+                                </m:ctrlPr>
+                              </m:dPr>
+                              <m:e>
+                                <m:r>
+                                  <a:rPr lang="en-US" sz="2400" i="1">
+                                    <a:latin typeface="Cambria Math" panose="02040503050406030204" pitchFamily="18" charset="0"/>
+                                  </a:rPr>
+                                  <m:t>𝑛</m:t>
+                                </m:r>
+                                <m:r>
+                                  <a:rPr lang="en-US" sz="2400" i="1">
+                                    <a:latin typeface="Cambria Math" panose="02040503050406030204" pitchFamily="18" charset="0"/>
+                                  </a:rPr>
+                                  <m:t>−1</m:t>
+                                </m:r>
+                              </m:e>
+                            </m:d>
+                          </m:sup>
+                        </m:sSup>
                         <m:r>
-                          <a:rPr lang="en-US" sz="2000" b="0" i="1" smtClean="0">
-                            <a:latin typeface="Cambria Math" panose="02040503050406030204" pitchFamily="18" charset="0"/>
-                          </a:rPr>
-                          <m:t>)</m:t>
-                        </m:r>
-                      </m:den>
-                    </m:f>
-                  </m:oMath>
-                </a14:m>
-                <a:endParaRPr lang="en-US" sz="2000" dirty="0"/>
-              </a:p>
-              <a:p>
-                <a:pPr marL="342900" indent="-342900">
-                  <a:buFont typeface="+mj-lt"/>
-                  <a:buAutoNum type="arabicPeriod"/>
-                </a:pPr>
-                <a14:m>
-                  <m:oMath xmlns:m="http://schemas.openxmlformats.org/officeDocument/2006/math">
-                    <m:sSub>
-                      <m:sSubPr>
-                        <m:ctrlPr>
-                          <a:rPr lang="en-US" sz="2000" b="0" i="1" smtClean="0">
-                            <a:latin typeface="Cambria Math" panose="02040503050406030204" pitchFamily="18" charset="0"/>
-                          </a:rPr>
-                        </m:ctrlPr>
-                      </m:sSubPr>
-                      <m:e>
-                        <m:r>
-                          <a:rPr lang="en-US" sz="2000" b="0" i="1" smtClean="0">
-                            <a:latin typeface="Cambria Math" panose="02040503050406030204" pitchFamily="18" charset="0"/>
-                          </a:rPr>
-                          <m:t>𝑥</m:t>
-                        </m:r>
-                      </m:e>
-                      <m:sub>
-                        <m:r>
-                          <a:rPr lang="en-US" sz="2000" b="0" i="1" smtClean="0">
-                            <a:latin typeface="Cambria Math" panose="02040503050406030204" pitchFamily="18" charset="0"/>
-                          </a:rPr>
-                          <m:t>𝑛</m:t>
-                        </m:r>
-                      </m:sub>
-                    </m:sSub>
-                    <m:r>
-                      <a:rPr lang="en-US" sz="2000" b="0" i="1" smtClean="0">
-                        <a:latin typeface="Cambria Math" panose="02040503050406030204" pitchFamily="18" charset="0"/>
-                      </a:rPr>
-                      <m:t>=</m:t>
-                    </m:r>
-                    <m:sSub>
-                      <m:sSubPr>
-                        <m:ctrlPr>
-                          <a:rPr lang="en-US" sz="2000" b="0" i="1" smtClean="0">
-                            <a:latin typeface="Cambria Math" panose="02040503050406030204" pitchFamily="18" charset="0"/>
-                          </a:rPr>
-                        </m:ctrlPr>
-                      </m:sSubPr>
-                      <m:e>
-                        <m:r>
-                          <a:rPr lang="en-US" sz="2000" b="0" i="1" smtClean="0">
-                            <a:latin typeface="Cambria Math" panose="02040503050406030204" pitchFamily="18" charset="0"/>
-                          </a:rPr>
-                          <m:t>𝑥</m:t>
-                        </m:r>
-                      </m:e>
-                      <m:sub>
-                        <m:r>
-                          <a:rPr lang="en-US" sz="2000" b="0" i="1" smtClean="0">
-                            <a:latin typeface="Cambria Math" panose="02040503050406030204" pitchFamily="18" charset="0"/>
-                          </a:rPr>
-                          <m:t>𝑛</m:t>
-                        </m:r>
-                        <m:r>
-                          <a:rPr lang="en-US" sz="2000" b="0" i="1" smtClean="0">
-                            <a:latin typeface="Cambria Math" panose="02040503050406030204" pitchFamily="18" charset="0"/>
-                          </a:rPr>
-                          <m:t>−1</m:t>
-                        </m:r>
-                      </m:sub>
-                    </m:sSub>
-                    <m:r>
-                      <a:rPr lang="en-US" sz="2000" b="0" i="1" smtClean="0">
-                        <a:latin typeface="Cambria Math" panose="02040503050406030204" pitchFamily="18" charset="0"/>
-                      </a:rPr>
-                      <m:t>−</m:t>
-                    </m:r>
-                    <m:f>
-                      <m:fPr>
-                        <m:ctrlPr>
-                          <a:rPr lang="en-US" sz="2000" b="0" i="1" smtClean="0">
-                            <a:latin typeface="Cambria Math" panose="02040503050406030204" pitchFamily="18" charset="0"/>
-                          </a:rPr>
-                        </m:ctrlPr>
-                      </m:fPr>
-                      <m:num>
-                        <m:r>
-                          <a:rPr lang="en-US" sz="2000" b="0" i="1" smtClean="0">
-                            <a:latin typeface="Cambria Math" panose="02040503050406030204" pitchFamily="18" charset="0"/>
-                          </a:rPr>
-                          <m:t>𝑓</m:t>
-                        </m:r>
-                        <m:r>
-                          <a:rPr lang="en-US" sz="2000" b="0" i="1" smtClean="0">
-                            <a:latin typeface="Cambria Math" panose="02040503050406030204" pitchFamily="18" charset="0"/>
-                          </a:rPr>
-                          <m:t>(</m:t>
-                        </m:r>
-                        <m:sSub>
-                          <m:sSubPr>
-                            <m:ctrlPr>
-                              <a:rPr lang="en-US" sz="2000" b="0" i="1" smtClean="0">
-                                <a:latin typeface="Cambria Math" panose="02040503050406030204" pitchFamily="18" charset="0"/>
-                              </a:rPr>
-                            </m:ctrlPr>
-                          </m:sSubPr>
-                          <m:e>
-                            <m:r>
-                              <a:rPr lang="en-US" sz="2000" b="0" i="1" smtClean="0">
-                                <a:latin typeface="Cambria Math" panose="02040503050406030204" pitchFamily="18" charset="0"/>
-                              </a:rPr>
-                              <m:t>𝑥</m:t>
-                            </m:r>
-                          </m:e>
-                          <m:sub>
-                            <m:r>
-                              <a:rPr lang="en-US" sz="2000" b="0" i="1" smtClean="0">
-                                <a:latin typeface="Cambria Math" panose="02040503050406030204" pitchFamily="18" charset="0"/>
-                              </a:rPr>
-                              <m:t>𝑛</m:t>
-                            </m:r>
-                            <m:r>
-                              <a:rPr lang="en-US" sz="2000" b="0" i="1" smtClean="0">
-                                <a:latin typeface="Cambria Math" panose="02040503050406030204" pitchFamily="18" charset="0"/>
-                              </a:rPr>
-                              <m:t>−1</m:t>
-                            </m:r>
-                          </m:sub>
-                        </m:sSub>
-                        <m:r>
-                          <a:rPr lang="en-US" sz="2000" b="0" i="1" smtClean="0">
-                            <a:latin typeface="Cambria Math" panose="02040503050406030204" pitchFamily="18" charset="0"/>
-                          </a:rPr>
-                          <m:t>)</m:t>
-                        </m:r>
-                      </m:num>
-                      <m:den>
-                        <m:r>
-                          <a:rPr lang="en-US" sz="2000" i="1">
-                            <a:latin typeface="Cambria Math" panose="02040503050406030204" pitchFamily="18" charset="0"/>
-                          </a:rPr>
-                          <m:t>𝑓</m:t>
-                        </m:r>
-                        <m:r>
-                          <a:rPr lang="en-US" sz="2000" b="0" i="1" smtClean="0">
-                            <a:latin typeface="Cambria Math" panose="02040503050406030204" pitchFamily="18" charset="0"/>
-                          </a:rPr>
-                          <m:t>′</m:t>
-                        </m:r>
-                        <m:r>
-                          <a:rPr lang="en-US" sz="2000" i="1">
-                            <a:latin typeface="Cambria Math" panose="02040503050406030204" pitchFamily="18" charset="0"/>
-                          </a:rPr>
-                          <m:t>(</m:t>
-                        </m:r>
-                        <m:sSub>
-                          <m:sSubPr>
-                            <m:ctrlPr>
-                              <a:rPr lang="en-US" sz="2000" i="1">
-                                <a:latin typeface="Cambria Math" panose="02040503050406030204" pitchFamily="18" charset="0"/>
-                              </a:rPr>
-                            </m:ctrlPr>
-                          </m:sSubPr>
-                          <m:e>
-                            <m:r>
-                              <a:rPr lang="en-US" sz="2000" i="1">
-                                <a:latin typeface="Cambria Math" panose="02040503050406030204" pitchFamily="18" charset="0"/>
-                              </a:rPr>
-                              <m:t>𝑥</m:t>
-                            </m:r>
-                          </m:e>
-                          <m:sub>
-                            <m:r>
-                              <a:rPr lang="en-US" sz="2000" i="1">
-                                <a:latin typeface="Cambria Math" panose="02040503050406030204" pitchFamily="18" charset="0"/>
-                              </a:rPr>
-                              <m:t>𝑛</m:t>
-                            </m:r>
-                            <m:r>
-                              <a:rPr lang="en-US" sz="2000" i="1">
-                                <a:latin typeface="Cambria Math" panose="02040503050406030204" pitchFamily="18" charset="0"/>
-                              </a:rPr>
-                              <m:t>−1</m:t>
-                            </m:r>
-                          </m:sub>
-                        </m:sSub>
-                        <m:r>
-                          <a:rPr lang="en-US" sz="2000" i="1">
+                          <a:rPr lang="en-US" sz="2400" i="1">
                             <a:latin typeface="Cambria Math" panose="02040503050406030204" pitchFamily="18" charset="0"/>
                           </a:rPr>
                           <m:t>)</m:t>
@@ -6939,16 +7102,16 @@
             </p:nvSpPr>
             <p:spPr>
               <a:xfrm>
-                <a:off x="1524000" y="4971010"/>
-                <a:ext cx="6391686" cy="1996316"/>
+                <a:off x="1219200" y="4780626"/>
+                <a:ext cx="7425366" cy="1467774"/>
               </a:xfrm>
               <a:prstGeom prst="rect">
                 <a:avLst/>
               </a:prstGeom>
               <a:blipFill>
-                <a:blip r:embed="rId3"/>
+                <a:blip r:embed="rId2"/>
                 <a:stretch>
-                  <a:fillRect l="-994" t="-1258"/>
+                  <a:fillRect l="-855"/>
                 </a:stretch>
               </a:blipFill>
             </p:spPr>
@@ -6981,7 +7144,7 @@
         </p:nvSpPr>
         <p:spPr>
           <a:xfrm>
-            <a:off x="990600" y="986135"/>
+            <a:off x="1037315" y="685800"/>
             <a:ext cx="6049285" cy="461665"/>
           </a:xfrm>
           <a:prstGeom prst="rect">
@@ -7017,7 +7180,7 @@
           <p:nvPr/>
         </p:nvPicPr>
         <p:blipFill>
-          <a:blip r:embed="rId4"/>
+          <a:blip r:embed="rId3"/>
           <a:stretch>
             <a:fillRect/>
           </a:stretch>
@@ -7032,6 +7195,673 @@
           </a:prstGeom>
         </p:spPr>
       </p:pic>
+      <p:grpSp>
+        <p:nvGrpSpPr>
+          <p:cNvPr id="16" name="Group 15">
+            <a:extLst>
+              <a:ext uri="{FF2B5EF4-FFF2-40B4-BE49-F238E27FC236}">
+                <a16:creationId xmlns:a16="http://schemas.microsoft.com/office/drawing/2014/main" id="{48146A6E-E669-9B4F-9670-D4941F552B95}"/>
+              </a:ext>
+            </a:extLst>
+          </p:cNvPr>
+          <p:cNvGrpSpPr/>
+          <p:nvPr/>
+        </p:nvGrpSpPr>
+        <p:grpSpPr>
+          <a:xfrm>
+            <a:off x="1143000" y="2214265"/>
+            <a:ext cx="5058685" cy="2357735"/>
+            <a:chOff x="1981200" y="1680865"/>
+            <a:chExt cx="5981700" cy="2984500"/>
+          </a:xfrm>
+        </p:grpSpPr>
+        <p:pic>
+          <p:nvPicPr>
+            <p:cNvPr id="6" name="Picture 5">
+              <a:extLst>
+                <a:ext uri="{FF2B5EF4-FFF2-40B4-BE49-F238E27FC236}">
+                  <a16:creationId xmlns:a16="http://schemas.microsoft.com/office/drawing/2014/main" id="{7D91EE08-F1EF-9B4A-9859-6E124B62A1A7}"/>
+                </a:ext>
+              </a:extLst>
+            </p:cNvPr>
+            <p:cNvPicPr>
+              <a:picLocks noChangeAspect="1"/>
+            </p:cNvPicPr>
+            <p:nvPr/>
+          </p:nvPicPr>
+          <p:blipFill>
+            <a:blip r:embed="rId4"/>
+            <a:stretch>
+              <a:fillRect/>
+            </a:stretch>
+          </p:blipFill>
+          <p:spPr>
+            <a:xfrm>
+              <a:off x="1981200" y="1680865"/>
+              <a:ext cx="5537200" cy="2984500"/>
+            </a:xfrm>
+            <a:prstGeom prst="rect">
+              <a:avLst/>
+            </a:prstGeom>
+          </p:spPr>
+        </p:pic>
+        <mc:AlternateContent xmlns:mc="http://schemas.openxmlformats.org/markup-compatibility/2006">
+          <mc:Choice xmlns:a14="http://schemas.microsoft.com/office/drawing/2010/main" Requires="a14">
+            <p:sp>
+              <p:nvSpPr>
+                <p:cNvPr id="10" name="TextBox 9">
+                  <a:extLst>
+                    <a:ext uri="{FF2B5EF4-FFF2-40B4-BE49-F238E27FC236}">
+                      <a16:creationId xmlns:a16="http://schemas.microsoft.com/office/drawing/2014/main" id="{D123CC75-8333-884E-8DBA-1B6544020ACF}"/>
+                    </a:ext>
+                  </a:extLst>
+                </p:cNvPr>
+                <p:cNvSpPr txBox="1"/>
+                <p:nvPr/>
+              </p:nvSpPr>
+              <p:spPr>
+                <a:xfrm>
+                  <a:off x="6459475" y="2057400"/>
+                  <a:ext cx="1503425" cy="288797"/>
+                </a:xfrm>
+                <a:prstGeom prst="rect">
+                  <a:avLst/>
+                </a:prstGeom>
+                <a:solidFill>
+                  <a:schemeClr val="bg1"/>
+                </a:solidFill>
+              </p:spPr>
+              <p:txBody>
+                <a:bodyPr wrap="none" lIns="0" tIns="0" rIns="0" bIns="0" rtlCol="0">
+                  <a:spAutoFit/>
+                </a:bodyPr>
+                <a:lstStyle/>
+                <a:p>
+                  <a:r>
+                    <a:rPr lang="en-US" b="0" dirty="0"/>
+                    <a:t>Tangent at </a:t>
+                  </a:r>
+                  <a14:m>
+                    <m:oMath xmlns:m="http://schemas.openxmlformats.org/officeDocument/2006/math">
+                      <m:sSup>
+                        <m:sSupPr>
+                          <m:ctrlPr>
+                            <a:rPr lang="en-US" b="0" i="1" smtClean="0">
+                              <a:latin typeface="Cambria Math" panose="02040503050406030204" pitchFamily="18" charset="0"/>
+                            </a:rPr>
+                          </m:ctrlPr>
+                        </m:sSupPr>
+                        <m:e>
+                          <m:r>
+                            <a:rPr lang="en-US" b="0" i="1" smtClean="0">
+                              <a:latin typeface="Cambria Math" panose="02040503050406030204" pitchFamily="18" charset="0"/>
+                            </a:rPr>
+                            <m:t>𝑥</m:t>
+                          </m:r>
+                        </m:e>
+                        <m:sup>
+                          <m:r>
+                            <a:rPr lang="en-US" b="0" i="1" smtClean="0">
+                              <a:latin typeface="Cambria Math" panose="02040503050406030204" pitchFamily="18" charset="0"/>
+                            </a:rPr>
+                            <m:t>[0]</m:t>
+                          </m:r>
+                        </m:sup>
+                      </m:sSup>
+                    </m:oMath>
+                  </a14:m>
+                  <a:endParaRPr lang="en-US" dirty="0"/>
+                </a:p>
+              </p:txBody>
+            </p:sp>
+          </mc:Choice>
+          <mc:Fallback>
+            <p:sp>
+              <p:nvSpPr>
+                <p:cNvPr id="10" name="TextBox 9">
+                  <a:extLst>
+                    <a:ext uri="{FF2B5EF4-FFF2-40B4-BE49-F238E27FC236}">
+                      <a16:creationId xmlns:a16="http://schemas.microsoft.com/office/drawing/2014/main" id="{D123CC75-8333-884E-8DBA-1B6544020ACF}"/>
+                    </a:ext>
+                  </a:extLst>
+                </p:cNvPr>
+                <p:cNvSpPr txBox="1">
+                  <a:spLocks noRot="1" noChangeAspect="1" noMove="1" noResize="1" noEditPoints="1" noAdjustHandles="1" noChangeArrowheads="1" noChangeShapeType="1" noTextEdit="1"/>
+                </p:cNvSpPr>
+                <p:nvPr/>
+              </p:nvSpPr>
+              <p:spPr>
+                <a:xfrm>
+                  <a:off x="6459475" y="2057400"/>
+                  <a:ext cx="1503425" cy="288797"/>
+                </a:xfrm>
+                <a:prstGeom prst="rect">
+                  <a:avLst/>
+                </a:prstGeom>
+                <a:blipFill>
+                  <a:blip r:embed="rId5"/>
+                  <a:stretch>
+                    <a:fillRect l="-10891" t="-26316" r="-22772" b="-73684"/>
+                  </a:stretch>
+                </a:blipFill>
+              </p:spPr>
+              <p:txBody>
+                <a:bodyPr/>
+                <a:lstStyle/>
+                <a:p>
+                  <a:r>
+                    <a:rPr lang="en-US">
+                      <a:noFill/>
+                    </a:rPr>
+                    <a:t> </a:t>
+                  </a:r>
+                </a:p>
+              </p:txBody>
+            </p:sp>
+          </mc:Fallback>
+        </mc:AlternateContent>
+        <mc:AlternateContent xmlns:mc="http://schemas.openxmlformats.org/markup-compatibility/2006">
+          <mc:Choice xmlns:a14="http://schemas.microsoft.com/office/drawing/2010/main" Requires="a14">
+            <p:sp>
+              <p:nvSpPr>
+                <p:cNvPr id="11" name="TextBox 10">
+                  <a:extLst>
+                    <a:ext uri="{FF2B5EF4-FFF2-40B4-BE49-F238E27FC236}">
+                      <a16:creationId xmlns:a16="http://schemas.microsoft.com/office/drawing/2014/main" id="{AFEB9995-837C-7A44-BC50-B90A7914EC8D}"/>
+                    </a:ext>
+                  </a:extLst>
+                </p:cNvPr>
+                <p:cNvSpPr txBox="1"/>
+                <p:nvPr/>
+              </p:nvSpPr>
+              <p:spPr>
+                <a:xfrm>
+                  <a:off x="6411087" y="2514600"/>
+                  <a:ext cx="1503425" cy="288797"/>
+                </a:xfrm>
+                <a:prstGeom prst="rect">
+                  <a:avLst/>
+                </a:prstGeom>
+                <a:solidFill>
+                  <a:schemeClr val="bg1"/>
+                </a:solidFill>
+              </p:spPr>
+              <p:txBody>
+                <a:bodyPr wrap="none" lIns="0" tIns="0" rIns="0" bIns="0" rtlCol="0">
+                  <a:spAutoFit/>
+                </a:bodyPr>
+                <a:lstStyle/>
+                <a:p>
+                  <a:r>
+                    <a:rPr lang="en-US" b="0" dirty="0"/>
+                    <a:t>Tangent at </a:t>
+                  </a:r>
+                  <a14:m>
+                    <m:oMath xmlns:m="http://schemas.openxmlformats.org/officeDocument/2006/math">
+                      <m:sSup>
+                        <m:sSupPr>
+                          <m:ctrlPr>
+                            <a:rPr lang="en-US" b="0" i="1" smtClean="0">
+                              <a:latin typeface="Cambria Math" panose="02040503050406030204" pitchFamily="18" charset="0"/>
+                            </a:rPr>
+                          </m:ctrlPr>
+                        </m:sSupPr>
+                        <m:e>
+                          <m:r>
+                            <a:rPr lang="en-US" b="0" i="1" smtClean="0">
+                              <a:latin typeface="Cambria Math" panose="02040503050406030204" pitchFamily="18" charset="0"/>
+                            </a:rPr>
+                            <m:t>𝑥</m:t>
+                          </m:r>
+                        </m:e>
+                        <m:sup>
+                          <m:r>
+                            <a:rPr lang="en-US" b="0" i="1" smtClean="0">
+                              <a:latin typeface="Cambria Math" panose="02040503050406030204" pitchFamily="18" charset="0"/>
+                            </a:rPr>
+                            <m:t>[1]</m:t>
+                          </m:r>
+                        </m:sup>
+                      </m:sSup>
+                    </m:oMath>
+                  </a14:m>
+                  <a:endParaRPr lang="en-US" dirty="0"/>
+                </a:p>
+              </p:txBody>
+            </p:sp>
+          </mc:Choice>
+          <mc:Fallback>
+            <p:sp>
+              <p:nvSpPr>
+                <p:cNvPr id="11" name="TextBox 10">
+                  <a:extLst>
+                    <a:ext uri="{FF2B5EF4-FFF2-40B4-BE49-F238E27FC236}">
+                      <a16:creationId xmlns:a16="http://schemas.microsoft.com/office/drawing/2014/main" id="{AFEB9995-837C-7A44-BC50-B90A7914EC8D}"/>
+                    </a:ext>
+                  </a:extLst>
+                </p:cNvPr>
+                <p:cNvSpPr txBox="1">
+                  <a:spLocks noRot="1" noChangeAspect="1" noMove="1" noResize="1" noEditPoints="1" noAdjustHandles="1" noChangeArrowheads="1" noChangeShapeType="1" noTextEdit="1"/>
+                </p:cNvSpPr>
+                <p:nvPr/>
+              </p:nvSpPr>
+              <p:spPr>
+                <a:xfrm>
+                  <a:off x="6411087" y="2514600"/>
+                  <a:ext cx="1503425" cy="288797"/>
+                </a:xfrm>
+                <a:prstGeom prst="rect">
+                  <a:avLst/>
+                </a:prstGeom>
+                <a:blipFill>
+                  <a:blip r:embed="rId6"/>
+                  <a:stretch>
+                    <a:fillRect l="-10891" t="-26316" r="-22772" b="-78947"/>
+                  </a:stretch>
+                </a:blipFill>
+              </p:spPr>
+              <p:txBody>
+                <a:bodyPr/>
+                <a:lstStyle/>
+                <a:p>
+                  <a:r>
+                    <a:rPr lang="en-US">
+                      <a:noFill/>
+                    </a:rPr>
+                    <a:t> </a:t>
+                  </a:r>
+                </a:p>
+              </p:txBody>
+            </p:sp>
+          </mc:Fallback>
+        </mc:AlternateContent>
+        <mc:AlternateContent xmlns:mc="http://schemas.openxmlformats.org/markup-compatibility/2006">
+          <mc:Choice xmlns:a14="http://schemas.microsoft.com/office/drawing/2010/main" Requires="a14">
+            <p:sp>
+              <p:nvSpPr>
+                <p:cNvPr id="12" name="TextBox 11">
+                  <a:extLst>
+                    <a:ext uri="{FF2B5EF4-FFF2-40B4-BE49-F238E27FC236}">
+                      <a16:creationId xmlns:a16="http://schemas.microsoft.com/office/drawing/2014/main" id="{19E4EA2B-381A-2343-A7FE-B94169D02032}"/>
+                    </a:ext>
+                  </a:extLst>
+                </p:cNvPr>
+                <p:cNvSpPr txBox="1"/>
+                <p:nvPr/>
+              </p:nvSpPr>
+              <p:spPr>
+                <a:xfrm>
+                  <a:off x="5486400" y="3657600"/>
+                  <a:ext cx="426142" cy="288797"/>
+                </a:xfrm>
+                <a:prstGeom prst="rect">
+                  <a:avLst/>
+                </a:prstGeom>
+                <a:solidFill>
+                  <a:schemeClr val="bg1"/>
+                </a:solidFill>
+              </p:spPr>
+              <p:txBody>
+                <a:bodyPr wrap="none" lIns="0" tIns="0" rIns="0" bIns="0" rtlCol="0">
+                  <a:spAutoFit/>
+                </a:bodyPr>
+                <a:lstStyle/>
+                <a:p>
+                  <a14:m>
+                    <m:oMathPara xmlns:m="http://schemas.openxmlformats.org/officeDocument/2006/math">
+                      <m:oMathParaPr>
+                        <m:jc m:val="centerGroup"/>
+                      </m:oMathParaPr>
+                      <m:oMath xmlns:m="http://schemas.openxmlformats.org/officeDocument/2006/math">
+                        <m:sSup>
+                          <m:sSupPr>
+                            <m:ctrlPr>
+                              <a:rPr lang="en-US" b="0" i="1" smtClean="0">
+                                <a:latin typeface="Cambria Math" panose="02040503050406030204" pitchFamily="18" charset="0"/>
+                              </a:rPr>
+                            </m:ctrlPr>
+                          </m:sSupPr>
+                          <m:e>
+                            <m:r>
+                              <a:rPr lang="en-US" b="0" i="1" smtClean="0">
+                                <a:latin typeface="Cambria Math" panose="02040503050406030204" pitchFamily="18" charset="0"/>
+                              </a:rPr>
+                              <m:t>𝑥</m:t>
+                            </m:r>
+                          </m:e>
+                          <m:sup>
+                            <m:r>
+                              <a:rPr lang="en-US" b="0" i="1" smtClean="0">
+                                <a:latin typeface="Cambria Math" panose="02040503050406030204" pitchFamily="18" charset="0"/>
+                              </a:rPr>
+                              <m:t>[0]</m:t>
+                            </m:r>
+                          </m:sup>
+                        </m:sSup>
+                      </m:oMath>
+                    </m:oMathPara>
+                  </a14:m>
+                  <a:endParaRPr lang="en-US" dirty="0"/>
+                </a:p>
+              </p:txBody>
+            </p:sp>
+          </mc:Choice>
+          <mc:Fallback>
+            <p:sp>
+              <p:nvSpPr>
+                <p:cNvPr id="12" name="TextBox 11">
+                  <a:extLst>
+                    <a:ext uri="{FF2B5EF4-FFF2-40B4-BE49-F238E27FC236}">
+                      <a16:creationId xmlns:a16="http://schemas.microsoft.com/office/drawing/2014/main" id="{19E4EA2B-381A-2343-A7FE-B94169D02032}"/>
+                    </a:ext>
+                  </a:extLst>
+                </p:cNvPr>
+                <p:cNvSpPr txBox="1">
+                  <a:spLocks noRot="1" noChangeAspect="1" noMove="1" noResize="1" noEditPoints="1" noAdjustHandles="1" noChangeArrowheads="1" noChangeShapeType="1" noTextEdit="1"/>
+                </p:cNvSpPr>
+                <p:nvPr/>
+              </p:nvSpPr>
+              <p:spPr>
+                <a:xfrm>
+                  <a:off x="5486400" y="3657600"/>
+                  <a:ext cx="426142" cy="288797"/>
+                </a:xfrm>
+                <a:prstGeom prst="rect">
+                  <a:avLst/>
+                </a:prstGeom>
+                <a:blipFill>
+                  <a:blip r:embed="rId7"/>
+                  <a:stretch>
+                    <a:fillRect l="-13333" t="-5263" r="-16667" b="-26316"/>
+                  </a:stretch>
+                </a:blipFill>
+              </p:spPr>
+              <p:txBody>
+                <a:bodyPr/>
+                <a:lstStyle/>
+                <a:p>
+                  <a:r>
+                    <a:rPr lang="en-US">
+                      <a:noFill/>
+                    </a:rPr>
+                    <a:t> </a:t>
+                  </a:r>
+                </a:p>
+              </p:txBody>
+            </p:sp>
+          </mc:Fallback>
+        </mc:AlternateContent>
+        <mc:AlternateContent xmlns:mc="http://schemas.openxmlformats.org/markup-compatibility/2006">
+          <mc:Choice xmlns:a14="http://schemas.microsoft.com/office/drawing/2010/main" Requires="a14">
+            <p:sp>
+              <p:nvSpPr>
+                <p:cNvPr id="13" name="TextBox 12">
+                  <a:extLst>
+                    <a:ext uri="{FF2B5EF4-FFF2-40B4-BE49-F238E27FC236}">
+                      <a16:creationId xmlns:a16="http://schemas.microsoft.com/office/drawing/2014/main" id="{0A9C7975-A642-3E47-A289-8991BF1C76A8}"/>
+                    </a:ext>
+                  </a:extLst>
+                </p:cNvPr>
+                <p:cNvSpPr txBox="1"/>
+                <p:nvPr/>
+              </p:nvSpPr>
+              <p:spPr>
+                <a:xfrm>
+                  <a:off x="4749800" y="3657600"/>
+                  <a:ext cx="426142" cy="288797"/>
+                </a:xfrm>
+                <a:prstGeom prst="rect">
+                  <a:avLst/>
+                </a:prstGeom>
+                <a:solidFill>
+                  <a:schemeClr val="bg1"/>
+                </a:solidFill>
+              </p:spPr>
+              <p:txBody>
+                <a:bodyPr wrap="none" lIns="0" tIns="0" rIns="0" bIns="0" rtlCol="0">
+                  <a:spAutoFit/>
+                </a:bodyPr>
+                <a:lstStyle/>
+                <a:p>
+                  <a14:m>
+                    <m:oMathPara xmlns:m="http://schemas.openxmlformats.org/officeDocument/2006/math">
+                      <m:oMathParaPr>
+                        <m:jc m:val="centerGroup"/>
+                      </m:oMathParaPr>
+                      <m:oMath xmlns:m="http://schemas.openxmlformats.org/officeDocument/2006/math">
+                        <m:sSup>
+                          <m:sSupPr>
+                            <m:ctrlPr>
+                              <a:rPr lang="en-US" b="0" i="1" smtClean="0">
+                                <a:latin typeface="Cambria Math" panose="02040503050406030204" pitchFamily="18" charset="0"/>
+                              </a:rPr>
+                            </m:ctrlPr>
+                          </m:sSupPr>
+                          <m:e>
+                            <m:r>
+                              <a:rPr lang="en-US" b="0" i="1" smtClean="0">
+                                <a:latin typeface="Cambria Math" panose="02040503050406030204" pitchFamily="18" charset="0"/>
+                              </a:rPr>
+                              <m:t>𝑥</m:t>
+                            </m:r>
+                          </m:e>
+                          <m:sup>
+                            <m:r>
+                              <a:rPr lang="en-US" b="0" i="1" smtClean="0">
+                                <a:latin typeface="Cambria Math" panose="02040503050406030204" pitchFamily="18" charset="0"/>
+                              </a:rPr>
+                              <m:t>[1]</m:t>
+                            </m:r>
+                          </m:sup>
+                        </m:sSup>
+                      </m:oMath>
+                    </m:oMathPara>
+                  </a14:m>
+                  <a:endParaRPr lang="en-US" dirty="0"/>
+                </a:p>
+              </p:txBody>
+            </p:sp>
+          </mc:Choice>
+          <mc:Fallback>
+            <p:sp>
+              <p:nvSpPr>
+                <p:cNvPr id="13" name="TextBox 12">
+                  <a:extLst>
+                    <a:ext uri="{FF2B5EF4-FFF2-40B4-BE49-F238E27FC236}">
+                      <a16:creationId xmlns:a16="http://schemas.microsoft.com/office/drawing/2014/main" id="{0A9C7975-A642-3E47-A289-8991BF1C76A8}"/>
+                    </a:ext>
+                  </a:extLst>
+                </p:cNvPr>
+                <p:cNvSpPr txBox="1">
+                  <a:spLocks noRot="1" noChangeAspect="1" noMove="1" noResize="1" noEditPoints="1" noAdjustHandles="1" noChangeArrowheads="1" noChangeShapeType="1" noTextEdit="1"/>
+                </p:cNvSpPr>
+                <p:nvPr/>
+              </p:nvSpPr>
+              <p:spPr>
+                <a:xfrm>
+                  <a:off x="4749800" y="3657600"/>
+                  <a:ext cx="426142" cy="288797"/>
+                </a:xfrm>
+                <a:prstGeom prst="rect">
+                  <a:avLst/>
+                </a:prstGeom>
+                <a:blipFill>
+                  <a:blip r:embed="rId8"/>
+                  <a:stretch>
+                    <a:fillRect l="-13333" t="-5263" r="-16667" b="-26316"/>
+                  </a:stretch>
+                </a:blipFill>
+              </p:spPr>
+              <p:txBody>
+                <a:bodyPr/>
+                <a:lstStyle/>
+                <a:p>
+                  <a:r>
+                    <a:rPr lang="en-US">
+                      <a:noFill/>
+                    </a:rPr>
+                    <a:t> </a:t>
+                  </a:r>
+                </a:p>
+              </p:txBody>
+            </p:sp>
+          </mc:Fallback>
+        </mc:AlternateContent>
+        <mc:AlternateContent xmlns:mc="http://schemas.openxmlformats.org/markup-compatibility/2006">
+          <mc:Choice xmlns:a14="http://schemas.microsoft.com/office/drawing/2010/main" Requires="a14">
+            <p:sp>
+              <p:nvSpPr>
+                <p:cNvPr id="14" name="TextBox 13">
+                  <a:extLst>
+                    <a:ext uri="{FF2B5EF4-FFF2-40B4-BE49-F238E27FC236}">
+                      <a16:creationId xmlns:a16="http://schemas.microsoft.com/office/drawing/2014/main" id="{59DA8D9F-32D7-D84B-86E6-9F62C267DFBF}"/>
+                    </a:ext>
+                  </a:extLst>
+                </p:cNvPr>
+                <p:cNvSpPr txBox="1"/>
+                <p:nvPr/>
+              </p:nvSpPr>
+              <p:spPr>
+                <a:xfrm>
+                  <a:off x="4076410" y="3657600"/>
+                  <a:ext cx="426142" cy="288797"/>
+                </a:xfrm>
+                <a:prstGeom prst="rect">
+                  <a:avLst/>
+                </a:prstGeom>
+                <a:solidFill>
+                  <a:schemeClr val="bg1"/>
+                </a:solidFill>
+              </p:spPr>
+              <p:txBody>
+                <a:bodyPr wrap="none" lIns="0" tIns="0" rIns="0" bIns="0" rtlCol="0">
+                  <a:spAutoFit/>
+                </a:bodyPr>
+                <a:lstStyle/>
+                <a:p>
+                  <a14:m>
+                    <m:oMathPara xmlns:m="http://schemas.openxmlformats.org/officeDocument/2006/math">
+                      <m:oMathParaPr>
+                        <m:jc m:val="centerGroup"/>
+                      </m:oMathParaPr>
+                      <m:oMath xmlns:m="http://schemas.openxmlformats.org/officeDocument/2006/math">
+                        <m:sSup>
+                          <m:sSupPr>
+                            <m:ctrlPr>
+                              <a:rPr lang="en-US" b="0" i="1" smtClean="0">
+                                <a:latin typeface="Cambria Math" panose="02040503050406030204" pitchFamily="18" charset="0"/>
+                              </a:rPr>
+                            </m:ctrlPr>
+                          </m:sSupPr>
+                          <m:e>
+                            <m:r>
+                              <a:rPr lang="en-US" b="0" i="1" smtClean="0">
+                                <a:latin typeface="Cambria Math" panose="02040503050406030204" pitchFamily="18" charset="0"/>
+                              </a:rPr>
+                              <m:t>𝑥</m:t>
+                            </m:r>
+                          </m:e>
+                          <m:sup>
+                            <m:r>
+                              <a:rPr lang="en-US" b="0" i="1" smtClean="0">
+                                <a:latin typeface="Cambria Math" panose="02040503050406030204" pitchFamily="18" charset="0"/>
+                              </a:rPr>
+                              <m:t>[2]</m:t>
+                            </m:r>
+                          </m:sup>
+                        </m:sSup>
+                      </m:oMath>
+                    </m:oMathPara>
+                  </a14:m>
+                  <a:endParaRPr lang="en-US" dirty="0"/>
+                </a:p>
+              </p:txBody>
+            </p:sp>
+          </mc:Choice>
+          <mc:Fallback>
+            <p:sp>
+              <p:nvSpPr>
+                <p:cNvPr id="14" name="TextBox 13">
+                  <a:extLst>
+                    <a:ext uri="{FF2B5EF4-FFF2-40B4-BE49-F238E27FC236}">
+                      <a16:creationId xmlns:a16="http://schemas.microsoft.com/office/drawing/2014/main" id="{59DA8D9F-32D7-D84B-86E6-9F62C267DFBF}"/>
+                    </a:ext>
+                  </a:extLst>
+                </p:cNvPr>
+                <p:cNvSpPr txBox="1">
+                  <a:spLocks noRot="1" noChangeAspect="1" noMove="1" noResize="1" noEditPoints="1" noAdjustHandles="1" noChangeArrowheads="1" noChangeShapeType="1" noTextEdit="1"/>
+                </p:cNvSpPr>
+                <p:nvPr/>
+              </p:nvSpPr>
+              <p:spPr>
+                <a:xfrm>
+                  <a:off x="4076410" y="3657600"/>
+                  <a:ext cx="426142" cy="288797"/>
+                </a:xfrm>
+                <a:prstGeom prst="rect">
+                  <a:avLst/>
+                </a:prstGeom>
+                <a:blipFill>
+                  <a:blip r:embed="rId9"/>
+                  <a:stretch>
+                    <a:fillRect l="-17241" t="-5263" r="-20690" b="-26316"/>
+                  </a:stretch>
+                </a:blipFill>
+              </p:spPr>
+              <p:txBody>
+                <a:bodyPr/>
+                <a:lstStyle/>
+                <a:p>
+                  <a:r>
+                    <a:rPr lang="en-US">
+                      <a:noFill/>
+                    </a:rPr>
+                    <a:t> </a:t>
+                  </a:r>
+                </a:p>
+              </p:txBody>
+            </p:sp>
+          </mc:Fallback>
+        </mc:AlternateContent>
+      </p:grpSp>
+      <p:sp>
+        <p:nvSpPr>
+          <p:cNvPr id="18" name="Rectangle 17">
+            <a:extLst>
+              <a:ext uri="{FF2B5EF4-FFF2-40B4-BE49-F238E27FC236}">
+                <a16:creationId xmlns:a16="http://schemas.microsoft.com/office/drawing/2014/main" id="{02487CEF-6B7F-A349-84AC-B5D24AFD83B8}"/>
+              </a:ext>
+            </a:extLst>
+          </p:cNvPr>
+          <p:cNvSpPr/>
+          <p:nvPr/>
+        </p:nvSpPr>
+        <p:spPr>
+          <a:xfrm>
+            <a:off x="457199" y="1367135"/>
+            <a:ext cx="8361919" cy="461665"/>
+          </a:xfrm>
+          <a:prstGeom prst="rect">
+            <a:avLst/>
+          </a:prstGeom>
+        </p:spPr>
+        <p:txBody>
+          <a:bodyPr wrap="square">
+            <a:spAutoFit/>
+          </a:bodyPr>
+          <a:lstStyle/>
+          <a:p>
+            <a:r>
+              <a:rPr lang="en-US" sz="2400" b="1" dirty="0"/>
+              <a:t>Newton’s method for finding roots, that is where </a:t>
+            </a:r>
+            <a:r>
+              <a:rPr lang="en-US" sz="2400" b="1" i="1" dirty="0"/>
+              <a:t>f(x)=0.</a:t>
+            </a:r>
+          </a:p>
+        </p:txBody>
+      </p:sp>
     </p:spTree>
     <p:extLst>
       <p:ext uri="{BB962C8B-B14F-4D97-AF65-F5344CB8AC3E}">
@@ -7076,7 +7906,34 @@
                                           </p:stCondLst>
                                         </p:cTn>
                                         <p:tgtEl>
-                                          <p:spTgt spid="6"/>
+                                          <p:spTgt spid="16"/>
+                                        </p:tgtEl>
+                                        <p:attrNameLst>
+                                          <p:attrName>style.visibility</p:attrName>
+                                        </p:attrNameLst>
+                                      </p:cBhvr>
+                                      <p:to>
+                                        <p:strVal val="visible"/>
+                                      </p:to>
+                                    </p:set>
+                                  </p:childTnLst>
+                                </p:cTn>
+                              </p:par>
+                              <p:par>
+                                <p:cTn id="7" presetID="1" presetClass="entr" presetSubtype="0" fill="hold" grpId="0" nodeType="withEffect">
+                                  <p:stCondLst>
+                                    <p:cond delay="0"/>
+                                  </p:stCondLst>
+                                  <p:childTnLst>
+                                    <p:set>
+                                      <p:cBhvr>
+                                        <p:cTn id="8" dur="1" fill="hold">
+                                          <p:stCondLst>
+                                            <p:cond delay="0"/>
+                                          </p:stCondLst>
+                                        </p:cTn>
+                                        <p:tgtEl>
+                                          <p:spTgt spid="18"/>
                                         </p:tgtEl>
                                         <p:attrNameLst>
                                           <p:attrName>style.visibility</p:attrName>
@@ -7096,32 +7953,85 @@
                     </p:cTn>
                   </p:par>
                   <p:par>
-                    <p:cTn id="7" fill="hold">
+                    <p:cTn id="9" fill="hold">
                       <p:stCondLst>
                         <p:cond delay="indefinite"/>
                       </p:stCondLst>
                       <p:childTnLst>
                         <p:par>
-                          <p:cTn id="8" fill="hold">
+                          <p:cTn id="10" fill="hold">
                             <p:stCondLst>
                               <p:cond delay="0"/>
                             </p:stCondLst>
                             <p:childTnLst>
                               <p:par>
-                                <p:cTn id="9" presetID="1" presetClass="entr" presetSubtype="0" fill="hold" grpId="0" nodeType="clickEffect">
+                                <p:cTn id="11" presetID="1" presetClass="entr" presetSubtype="0" fill="hold" nodeType="clickEffect">
                                   <p:stCondLst>
                                     <p:cond delay="0"/>
                                   </p:stCondLst>
                                   <p:childTnLst>
                                     <p:set>
                                       <p:cBhvr>
-                                        <p:cTn id="10" dur="1" fill="hold">
+                                        <p:cTn id="12" dur="1" fill="hold">
                                           <p:stCondLst>
                                             <p:cond delay="0"/>
                                           </p:stCondLst>
                                         </p:cTn>
                                         <p:tgtEl>
-                                          <p:spTgt spid="7"/>
+                                          <p:spTgt spid="7">
+                                            <p:txEl>
+                                              <p:pRg st="0" end="0"/>
+                                            </p:txEl>
+                                          </p:spTgt>
+                                        </p:tgtEl>
+                                        <p:attrNameLst>
+                                          <p:attrName>style.visibility</p:attrName>
+                                        </p:attrNameLst>
+                                      </p:cBhvr>
+                                      <p:to>
+                                        <p:strVal val="visible"/>
+                                      </p:to>
+                                    </p:set>
+                                  </p:childTnLst>
+                                </p:cTn>
+                              </p:par>
+                            </p:childTnLst>
+                          </p:cTn>
+                        </p:par>
+                      </p:childTnLst>
+                    </p:cTn>
+                  </p:par>
+                  <p:par>
+                    <p:cTn id="13" fill="hold">
+                      <p:stCondLst>
+                        <p:cond delay="indefinite"/>
+                      </p:stCondLst>
+                      <p:childTnLst>
+                        <p:par>
+                          <p:cTn id="14" fill="hold">
+                            <p:stCondLst>
+                              <p:cond delay="0"/>
+                            </p:stCondLst>
+                            <p:childTnLst>
+                              <p:par>
+                                <p:cTn id="15" presetID="1" presetClass="entr" presetSubtype="0" fill="hold" nodeType="clickEffect">
+                                  <p:stCondLst>
+                                    <p:cond delay="0"/>
+                                  </p:stCondLst>
+                                  <p:childTnLst>
+                                    <p:set>
+                                      <p:cBhvr>
+                                        <p:cTn id="16" dur="1" fill="hold">
+                                          <p:stCondLst>
+                                            <p:cond delay="0"/>
+                                          </p:stCondLst>
+                                        </p:cTn>
+                                        <p:tgtEl>
+                                          <p:spTgt spid="7">
+                                            <p:txEl>
+                                              <p:pRg st="1" end="1"/>
+                                            </p:txEl>
+                                          </p:spTgt>
                                         </p:tgtEl>
                                         <p:attrNameLst>
                                           <p:attrName>style.visibility</p:attrName>
@@ -7162,13 +8072,13 @@
       </p:par>
     </p:tnLst>
     <p:bldLst>
-      <p:bldP spid="7" grpId="0"/>
+      <p:bldP spid="18" grpId="0"/>
     </p:bldLst>
   </p:timing>
 </p:sld>
 </file>
 
-<file path=ppt/slides/slide13.xml><?xml version="1.0" encoding="utf-8"?>
+<file path=ppt/slides/slide14.xml><?xml version="1.0" encoding="utf-8"?>
 <p:sld xmlns:a="http://schemas.openxmlformats.org/drawingml/2006/main" xmlns:r="http://schemas.openxmlformats.org/officeDocument/2006/relationships" xmlns:p="http://schemas.openxmlformats.org/presentationml/2006/main">
   <p:cSld>
     <p:spTree>
@@ -7231,7 +8141,12 @@
                 <p:ph idx="1"/>
               </p:nvPr>
             </p:nvSpPr>
-            <p:spPr/>
+            <p:spPr>
+              <a:xfrm>
+                <a:off x="685800" y="1143000"/>
+                <a:ext cx="8229600" cy="4572001"/>
+              </a:xfrm>
+            </p:spPr>
             <p:txBody>
               <a:bodyPr/>
               <a:lstStyle/>
@@ -7288,15 +8203,21 @@
                       <m:jc m:val="centerGroup"/>
                     </m:oMathParaPr>
                     <m:oMath xmlns:m="http://schemas.openxmlformats.org/officeDocument/2006/math">
-                      <m:sSub>
-                        <m:sSubPr>
+                      <m:sSup>
+                        <m:sSupPr>
                           <m:ctrlPr>
                             <a:rPr lang="en-US" i="1">
                               <a:latin typeface="Cambria Math" panose="02040503050406030204" pitchFamily="18" charset="0"/>
                             </a:rPr>
                           </m:ctrlPr>
-                        </m:sSubPr>
+                        </m:sSupPr>
                         <m:e>
+                          <m:r>
+                            <a:rPr lang="en-US">
+                              <a:latin typeface="Cambria Math" panose="02040503050406030204" pitchFamily="18" charset="0"/>
+                            </a:rPr>
+                            <m:t> </m:t>
+                          </m:r>
                           <m:r>
                             <a:rPr lang="en-US" i="1">
                               <a:latin typeface="Cambria Math" panose="02040503050406030204" pitchFamily="18" charset="0"/>
@@ -7304,38 +8225,13 @@
                             <m:t>𝑥</m:t>
                           </m:r>
                         </m:e>
-                        <m:sub>
+                        <m:sup>
                           <m:r>
                             <a:rPr lang="en-US" i="1">
                               <a:latin typeface="Cambria Math" panose="02040503050406030204" pitchFamily="18" charset="0"/>
                             </a:rPr>
-                            <m:t>𝑛</m:t>
+                            <m:t>[</m:t>
                           </m:r>
-                        </m:sub>
-                      </m:sSub>
-                      <m:r>
-                        <a:rPr lang="en-US" i="1">
-                          <a:latin typeface="Cambria Math" panose="02040503050406030204" pitchFamily="18" charset="0"/>
-                        </a:rPr>
-                        <m:t>=</m:t>
-                      </m:r>
-                      <m:sSub>
-                        <m:sSubPr>
-                          <m:ctrlPr>
-                            <a:rPr lang="en-US" i="1">
-                              <a:latin typeface="Cambria Math" panose="02040503050406030204" pitchFamily="18" charset="0"/>
-                            </a:rPr>
-                          </m:ctrlPr>
-                        </m:sSubPr>
-                        <m:e>
-                          <m:r>
-                            <a:rPr lang="en-US" i="1">
-                              <a:latin typeface="Cambria Math" panose="02040503050406030204" pitchFamily="18" charset="0"/>
-                            </a:rPr>
-                            <m:t>𝑥</m:t>
-                          </m:r>
-                        </m:e>
-                        <m:sub>
                           <m:r>
                             <a:rPr lang="en-US" i="1">
                               <a:latin typeface="Cambria Math" panose="02040503050406030204" pitchFamily="18" charset="0"/>
@@ -7346,10 +8242,53 @@
                             <a:rPr lang="en-US" i="1">
                               <a:latin typeface="Cambria Math" panose="02040503050406030204" pitchFamily="18" charset="0"/>
                             </a:rPr>
-                            <m:t>−1</m:t>
+                            <m:t>]</m:t>
                           </m:r>
-                        </m:sub>
-                      </m:sSub>
+                        </m:sup>
+                      </m:sSup>
+                      <m:r>
+                        <a:rPr lang="en-US" i="1">
+                          <a:latin typeface="Cambria Math" panose="02040503050406030204" pitchFamily="18" charset="0"/>
+                        </a:rPr>
+                        <m:t>=</m:t>
+                      </m:r>
+                      <m:sSup>
+                        <m:sSupPr>
+                          <m:ctrlPr>
+                            <a:rPr lang="en-US" i="1">
+                              <a:latin typeface="Cambria Math" panose="02040503050406030204" pitchFamily="18" charset="0"/>
+                            </a:rPr>
+                          </m:ctrlPr>
+                        </m:sSupPr>
+                        <m:e>
+                          <m:r>
+                            <a:rPr lang="en-US" i="1">
+                              <a:latin typeface="Cambria Math" panose="02040503050406030204" pitchFamily="18" charset="0"/>
+                            </a:rPr>
+                            <m:t>𝑥</m:t>
+                          </m:r>
+                        </m:e>
+                        <m:sup>
+                          <m:r>
+                            <a:rPr lang="en-US" i="1">
+                              <a:latin typeface="Cambria Math" panose="02040503050406030204" pitchFamily="18" charset="0"/>
+                            </a:rPr>
+                            <m:t>[</m:t>
+                          </m:r>
+                          <m:r>
+                            <a:rPr lang="en-US" i="1">
+                              <a:latin typeface="Cambria Math" panose="02040503050406030204" pitchFamily="18" charset="0"/>
+                            </a:rPr>
+                            <m:t>𝑛</m:t>
+                          </m:r>
+                          <m:r>
+                            <a:rPr lang="en-US" i="1">
+                              <a:latin typeface="Cambria Math" panose="02040503050406030204" pitchFamily="18" charset="0"/>
+                            </a:rPr>
+                            <m:t>−1]</m:t>
+                          </m:r>
+                        </m:sup>
+                      </m:sSup>
                       <m:r>
                         <a:rPr lang="en-US" i="1">
                           <a:latin typeface="Cambria Math" panose="02040503050406030204" pitchFamily="18" charset="0"/>
@@ -7383,14 +8322,14 @@
                             </a:rPr>
                             <m:t>(</m:t>
                           </m:r>
-                          <m:sSub>
-                            <m:sSubPr>
+                          <m:sSup>
+                            <m:sSupPr>
                               <m:ctrlPr>
                                 <a:rPr lang="en-US" i="1">
                                   <a:latin typeface="Cambria Math" panose="02040503050406030204" pitchFamily="18" charset="0"/>
                                 </a:rPr>
                               </m:ctrlPr>
-                            </m:sSubPr>
+                            </m:sSupPr>
                             <m:e>
                               <m:r>
                                 <a:rPr lang="en-US" i="1">
@@ -7399,21 +8338,34 @@
                                 <m:t>𝑥</m:t>
                               </m:r>
                             </m:e>
-                            <m:sub>
-                              <m:r>
-                                <a:rPr lang="en-US" i="1">
-                                  <a:latin typeface="Cambria Math" panose="02040503050406030204" pitchFamily="18" charset="0"/>
-                                </a:rPr>
-                                <m:t>𝑛</m:t>
-                              </m:r>
-                              <m:r>
-                                <a:rPr lang="en-US" i="1">
-                                  <a:latin typeface="Cambria Math" panose="02040503050406030204" pitchFamily="18" charset="0"/>
-                                </a:rPr>
-                                <m:t>−1</m:t>
-                              </m:r>
-                            </m:sub>
-                          </m:sSub>
+                            <m:sup>
+                              <m:d>
+                                <m:dPr>
+                                  <m:begChr m:val="["/>
+                                  <m:endChr m:val="]"/>
+                                  <m:ctrlPr>
+                                    <a:rPr lang="en-US" i="1">
+                                      <a:latin typeface="Cambria Math" panose="02040503050406030204" pitchFamily="18" charset="0"/>
+                                    </a:rPr>
+                                  </m:ctrlPr>
+                                </m:dPr>
+                                <m:e>
+                                  <m:r>
+                                    <a:rPr lang="en-US" i="1">
+                                      <a:latin typeface="Cambria Math" panose="02040503050406030204" pitchFamily="18" charset="0"/>
+                                    </a:rPr>
+                                    <m:t>𝑛</m:t>
+                                  </m:r>
+                                  <m:r>
+                                    <a:rPr lang="en-US" i="1">
+                                      <a:latin typeface="Cambria Math" panose="02040503050406030204" pitchFamily="18" charset="0"/>
+                                    </a:rPr>
+                                    <m:t>−1</m:t>
+                                  </m:r>
+                                </m:e>
+                              </m:d>
+                            </m:sup>
+                          </m:sSup>
                           <m:r>
                             <a:rPr lang="en-US" i="1">
                               <a:latin typeface="Cambria Math" panose="02040503050406030204" pitchFamily="18" charset="0"/>
@@ -7446,14 +8398,14 @@
                             </a:rPr>
                             <m:t>(</m:t>
                           </m:r>
-                          <m:sSub>
-                            <m:sSubPr>
+                          <m:sSup>
+                            <m:sSupPr>
                               <m:ctrlPr>
                                 <a:rPr lang="en-US" i="1">
                                   <a:latin typeface="Cambria Math" panose="02040503050406030204" pitchFamily="18" charset="0"/>
                                 </a:rPr>
                               </m:ctrlPr>
-                            </m:sSubPr>
+                            </m:sSupPr>
                             <m:e>
                               <m:r>
                                 <a:rPr lang="en-US" i="1">
@@ -7462,21 +8414,34 @@
                                 <m:t>𝑥</m:t>
                               </m:r>
                             </m:e>
-                            <m:sub>
-                              <m:r>
-                                <a:rPr lang="en-US" i="1">
-                                  <a:latin typeface="Cambria Math" panose="02040503050406030204" pitchFamily="18" charset="0"/>
-                                </a:rPr>
-                                <m:t>𝑛</m:t>
-                              </m:r>
-                              <m:r>
-                                <a:rPr lang="en-US" i="1">
-                                  <a:latin typeface="Cambria Math" panose="02040503050406030204" pitchFamily="18" charset="0"/>
-                                </a:rPr>
-                                <m:t>−1</m:t>
-                              </m:r>
-                            </m:sub>
-                          </m:sSub>
+                            <m:sup>
+                              <m:d>
+                                <m:dPr>
+                                  <m:begChr m:val="["/>
+                                  <m:endChr m:val="]"/>
+                                  <m:ctrlPr>
+                                    <a:rPr lang="en-US" i="1">
+                                      <a:latin typeface="Cambria Math" panose="02040503050406030204" pitchFamily="18" charset="0"/>
+                                    </a:rPr>
+                                  </m:ctrlPr>
+                                </m:dPr>
+                                <m:e>
+                                  <m:r>
+                                    <a:rPr lang="en-US" i="1">
+                                      <a:latin typeface="Cambria Math" panose="02040503050406030204" pitchFamily="18" charset="0"/>
+                                    </a:rPr>
+                                    <m:t>𝑛</m:t>
+                                  </m:r>
+                                  <m:r>
+                                    <a:rPr lang="en-US" i="1">
+                                      <a:latin typeface="Cambria Math" panose="02040503050406030204" pitchFamily="18" charset="0"/>
+                                    </a:rPr>
+                                    <m:t>−1</m:t>
+                                  </m:r>
+                                </m:e>
+                              </m:d>
+                            </m:sup>
+                          </m:sSup>
                           <m:r>
                             <a:rPr lang="en-US" i="1">
                               <a:latin typeface="Cambria Math" panose="02040503050406030204" pitchFamily="18" charset="0"/>
@@ -7495,6 +8460,248 @@
                   <a:rPr lang="en-US" dirty="0"/>
                   <a:t>Gauss-Newton generalizes from scalar valued functions to vector valued function</a:t>
                 </a:r>
+              </a:p>
+              <a:p>
+                <a:pPr marL="457200" lvl="1" indent="0">
+                  <a:buNone/>
+                </a:pPr>
+                <a14:m>
+                  <m:oMathPara xmlns:m="http://schemas.openxmlformats.org/officeDocument/2006/math">
+                    <m:oMathParaPr>
+                      <m:jc m:val="centerGroup"/>
+                    </m:oMathParaPr>
+                    <m:oMath xmlns:m="http://schemas.openxmlformats.org/officeDocument/2006/math">
+                      <m:sSup>
+                        <m:sSupPr>
+                          <m:ctrlPr>
+                            <a:rPr lang="en-US" b="0" i="1" smtClean="0">
+                              <a:latin typeface="Cambria Math" panose="02040503050406030204" pitchFamily="18" charset="0"/>
+                            </a:rPr>
+                          </m:ctrlPr>
+                        </m:sSupPr>
+                        <m:e>
+                          <m:r>
+                            <a:rPr lang="en-US" b="0" i="1" smtClean="0">
+                              <a:latin typeface="Cambria Math" panose="02040503050406030204" pitchFamily="18" charset="0"/>
+                            </a:rPr>
+                            <m:t>𝜃</m:t>
+                          </m:r>
+                        </m:e>
+                        <m:sup>
+                          <m:r>
+                            <a:rPr lang="en-US" b="0" i="1" smtClean="0">
+                              <a:latin typeface="Cambria Math" panose="02040503050406030204" pitchFamily="18" charset="0"/>
+                            </a:rPr>
+                            <m:t>[</m:t>
+                          </m:r>
+                          <m:r>
+                            <a:rPr lang="en-US" b="0" i="1" smtClean="0">
+                              <a:latin typeface="Cambria Math" panose="02040503050406030204" pitchFamily="18" charset="0"/>
+                            </a:rPr>
+                            <m:t>𝑛</m:t>
+                          </m:r>
+                          <m:r>
+                            <a:rPr lang="en-US" b="0" i="1" smtClean="0">
+                              <a:latin typeface="Cambria Math" panose="02040503050406030204" pitchFamily="18" charset="0"/>
+                            </a:rPr>
+                            <m:t>]</m:t>
+                          </m:r>
+                        </m:sup>
+                      </m:sSup>
+                      <m:r>
+                        <a:rPr lang="en-US" b="0" i="1" smtClean="0">
+                          <a:latin typeface="Cambria Math" panose="02040503050406030204" pitchFamily="18" charset="0"/>
+                        </a:rPr>
+                        <m:t>=</m:t>
+                      </m:r>
+                      <m:sSup>
+                        <m:sSupPr>
+                          <m:ctrlPr>
+                            <a:rPr lang="en-US" b="0" i="1" smtClean="0">
+                              <a:latin typeface="Cambria Math" panose="02040503050406030204" pitchFamily="18" charset="0"/>
+                            </a:rPr>
+                          </m:ctrlPr>
+                        </m:sSupPr>
+                        <m:e>
+                          <m:r>
+                            <a:rPr lang="en-US" b="0" i="1" smtClean="0">
+                              <a:latin typeface="Cambria Math" panose="02040503050406030204" pitchFamily="18" charset="0"/>
+                            </a:rPr>
+                            <m:t>𝜃</m:t>
+                          </m:r>
+                        </m:e>
+                        <m:sup>
+                          <m:r>
+                            <a:rPr lang="en-US" b="0" i="1" smtClean="0">
+                              <a:latin typeface="Cambria Math" panose="02040503050406030204" pitchFamily="18" charset="0"/>
+                            </a:rPr>
+                            <m:t>[</m:t>
+                          </m:r>
+                          <m:r>
+                            <a:rPr lang="en-US" b="0" i="1" smtClean="0">
+                              <a:latin typeface="Cambria Math" panose="02040503050406030204" pitchFamily="18" charset="0"/>
+                            </a:rPr>
+                            <m:t>𝑛</m:t>
+                          </m:r>
+                          <m:r>
+                            <a:rPr lang="en-US" b="0" i="1" smtClean="0">
+                              <a:latin typeface="Cambria Math" panose="02040503050406030204" pitchFamily="18" charset="0"/>
+                            </a:rPr>
+                            <m:t>−1]</m:t>
+                          </m:r>
+                        </m:sup>
+                      </m:sSup>
+                      <m:r>
+                        <a:rPr lang="en-US" b="0" i="1" smtClean="0">
+                          <a:latin typeface="Cambria Math" panose="02040503050406030204" pitchFamily="18" charset="0"/>
+                        </a:rPr>
+                        <m:t>−</m:t>
+                      </m:r>
+                      <m:sSup>
+                        <m:sSupPr>
+                          <m:ctrlPr>
+                            <a:rPr lang="en-US" b="0" i="1" smtClean="0">
+                              <a:latin typeface="Cambria Math" panose="02040503050406030204" pitchFamily="18" charset="0"/>
+                            </a:rPr>
+                          </m:ctrlPr>
+                        </m:sSupPr>
+                        <m:e>
+                          <m:sSup>
+                            <m:sSupPr>
+                              <m:ctrlPr>
+                                <a:rPr lang="en-US" b="0" i="1" smtClean="0">
+                                  <a:latin typeface="Cambria Math" panose="02040503050406030204" pitchFamily="18" charset="0"/>
+                                </a:rPr>
+                              </m:ctrlPr>
+                            </m:sSupPr>
+                            <m:e>
+                              <m:r>
+                                <a:rPr lang="en-US" b="0" i="1" smtClean="0">
+                                  <a:latin typeface="Cambria Math" panose="02040503050406030204" pitchFamily="18" charset="0"/>
+                                </a:rPr>
+                                <m:t>(</m:t>
+                              </m:r>
+                              <m:r>
+                                <a:rPr lang="en-US" b="0" i="1" smtClean="0">
+                                  <a:latin typeface="Cambria Math" panose="02040503050406030204" pitchFamily="18" charset="0"/>
+                                </a:rPr>
+                                <m:t>𝐻</m:t>
+                              </m:r>
+                            </m:e>
+                            <m:sup>
+                              <m:d>
+                                <m:dPr>
+                                  <m:begChr m:val="["/>
+                                  <m:endChr m:val="]"/>
+                                  <m:ctrlPr>
+                                    <a:rPr lang="en-US" b="0" i="1" smtClean="0">
+                                      <a:latin typeface="Cambria Math" panose="02040503050406030204" pitchFamily="18" charset="0"/>
+                                    </a:rPr>
+                                  </m:ctrlPr>
+                                </m:dPr>
+                                <m:e>
+                                  <m:r>
+                                    <a:rPr lang="en-US" b="0" i="1" smtClean="0">
+                                      <a:latin typeface="Cambria Math" panose="02040503050406030204" pitchFamily="18" charset="0"/>
+                                    </a:rPr>
+                                    <m:t>𝑛</m:t>
+                                  </m:r>
+                                  <m:r>
+                                    <a:rPr lang="en-US" b="0" i="1" smtClean="0">
+                                      <a:latin typeface="Cambria Math" panose="02040503050406030204" pitchFamily="18" charset="0"/>
+                                    </a:rPr>
+                                    <m:t>−1</m:t>
+                                  </m:r>
+                                </m:e>
+                              </m:d>
+                            </m:sup>
+                          </m:sSup>
+                          <m:r>
+                            <a:rPr lang="en-US" b="0" i="1" smtClean="0">
+                              <a:latin typeface="Cambria Math" panose="02040503050406030204" pitchFamily="18" charset="0"/>
+                            </a:rPr>
+                            <m:t>)</m:t>
+                          </m:r>
+                        </m:e>
+                        <m:sup>
+                          <m:r>
+                            <a:rPr lang="en-US" b="0" i="1" smtClean="0">
+                              <a:latin typeface="Cambria Math" panose="02040503050406030204" pitchFamily="18" charset="0"/>
+                            </a:rPr>
+                            <m:t>−1</m:t>
+                          </m:r>
+                        </m:sup>
+                      </m:sSup>
+                      <m:sSup>
+                        <m:sSupPr>
+                          <m:ctrlPr>
+                            <a:rPr lang="en-US" i="1">
+                              <a:latin typeface="Cambria Math" panose="02040503050406030204" pitchFamily="18" charset="0"/>
+                            </a:rPr>
+                          </m:ctrlPr>
+                        </m:sSupPr>
+                        <m:e>
+                          <m:r>
+                            <a:rPr lang="en-US" i="1">
+                              <a:latin typeface="Cambria Math" panose="02040503050406030204" pitchFamily="18" charset="0"/>
+                            </a:rPr>
+                            <m:t>𝑑</m:t>
+                          </m:r>
+                        </m:e>
+                        <m:sup>
+                          <m:d>
+                            <m:dPr>
+                              <m:begChr m:val="["/>
+                              <m:endChr m:val="]"/>
+                              <m:ctrlPr>
+                                <a:rPr lang="en-US" i="1">
+                                  <a:latin typeface="Cambria Math" panose="02040503050406030204" pitchFamily="18" charset="0"/>
+                                </a:rPr>
+                              </m:ctrlPr>
+                            </m:dPr>
+                            <m:e>
+                              <m:r>
+                                <a:rPr lang="en-US" i="1">
+                                  <a:latin typeface="Cambria Math" panose="02040503050406030204" pitchFamily="18" charset="0"/>
+                                </a:rPr>
+                                <m:t>𝑛</m:t>
+                              </m:r>
+                              <m:r>
+                                <a:rPr lang="en-US" i="1">
+                                  <a:latin typeface="Cambria Math" panose="02040503050406030204" pitchFamily="18" charset="0"/>
+                                </a:rPr>
+                                <m:t>−1</m:t>
+                              </m:r>
+                            </m:e>
+                          </m:d>
+                        </m:sup>
+                      </m:sSup>
+                    </m:oMath>
+                  </m:oMathPara>
+                </a14:m>
+                <a:endParaRPr lang="en-US" dirty="0"/>
+              </a:p>
+              <a:p>
+                <a:pPr marL="457200" lvl="1" indent="0">
+                  <a:buNone/>
+                </a:pPr>
+                <a:r>
+                  <a:rPr lang="en-US" i="1" dirty="0"/>
+                  <a:t>d</a:t>
+                </a:r>
+                <a:r>
+                  <a:rPr lang="en-US" dirty="0"/>
+                  <a:t> is Jacobian, </a:t>
+                </a:r>
+                <a:r>
+                  <a:rPr lang="en-US" i="1" dirty="0"/>
+                  <a:t>H</a:t>
+                </a:r>
+                <a:r>
+                  <a:rPr lang="en-US" dirty="0"/>
+                  <a:t> is hessian</a:t>
+                </a:r>
+                <a:endParaRPr lang="en-US" i="1" dirty="0"/>
               </a:p>
               <a:p>
                 <a:r>
@@ -7530,10 +8737,14 @@
               </p:nvPr>
             </p:nvSpPr>
             <p:spPr>
+              <a:xfrm>
+                <a:off x="685800" y="1143000"/>
+                <a:ext cx="8229600" cy="4572001"/>
+              </a:xfrm>
               <a:blipFill>
                 <a:blip r:embed="rId2"/>
                 <a:stretch>
-                  <a:fillRect l="-1852" t="-1944"/>
+                  <a:fillRect l="-1541" t="-1385" r="-154" b="-17452"/>
                 </a:stretch>
               </a:blipFill>
             </p:spPr>
@@ -7581,7 +8792,7 @@
               <a:pPr>
                 <a:defRPr/>
               </a:pPr>
-              <a:t>13</a:t>
+              <a:t>14</a:t>
             </a:fld>
             <a:endParaRPr lang="en-US" altLang="x-none"/>
           </a:p>
@@ -7630,7 +8841,7 @@
 </p:sld>
 </file>
 
-<file path=ppt/slides/slide14.xml><?xml version="1.0" encoding="utf-8"?>
+<file path=ppt/slides/slide15.xml><?xml version="1.0" encoding="utf-8"?>
 <p:sld xmlns:a="http://schemas.openxmlformats.org/drawingml/2006/main" xmlns:r="http://schemas.openxmlformats.org/officeDocument/2006/relationships" xmlns:p="http://schemas.openxmlformats.org/presentationml/2006/main">
   <p:cSld>
     <p:spTree>
@@ -7733,7 +8944,7 @@
               <a:pPr>
                 <a:defRPr/>
               </a:pPr>
-              <a:t>14</a:t>
+              <a:t>15</a:t>
             </a:fld>
             <a:endParaRPr lang="en-US" altLang="x-none"/>
           </a:p>
@@ -7753,6 +8964,152 @@
 </file>
 
 <file path=ppt/slides/slide2.xml><?xml version="1.0" encoding="utf-8"?>
+<p:sld xmlns:a="http://schemas.openxmlformats.org/drawingml/2006/main" xmlns:r="http://schemas.openxmlformats.org/officeDocument/2006/relationships" xmlns:p="http://schemas.openxmlformats.org/presentationml/2006/main">
+  <p:cSld>
+    <p:spTree>
+      <p:nvGrpSpPr>
+        <p:cNvPr id="1" name=""/>
+        <p:cNvGrpSpPr/>
+        <p:nvPr/>
+      </p:nvGrpSpPr>
+      <p:grpSpPr>
+        <a:xfrm>
+          <a:off x="0" y="0"/>
+          <a:ext cx="0" cy="0"/>
+          <a:chOff x="0" y="0"/>
+          <a:chExt cx="0" cy="0"/>
+        </a:xfrm>
+      </p:grpSpPr>
+      <p:sp>
+        <p:nvSpPr>
+          <p:cNvPr id="2" name="Title 1">
+            <a:extLst>
+              <a:ext uri="{FF2B5EF4-FFF2-40B4-BE49-F238E27FC236}">
+                <a16:creationId xmlns:a16="http://schemas.microsoft.com/office/drawing/2014/main" id="{377ED314-7021-E649-A68C-5F30A6A299BA}"/>
+              </a:ext>
+            </a:extLst>
+          </p:cNvPr>
+          <p:cNvSpPr>
+            <a:spLocks noGrp="1"/>
+          </p:cNvSpPr>
+          <p:nvPr>
+            <p:ph type="title"/>
+          </p:nvPr>
+        </p:nvSpPr>
+        <p:spPr/>
+        <p:txBody>
+          <a:bodyPr/>
+          <a:lstStyle/>
+          <a:p>
+            <a:r>
+              <a:rPr lang="en-US" dirty="0"/>
+              <a:t>Notes</a:t>
+            </a:r>
+          </a:p>
+        </p:txBody>
+      </p:sp>
+      <p:sp>
+        <p:nvSpPr>
+          <p:cNvPr id="3" name="Content Placeholder 2">
+            <a:extLst>
+              <a:ext uri="{FF2B5EF4-FFF2-40B4-BE49-F238E27FC236}">
+                <a16:creationId xmlns:a16="http://schemas.microsoft.com/office/drawing/2014/main" id="{9EA197F4-808E-1D49-961B-4F1FE5DFD537}"/>
+              </a:ext>
+            </a:extLst>
+          </p:cNvPr>
+          <p:cNvSpPr>
+            <a:spLocks noGrp="1"/>
+          </p:cNvSpPr>
+          <p:nvPr>
+            <p:ph idx="1"/>
+          </p:nvPr>
+        </p:nvSpPr>
+        <p:spPr/>
+        <p:txBody>
+          <a:bodyPr/>
+          <a:lstStyle/>
+          <a:p>
+            <a:r>
+              <a:rPr lang="en-US" dirty="0"/>
+              <a:t>Lab</a:t>
+            </a:r>
+          </a:p>
+          <a:p>
+            <a:pPr lvl="1"/>
+            <a:r>
+              <a:rPr lang="en-US" dirty="0"/>
+              <a:t>Network structures, objective function, optimization algorithm</a:t>
+            </a:r>
+          </a:p>
+          <a:p>
+            <a:pPr lvl="2"/>
+            <a:r>
+              <a:rPr lang="en-US" dirty="0"/>
+              <a:t>Probabilistically choose different species?</a:t>
+            </a:r>
+          </a:p>
+          <a:p>
+            <a:pPr lvl="2"/>
+            <a:r>
+              <a:rPr lang="en-US" dirty="0"/>
+              <a:t>LMFIT only accepts one vector </a:t>
+            </a:r>
+            <a:r>
+              <a:rPr lang="en-US"/>
+              <a:t>of residuals</a:t>
+            </a:r>
+          </a:p>
+        </p:txBody>
+      </p:sp>
+      <p:sp>
+        <p:nvSpPr>
+          <p:cNvPr id="4" name="Slide Number Placeholder 3">
+            <a:extLst>
+              <a:ext uri="{FF2B5EF4-FFF2-40B4-BE49-F238E27FC236}">
+                <a16:creationId xmlns:a16="http://schemas.microsoft.com/office/drawing/2014/main" id="{C16491D8-835C-A34E-B758-848224467705}"/>
+              </a:ext>
+            </a:extLst>
+          </p:cNvPr>
+          <p:cNvSpPr>
+            <a:spLocks noGrp="1"/>
+          </p:cNvSpPr>
+          <p:nvPr>
+            <p:ph type="sldNum" sz="quarter" idx="11"/>
+          </p:nvPr>
+        </p:nvSpPr>
+        <p:spPr/>
+        <p:txBody>
+          <a:bodyPr/>
+          <a:lstStyle/>
+          <a:p>
+            <a:pPr>
+              <a:defRPr/>
+            </a:pPr>
+            <a:fld id="{3EF4E9CC-9D91-476E-91FD-5BEEC1642931}" type="slidenum">
+              <a:rPr lang="en-US" altLang="x-none" smtClean="0"/>
+              <a:pPr>
+                <a:defRPr/>
+              </a:pPr>
+              <a:t>2</a:t>
+            </a:fld>
+            <a:endParaRPr lang="en-US" altLang="x-none"/>
+          </a:p>
+        </p:txBody>
+      </p:sp>
+    </p:spTree>
+    <p:extLst>
+      <p:ext uri="{BB962C8B-B14F-4D97-AF65-F5344CB8AC3E}">
+        <p14:creationId xmlns:p14="http://schemas.microsoft.com/office/powerpoint/2010/main" val="3498267789"/>
+      </p:ext>
+    </p:extLst>
+  </p:cSld>
+  <p:clrMapOvr>
+    <a:masterClrMapping/>
+  </p:clrMapOvr>
+</p:sld>
+</file>
+
+<file path=ppt/slides/slide3.xml><?xml version="1.0" encoding="utf-8"?>
 <p:sld xmlns:a="http://schemas.openxmlformats.org/drawingml/2006/main" xmlns:r="http://schemas.openxmlformats.org/officeDocument/2006/relationships" xmlns:p="http://schemas.openxmlformats.org/presentationml/2006/main">
   <p:cSld>
     <p:spTree>
@@ -7797,7 +9154,7 @@
           <a:p>
             <a:r>
               <a:rPr lang="en-US" sz="6000" dirty="0"/>
-              <a:t>Review</a:t>
+              <a:t>Errata</a:t>
             </a:r>
           </a:p>
         </p:txBody>
@@ -7831,7 +9188,1756 @@
               <a:pPr>
                 <a:defRPr/>
               </a:pPr>
-              <a:t>2</a:t>
+              <a:t>3</a:t>
+            </a:fld>
+            <a:endParaRPr lang="en-US" altLang="x-none"/>
+          </a:p>
+        </p:txBody>
+      </p:sp>
+    </p:spTree>
+    <p:extLst>
+      <p:ext uri="{BB962C8B-B14F-4D97-AF65-F5344CB8AC3E}">
+        <p14:creationId xmlns:p14="http://schemas.microsoft.com/office/powerpoint/2010/main" val="2980941913"/>
+      </p:ext>
+    </p:extLst>
+  </p:cSld>
+  <p:clrMapOvr>
+    <a:masterClrMapping/>
+  </p:clrMapOvr>
+</p:sld>
+</file>
+
+<file path=ppt/slides/slide4.xml><?xml version="1.0" encoding="utf-8"?>
+<p:sld xmlns:a="http://schemas.openxmlformats.org/drawingml/2006/main" xmlns:r="http://schemas.openxmlformats.org/officeDocument/2006/relationships" xmlns:p="http://schemas.openxmlformats.org/presentationml/2006/main">
+  <p:cSld>
+    <p:spTree>
+      <p:nvGrpSpPr>
+        <p:cNvPr id="1" name=""/>
+        <p:cNvGrpSpPr/>
+        <p:nvPr/>
+      </p:nvGrpSpPr>
+      <p:grpSpPr>
+        <a:xfrm>
+          <a:off x="0" y="0"/>
+          <a:ext cx="0" cy="0"/>
+          <a:chOff x="0" y="0"/>
+          <a:chExt cx="0" cy="0"/>
+        </a:xfrm>
+      </p:grpSpPr>
+      <p:sp>
+        <p:nvSpPr>
+          <p:cNvPr id="2" name="Title 1">
+            <a:extLst>
+              <a:ext uri="{FF2B5EF4-FFF2-40B4-BE49-F238E27FC236}">
+                <a16:creationId xmlns:a16="http://schemas.microsoft.com/office/drawing/2014/main" id="{66EDE726-8A45-8545-B532-1DECE75EDD88}"/>
+              </a:ext>
+            </a:extLst>
+          </p:cNvPr>
+          <p:cNvSpPr>
+            <a:spLocks noGrp="1"/>
+          </p:cNvSpPr>
+          <p:nvPr>
+            <p:ph type="title"/>
+          </p:nvPr>
+        </p:nvSpPr>
+        <p:spPr/>
+        <p:txBody>
+          <a:bodyPr/>
+          <a:lstStyle/>
+          <a:p>
+            <a:r>
+              <a:rPr lang="en-US" dirty="0"/>
+              <a:t>Correction to 2 Parameter Model</a:t>
+            </a:r>
+          </a:p>
+        </p:txBody>
+      </p:sp>
+      <p:sp>
+        <p:nvSpPr>
+          <p:cNvPr id="3" name="Content Placeholder 2">
+            <a:extLst>
+              <a:ext uri="{FF2B5EF4-FFF2-40B4-BE49-F238E27FC236}">
+                <a16:creationId xmlns:a16="http://schemas.microsoft.com/office/drawing/2014/main" id="{BF7C375B-B6B2-E942-AAAA-20482B5AF468}"/>
+              </a:ext>
+            </a:extLst>
+          </p:cNvPr>
+          <p:cNvSpPr>
+            <a:spLocks noGrp="1"/>
+          </p:cNvSpPr>
+          <p:nvPr>
+            <p:ph idx="1"/>
+          </p:nvPr>
+        </p:nvSpPr>
+        <p:spPr/>
+        <p:txBody>
+          <a:bodyPr/>
+          <a:lstStyle/>
+          <a:p>
+            <a:r>
+              <a:rPr lang="en-US" dirty="0"/>
+              <a:t>Choosing the right objective function</a:t>
+            </a:r>
+          </a:p>
+        </p:txBody>
+      </p:sp>
+      <p:sp>
+        <p:nvSpPr>
+          <p:cNvPr id="4" name="Slide Number Placeholder 3">
+            <a:extLst>
+              <a:ext uri="{FF2B5EF4-FFF2-40B4-BE49-F238E27FC236}">
+                <a16:creationId xmlns:a16="http://schemas.microsoft.com/office/drawing/2014/main" id="{2DCCEC55-4F5B-864B-AAB2-8D6766BCEC48}"/>
+              </a:ext>
+            </a:extLst>
+          </p:cNvPr>
+          <p:cNvSpPr>
+            <a:spLocks noGrp="1"/>
+          </p:cNvSpPr>
+          <p:nvPr>
+            <p:ph type="sldNum" sz="quarter" idx="11"/>
+          </p:nvPr>
+        </p:nvSpPr>
+        <p:spPr/>
+        <p:txBody>
+          <a:bodyPr/>
+          <a:lstStyle/>
+          <a:p>
+            <a:pPr>
+              <a:defRPr/>
+            </a:pPr>
+            <a:fld id="{3EF4E9CC-9D91-476E-91FD-5BEEC1642931}" type="slidenum">
+              <a:rPr lang="en-US" altLang="x-none" smtClean="0"/>
+              <a:pPr>
+                <a:defRPr/>
+              </a:pPr>
+              <a:t>4</a:t>
+            </a:fld>
+            <a:endParaRPr lang="en-US" altLang="x-none" dirty="0"/>
+          </a:p>
+        </p:txBody>
+      </p:sp>
+      <mc:AlternateContent xmlns:mc="http://schemas.openxmlformats.org/markup-compatibility/2006">
+        <mc:Choice xmlns:a14="http://schemas.microsoft.com/office/drawing/2010/main" Requires="a14">
+          <p:sp>
+            <p:nvSpPr>
+              <p:cNvPr id="5" name="TextBox 4">
+                <a:extLst>
+                  <a:ext uri="{FF2B5EF4-FFF2-40B4-BE49-F238E27FC236}">
+                    <a16:creationId xmlns:a16="http://schemas.microsoft.com/office/drawing/2014/main" id="{AB4FAABE-DC0C-DD4A-ACA3-392580DCAAF5}"/>
+                  </a:ext>
+                </a:extLst>
+              </p:cNvPr>
+              <p:cNvSpPr txBox="1"/>
+              <p:nvPr/>
+            </p:nvSpPr>
+            <p:spPr>
+              <a:xfrm>
+                <a:off x="1066800" y="2667000"/>
+                <a:ext cx="1819922" cy="430887"/>
+              </a:xfrm>
+              <a:prstGeom prst="rect">
+                <a:avLst/>
+              </a:prstGeom>
+              <a:noFill/>
+            </p:spPr>
+            <p:txBody>
+              <a:bodyPr wrap="none" lIns="0" tIns="0" rIns="0" bIns="0" rtlCol="0">
+                <a:spAutoFit/>
+              </a:bodyPr>
+              <a:lstStyle/>
+              <a:p>
+                <a14:m>
+                  <m:oMathPara xmlns:m="http://schemas.openxmlformats.org/officeDocument/2006/math">
+                    <m:oMathParaPr>
+                      <m:jc m:val="centerGroup"/>
+                    </m:oMathParaPr>
+                    <m:oMath xmlns:m="http://schemas.openxmlformats.org/officeDocument/2006/math">
+                      <m:r>
+                        <a:rPr lang="en-US" sz="2800" b="0" i="1" smtClean="0">
+                          <a:latin typeface="Cambria Math" panose="02040503050406030204" pitchFamily="18" charset="0"/>
+                        </a:rPr>
+                        <m:t>𝐴</m:t>
+                      </m:r>
+                      <m:r>
+                        <a:rPr lang="en-US" sz="2800" b="0" i="1" smtClean="0">
+                          <a:latin typeface="Cambria Math" panose="02040503050406030204" pitchFamily="18" charset="0"/>
+                        </a:rPr>
+                        <m:t>→</m:t>
+                      </m:r>
+                      <m:r>
+                        <a:rPr lang="en-US" sz="2800" b="0" i="1" smtClean="0">
+                          <a:latin typeface="Cambria Math" panose="02040503050406030204" pitchFamily="18" charset="0"/>
+                        </a:rPr>
+                        <m:t>𝐵</m:t>
+                      </m:r>
+                      <m:r>
+                        <a:rPr lang="en-US" sz="2800" b="0" i="1" smtClean="0">
+                          <a:latin typeface="Cambria Math" panose="02040503050406030204" pitchFamily="18" charset="0"/>
+                        </a:rPr>
+                        <m:t>;</m:t>
+                      </m:r>
+                      <m:sSub>
+                        <m:sSubPr>
+                          <m:ctrlPr>
+                            <a:rPr lang="en-US" sz="2800" b="0" i="1" smtClean="0">
+                              <a:latin typeface="Cambria Math" panose="02040503050406030204" pitchFamily="18" charset="0"/>
+                            </a:rPr>
+                          </m:ctrlPr>
+                        </m:sSubPr>
+                        <m:e>
+                          <m:r>
+                            <a:rPr lang="en-US" sz="2800" b="0" i="1" smtClean="0">
+                              <a:latin typeface="Cambria Math" panose="02040503050406030204" pitchFamily="18" charset="0"/>
+                            </a:rPr>
+                            <m:t>𝑘</m:t>
+                          </m:r>
+                        </m:e>
+                        <m:sub>
+                          <m:r>
+                            <a:rPr lang="en-US" sz="2800" b="0" i="1" smtClean="0">
+                              <a:latin typeface="Cambria Math" panose="02040503050406030204" pitchFamily="18" charset="0"/>
+                            </a:rPr>
+                            <m:t>1</m:t>
+                          </m:r>
+                        </m:sub>
+                      </m:sSub>
+                      <m:r>
+                        <a:rPr lang="en-US" sz="2800" b="0" i="1" smtClean="0">
+                          <a:latin typeface="Cambria Math" panose="02040503050406030204" pitchFamily="18" charset="0"/>
+                        </a:rPr>
+                        <m:t>𝐴</m:t>
+                      </m:r>
+                    </m:oMath>
+                  </m:oMathPara>
+                </a14:m>
+                <a:endParaRPr lang="en-US" sz="2800" dirty="0"/>
+              </a:p>
+            </p:txBody>
+          </p:sp>
+        </mc:Choice>
+        <mc:Fallback>
+          <p:sp>
+            <p:nvSpPr>
+              <p:cNvPr id="5" name="TextBox 4">
+                <a:extLst>
+                  <a:ext uri="{FF2B5EF4-FFF2-40B4-BE49-F238E27FC236}">
+                    <a16:creationId xmlns:a16="http://schemas.microsoft.com/office/drawing/2014/main" id="{AB4FAABE-DC0C-DD4A-ACA3-392580DCAAF5}"/>
+                  </a:ext>
+                </a:extLst>
+              </p:cNvPr>
+              <p:cNvSpPr txBox="1">
+                <a:spLocks noRot="1" noChangeAspect="1" noMove="1" noResize="1" noEditPoints="1" noAdjustHandles="1" noChangeArrowheads="1" noChangeShapeType="1" noTextEdit="1"/>
+              </p:cNvSpPr>
+              <p:nvPr/>
+            </p:nvSpPr>
+            <p:spPr>
+              <a:xfrm>
+                <a:off x="1066800" y="2667000"/>
+                <a:ext cx="1819922" cy="430887"/>
+              </a:xfrm>
+              <a:prstGeom prst="rect">
+                <a:avLst/>
+              </a:prstGeom>
+              <a:blipFill>
+                <a:blip r:embed="rId2"/>
+                <a:stretch>
+                  <a:fillRect l="-4196" r="-3497" b="-14286"/>
+                </a:stretch>
+              </a:blipFill>
+            </p:spPr>
+            <p:txBody>
+              <a:bodyPr/>
+              <a:lstStyle/>
+              <a:p>
+                <a:r>
+                  <a:rPr lang="en-US">
+                    <a:noFill/>
+                  </a:rPr>
+                  <a:t> </a:t>
+                </a:r>
+              </a:p>
+            </p:txBody>
+          </p:sp>
+        </mc:Fallback>
+      </mc:AlternateContent>
+      <mc:AlternateContent xmlns:mc="http://schemas.openxmlformats.org/markup-compatibility/2006">
+        <mc:Choice xmlns:a14="http://schemas.microsoft.com/office/drawing/2010/main" Requires="a14">
+          <p:sp>
+            <p:nvSpPr>
+              <p:cNvPr id="7" name="TextBox 6">
+                <a:extLst>
+                  <a:ext uri="{FF2B5EF4-FFF2-40B4-BE49-F238E27FC236}">
+                    <a16:creationId xmlns:a16="http://schemas.microsoft.com/office/drawing/2014/main" id="{38185475-17E4-6444-ACC4-A615206EFF11}"/>
+                  </a:ext>
+                </a:extLst>
+              </p:cNvPr>
+              <p:cNvSpPr txBox="1"/>
+              <p:nvPr/>
+            </p:nvSpPr>
+            <p:spPr>
+              <a:xfrm>
+                <a:off x="3581400" y="2590800"/>
+                <a:ext cx="4606326" cy="582147"/>
+              </a:xfrm>
+              <a:prstGeom prst="rect">
+                <a:avLst/>
+              </a:prstGeom>
+              <a:noFill/>
+            </p:spPr>
+            <p:txBody>
+              <a:bodyPr wrap="none" rtlCol="0">
+                <a:spAutoFit/>
+              </a:bodyPr>
+              <a:lstStyle/>
+              <a:p>
+                <a:r>
+                  <a:rPr lang="en-US" sz="2400" dirty="0"/>
+                  <a:t>Objective function: </a:t>
+                </a:r>
+                <a14:m>
+                  <m:oMath xmlns:m="http://schemas.openxmlformats.org/officeDocument/2006/math">
+                    <m:sSup>
+                      <m:sSupPr>
+                        <m:ctrlPr>
+                          <a:rPr lang="en-US" sz="2400" b="0" i="1" smtClean="0">
+                            <a:latin typeface="Cambria Math" panose="02040503050406030204" pitchFamily="18" charset="0"/>
+                          </a:rPr>
+                        </m:ctrlPr>
+                      </m:sSupPr>
+                      <m:e>
+                        <m:nary>
+                          <m:naryPr>
+                            <m:chr m:val="∑"/>
+                            <m:supHide m:val="on"/>
+                            <m:ctrlPr>
+                              <a:rPr lang="en-US" sz="2400" b="0" i="1" smtClean="0">
+                                <a:latin typeface="Cambria Math" panose="02040503050406030204" pitchFamily="18" charset="0"/>
+                              </a:rPr>
+                            </m:ctrlPr>
+                          </m:naryPr>
+                          <m:sub>
+                            <m:r>
+                              <a:rPr lang="en-US" sz="2400" b="0" i="1" smtClean="0">
+                                <a:latin typeface="Cambria Math" panose="02040503050406030204" pitchFamily="18" charset="0"/>
+                              </a:rPr>
+                              <m:t>𝑖</m:t>
+                            </m:r>
+                          </m:sub>
+                          <m:sup/>
+                          <m:e>
+                            <m:d>
+                              <m:dPr>
+                                <m:ctrlPr>
+                                  <a:rPr lang="en-US" sz="2400" i="1">
+                                    <a:latin typeface="Cambria Math" panose="02040503050406030204" pitchFamily="18" charset="0"/>
+                                  </a:rPr>
+                                </m:ctrlPr>
+                              </m:dPr>
+                              <m:e>
+                                <m:sSub>
+                                  <m:sSubPr>
+                                    <m:ctrlPr>
+                                      <a:rPr lang="en-US" sz="2400" b="0" i="1" smtClean="0">
+                                        <a:latin typeface="Cambria Math" panose="02040503050406030204" pitchFamily="18" charset="0"/>
+                                      </a:rPr>
+                                    </m:ctrlPr>
+                                  </m:sSubPr>
+                                  <m:e>
+                                    <m:r>
+                                      <a:rPr lang="en-US" sz="2400" i="1">
+                                        <a:latin typeface="Cambria Math" panose="02040503050406030204" pitchFamily="18" charset="0"/>
+                                      </a:rPr>
+                                      <m:t>𝐴</m:t>
+                                    </m:r>
+                                  </m:e>
+                                  <m:sub>
+                                    <m:r>
+                                      <a:rPr lang="en-US" sz="2400" b="0" i="1" smtClean="0">
+                                        <a:latin typeface="Cambria Math" panose="02040503050406030204" pitchFamily="18" charset="0"/>
+                                      </a:rPr>
+                                      <m:t>𝑖</m:t>
+                                    </m:r>
+                                  </m:sub>
+                                </m:sSub>
+                                <m:r>
+                                  <a:rPr lang="en-US" sz="2400" i="1">
+                                    <a:latin typeface="Cambria Math" panose="02040503050406030204" pitchFamily="18" charset="0"/>
+                                  </a:rPr>
+                                  <m:t>−</m:t>
+                                </m:r>
+                                <m:sSub>
+                                  <m:sSubPr>
+                                    <m:ctrlPr>
+                                      <a:rPr lang="en-US" sz="2400" b="0" i="1" smtClean="0">
+                                        <a:latin typeface="Cambria Math" panose="02040503050406030204" pitchFamily="18" charset="0"/>
+                                      </a:rPr>
+                                    </m:ctrlPr>
+                                  </m:sSubPr>
+                                  <m:e>
+                                    <m:acc>
+                                      <m:accPr>
+                                        <m:chr m:val="̂"/>
+                                        <m:ctrlPr>
+                                          <a:rPr lang="en-US" sz="2400" i="1">
+                                            <a:latin typeface="Cambria Math" panose="02040503050406030204" pitchFamily="18" charset="0"/>
+                                          </a:rPr>
+                                        </m:ctrlPr>
+                                      </m:accPr>
+                                      <m:e>
+                                        <m:r>
+                                          <a:rPr lang="en-US" sz="2400" i="1">
+                                            <a:latin typeface="Cambria Math" panose="02040503050406030204" pitchFamily="18" charset="0"/>
+                                          </a:rPr>
+                                          <m:t>𝐴</m:t>
+                                        </m:r>
+                                      </m:e>
+                                    </m:acc>
+                                  </m:e>
+                                  <m:sub>
+                                    <m:r>
+                                      <a:rPr lang="en-US" sz="2400" b="0" i="1" smtClean="0">
+                                        <a:latin typeface="Cambria Math" panose="02040503050406030204" pitchFamily="18" charset="0"/>
+                                      </a:rPr>
+                                      <m:t>𝑖</m:t>
+                                    </m:r>
+                                  </m:sub>
+                                </m:sSub>
+                              </m:e>
+                            </m:d>
+                          </m:e>
+                        </m:nary>
+                      </m:e>
+                      <m:sup>
+                        <m:r>
+                          <a:rPr lang="en-US" sz="2400" b="0" i="1" smtClean="0">
+                            <a:latin typeface="Cambria Math" panose="02040503050406030204" pitchFamily="18" charset="0"/>
+                          </a:rPr>
+                          <m:t>2</m:t>
+                        </m:r>
+                      </m:sup>
+                    </m:sSup>
+                  </m:oMath>
+                </a14:m>
+                <a:endParaRPr lang="en-US" sz="2400" dirty="0"/>
+              </a:p>
+            </p:txBody>
+          </p:sp>
+        </mc:Choice>
+        <mc:Fallback>
+          <p:sp>
+            <p:nvSpPr>
+              <p:cNvPr id="7" name="TextBox 6">
+                <a:extLst>
+                  <a:ext uri="{FF2B5EF4-FFF2-40B4-BE49-F238E27FC236}">
+                    <a16:creationId xmlns:a16="http://schemas.microsoft.com/office/drawing/2014/main" id="{38185475-17E4-6444-ACC4-A615206EFF11}"/>
+                  </a:ext>
+                </a:extLst>
+              </p:cNvPr>
+              <p:cNvSpPr txBox="1">
+                <a:spLocks noRot="1" noChangeAspect="1" noMove="1" noResize="1" noEditPoints="1" noAdjustHandles="1" noChangeArrowheads="1" noChangeShapeType="1" noTextEdit="1"/>
+              </p:cNvSpPr>
+              <p:nvPr/>
+            </p:nvSpPr>
+            <p:spPr>
+              <a:xfrm>
+                <a:off x="3581400" y="2590800"/>
+                <a:ext cx="4606326" cy="582147"/>
+              </a:xfrm>
+              <a:prstGeom prst="rect">
+                <a:avLst/>
+              </a:prstGeom>
+              <a:blipFill>
+                <a:blip r:embed="rId3"/>
+                <a:stretch>
+                  <a:fillRect l="-1923" t="-84783" b="-150000"/>
+                </a:stretch>
+              </a:blipFill>
+            </p:spPr>
+            <p:txBody>
+              <a:bodyPr/>
+              <a:lstStyle/>
+              <a:p>
+                <a:r>
+                  <a:rPr lang="en-US">
+                    <a:noFill/>
+                  </a:rPr>
+                  <a:t> </a:t>
+                </a:r>
+              </a:p>
+            </p:txBody>
+          </p:sp>
+        </mc:Fallback>
+      </mc:AlternateContent>
+      <mc:AlternateContent xmlns:mc="http://schemas.openxmlformats.org/markup-compatibility/2006">
+        <mc:Choice xmlns:a14="http://schemas.microsoft.com/office/drawing/2010/main" Requires="a14">
+          <p:sp>
+            <p:nvSpPr>
+              <p:cNvPr id="8" name="TextBox 7">
+                <a:extLst>
+                  <a:ext uri="{FF2B5EF4-FFF2-40B4-BE49-F238E27FC236}">
+                    <a16:creationId xmlns:a16="http://schemas.microsoft.com/office/drawing/2014/main" id="{AC9CD046-E76C-E744-BC89-99BEBDCDE195}"/>
+                  </a:ext>
+                </a:extLst>
+              </p:cNvPr>
+              <p:cNvSpPr txBox="1"/>
+              <p:nvPr/>
+            </p:nvSpPr>
+            <p:spPr>
+              <a:xfrm>
+                <a:off x="990600" y="3685053"/>
+                <a:ext cx="1819922" cy="430887"/>
+              </a:xfrm>
+              <a:prstGeom prst="rect">
+                <a:avLst/>
+              </a:prstGeom>
+              <a:noFill/>
+            </p:spPr>
+            <p:txBody>
+              <a:bodyPr wrap="none" lIns="0" tIns="0" rIns="0" bIns="0" rtlCol="0">
+                <a:spAutoFit/>
+              </a:bodyPr>
+              <a:lstStyle/>
+              <a:p>
+                <a14:m>
+                  <m:oMathPara xmlns:m="http://schemas.openxmlformats.org/officeDocument/2006/math">
+                    <m:oMathParaPr>
+                      <m:jc m:val="centerGroup"/>
+                    </m:oMathParaPr>
+                    <m:oMath xmlns:m="http://schemas.openxmlformats.org/officeDocument/2006/math">
+                      <m:r>
+                        <a:rPr lang="en-US" sz="2800" b="0" i="1" smtClean="0">
+                          <a:latin typeface="Cambria Math" panose="02040503050406030204" pitchFamily="18" charset="0"/>
+                        </a:rPr>
+                        <m:t>𝐴</m:t>
+                      </m:r>
+                      <m:r>
+                        <a:rPr lang="en-US" sz="2800" b="0" i="1" smtClean="0">
+                          <a:latin typeface="Cambria Math" panose="02040503050406030204" pitchFamily="18" charset="0"/>
+                        </a:rPr>
+                        <m:t>→</m:t>
+                      </m:r>
+                      <m:r>
+                        <a:rPr lang="en-US" sz="2800" b="0" i="1" smtClean="0">
+                          <a:latin typeface="Cambria Math" panose="02040503050406030204" pitchFamily="18" charset="0"/>
+                        </a:rPr>
+                        <m:t>𝐵</m:t>
+                      </m:r>
+                      <m:r>
+                        <a:rPr lang="en-US" sz="2800" b="0" i="1" smtClean="0">
+                          <a:latin typeface="Cambria Math" panose="02040503050406030204" pitchFamily="18" charset="0"/>
+                        </a:rPr>
+                        <m:t>;</m:t>
+                      </m:r>
+                      <m:sSub>
+                        <m:sSubPr>
+                          <m:ctrlPr>
+                            <a:rPr lang="en-US" sz="2800" b="0" i="1" smtClean="0">
+                              <a:latin typeface="Cambria Math" panose="02040503050406030204" pitchFamily="18" charset="0"/>
+                            </a:rPr>
+                          </m:ctrlPr>
+                        </m:sSubPr>
+                        <m:e>
+                          <m:r>
+                            <a:rPr lang="en-US" sz="2800" b="0" i="1" smtClean="0">
+                              <a:latin typeface="Cambria Math" panose="02040503050406030204" pitchFamily="18" charset="0"/>
+                            </a:rPr>
+                            <m:t>𝑘</m:t>
+                          </m:r>
+                        </m:e>
+                        <m:sub>
+                          <m:r>
+                            <a:rPr lang="en-US" sz="2800" b="0" i="1" smtClean="0">
+                              <a:latin typeface="Cambria Math" panose="02040503050406030204" pitchFamily="18" charset="0"/>
+                            </a:rPr>
+                            <m:t>1</m:t>
+                          </m:r>
+                        </m:sub>
+                      </m:sSub>
+                      <m:r>
+                        <a:rPr lang="en-US" sz="2800" b="0" i="1" smtClean="0">
+                          <a:latin typeface="Cambria Math" panose="02040503050406030204" pitchFamily="18" charset="0"/>
+                        </a:rPr>
+                        <m:t>𝐴</m:t>
+                      </m:r>
+                    </m:oMath>
+                  </m:oMathPara>
+                </a14:m>
+                <a:endParaRPr lang="en-US" sz="2800" dirty="0"/>
+              </a:p>
+            </p:txBody>
+          </p:sp>
+        </mc:Choice>
+        <mc:Fallback>
+          <p:sp>
+            <p:nvSpPr>
+              <p:cNvPr id="8" name="TextBox 7">
+                <a:extLst>
+                  <a:ext uri="{FF2B5EF4-FFF2-40B4-BE49-F238E27FC236}">
+                    <a16:creationId xmlns:a16="http://schemas.microsoft.com/office/drawing/2014/main" id="{AC9CD046-E76C-E744-BC89-99BEBDCDE195}"/>
+                  </a:ext>
+                </a:extLst>
+              </p:cNvPr>
+              <p:cNvSpPr txBox="1">
+                <a:spLocks noRot="1" noChangeAspect="1" noMove="1" noResize="1" noEditPoints="1" noAdjustHandles="1" noChangeArrowheads="1" noChangeShapeType="1" noTextEdit="1"/>
+              </p:cNvSpPr>
+              <p:nvPr/>
+            </p:nvSpPr>
+            <p:spPr>
+              <a:xfrm>
+                <a:off x="990600" y="3685053"/>
+                <a:ext cx="1819922" cy="430887"/>
+              </a:xfrm>
+              <a:prstGeom prst="rect">
+                <a:avLst/>
+              </a:prstGeom>
+              <a:blipFill>
+                <a:blip r:embed="rId4"/>
+                <a:stretch>
+                  <a:fillRect l="-3472" r="-3472" b="-14286"/>
+                </a:stretch>
+              </a:blipFill>
+            </p:spPr>
+            <p:txBody>
+              <a:bodyPr/>
+              <a:lstStyle/>
+              <a:p>
+                <a:r>
+                  <a:rPr lang="en-US">
+                    <a:noFill/>
+                  </a:rPr>
+                  <a:t> </a:t>
+                </a:r>
+              </a:p>
+            </p:txBody>
+          </p:sp>
+        </mc:Fallback>
+      </mc:AlternateContent>
+      <mc:AlternateContent xmlns:mc="http://schemas.openxmlformats.org/markup-compatibility/2006">
+        <mc:Choice xmlns:a14="http://schemas.microsoft.com/office/drawing/2010/main" Requires="a14">
+          <p:sp>
+            <p:nvSpPr>
+              <p:cNvPr id="10" name="TextBox 9">
+                <a:extLst>
+                  <a:ext uri="{FF2B5EF4-FFF2-40B4-BE49-F238E27FC236}">
+                    <a16:creationId xmlns:a16="http://schemas.microsoft.com/office/drawing/2014/main" id="{0E91AF35-2057-9648-819B-9109F4794422}"/>
+                  </a:ext>
+                </a:extLst>
+              </p:cNvPr>
+              <p:cNvSpPr txBox="1"/>
+              <p:nvPr/>
+            </p:nvSpPr>
+            <p:spPr>
+              <a:xfrm>
+                <a:off x="990600" y="4142253"/>
+                <a:ext cx="1841723" cy="430887"/>
+              </a:xfrm>
+              <a:prstGeom prst="rect">
+                <a:avLst/>
+              </a:prstGeom>
+              <a:noFill/>
+            </p:spPr>
+            <p:txBody>
+              <a:bodyPr wrap="none" lIns="0" tIns="0" rIns="0" bIns="0" rtlCol="0">
+                <a:spAutoFit/>
+              </a:bodyPr>
+              <a:lstStyle/>
+              <a:p>
+                <a14:m>
+                  <m:oMathPara xmlns:m="http://schemas.openxmlformats.org/officeDocument/2006/math">
+                    <m:oMathParaPr>
+                      <m:jc m:val="centerGroup"/>
+                    </m:oMathParaPr>
+                    <m:oMath xmlns:m="http://schemas.openxmlformats.org/officeDocument/2006/math">
+                      <m:r>
+                        <a:rPr lang="en-US" sz="2800" b="0" i="1" smtClean="0">
+                          <a:latin typeface="Cambria Math" panose="02040503050406030204" pitchFamily="18" charset="0"/>
+                        </a:rPr>
+                        <m:t>𝐵</m:t>
+                      </m:r>
+                      <m:r>
+                        <a:rPr lang="en-US" sz="2800" b="0" i="1" smtClean="0">
+                          <a:latin typeface="Cambria Math" panose="02040503050406030204" pitchFamily="18" charset="0"/>
+                        </a:rPr>
+                        <m:t>→</m:t>
+                      </m:r>
+                      <m:r>
+                        <a:rPr lang="en-US" sz="2800" b="0" i="1" smtClean="0">
+                          <a:latin typeface="Cambria Math" panose="02040503050406030204" pitchFamily="18" charset="0"/>
+                        </a:rPr>
+                        <m:t>𝐶</m:t>
+                      </m:r>
+                      <m:r>
+                        <a:rPr lang="en-US" sz="2800" b="0" i="1" smtClean="0">
+                          <a:latin typeface="Cambria Math" panose="02040503050406030204" pitchFamily="18" charset="0"/>
+                        </a:rPr>
+                        <m:t>;</m:t>
+                      </m:r>
+                      <m:sSub>
+                        <m:sSubPr>
+                          <m:ctrlPr>
+                            <a:rPr lang="en-US" sz="2800" b="0" i="1" smtClean="0">
+                              <a:latin typeface="Cambria Math" panose="02040503050406030204" pitchFamily="18" charset="0"/>
+                            </a:rPr>
+                          </m:ctrlPr>
+                        </m:sSubPr>
+                        <m:e>
+                          <m:r>
+                            <a:rPr lang="en-US" sz="2800" b="0" i="1" smtClean="0">
+                              <a:latin typeface="Cambria Math" panose="02040503050406030204" pitchFamily="18" charset="0"/>
+                            </a:rPr>
+                            <m:t>𝑘</m:t>
+                          </m:r>
+                        </m:e>
+                        <m:sub>
+                          <m:r>
+                            <a:rPr lang="en-US" sz="2800" b="0" i="1" smtClean="0">
+                              <a:latin typeface="Cambria Math" panose="02040503050406030204" pitchFamily="18" charset="0"/>
+                            </a:rPr>
+                            <m:t>2</m:t>
+                          </m:r>
+                        </m:sub>
+                      </m:sSub>
+                      <m:r>
+                        <a:rPr lang="en-US" sz="2800" b="0" i="1" smtClean="0">
+                          <a:latin typeface="Cambria Math" panose="02040503050406030204" pitchFamily="18" charset="0"/>
+                        </a:rPr>
+                        <m:t>𝐵</m:t>
+                      </m:r>
+                    </m:oMath>
+                  </m:oMathPara>
+                </a14:m>
+                <a:endParaRPr lang="en-US" sz="2800" dirty="0"/>
+              </a:p>
+            </p:txBody>
+          </p:sp>
+        </mc:Choice>
+        <mc:Fallback>
+          <p:sp>
+            <p:nvSpPr>
+              <p:cNvPr id="10" name="TextBox 9">
+                <a:extLst>
+                  <a:ext uri="{FF2B5EF4-FFF2-40B4-BE49-F238E27FC236}">
+                    <a16:creationId xmlns:a16="http://schemas.microsoft.com/office/drawing/2014/main" id="{0E91AF35-2057-9648-819B-9109F4794422}"/>
+                  </a:ext>
+                </a:extLst>
+              </p:cNvPr>
+              <p:cNvSpPr txBox="1">
+                <a:spLocks noRot="1" noChangeAspect="1" noMove="1" noResize="1" noEditPoints="1" noAdjustHandles="1" noChangeArrowheads="1" noChangeShapeType="1" noTextEdit="1"/>
+              </p:cNvSpPr>
+              <p:nvPr/>
+            </p:nvSpPr>
+            <p:spPr>
+              <a:xfrm>
+                <a:off x="990600" y="4142253"/>
+                <a:ext cx="1841723" cy="430887"/>
+              </a:xfrm>
+              <a:prstGeom prst="rect">
+                <a:avLst/>
+              </a:prstGeom>
+              <a:blipFill>
+                <a:blip r:embed="rId5"/>
+                <a:stretch>
+                  <a:fillRect l="-3425" r="-2740" b="-14286"/>
+                </a:stretch>
+              </a:blipFill>
+            </p:spPr>
+            <p:txBody>
+              <a:bodyPr/>
+              <a:lstStyle/>
+              <a:p>
+                <a:r>
+                  <a:rPr lang="en-US">
+                    <a:noFill/>
+                  </a:rPr>
+                  <a:t> </a:t>
+                </a:r>
+              </a:p>
+            </p:txBody>
+          </p:sp>
+        </mc:Fallback>
+      </mc:AlternateContent>
+      <p:sp>
+        <p:nvSpPr>
+          <p:cNvPr id="12" name="TextBox 11">
+            <a:extLst>
+              <a:ext uri="{FF2B5EF4-FFF2-40B4-BE49-F238E27FC236}">
+                <a16:creationId xmlns:a16="http://schemas.microsoft.com/office/drawing/2014/main" id="{1DC9CF4B-F2D5-E741-8B71-D6A264B53F08}"/>
+              </a:ext>
+            </a:extLst>
+          </p:cNvPr>
+          <p:cNvSpPr txBox="1"/>
+          <p:nvPr/>
+        </p:nvSpPr>
+        <p:spPr>
+          <a:xfrm>
+            <a:off x="1066800" y="2286000"/>
+            <a:ext cx="1329210" cy="461665"/>
+          </a:xfrm>
+          <a:prstGeom prst="rect">
+            <a:avLst/>
+          </a:prstGeom>
+          <a:noFill/>
+        </p:spPr>
+        <p:txBody>
+          <a:bodyPr wrap="none" rtlCol="0">
+            <a:spAutoFit/>
+          </a:bodyPr>
+          <a:lstStyle/>
+          <a:p>
+            <a:r>
+              <a:rPr lang="en-US" sz="2400" b="1" dirty="0"/>
+              <a:t>Model 1</a:t>
+            </a:r>
+          </a:p>
+        </p:txBody>
+      </p:sp>
+      <p:sp>
+        <p:nvSpPr>
+          <p:cNvPr id="13" name="TextBox 12">
+            <a:extLst>
+              <a:ext uri="{FF2B5EF4-FFF2-40B4-BE49-F238E27FC236}">
+                <a16:creationId xmlns:a16="http://schemas.microsoft.com/office/drawing/2014/main" id="{262295ED-EEAC-934A-8B80-79C73CF6B621}"/>
+              </a:ext>
+            </a:extLst>
+          </p:cNvPr>
+          <p:cNvSpPr txBox="1"/>
+          <p:nvPr/>
+        </p:nvSpPr>
+        <p:spPr>
+          <a:xfrm>
+            <a:off x="990600" y="3348335"/>
+            <a:ext cx="1329210" cy="461665"/>
+          </a:xfrm>
+          <a:prstGeom prst="rect">
+            <a:avLst/>
+          </a:prstGeom>
+          <a:noFill/>
+        </p:spPr>
+        <p:txBody>
+          <a:bodyPr wrap="none" rtlCol="0">
+            <a:spAutoFit/>
+          </a:bodyPr>
+          <a:lstStyle/>
+          <a:p>
+            <a:r>
+              <a:rPr lang="en-US" sz="2400" b="1" dirty="0"/>
+              <a:t>Model 2</a:t>
+            </a:r>
+          </a:p>
+        </p:txBody>
+      </p:sp>
+      <p:cxnSp>
+        <p:nvCxnSpPr>
+          <p:cNvPr id="15" name="Straight Connector 14">
+            <a:extLst>
+              <a:ext uri="{FF2B5EF4-FFF2-40B4-BE49-F238E27FC236}">
+                <a16:creationId xmlns:a16="http://schemas.microsoft.com/office/drawing/2014/main" id="{756E8C83-A724-A145-81B3-BC3678D74F36}"/>
+              </a:ext>
+            </a:extLst>
+          </p:cNvPr>
+          <p:cNvCxnSpPr>
+            <a:cxnSpLocks/>
+          </p:cNvCxnSpPr>
+          <p:nvPr/>
+        </p:nvCxnSpPr>
+        <p:spPr>
+          <a:xfrm flipH="1">
+            <a:off x="3482920" y="3962400"/>
+            <a:ext cx="4365680" cy="0"/>
+          </a:xfrm>
+          <a:prstGeom prst="line">
+            <a:avLst/>
+          </a:prstGeom>
+          <a:ln w="28575">
+            <a:solidFill>
+              <a:srgbClr val="FF0000"/>
+            </a:solidFill>
+          </a:ln>
+        </p:spPr>
+        <p:style>
+          <a:lnRef idx="2">
+            <a:schemeClr val="accent1"/>
+          </a:lnRef>
+          <a:fillRef idx="0">
+            <a:schemeClr val="accent1"/>
+          </a:fillRef>
+          <a:effectRef idx="1">
+            <a:schemeClr val="accent1"/>
+          </a:effectRef>
+          <a:fontRef idx="minor">
+            <a:schemeClr val="tx1"/>
+          </a:fontRef>
+        </p:style>
+      </p:cxnSp>
+      <mc:AlternateContent xmlns:mc="http://schemas.openxmlformats.org/markup-compatibility/2006">
+        <mc:Choice xmlns:a14="http://schemas.microsoft.com/office/drawing/2010/main" Requires="a14">
+          <p:sp>
+            <p:nvSpPr>
+              <p:cNvPr id="16" name="TextBox 15">
+                <a:extLst>
+                  <a:ext uri="{FF2B5EF4-FFF2-40B4-BE49-F238E27FC236}">
+                    <a16:creationId xmlns:a16="http://schemas.microsoft.com/office/drawing/2014/main" id="{F70DEA66-3857-F642-9637-8EF876BA698B}"/>
+                  </a:ext>
+                </a:extLst>
+              </p:cNvPr>
+              <p:cNvSpPr txBox="1"/>
+              <p:nvPr/>
+            </p:nvSpPr>
+            <p:spPr>
+              <a:xfrm>
+                <a:off x="3429000" y="3608853"/>
+                <a:ext cx="4606326" cy="582147"/>
+              </a:xfrm>
+              <a:prstGeom prst="rect">
+                <a:avLst/>
+              </a:prstGeom>
+              <a:noFill/>
+            </p:spPr>
+            <p:txBody>
+              <a:bodyPr wrap="none" rtlCol="0">
+                <a:spAutoFit/>
+              </a:bodyPr>
+              <a:lstStyle/>
+              <a:p>
+                <a:r>
+                  <a:rPr lang="en-US" sz="2400" dirty="0"/>
+                  <a:t>Objective function: </a:t>
+                </a:r>
+                <a14:m>
+                  <m:oMath xmlns:m="http://schemas.openxmlformats.org/officeDocument/2006/math">
+                    <m:sSup>
+                      <m:sSupPr>
+                        <m:ctrlPr>
+                          <a:rPr lang="en-US" sz="2400" b="0" i="1" smtClean="0">
+                            <a:latin typeface="Cambria Math" panose="02040503050406030204" pitchFamily="18" charset="0"/>
+                          </a:rPr>
+                        </m:ctrlPr>
+                      </m:sSupPr>
+                      <m:e>
+                        <m:nary>
+                          <m:naryPr>
+                            <m:chr m:val="∑"/>
+                            <m:supHide m:val="on"/>
+                            <m:ctrlPr>
+                              <a:rPr lang="en-US" sz="2400" b="0" i="1" smtClean="0">
+                                <a:latin typeface="Cambria Math" panose="02040503050406030204" pitchFamily="18" charset="0"/>
+                              </a:rPr>
+                            </m:ctrlPr>
+                          </m:naryPr>
+                          <m:sub>
+                            <m:r>
+                              <a:rPr lang="en-US" sz="2400" b="0" i="1" smtClean="0">
+                                <a:latin typeface="Cambria Math" panose="02040503050406030204" pitchFamily="18" charset="0"/>
+                              </a:rPr>
+                              <m:t>𝑖</m:t>
+                            </m:r>
+                          </m:sub>
+                          <m:sup/>
+                          <m:e>
+                            <m:d>
+                              <m:dPr>
+                                <m:ctrlPr>
+                                  <a:rPr lang="en-US" sz="2400" i="1">
+                                    <a:latin typeface="Cambria Math" panose="02040503050406030204" pitchFamily="18" charset="0"/>
+                                  </a:rPr>
+                                </m:ctrlPr>
+                              </m:dPr>
+                              <m:e>
+                                <m:sSub>
+                                  <m:sSubPr>
+                                    <m:ctrlPr>
+                                      <a:rPr lang="en-US" sz="2400" b="0" i="1" smtClean="0">
+                                        <a:latin typeface="Cambria Math" panose="02040503050406030204" pitchFamily="18" charset="0"/>
+                                      </a:rPr>
+                                    </m:ctrlPr>
+                                  </m:sSubPr>
+                                  <m:e>
+                                    <m:r>
+                                      <a:rPr lang="en-US" sz="2400" i="1">
+                                        <a:latin typeface="Cambria Math" panose="02040503050406030204" pitchFamily="18" charset="0"/>
+                                      </a:rPr>
+                                      <m:t>𝐴</m:t>
+                                    </m:r>
+                                  </m:e>
+                                  <m:sub>
+                                    <m:r>
+                                      <a:rPr lang="en-US" sz="2400" b="0" i="1" smtClean="0">
+                                        <a:latin typeface="Cambria Math" panose="02040503050406030204" pitchFamily="18" charset="0"/>
+                                      </a:rPr>
+                                      <m:t>𝑖</m:t>
+                                    </m:r>
+                                  </m:sub>
+                                </m:sSub>
+                                <m:r>
+                                  <a:rPr lang="en-US" sz="2400" i="1">
+                                    <a:latin typeface="Cambria Math" panose="02040503050406030204" pitchFamily="18" charset="0"/>
+                                  </a:rPr>
+                                  <m:t>−</m:t>
+                                </m:r>
+                                <m:sSub>
+                                  <m:sSubPr>
+                                    <m:ctrlPr>
+                                      <a:rPr lang="en-US" sz="2400" b="0" i="1" smtClean="0">
+                                        <a:latin typeface="Cambria Math" panose="02040503050406030204" pitchFamily="18" charset="0"/>
+                                      </a:rPr>
+                                    </m:ctrlPr>
+                                  </m:sSubPr>
+                                  <m:e>
+                                    <m:acc>
+                                      <m:accPr>
+                                        <m:chr m:val="̂"/>
+                                        <m:ctrlPr>
+                                          <a:rPr lang="en-US" sz="2400" i="1">
+                                            <a:latin typeface="Cambria Math" panose="02040503050406030204" pitchFamily="18" charset="0"/>
+                                          </a:rPr>
+                                        </m:ctrlPr>
+                                      </m:accPr>
+                                      <m:e>
+                                        <m:r>
+                                          <a:rPr lang="en-US" sz="2400" i="1">
+                                            <a:latin typeface="Cambria Math" panose="02040503050406030204" pitchFamily="18" charset="0"/>
+                                          </a:rPr>
+                                          <m:t>𝐴</m:t>
+                                        </m:r>
+                                      </m:e>
+                                    </m:acc>
+                                  </m:e>
+                                  <m:sub>
+                                    <m:r>
+                                      <a:rPr lang="en-US" sz="2400" b="0" i="1" smtClean="0">
+                                        <a:latin typeface="Cambria Math" panose="02040503050406030204" pitchFamily="18" charset="0"/>
+                                      </a:rPr>
+                                      <m:t>𝑖</m:t>
+                                    </m:r>
+                                  </m:sub>
+                                </m:sSub>
+                              </m:e>
+                            </m:d>
+                          </m:e>
+                        </m:nary>
+                      </m:e>
+                      <m:sup>
+                        <m:r>
+                          <a:rPr lang="en-US" sz="2400" b="0" i="1" smtClean="0">
+                            <a:latin typeface="Cambria Math" panose="02040503050406030204" pitchFamily="18" charset="0"/>
+                          </a:rPr>
+                          <m:t>2</m:t>
+                        </m:r>
+                      </m:sup>
+                    </m:sSup>
+                  </m:oMath>
+                </a14:m>
+                <a:endParaRPr lang="en-US" sz="2400" dirty="0"/>
+              </a:p>
+            </p:txBody>
+          </p:sp>
+        </mc:Choice>
+        <mc:Fallback>
+          <p:sp>
+            <p:nvSpPr>
+              <p:cNvPr id="16" name="TextBox 15">
+                <a:extLst>
+                  <a:ext uri="{FF2B5EF4-FFF2-40B4-BE49-F238E27FC236}">
+                    <a16:creationId xmlns:a16="http://schemas.microsoft.com/office/drawing/2014/main" id="{F70DEA66-3857-F642-9637-8EF876BA698B}"/>
+                  </a:ext>
+                </a:extLst>
+              </p:cNvPr>
+              <p:cNvSpPr txBox="1">
+                <a:spLocks noRot="1" noChangeAspect="1" noMove="1" noResize="1" noEditPoints="1" noAdjustHandles="1" noChangeArrowheads="1" noChangeShapeType="1" noTextEdit="1"/>
+              </p:cNvSpPr>
+              <p:nvPr/>
+            </p:nvSpPr>
+            <p:spPr>
+              <a:xfrm>
+                <a:off x="3429000" y="3608853"/>
+                <a:ext cx="4606326" cy="582147"/>
+              </a:xfrm>
+              <a:prstGeom prst="rect">
+                <a:avLst/>
+              </a:prstGeom>
+              <a:blipFill>
+                <a:blip r:embed="rId6"/>
+                <a:stretch>
+                  <a:fillRect l="-1923" t="-80851" b="-146809"/>
+                </a:stretch>
+              </a:blipFill>
+            </p:spPr>
+            <p:txBody>
+              <a:bodyPr/>
+              <a:lstStyle/>
+              <a:p>
+                <a:r>
+                  <a:rPr lang="en-US">
+                    <a:noFill/>
+                  </a:rPr>
+                  <a:t> </a:t>
+                </a:r>
+              </a:p>
+            </p:txBody>
+          </p:sp>
+        </mc:Fallback>
+      </mc:AlternateContent>
+      <mc:AlternateContent xmlns:mc="http://schemas.openxmlformats.org/markup-compatibility/2006">
+        <mc:Choice xmlns:a14="http://schemas.microsoft.com/office/drawing/2010/main" Requires="a14">
+          <p:sp>
+            <p:nvSpPr>
+              <p:cNvPr id="18" name="TextBox 17">
+                <a:extLst>
+                  <a:ext uri="{FF2B5EF4-FFF2-40B4-BE49-F238E27FC236}">
+                    <a16:creationId xmlns:a16="http://schemas.microsoft.com/office/drawing/2014/main" id="{9A667760-60EB-064F-9B43-02F9038B8C6E}"/>
+                  </a:ext>
+                </a:extLst>
+              </p:cNvPr>
+              <p:cNvSpPr txBox="1"/>
+              <p:nvPr/>
+            </p:nvSpPr>
+            <p:spPr>
+              <a:xfrm>
+                <a:off x="3429000" y="4142253"/>
+                <a:ext cx="4466736" cy="582147"/>
+              </a:xfrm>
+              <a:prstGeom prst="rect">
+                <a:avLst/>
+              </a:prstGeom>
+              <a:noFill/>
+            </p:spPr>
+            <p:txBody>
+              <a:bodyPr wrap="none" rtlCol="0">
+                <a:spAutoFit/>
+              </a:bodyPr>
+              <a:lstStyle/>
+              <a:p>
+                <a:r>
+                  <a:rPr lang="en-US" sz="2400" dirty="0"/>
+                  <a:t>Objective function: </a:t>
+                </a:r>
+                <a14:m>
+                  <m:oMath xmlns:m="http://schemas.openxmlformats.org/officeDocument/2006/math">
+                    <m:sSup>
+                      <m:sSupPr>
+                        <m:ctrlPr>
+                          <a:rPr lang="en-US" sz="2400" b="0" i="1" smtClean="0">
+                            <a:latin typeface="Cambria Math" panose="02040503050406030204" pitchFamily="18" charset="0"/>
+                          </a:rPr>
+                        </m:ctrlPr>
+                      </m:sSupPr>
+                      <m:e>
+                        <m:nary>
+                          <m:naryPr>
+                            <m:chr m:val="∑"/>
+                            <m:supHide m:val="on"/>
+                            <m:ctrlPr>
+                              <a:rPr lang="en-US" sz="2400" b="0" i="1" smtClean="0">
+                                <a:latin typeface="Cambria Math" panose="02040503050406030204" pitchFamily="18" charset="0"/>
+                              </a:rPr>
+                            </m:ctrlPr>
+                          </m:naryPr>
+                          <m:sub>
+                            <m:r>
+                              <a:rPr lang="en-US" sz="2400" b="0" i="1" smtClean="0">
+                                <a:latin typeface="Cambria Math" panose="02040503050406030204" pitchFamily="18" charset="0"/>
+                              </a:rPr>
+                              <m:t>𝑖</m:t>
+                            </m:r>
+                          </m:sub>
+                          <m:sup/>
+                          <m:e>
+                            <m:d>
+                              <m:dPr>
+                                <m:ctrlPr>
+                                  <a:rPr lang="en-US" sz="2400" i="1">
+                                    <a:latin typeface="Cambria Math" panose="02040503050406030204" pitchFamily="18" charset="0"/>
+                                  </a:rPr>
+                                </m:ctrlPr>
+                              </m:dPr>
+                              <m:e>
+                                <m:sSub>
+                                  <m:sSubPr>
+                                    <m:ctrlPr>
+                                      <a:rPr lang="en-US" sz="2400" b="0" i="1" smtClean="0">
+                                        <a:latin typeface="Cambria Math" panose="02040503050406030204" pitchFamily="18" charset="0"/>
+                                      </a:rPr>
+                                    </m:ctrlPr>
+                                  </m:sSubPr>
+                                  <m:e>
+                                    <m:r>
+                                      <a:rPr lang="en-US" sz="2400" b="0" i="1" smtClean="0">
+                                        <a:latin typeface="Cambria Math" panose="02040503050406030204" pitchFamily="18" charset="0"/>
+                                      </a:rPr>
+                                      <m:t>𝐵</m:t>
+                                    </m:r>
+                                  </m:e>
+                                  <m:sub>
+                                    <m:r>
+                                      <a:rPr lang="en-US" sz="2400" b="0" i="1" smtClean="0">
+                                        <a:latin typeface="Cambria Math" panose="02040503050406030204" pitchFamily="18" charset="0"/>
+                                      </a:rPr>
+                                      <m:t>𝑖</m:t>
+                                    </m:r>
+                                  </m:sub>
+                                </m:sSub>
+                                <m:r>
+                                  <a:rPr lang="en-US" sz="2400" i="1">
+                                    <a:latin typeface="Cambria Math" panose="02040503050406030204" pitchFamily="18" charset="0"/>
+                                  </a:rPr>
+                                  <m:t>−</m:t>
+                                </m:r>
+                                <m:sSub>
+                                  <m:sSubPr>
+                                    <m:ctrlPr>
+                                      <a:rPr lang="en-US" sz="2400" b="0" i="1" smtClean="0">
+                                        <a:latin typeface="Cambria Math" panose="02040503050406030204" pitchFamily="18" charset="0"/>
+                                      </a:rPr>
+                                    </m:ctrlPr>
+                                  </m:sSubPr>
+                                  <m:e>
+                                    <m:acc>
+                                      <m:accPr>
+                                        <m:chr m:val="̂"/>
+                                        <m:ctrlPr>
+                                          <a:rPr lang="en-US" sz="2400" i="1">
+                                            <a:latin typeface="Cambria Math" panose="02040503050406030204" pitchFamily="18" charset="0"/>
+                                          </a:rPr>
+                                        </m:ctrlPr>
+                                      </m:accPr>
+                                      <m:e>
+                                        <m:r>
+                                          <a:rPr lang="en-US" sz="2400" b="0" i="1" smtClean="0">
+                                            <a:latin typeface="Cambria Math" panose="02040503050406030204" pitchFamily="18" charset="0"/>
+                                          </a:rPr>
+                                          <m:t>𝐵</m:t>
+                                        </m:r>
+                                      </m:e>
+                                    </m:acc>
+                                  </m:e>
+                                  <m:sub>
+                                    <m:r>
+                                      <a:rPr lang="en-US" sz="2400" b="0" i="1" smtClean="0">
+                                        <a:latin typeface="Cambria Math" panose="02040503050406030204" pitchFamily="18" charset="0"/>
+                                      </a:rPr>
+                                      <m:t>𝑖</m:t>
+                                    </m:r>
+                                  </m:sub>
+                                </m:sSub>
+                              </m:e>
+                            </m:d>
+                          </m:e>
+                        </m:nary>
+                      </m:e>
+                      <m:sup>
+                        <m:r>
+                          <a:rPr lang="en-US" sz="2400" b="0" i="1" smtClean="0">
+                            <a:latin typeface="Cambria Math" panose="02040503050406030204" pitchFamily="18" charset="0"/>
+                          </a:rPr>
+                          <m:t>2</m:t>
+                        </m:r>
+                      </m:sup>
+                    </m:sSup>
+                  </m:oMath>
+                </a14:m>
+                <a:endParaRPr lang="en-US" sz="2400" dirty="0"/>
+              </a:p>
+            </p:txBody>
+          </p:sp>
+        </mc:Choice>
+        <mc:Fallback>
+          <p:sp>
+            <p:nvSpPr>
+              <p:cNvPr id="18" name="TextBox 17">
+                <a:extLst>
+                  <a:ext uri="{FF2B5EF4-FFF2-40B4-BE49-F238E27FC236}">
+                    <a16:creationId xmlns:a16="http://schemas.microsoft.com/office/drawing/2014/main" id="{9A667760-60EB-064F-9B43-02F9038B8C6E}"/>
+                  </a:ext>
+                </a:extLst>
+              </p:cNvPr>
+              <p:cNvSpPr txBox="1">
+                <a:spLocks noRot="1" noChangeAspect="1" noMove="1" noResize="1" noEditPoints="1" noAdjustHandles="1" noChangeArrowheads="1" noChangeShapeType="1" noTextEdit="1"/>
+              </p:cNvSpPr>
+              <p:nvPr/>
+            </p:nvSpPr>
+            <p:spPr>
+              <a:xfrm>
+                <a:off x="3429000" y="4142253"/>
+                <a:ext cx="4466736" cy="582147"/>
+              </a:xfrm>
+              <a:prstGeom prst="rect">
+                <a:avLst/>
+              </a:prstGeom>
+              <a:blipFill>
+                <a:blip r:embed="rId7"/>
+                <a:stretch>
+                  <a:fillRect l="-1983" t="-80851" b="-148936"/>
+                </a:stretch>
+              </a:blipFill>
+            </p:spPr>
+            <p:txBody>
+              <a:bodyPr/>
+              <a:lstStyle/>
+              <a:p>
+                <a:r>
+                  <a:rPr lang="en-US">
+                    <a:noFill/>
+                  </a:rPr>
+                  <a:t> </a:t>
+                </a:r>
+              </a:p>
+            </p:txBody>
+          </p:sp>
+        </mc:Fallback>
+      </mc:AlternateContent>
+      <p:sp>
+        <p:nvSpPr>
+          <p:cNvPr id="20" name="TextBox 19">
+            <a:extLst>
+              <a:ext uri="{FF2B5EF4-FFF2-40B4-BE49-F238E27FC236}">
+                <a16:creationId xmlns:a16="http://schemas.microsoft.com/office/drawing/2014/main" id="{4F13385C-8AC7-814E-BD37-D8982C9AD1D8}"/>
+              </a:ext>
+            </a:extLst>
+          </p:cNvPr>
+          <p:cNvSpPr txBox="1"/>
+          <p:nvPr/>
+        </p:nvSpPr>
+        <p:spPr>
+          <a:xfrm>
+            <a:off x="2319810" y="5334000"/>
+            <a:ext cx="2069797" cy="923330"/>
+          </a:xfrm>
+          <a:prstGeom prst="rect">
+            <a:avLst/>
+          </a:prstGeom>
+          <a:noFill/>
+        </p:spPr>
+        <p:txBody>
+          <a:bodyPr wrap="none" rtlCol="0">
+            <a:spAutoFit/>
+          </a:bodyPr>
+          <a:lstStyle/>
+          <a:p>
+            <a:r>
+              <a:rPr lang="en-US" sz="5400" b="1" dirty="0"/>
+              <a:t>Why?</a:t>
+            </a:r>
+          </a:p>
+        </p:txBody>
+      </p:sp>
+    </p:spTree>
+    <p:extLst>
+      <p:ext uri="{BB962C8B-B14F-4D97-AF65-F5344CB8AC3E}">
+        <p14:creationId xmlns:p14="http://schemas.microsoft.com/office/powerpoint/2010/main" val="2756427453"/>
+      </p:ext>
+    </p:extLst>
+  </p:cSld>
+  <p:clrMapOvr>
+    <a:masterClrMapping/>
+  </p:clrMapOvr>
+  <p:timing>
+    <p:tnLst>
+      <p:par>
+        <p:cTn id="1" dur="indefinite" restart="never" nodeType="tmRoot">
+          <p:childTnLst>
+            <p:seq concurrent="1" nextAc="seek">
+              <p:cTn id="2" dur="indefinite" nodeType="mainSeq">
+                <p:childTnLst>
+                  <p:par>
+                    <p:cTn id="3" fill="hold">
+                      <p:stCondLst>
+                        <p:cond delay="indefinite"/>
+                      </p:stCondLst>
+                      <p:childTnLst>
+                        <p:par>
+                          <p:cTn id="4" fill="hold">
+                            <p:stCondLst>
+                              <p:cond delay="0"/>
+                            </p:stCondLst>
+                            <p:childTnLst>
+                              <p:par>
+                                <p:cTn id="5" presetID="1" presetClass="entr" presetSubtype="0" fill="hold" grpId="0" nodeType="clickEffect">
+                                  <p:stCondLst>
+                                    <p:cond delay="0"/>
+                                  </p:stCondLst>
+                                  <p:childTnLst>
+                                    <p:set>
+                                      <p:cBhvr>
+                                        <p:cTn id="6" dur="1" fill="hold">
+                                          <p:stCondLst>
+                                            <p:cond delay="0"/>
+                                          </p:stCondLst>
+                                        </p:cTn>
+                                        <p:tgtEl>
+                                          <p:spTgt spid="8"/>
+                                        </p:tgtEl>
+                                        <p:attrNameLst>
+                                          <p:attrName>style.visibility</p:attrName>
+                                        </p:attrNameLst>
+                                      </p:cBhvr>
+                                      <p:to>
+                                        <p:strVal val="visible"/>
+                                      </p:to>
+                                    </p:set>
+                                  </p:childTnLst>
+                                </p:cTn>
+                              </p:par>
+                              <p:par>
+                                <p:cTn id="7" presetID="1" presetClass="entr" presetSubtype="0" fill="hold" grpId="0" nodeType="withEffect">
+                                  <p:stCondLst>
+                                    <p:cond delay="0"/>
+                                  </p:stCondLst>
+                                  <p:childTnLst>
+                                    <p:set>
+                                      <p:cBhvr>
+                                        <p:cTn id="8" dur="1" fill="hold">
+                                          <p:stCondLst>
+                                            <p:cond delay="0"/>
+                                          </p:stCondLst>
+                                        </p:cTn>
+                                        <p:tgtEl>
+                                          <p:spTgt spid="13"/>
+                                        </p:tgtEl>
+                                        <p:attrNameLst>
+                                          <p:attrName>style.visibility</p:attrName>
+                                        </p:attrNameLst>
+                                      </p:cBhvr>
+                                      <p:to>
+                                        <p:strVal val="visible"/>
+                                      </p:to>
+                                    </p:set>
+                                  </p:childTnLst>
+                                </p:cTn>
+                              </p:par>
+                              <p:par>
+                                <p:cTn id="9" presetID="1" presetClass="entr" presetSubtype="0" fill="hold" grpId="0" nodeType="withEffect">
+                                  <p:stCondLst>
+                                    <p:cond delay="0"/>
+                                  </p:stCondLst>
+                                  <p:childTnLst>
+                                    <p:set>
+                                      <p:cBhvr>
+                                        <p:cTn id="10" dur="1" fill="hold">
+                                          <p:stCondLst>
+                                            <p:cond delay="0"/>
+                                          </p:stCondLst>
+                                        </p:cTn>
+                                        <p:tgtEl>
+                                          <p:spTgt spid="16"/>
+                                        </p:tgtEl>
+                                        <p:attrNameLst>
+                                          <p:attrName>style.visibility</p:attrName>
+                                        </p:attrNameLst>
+                                      </p:cBhvr>
+                                      <p:to>
+                                        <p:strVal val="visible"/>
+                                      </p:to>
+                                    </p:set>
+                                  </p:childTnLst>
+                                </p:cTn>
+                              </p:par>
+                            </p:childTnLst>
+                          </p:cTn>
+                        </p:par>
+                      </p:childTnLst>
+                    </p:cTn>
+                  </p:par>
+                  <p:par>
+                    <p:cTn id="11" fill="hold">
+                      <p:stCondLst>
+                        <p:cond delay="indefinite"/>
+                      </p:stCondLst>
+                      <p:childTnLst>
+                        <p:par>
+                          <p:cTn id="12" fill="hold">
+                            <p:stCondLst>
+                              <p:cond delay="0"/>
+                            </p:stCondLst>
+                            <p:childTnLst>
+                              <p:par>
+                                <p:cTn id="13" presetID="1" presetClass="entr" presetSubtype="0" fill="hold" nodeType="clickEffect">
+                                  <p:stCondLst>
+                                    <p:cond delay="0"/>
+                                  </p:stCondLst>
+                                  <p:childTnLst>
+                                    <p:set>
+                                      <p:cBhvr>
+                                        <p:cTn id="14" dur="1" fill="hold">
+                                          <p:stCondLst>
+                                            <p:cond delay="0"/>
+                                          </p:stCondLst>
+                                        </p:cTn>
+                                        <p:tgtEl>
+                                          <p:spTgt spid="15"/>
+                                        </p:tgtEl>
+                                        <p:attrNameLst>
+                                          <p:attrName>style.visibility</p:attrName>
+                                        </p:attrNameLst>
+                                      </p:cBhvr>
+                                      <p:to>
+                                        <p:strVal val="visible"/>
+                                      </p:to>
+                                    </p:set>
+                                  </p:childTnLst>
+                                </p:cTn>
+                              </p:par>
+                            </p:childTnLst>
+                          </p:cTn>
+                        </p:par>
+                      </p:childTnLst>
+                    </p:cTn>
+                  </p:par>
+                  <p:par>
+                    <p:cTn id="15" fill="hold">
+                      <p:stCondLst>
+                        <p:cond delay="indefinite"/>
+                      </p:stCondLst>
+                      <p:childTnLst>
+                        <p:par>
+                          <p:cTn id="16" fill="hold">
+                            <p:stCondLst>
+                              <p:cond delay="0"/>
+                            </p:stCondLst>
+                            <p:childTnLst>
+                              <p:par>
+                                <p:cTn id="17" presetID="1" presetClass="entr" presetSubtype="0" fill="hold" grpId="0" nodeType="clickEffect">
+                                  <p:stCondLst>
+                                    <p:cond delay="0"/>
+                                  </p:stCondLst>
+                                  <p:childTnLst>
+                                    <p:set>
+                                      <p:cBhvr>
+                                        <p:cTn id="18" dur="1" fill="hold">
+                                          <p:stCondLst>
+                                            <p:cond delay="0"/>
+                                          </p:stCondLst>
+                                        </p:cTn>
+                                        <p:tgtEl>
+                                          <p:spTgt spid="10"/>
+                                        </p:tgtEl>
+                                        <p:attrNameLst>
+                                          <p:attrName>style.visibility</p:attrName>
+                                        </p:attrNameLst>
+                                      </p:cBhvr>
+                                      <p:to>
+                                        <p:strVal val="visible"/>
+                                      </p:to>
+                                    </p:set>
+                                  </p:childTnLst>
+                                </p:cTn>
+                              </p:par>
+                              <p:par>
+                                <p:cTn id="19" presetID="1" presetClass="entr" presetSubtype="0" fill="hold" nodeType="withEffect">
+                                  <p:stCondLst>
+                                    <p:cond delay="0"/>
+                                  </p:stCondLst>
+                                  <p:childTnLst>
+                                    <p:set>
+                                      <p:cBhvr>
+                                        <p:cTn id="20" dur="1" fill="hold">
+                                          <p:stCondLst>
+                                            <p:cond delay="0"/>
+                                          </p:stCondLst>
+                                        </p:cTn>
+                                        <p:tgtEl>
+                                          <p:spTgt spid="15"/>
+                                        </p:tgtEl>
+                                        <p:attrNameLst>
+                                          <p:attrName>style.visibility</p:attrName>
+                                        </p:attrNameLst>
+                                      </p:cBhvr>
+                                      <p:to>
+                                        <p:strVal val="visible"/>
+                                      </p:to>
+                                    </p:set>
+                                  </p:childTnLst>
+                                </p:cTn>
+                              </p:par>
+                              <p:par>
+                                <p:cTn id="21" presetID="1" presetClass="entr" presetSubtype="0" fill="hold" grpId="0" nodeType="withEffect">
+                                  <p:stCondLst>
+                                    <p:cond delay="0"/>
+                                  </p:stCondLst>
+                                  <p:childTnLst>
+                                    <p:set>
+                                      <p:cBhvr>
+                                        <p:cTn id="22" dur="1" fill="hold">
+                                          <p:stCondLst>
+                                            <p:cond delay="0"/>
+                                          </p:stCondLst>
+                                        </p:cTn>
+                                        <p:tgtEl>
+                                          <p:spTgt spid="18"/>
+                                        </p:tgtEl>
+                                        <p:attrNameLst>
+                                          <p:attrName>style.visibility</p:attrName>
+                                        </p:attrNameLst>
+                                      </p:cBhvr>
+                                      <p:to>
+                                        <p:strVal val="visible"/>
+                                      </p:to>
+                                    </p:set>
+                                  </p:childTnLst>
+                                </p:cTn>
+                              </p:par>
+                            </p:childTnLst>
+                          </p:cTn>
+                        </p:par>
+                      </p:childTnLst>
+                    </p:cTn>
+                  </p:par>
+                  <p:par>
+                    <p:cTn id="23" fill="hold">
+                      <p:stCondLst>
+                        <p:cond delay="indefinite"/>
+                      </p:stCondLst>
+                      <p:childTnLst>
+                        <p:par>
+                          <p:cTn id="24" fill="hold">
+                            <p:stCondLst>
+                              <p:cond delay="0"/>
+                            </p:stCondLst>
+                            <p:childTnLst>
+                              <p:par>
+                                <p:cTn id="25" presetID="1" presetClass="entr" presetSubtype="0" fill="hold" grpId="0" nodeType="clickEffect">
+                                  <p:stCondLst>
+                                    <p:cond delay="0"/>
+                                  </p:stCondLst>
+                                  <p:childTnLst>
+                                    <p:set>
+                                      <p:cBhvr>
+                                        <p:cTn id="26" dur="1" fill="hold">
+                                          <p:stCondLst>
+                                            <p:cond delay="0"/>
+                                          </p:stCondLst>
+                                        </p:cTn>
+                                        <p:tgtEl>
+                                          <p:spTgt spid="20"/>
+                                        </p:tgtEl>
+                                        <p:attrNameLst>
+                                          <p:attrName>style.visibility</p:attrName>
+                                        </p:attrNameLst>
+                                      </p:cBhvr>
+                                      <p:to>
+                                        <p:strVal val="visible"/>
+                                      </p:to>
+                                    </p:set>
+                                  </p:childTnLst>
+                                </p:cTn>
+                              </p:par>
+                            </p:childTnLst>
+                          </p:cTn>
+                        </p:par>
+                      </p:childTnLst>
+                    </p:cTn>
+                  </p:par>
+                </p:childTnLst>
+              </p:cTn>
+              <p:prevCondLst>
+                <p:cond evt="onPrev" delay="0">
+                  <p:tgtEl>
+                    <p:sldTgt/>
+                  </p:tgtEl>
+                </p:cond>
+              </p:prevCondLst>
+              <p:nextCondLst>
+                <p:cond evt="onNext" delay="0">
+                  <p:tgtEl>
+                    <p:sldTgt/>
+                  </p:tgtEl>
+                </p:cond>
+              </p:nextCondLst>
+            </p:seq>
+          </p:childTnLst>
+        </p:cTn>
+      </p:par>
+    </p:tnLst>
+    <p:bldLst>
+      <p:bldP spid="8" grpId="0"/>
+      <p:bldP spid="10" grpId="0"/>
+      <p:bldP spid="13" grpId="0"/>
+      <p:bldP spid="16" grpId="0"/>
+      <p:bldP spid="18" grpId="0"/>
+      <p:bldP spid="20" grpId="0"/>
+    </p:bldLst>
+  </p:timing>
+</p:sld>
+</file>
+
+<file path=ppt/slides/slide5.xml><?xml version="1.0" encoding="utf-8"?>
+<p:sld xmlns:a="http://schemas.openxmlformats.org/drawingml/2006/main" xmlns:r="http://schemas.openxmlformats.org/officeDocument/2006/relationships" xmlns:p="http://schemas.openxmlformats.org/presentationml/2006/main">
+  <p:cSld>
+    <p:spTree>
+      <p:nvGrpSpPr>
+        <p:cNvPr id="1" name=""/>
+        <p:cNvGrpSpPr/>
+        <p:nvPr/>
+      </p:nvGrpSpPr>
+      <p:grpSpPr>
+        <a:xfrm>
+          <a:off x="0" y="0"/>
+          <a:ext cx="0" cy="0"/>
+          <a:chOff x="0" y="0"/>
+          <a:chExt cx="0" cy="0"/>
+        </a:xfrm>
+      </p:grpSpPr>
+      <p:sp>
+        <p:nvSpPr>
+          <p:cNvPr id="2" name="Title 1">
+            <a:extLst>
+              <a:ext uri="{FF2B5EF4-FFF2-40B4-BE49-F238E27FC236}">
+                <a16:creationId xmlns:a16="http://schemas.microsoft.com/office/drawing/2014/main" id="{66EDE726-8A45-8545-B532-1DECE75EDD88}"/>
+              </a:ext>
+            </a:extLst>
+          </p:cNvPr>
+          <p:cNvSpPr>
+            <a:spLocks noGrp="1"/>
+          </p:cNvSpPr>
+          <p:nvPr>
+            <p:ph type="title"/>
+          </p:nvPr>
+        </p:nvSpPr>
+        <p:spPr>
+          <a:xfrm>
+            <a:off x="457200" y="2438400"/>
+            <a:ext cx="8229600" cy="838200"/>
+          </a:xfrm>
+        </p:spPr>
+        <p:txBody>
+          <a:bodyPr/>
+          <a:lstStyle/>
+          <a:p>
+            <a:r>
+              <a:rPr lang="en-US" sz="6000" dirty="0"/>
+              <a:t>Review</a:t>
+            </a:r>
+          </a:p>
+        </p:txBody>
+      </p:sp>
+      <p:sp>
+        <p:nvSpPr>
+          <p:cNvPr id="4" name="Slide Number Placeholder 3">
+            <a:extLst>
+              <a:ext uri="{FF2B5EF4-FFF2-40B4-BE49-F238E27FC236}">
+                <a16:creationId xmlns:a16="http://schemas.microsoft.com/office/drawing/2014/main" id="{2DCCEC55-4F5B-864B-AAB2-8D6766BCEC48}"/>
+              </a:ext>
+            </a:extLst>
+          </p:cNvPr>
+          <p:cNvSpPr>
+            <a:spLocks noGrp="1"/>
+          </p:cNvSpPr>
+          <p:nvPr>
+            <p:ph type="sldNum" sz="quarter" idx="11"/>
+          </p:nvPr>
+        </p:nvSpPr>
+        <p:spPr/>
+        <p:txBody>
+          <a:bodyPr/>
+          <a:lstStyle/>
+          <a:p>
+            <a:pPr>
+              <a:defRPr/>
+            </a:pPr>
+            <a:fld id="{3EF4E9CC-9D91-476E-91FD-5BEEC1642931}" type="slidenum">
+              <a:rPr lang="en-US" altLang="x-none" smtClean="0"/>
+              <a:pPr>
+                <a:defRPr/>
+              </a:pPr>
+              <a:t>5</a:t>
             </a:fld>
             <a:endParaRPr lang="en-US" altLang="x-none"/>
           </a:p>
@@ -7850,7 +10956,7 @@
 </p:sld>
 </file>
 
-<file path=ppt/slides/slide3.xml><?xml version="1.0" encoding="utf-8"?>
+<file path=ppt/slides/slide6.xml><?xml version="1.0" encoding="utf-8"?>
 <p:sld xmlns:a="http://schemas.openxmlformats.org/drawingml/2006/main" xmlns:r="http://schemas.openxmlformats.org/officeDocument/2006/relationships" xmlns:p="http://schemas.openxmlformats.org/presentationml/2006/main">
   <p:cSld>
     <p:spTree>
@@ -7981,7 +11087,7 @@
 </p:sld>
 </file>
 
-<file path=ppt/slides/slide4.xml><?xml version="1.0" encoding="utf-8"?>
+<file path=ppt/slides/slide7.xml><?xml version="1.0" encoding="utf-8"?>
 <p:sld xmlns:a="http://schemas.openxmlformats.org/drawingml/2006/main" xmlns:r="http://schemas.openxmlformats.org/officeDocument/2006/relationships" xmlns:p="http://schemas.openxmlformats.org/presentationml/2006/main">
   <p:cSld>
     <p:spTree>
@@ -8029,7 +11135,7 @@
         <p:spPr>
           <a:xfrm>
             <a:off x="1238136" y="838200"/>
-            <a:ext cx="1962397" cy="523220"/>
+            <a:ext cx="1704313" cy="461665"/>
           </a:xfrm>
           <a:prstGeom prst="rect">
             <a:avLst/>
@@ -8043,7 +11149,7 @@
           <a:lstStyle/>
           <a:p>
             <a:r>
-              <a:rPr lang="en-US" sz="2800" b="1" dirty="0"/>
+              <a:rPr lang="en-US" sz="2400" b="1" dirty="0"/>
               <a:t>The Model</a:t>
             </a:r>
           </a:p>
@@ -8058,7 +11164,7 @@
         <p:spPr>
           <a:xfrm>
             <a:off x="5029200" y="838200"/>
-            <a:ext cx="3060453" cy="523220"/>
+            <a:ext cx="2645276" cy="461665"/>
           </a:xfrm>
           <a:prstGeom prst="rect">
             <a:avLst/>
@@ -8072,7 +11178,7 @@
           <a:lstStyle/>
           <a:p>
             <a:r>
-              <a:rPr lang="en-US" sz="2800" b="1" dirty="0"/>
+              <a:rPr lang="en-US" sz="2400" b="1" dirty="0"/>
               <a:t>Ex: Linear Model</a:t>
             </a:r>
           </a:p>
@@ -9823,7 +12929,7 @@
               <a:blipFill>
                 <a:blip r:embed="rId9"/>
                 <a:stretch>
-                  <a:fillRect l="-1493" t="-1220" r="-299" b="-8537"/>
+                  <a:fillRect t="-1220" r="-299"/>
                 </a:stretch>
               </a:blipFill>
             </p:spPr>
@@ -10753,7 +13859,7 @@
 </p:sld>
 </file>
 
-<file path=ppt/slides/slide5.xml><?xml version="1.0" encoding="utf-8"?>
+<file path=ppt/slides/slide8.xml><?xml version="1.0" encoding="utf-8"?>
 <p:sld xmlns:a="http://schemas.openxmlformats.org/drawingml/2006/main" xmlns:r="http://schemas.openxmlformats.org/officeDocument/2006/relationships" xmlns:p="http://schemas.openxmlformats.org/presentationml/2006/main">
   <p:cSld>
     <p:spTree>
@@ -10779,7 +13885,7 @@
           <p:nvPr/>
         </p:nvPicPr>
         <p:blipFill>
-          <a:blip r:embed="rId2"/>
+          <a:blip r:embed="rId3"/>
           <a:stretch>
             <a:fillRect/>
           </a:stretch>
@@ -10908,8 +14014,15 @@
                 </a:pPr>
                 <a:r>
                   <a:rPr lang="en-US" sz="2400" dirty="0"/>
-                  <a:t>Starting point for the optimization search</a:t>
+                  <a:t>Starting point for the search. </a:t>
                 </a:r>
+                <a:r>
+                  <a:rPr lang="en-US" sz="2400" dirty="0">
+                    <a:hlinkClick r:id="rId4"/>
+                  </a:rPr>
+                  <a:t>Choose wisely.</a:t>
+                </a:r>
+                <a:endParaRPr lang="en-US" sz="2400" dirty="0"/>
               </a:p>
             </p:txBody>
           </p:sp>
@@ -10938,7 +14051,7 @@
                 <a:avLst/>
               </a:prstGeom>
               <a:blipFill>
-                <a:blip r:embed="rId3"/>
+                <a:blip r:embed="rId5"/>
                 <a:stretch>
                   <a:fillRect l="-1069" t="-2548" b="-3822"/>
                 </a:stretch>
@@ -11064,7 +14177,7 @@
                 <a:avLst/>
               </a:prstGeom>
               <a:blipFill>
-                <a:blip r:embed="rId4"/>
+                <a:blip r:embed="rId6"/>
                 <a:stretch>
                   <a:fillRect l="-16667" t="-13889" r="-2778" b="-16667"/>
                 </a:stretch>
@@ -11190,7 +14303,7 @@
                 <a:avLst/>
               </a:prstGeom>
               <a:blipFill>
-                <a:blip r:embed="rId5"/>
+                <a:blip r:embed="rId7"/>
                 <a:stretch>
                   <a:fillRect l="-13889" t="-16667" r="-2778" b="-13889"/>
                 </a:stretch>
@@ -11306,7 +14419,7 @@
                 <a:ext cx="8229600" cy="838200"/>
               </a:xfrm>
               <a:blipFill>
-                <a:blip r:embed="rId6"/>
+                <a:blip r:embed="rId8"/>
                 <a:stretch>
                   <a:fillRect t="-7463" b="-52239"/>
                 </a:stretch>
@@ -11431,7 +14544,7 @@
                 <a:avLst/>
               </a:prstGeom>
               <a:blipFill>
-                <a:blip r:embed="rId7"/>
+                <a:blip r:embed="rId9"/>
                 <a:stretch>
                   <a:fillRect l="-15686" t="-19355" r="-13725" b="-35484"/>
                 </a:stretch>
@@ -11513,33 +14626,15 @@
                                   </p:childTnLst>
                                 </p:cTn>
                               </p:par>
-                            </p:childTnLst>
-                          </p:cTn>
-                        </p:par>
-                      </p:childTnLst>
-                    </p:cTn>
-                  </p:par>
-                  <p:par>
-                    <p:cTn id="7" fill="hold">
-                      <p:stCondLst>
-                        <p:cond delay="indefinite"/>
-                      </p:stCondLst>
-                      <p:childTnLst>
-                        <p:par>
-                          <p:cTn id="8" fill="hold">
-                            <p:stCondLst>
-                              <p:cond delay="0"/>
-                            </p:stCondLst>
-                            <p:childTnLst>
                               <p:par>
-                                <p:cTn id="9" presetID="1" presetClass="entr" presetSubtype="0" fill="hold" nodeType="clickEffect">
+                                <p:cTn id="7" presetID="1" presetClass="entr" presetSubtype="0" fill="hold" nodeType="withEffect">
                                   <p:stCondLst>
                                     <p:cond delay="0"/>
                                   </p:stCondLst>
                                   <p:childTnLst>
                                     <p:set>
                                       <p:cBhvr>
-                                        <p:cTn id="10" dur="1" fill="hold">
+                                        <p:cTn id="8" dur="1" fill="hold">
                                           <p:stCondLst>
                                             <p:cond delay="0"/>
                                           </p:stCondLst>
@@ -11569,26 +14664,26 @@
                     </p:cTn>
                   </p:par>
                   <p:par>
-                    <p:cTn id="11" fill="hold">
+                    <p:cTn id="9" fill="hold">
                       <p:stCondLst>
                         <p:cond delay="indefinite"/>
                       </p:stCondLst>
                       <p:childTnLst>
                         <p:par>
-                          <p:cTn id="12" fill="hold">
+                          <p:cTn id="10" fill="hold">
                             <p:stCondLst>
                               <p:cond delay="0"/>
                             </p:stCondLst>
                             <p:childTnLst>
                               <p:par>
-                                <p:cTn id="13" presetID="1" presetClass="entr" presetSubtype="0" fill="hold" nodeType="clickEffect">
+                                <p:cTn id="11" presetID="1" presetClass="entr" presetSubtype="0" fill="hold" nodeType="clickEffect">
                                   <p:stCondLst>
                                     <p:cond delay="0"/>
                                   </p:stCondLst>
                                   <p:childTnLst>
                                     <p:set>
                                       <p:cBhvr>
-                                        <p:cTn id="14" dur="1" fill="hold">
+                                        <p:cTn id="12" dur="1" fill="hold">
                                           <p:stCondLst>
                                             <p:cond delay="0"/>
                                           </p:stCondLst>
@@ -11618,26 +14713,26 @@
                     </p:cTn>
                   </p:par>
                   <p:par>
-                    <p:cTn id="15" fill="hold">
+                    <p:cTn id="13" fill="hold">
                       <p:stCondLst>
                         <p:cond delay="indefinite"/>
                       </p:stCondLst>
                       <p:childTnLst>
                         <p:par>
-                          <p:cTn id="16" fill="hold">
+                          <p:cTn id="14" fill="hold">
                             <p:stCondLst>
                               <p:cond delay="0"/>
                             </p:stCondLst>
                             <p:childTnLst>
                               <p:par>
-                                <p:cTn id="17" presetID="1" presetClass="entr" presetSubtype="0" fill="hold" nodeType="clickEffect">
+                                <p:cTn id="15" presetID="1" presetClass="entr" presetSubtype="0" fill="hold" nodeType="clickEffect">
                                   <p:stCondLst>
                                     <p:cond delay="0"/>
                                   </p:stCondLst>
                                   <p:childTnLst>
                                     <p:set>
                                       <p:cBhvr>
-                                        <p:cTn id="18" dur="1" fill="hold">
+                                        <p:cTn id="16" dur="1" fill="hold">
                                           <p:stCondLst>
                                             <p:cond delay="0"/>
                                           </p:stCondLst>
@@ -11667,26 +14762,26 @@
                     </p:cTn>
                   </p:par>
                   <p:par>
-                    <p:cTn id="19" fill="hold">
+                    <p:cTn id="17" fill="hold">
                       <p:stCondLst>
                         <p:cond delay="indefinite"/>
                       </p:stCondLst>
                       <p:childTnLst>
                         <p:par>
-                          <p:cTn id="20" fill="hold">
+                          <p:cTn id="18" fill="hold">
                             <p:stCondLst>
                               <p:cond delay="0"/>
                             </p:stCondLst>
                             <p:childTnLst>
                               <p:par>
-                                <p:cTn id="21" presetID="1" presetClass="entr" presetSubtype="0" fill="hold" nodeType="clickEffect">
+                                <p:cTn id="19" presetID="1" presetClass="entr" presetSubtype="0" fill="hold" nodeType="clickEffect">
                                   <p:stCondLst>
                                     <p:cond delay="0"/>
                                   </p:stCondLst>
                                   <p:childTnLst>
                                     <p:set>
                                       <p:cBhvr>
-                                        <p:cTn id="22" dur="1" fill="hold">
+                                        <p:cTn id="20" dur="1" fill="hold">
                                           <p:stCondLst>
                                             <p:cond delay="0"/>
                                           </p:stCondLst>
@@ -11740,1756 +14835,7 @@
 </p:sld>
 </file>
 
-<file path=ppt/slides/slide6.xml><?xml version="1.0" encoding="utf-8"?>
-<p:sld xmlns:a="http://schemas.openxmlformats.org/drawingml/2006/main" xmlns:r="http://schemas.openxmlformats.org/officeDocument/2006/relationships" xmlns:p="http://schemas.openxmlformats.org/presentationml/2006/main">
-  <p:cSld>
-    <p:spTree>
-      <p:nvGrpSpPr>
-        <p:cNvPr id="1" name=""/>
-        <p:cNvGrpSpPr/>
-        <p:nvPr/>
-      </p:nvGrpSpPr>
-      <p:grpSpPr>
-        <a:xfrm>
-          <a:off x="0" y="0"/>
-          <a:ext cx="0" cy="0"/>
-          <a:chOff x="0" y="0"/>
-          <a:chExt cx="0" cy="0"/>
-        </a:xfrm>
-      </p:grpSpPr>
-      <p:sp>
-        <p:nvSpPr>
-          <p:cNvPr id="2" name="Title 1">
-            <a:extLst>
-              <a:ext uri="{FF2B5EF4-FFF2-40B4-BE49-F238E27FC236}">
-                <a16:creationId xmlns:a16="http://schemas.microsoft.com/office/drawing/2014/main" id="{66EDE726-8A45-8545-B532-1DECE75EDD88}"/>
-              </a:ext>
-            </a:extLst>
-          </p:cNvPr>
-          <p:cNvSpPr>
-            <a:spLocks noGrp="1"/>
-          </p:cNvSpPr>
-          <p:nvPr>
-            <p:ph type="title"/>
-          </p:nvPr>
-        </p:nvSpPr>
-        <p:spPr>
-          <a:xfrm>
-            <a:off x="457200" y="2438400"/>
-            <a:ext cx="8229600" cy="838200"/>
-          </a:xfrm>
-        </p:spPr>
-        <p:txBody>
-          <a:bodyPr/>
-          <a:lstStyle/>
-          <a:p>
-            <a:r>
-              <a:rPr lang="en-US" sz="6000" dirty="0"/>
-              <a:t>Errata</a:t>
-            </a:r>
-          </a:p>
-        </p:txBody>
-      </p:sp>
-      <p:sp>
-        <p:nvSpPr>
-          <p:cNvPr id="4" name="Slide Number Placeholder 3">
-            <a:extLst>
-              <a:ext uri="{FF2B5EF4-FFF2-40B4-BE49-F238E27FC236}">
-                <a16:creationId xmlns:a16="http://schemas.microsoft.com/office/drawing/2014/main" id="{2DCCEC55-4F5B-864B-AAB2-8D6766BCEC48}"/>
-              </a:ext>
-            </a:extLst>
-          </p:cNvPr>
-          <p:cNvSpPr>
-            <a:spLocks noGrp="1"/>
-          </p:cNvSpPr>
-          <p:nvPr>
-            <p:ph type="sldNum" sz="quarter" idx="11"/>
-          </p:nvPr>
-        </p:nvSpPr>
-        <p:spPr/>
-        <p:txBody>
-          <a:bodyPr/>
-          <a:lstStyle/>
-          <a:p>
-            <a:pPr>
-              <a:defRPr/>
-            </a:pPr>
-            <a:fld id="{3EF4E9CC-9D91-476E-91FD-5BEEC1642931}" type="slidenum">
-              <a:rPr lang="en-US" altLang="x-none" smtClean="0"/>
-              <a:pPr>
-                <a:defRPr/>
-              </a:pPr>
-              <a:t>6</a:t>
-            </a:fld>
-            <a:endParaRPr lang="en-US" altLang="x-none"/>
-          </a:p>
-        </p:txBody>
-      </p:sp>
-    </p:spTree>
-    <p:extLst>
-      <p:ext uri="{BB962C8B-B14F-4D97-AF65-F5344CB8AC3E}">
-        <p14:creationId xmlns:p14="http://schemas.microsoft.com/office/powerpoint/2010/main" val="2423011860"/>
-      </p:ext>
-    </p:extLst>
-  </p:cSld>
-  <p:clrMapOvr>
-    <a:masterClrMapping/>
-  </p:clrMapOvr>
-</p:sld>
-</file>
-
-<file path=ppt/slides/slide7.xml><?xml version="1.0" encoding="utf-8"?>
-<p:sld xmlns:a="http://schemas.openxmlformats.org/drawingml/2006/main" xmlns:r="http://schemas.openxmlformats.org/officeDocument/2006/relationships" xmlns:p="http://schemas.openxmlformats.org/presentationml/2006/main">
-  <p:cSld>
-    <p:spTree>
-      <p:nvGrpSpPr>
-        <p:cNvPr id="1" name=""/>
-        <p:cNvGrpSpPr/>
-        <p:nvPr/>
-      </p:nvGrpSpPr>
-      <p:grpSpPr>
-        <a:xfrm>
-          <a:off x="0" y="0"/>
-          <a:ext cx="0" cy="0"/>
-          <a:chOff x="0" y="0"/>
-          <a:chExt cx="0" cy="0"/>
-        </a:xfrm>
-      </p:grpSpPr>
-      <p:sp>
-        <p:nvSpPr>
-          <p:cNvPr id="2" name="Title 1">
-            <a:extLst>
-              <a:ext uri="{FF2B5EF4-FFF2-40B4-BE49-F238E27FC236}">
-                <a16:creationId xmlns:a16="http://schemas.microsoft.com/office/drawing/2014/main" id="{66EDE726-8A45-8545-B532-1DECE75EDD88}"/>
-              </a:ext>
-            </a:extLst>
-          </p:cNvPr>
-          <p:cNvSpPr>
-            <a:spLocks noGrp="1"/>
-          </p:cNvSpPr>
-          <p:nvPr>
-            <p:ph type="title"/>
-          </p:nvPr>
-        </p:nvSpPr>
-        <p:spPr/>
-        <p:txBody>
-          <a:bodyPr/>
-          <a:lstStyle/>
-          <a:p>
-            <a:r>
-              <a:rPr lang="en-US" dirty="0"/>
-              <a:t>Correction to 2 Parameter Model</a:t>
-            </a:r>
-          </a:p>
-        </p:txBody>
-      </p:sp>
-      <p:sp>
-        <p:nvSpPr>
-          <p:cNvPr id="3" name="Content Placeholder 2">
-            <a:extLst>
-              <a:ext uri="{FF2B5EF4-FFF2-40B4-BE49-F238E27FC236}">
-                <a16:creationId xmlns:a16="http://schemas.microsoft.com/office/drawing/2014/main" id="{BF7C375B-B6B2-E942-AAAA-20482B5AF468}"/>
-              </a:ext>
-            </a:extLst>
-          </p:cNvPr>
-          <p:cNvSpPr>
-            <a:spLocks noGrp="1"/>
-          </p:cNvSpPr>
-          <p:nvPr>
-            <p:ph idx="1"/>
-          </p:nvPr>
-        </p:nvSpPr>
-        <p:spPr/>
-        <p:txBody>
-          <a:bodyPr/>
-          <a:lstStyle/>
-          <a:p>
-            <a:r>
-              <a:rPr lang="en-US" dirty="0"/>
-              <a:t>Choosing the right objective function</a:t>
-            </a:r>
-          </a:p>
-        </p:txBody>
-      </p:sp>
-      <p:sp>
-        <p:nvSpPr>
-          <p:cNvPr id="4" name="Slide Number Placeholder 3">
-            <a:extLst>
-              <a:ext uri="{FF2B5EF4-FFF2-40B4-BE49-F238E27FC236}">
-                <a16:creationId xmlns:a16="http://schemas.microsoft.com/office/drawing/2014/main" id="{2DCCEC55-4F5B-864B-AAB2-8D6766BCEC48}"/>
-              </a:ext>
-            </a:extLst>
-          </p:cNvPr>
-          <p:cNvSpPr>
-            <a:spLocks noGrp="1"/>
-          </p:cNvSpPr>
-          <p:nvPr>
-            <p:ph type="sldNum" sz="quarter" idx="11"/>
-          </p:nvPr>
-        </p:nvSpPr>
-        <p:spPr/>
-        <p:txBody>
-          <a:bodyPr/>
-          <a:lstStyle/>
-          <a:p>
-            <a:pPr>
-              <a:defRPr/>
-            </a:pPr>
-            <a:fld id="{3EF4E9CC-9D91-476E-91FD-5BEEC1642931}" type="slidenum">
-              <a:rPr lang="en-US" altLang="x-none" smtClean="0"/>
-              <a:pPr>
-                <a:defRPr/>
-              </a:pPr>
-              <a:t>7</a:t>
-            </a:fld>
-            <a:endParaRPr lang="en-US" altLang="x-none" dirty="0"/>
-          </a:p>
-        </p:txBody>
-      </p:sp>
-      <mc:AlternateContent xmlns:mc="http://schemas.openxmlformats.org/markup-compatibility/2006">
-        <mc:Choice xmlns:a14="http://schemas.microsoft.com/office/drawing/2010/main" Requires="a14">
-          <p:sp>
-            <p:nvSpPr>
-              <p:cNvPr id="5" name="TextBox 4">
-                <a:extLst>
-                  <a:ext uri="{FF2B5EF4-FFF2-40B4-BE49-F238E27FC236}">
-                    <a16:creationId xmlns:a16="http://schemas.microsoft.com/office/drawing/2014/main" id="{AB4FAABE-DC0C-DD4A-ACA3-392580DCAAF5}"/>
-                  </a:ext>
-                </a:extLst>
-              </p:cNvPr>
-              <p:cNvSpPr txBox="1"/>
-              <p:nvPr/>
-            </p:nvSpPr>
-            <p:spPr>
-              <a:xfrm>
-                <a:off x="1066800" y="2667000"/>
-                <a:ext cx="1819922" cy="430887"/>
-              </a:xfrm>
-              <a:prstGeom prst="rect">
-                <a:avLst/>
-              </a:prstGeom>
-              <a:noFill/>
-            </p:spPr>
-            <p:txBody>
-              <a:bodyPr wrap="none" lIns="0" tIns="0" rIns="0" bIns="0" rtlCol="0">
-                <a:spAutoFit/>
-              </a:bodyPr>
-              <a:lstStyle/>
-              <a:p>
-                <a14:m>
-                  <m:oMathPara xmlns:m="http://schemas.openxmlformats.org/officeDocument/2006/math">
-                    <m:oMathParaPr>
-                      <m:jc m:val="centerGroup"/>
-                    </m:oMathParaPr>
-                    <m:oMath xmlns:m="http://schemas.openxmlformats.org/officeDocument/2006/math">
-                      <m:r>
-                        <a:rPr lang="en-US" sz="2800" b="0" i="1" smtClean="0">
-                          <a:latin typeface="Cambria Math" panose="02040503050406030204" pitchFamily="18" charset="0"/>
-                        </a:rPr>
-                        <m:t>𝐴</m:t>
-                      </m:r>
-                      <m:r>
-                        <a:rPr lang="en-US" sz="2800" b="0" i="1" smtClean="0">
-                          <a:latin typeface="Cambria Math" panose="02040503050406030204" pitchFamily="18" charset="0"/>
-                        </a:rPr>
-                        <m:t>→</m:t>
-                      </m:r>
-                      <m:r>
-                        <a:rPr lang="en-US" sz="2800" b="0" i="1" smtClean="0">
-                          <a:latin typeface="Cambria Math" panose="02040503050406030204" pitchFamily="18" charset="0"/>
-                        </a:rPr>
-                        <m:t>𝐵</m:t>
-                      </m:r>
-                      <m:r>
-                        <a:rPr lang="en-US" sz="2800" b="0" i="1" smtClean="0">
-                          <a:latin typeface="Cambria Math" panose="02040503050406030204" pitchFamily="18" charset="0"/>
-                        </a:rPr>
-                        <m:t>;</m:t>
-                      </m:r>
-                      <m:sSub>
-                        <m:sSubPr>
-                          <m:ctrlPr>
-                            <a:rPr lang="en-US" sz="2800" b="0" i="1" smtClean="0">
-                              <a:latin typeface="Cambria Math" panose="02040503050406030204" pitchFamily="18" charset="0"/>
-                            </a:rPr>
-                          </m:ctrlPr>
-                        </m:sSubPr>
-                        <m:e>
-                          <m:r>
-                            <a:rPr lang="en-US" sz="2800" b="0" i="1" smtClean="0">
-                              <a:latin typeface="Cambria Math" panose="02040503050406030204" pitchFamily="18" charset="0"/>
-                            </a:rPr>
-                            <m:t>𝑘</m:t>
-                          </m:r>
-                        </m:e>
-                        <m:sub>
-                          <m:r>
-                            <a:rPr lang="en-US" sz="2800" b="0" i="1" smtClean="0">
-                              <a:latin typeface="Cambria Math" panose="02040503050406030204" pitchFamily="18" charset="0"/>
-                            </a:rPr>
-                            <m:t>1</m:t>
-                          </m:r>
-                        </m:sub>
-                      </m:sSub>
-                      <m:r>
-                        <a:rPr lang="en-US" sz="2800" b="0" i="1" smtClean="0">
-                          <a:latin typeface="Cambria Math" panose="02040503050406030204" pitchFamily="18" charset="0"/>
-                        </a:rPr>
-                        <m:t>𝐴</m:t>
-                      </m:r>
-                    </m:oMath>
-                  </m:oMathPara>
-                </a14:m>
-                <a:endParaRPr lang="en-US" sz="2800" dirty="0"/>
-              </a:p>
-            </p:txBody>
-          </p:sp>
-        </mc:Choice>
-        <mc:Fallback>
-          <p:sp>
-            <p:nvSpPr>
-              <p:cNvPr id="5" name="TextBox 4">
-                <a:extLst>
-                  <a:ext uri="{FF2B5EF4-FFF2-40B4-BE49-F238E27FC236}">
-                    <a16:creationId xmlns:a16="http://schemas.microsoft.com/office/drawing/2014/main" id="{AB4FAABE-DC0C-DD4A-ACA3-392580DCAAF5}"/>
-                  </a:ext>
-                </a:extLst>
-              </p:cNvPr>
-              <p:cNvSpPr txBox="1">
-                <a:spLocks noRot="1" noChangeAspect="1" noMove="1" noResize="1" noEditPoints="1" noAdjustHandles="1" noChangeArrowheads="1" noChangeShapeType="1" noTextEdit="1"/>
-              </p:cNvSpPr>
-              <p:nvPr/>
-            </p:nvSpPr>
-            <p:spPr>
-              <a:xfrm>
-                <a:off x="1066800" y="2667000"/>
-                <a:ext cx="1819922" cy="430887"/>
-              </a:xfrm>
-              <a:prstGeom prst="rect">
-                <a:avLst/>
-              </a:prstGeom>
-              <a:blipFill>
-                <a:blip r:embed="rId2"/>
-                <a:stretch>
-                  <a:fillRect l="-4196" r="-3497" b="-14286"/>
-                </a:stretch>
-              </a:blipFill>
-            </p:spPr>
-            <p:txBody>
-              <a:bodyPr/>
-              <a:lstStyle/>
-              <a:p>
-                <a:r>
-                  <a:rPr lang="en-US">
-                    <a:noFill/>
-                  </a:rPr>
-                  <a:t> </a:t>
-                </a:r>
-              </a:p>
-            </p:txBody>
-          </p:sp>
-        </mc:Fallback>
-      </mc:AlternateContent>
-      <mc:AlternateContent xmlns:mc="http://schemas.openxmlformats.org/markup-compatibility/2006">
-        <mc:Choice xmlns:a14="http://schemas.microsoft.com/office/drawing/2010/main" Requires="a14">
-          <p:sp>
-            <p:nvSpPr>
-              <p:cNvPr id="7" name="TextBox 6">
-                <a:extLst>
-                  <a:ext uri="{FF2B5EF4-FFF2-40B4-BE49-F238E27FC236}">
-                    <a16:creationId xmlns:a16="http://schemas.microsoft.com/office/drawing/2014/main" id="{38185475-17E4-6444-ACC4-A615206EFF11}"/>
-                  </a:ext>
-                </a:extLst>
-              </p:cNvPr>
-              <p:cNvSpPr txBox="1"/>
-              <p:nvPr/>
-            </p:nvSpPr>
-            <p:spPr>
-              <a:xfrm>
-                <a:off x="3581400" y="2590800"/>
-                <a:ext cx="4606326" cy="582147"/>
-              </a:xfrm>
-              <a:prstGeom prst="rect">
-                <a:avLst/>
-              </a:prstGeom>
-              <a:noFill/>
-            </p:spPr>
-            <p:txBody>
-              <a:bodyPr wrap="none" rtlCol="0">
-                <a:spAutoFit/>
-              </a:bodyPr>
-              <a:lstStyle/>
-              <a:p>
-                <a:r>
-                  <a:rPr lang="en-US" sz="2400" dirty="0"/>
-                  <a:t>Objective function: </a:t>
-                </a:r>
-                <a14:m>
-                  <m:oMath xmlns:m="http://schemas.openxmlformats.org/officeDocument/2006/math">
-                    <m:sSup>
-                      <m:sSupPr>
-                        <m:ctrlPr>
-                          <a:rPr lang="en-US" sz="2400" b="0" i="1" smtClean="0">
-                            <a:latin typeface="Cambria Math" panose="02040503050406030204" pitchFamily="18" charset="0"/>
-                          </a:rPr>
-                        </m:ctrlPr>
-                      </m:sSupPr>
-                      <m:e>
-                        <m:nary>
-                          <m:naryPr>
-                            <m:chr m:val="∑"/>
-                            <m:supHide m:val="on"/>
-                            <m:ctrlPr>
-                              <a:rPr lang="en-US" sz="2400" b="0" i="1" smtClean="0">
-                                <a:latin typeface="Cambria Math" panose="02040503050406030204" pitchFamily="18" charset="0"/>
-                              </a:rPr>
-                            </m:ctrlPr>
-                          </m:naryPr>
-                          <m:sub>
-                            <m:r>
-                              <a:rPr lang="en-US" sz="2400" b="0" i="1" smtClean="0">
-                                <a:latin typeface="Cambria Math" panose="02040503050406030204" pitchFamily="18" charset="0"/>
-                              </a:rPr>
-                              <m:t>𝑖</m:t>
-                            </m:r>
-                          </m:sub>
-                          <m:sup/>
-                          <m:e>
-                            <m:d>
-                              <m:dPr>
-                                <m:ctrlPr>
-                                  <a:rPr lang="en-US" sz="2400" i="1">
-                                    <a:latin typeface="Cambria Math" panose="02040503050406030204" pitchFamily="18" charset="0"/>
-                                  </a:rPr>
-                                </m:ctrlPr>
-                              </m:dPr>
-                              <m:e>
-                                <m:sSub>
-                                  <m:sSubPr>
-                                    <m:ctrlPr>
-                                      <a:rPr lang="en-US" sz="2400" b="0" i="1" smtClean="0">
-                                        <a:latin typeface="Cambria Math" panose="02040503050406030204" pitchFamily="18" charset="0"/>
-                                      </a:rPr>
-                                    </m:ctrlPr>
-                                  </m:sSubPr>
-                                  <m:e>
-                                    <m:r>
-                                      <a:rPr lang="en-US" sz="2400" i="1">
-                                        <a:latin typeface="Cambria Math" panose="02040503050406030204" pitchFamily="18" charset="0"/>
-                                      </a:rPr>
-                                      <m:t>𝐴</m:t>
-                                    </m:r>
-                                  </m:e>
-                                  <m:sub>
-                                    <m:r>
-                                      <a:rPr lang="en-US" sz="2400" b="0" i="1" smtClean="0">
-                                        <a:latin typeface="Cambria Math" panose="02040503050406030204" pitchFamily="18" charset="0"/>
-                                      </a:rPr>
-                                      <m:t>𝑖</m:t>
-                                    </m:r>
-                                  </m:sub>
-                                </m:sSub>
-                                <m:r>
-                                  <a:rPr lang="en-US" sz="2400" i="1">
-                                    <a:latin typeface="Cambria Math" panose="02040503050406030204" pitchFamily="18" charset="0"/>
-                                  </a:rPr>
-                                  <m:t>−</m:t>
-                                </m:r>
-                                <m:sSub>
-                                  <m:sSubPr>
-                                    <m:ctrlPr>
-                                      <a:rPr lang="en-US" sz="2400" b="0" i="1" smtClean="0">
-                                        <a:latin typeface="Cambria Math" panose="02040503050406030204" pitchFamily="18" charset="0"/>
-                                      </a:rPr>
-                                    </m:ctrlPr>
-                                  </m:sSubPr>
-                                  <m:e>
-                                    <m:acc>
-                                      <m:accPr>
-                                        <m:chr m:val="̂"/>
-                                        <m:ctrlPr>
-                                          <a:rPr lang="en-US" sz="2400" i="1">
-                                            <a:latin typeface="Cambria Math" panose="02040503050406030204" pitchFamily="18" charset="0"/>
-                                          </a:rPr>
-                                        </m:ctrlPr>
-                                      </m:accPr>
-                                      <m:e>
-                                        <m:r>
-                                          <a:rPr lang="en-US" sz="2400" i="1">
-                                            <a:latin typeface="Cambria Math" panose="02040503050406030204" pitchFamily="18" charset="0"/>
-                                          </a:rPr>
-                                          <m:t>𝐴</m:t>
-                                        </m:r>
-                                      </m:e>
-                                    </m:acc>
-                                  </m:e>
-                                  <m:sub>
-                                    <m:r>
-                                      <a:rPr lang="en-US" sz="2400" b="0" i="1" smtClean="0">
-                                        <a:latin typeface="Cambria Math" panose="02040503050406030204" pitchFamily="18" charset="0"/>
-                                      </a:rPr>
-                                      <m:t>𝑖</m:t>
-                                    </m:r>
-                                  </m:sub>
-                                </m:sSub>
-                              </m:e>
-                            </m:d>
-                          </m:e>
-                        </m:nary>
-                      </m:e>
-                      <m:sup>
-                        <m:r>
-                          <a:rPr lang="en-US" sz="2400" b="0" i="1" smtClean="0">
-                            <a:latin typeface="Cambria Math" panose="02040503050406030204" pitchFamily="18" charset="0"/>
-                          </a:rPr>
-                          <m:t>2</m:t>
-                        </m:r>
-                      </m:sup>
-                    </m:sSup>
-                  </m:oMath>
-                </a14:m>
-                <a:endParaRPr lang="en-US" sz="2400" dirty="0"/>
-              </a:p>
-            </p:txBody>
-          </p:sp>
-        </mc:Choice>
-        <mc:Fallback>
-          <p:sp>
-            <p:nvSpPr>
-              <p:cNvPr id="7" name="TextBox 6">
-                <a:extLst>
-                  <a:ext uri="{FF2B5EF4-FFF2-40B4-BE49-F238E27FC236}">
-                    <a16:creationId xmlns:a16="http://schemas.microsoft.com/office/drawing/2014/main" id="{38185475-17E4-6444-ACC4-A615206EFF11}"/>
-                  </a:ext>
-                </a:extLst>
-              </p:cNvPr>
-              <p:cNvSpPr txBox="1">
-                <a:spLocks noRot="1" noChangeAspect="1" noMove="1" noResize="1" noEditPoints="1" noAdjustHandles="1" noChangeArrowheads="1" noChangeShapeType="1" noTextEdit="1"/>
-              </p:cNvSpPr>
-              <p:nvPr/>
-            </p:nvSpPr>
-            <p:spPr>
-              <a:xfrm>
-                <a:off x="3581400" y="2590800"/>
-                <a:ext cx="4606326" cy="582147"/>
-              </a:xfrm>
-              <a:prstGeom prst="rect">
-                <a:avLst/>
-              </a:prstGeom>
-              <a:blipFill>
-                <a:blip r:embed="rId3"/>
-                <a:stretch>
-                  <a:fillRect l="-1923" t="-84783" b="-150000"/>
-                </a:stretch>
-              </a:blipFill>
-            </p:spPr>
-            <p:txBody>
-              <a:bodyPr/>
-              <a:lstStyle/>
-              <a:p>
-                <a:r>
-                  <a:rPr lang="en-US">
-                    <a:noFill/>
-                  </a:rPr>
-                  <a:t> </a:t>
-                </a:r>
-              </a:p>
-            </p:txBody>
-          </p:sp>
-        </mc:Fallback>
-      </mc:AlternateContent>
-      <mc:AlternateContent xmlns:mc="http://schemas.openxmlformats.org/markup-compatibility/2006">
-        <mc:Choice xmlns:a14="http://schemas.microsoft.com/office/drawing/2010/main" Requires="a14">
-          <p:sp>
-            <p:nvSpPr>
-              <p:cNvPr id="8" name="TextBox 7">
-                <a:extLst>
-                  <a:ext uri="{FF2B5EF4-FFF2-40B4-BE49-F238E27FC236}">
-                    <a16:creationId xmlns:a16="http://schemas.microsoft.com/office/drawing/2014/main" id="{AC9CD046-E76C-E744-BC89-99BEBDCDE195}"/>
-                  </a:ext>
-                </a:extLst>
-              </p:cNvPr>
-              <p:cNvSpPr txBox="1"/>
-              <p:nvPr/>
-            </p:nvSpPr>
-            <p:spPr>
-              <a:xfrm>
-                <a:off x="990600" y="3685053"/>
-                <a:ext cx="1819922" cy="430887"/>
-              </a:xfrm>
-              <a:prstGeom prst="rect">
-                <a:avLst/>
-              </a:prstGeom>
-              <a:noFill/>
-            </p:spPr>
-            <p:txBody>
-              <a:bodyPr wrap="none" lIns="0" tIns="0" rIns="0" bIns="0" rtlCol="0">
-                <a:spAutoFit/>
-              </a:bodyPr>
-              <a:lstStyle/>
-              <a:p>
-                <a14:m>
-                  <m:oMathPara xmlns:m="http://schemas.openxmlformats.org/officeDocument/2006/math">
-                    <m:oMathParaPr>
-                      <m:jc m:val="centerGroup"/>
-                    </m:oMathParaPr>
-                    <m:oMath xmlns:m="http://schemas.openxmlformats.org/officeDocument/2006/math">
-                      <m:r>
-                        <a:rPr lang="en-US" sz="2800" b="0" i="1" smtClean="0">
-                          <a:latin typeface="Cambria Math" panose="02040503050406030204" pitchFamily="18" charset="0"/>
-                        </a:rPr>
-                        <m:t>𝐴</m:t>
-                      </m:r>
-                      <m:r>
-                        <a:rPr lang="en-US" sz="2800" b="0" i="1" smtClean="0">
-                          <a:latin typeface="Cambria Math" panose="02040503050406030204" pitchFamily="18" charset="0"/>
-                        </a:rPr>
-                        <m:t>→</m:t>
-                      </m:r>
-                      <m:r>
-                        <a:rPr lang="en-US" sz="2800" b="0" i="1" smtClean="0">
-                          <a:latin typeface="Cambria Math" panose="02040503050406030204" pitchFamily="18" charset="0"/>
-                        </a:rPr>
-                        <m:t>𝐵</m:t>
-                      </m:r>
-                      <m:r>
-                        <a:rPr lang="en-US" sz="2800" b="0" i="1" smtClean="0">
-                          <a:latin typeface="Cambria Math" panose="02040503050406030204" pitchFamily="18" charset="0"/>
-                        </a:rPr>
-                        <m:t>;</m:t>
-                      </m:r>
-                      <m:sSub>
-                        <m:sSubPr>
-                          <m:ctrlPr>
-                            <a:rPr lang="en-US" sz="2800" b="0" i="1" smtClean="0">
-                              <a:latin typeface="Cambria Math" panose="02040503050406030204" pitchFamily="18" charset="0"/>
-                            </a:rPr>
-                          </m:ctrlPr>
-                        </m:sSubPr>
-                        <m:e>
-                          <m:r>
-                            <a:rPr lang="en-US" sz="2800" b="0" i="1" smtClean="0">
-                              <a:latin typeface="Cambria Math" panose="02040503050406030204" pitchFamily="18" charset="0"/>
-                            </a:rPr>
-                            <m:t>𝑘</m:t>
-                          </m:r>
-                        </m:e>
-                        <m:sub>
-                          <m:r>
-                            <a:rPr lang="en-US" sz="2800" b="0" i="1" smtClean="0">
-                              <a:latin typeface="Cambria Math" panose="02040503050406030204" pitchFamily="18" charset="0"/>
-                            </a:rPr>
-                            <m:t>1</m:t>
-                          </m:r>
-                        </m:sub>
-                      </m:sSub>
-                      <m:r>
-                        <a:rPr lang="en-US" sz="2800" b="0" i="1" smtClean="0">
-                          <a:latin typeface="Cambria Math" panose="02040503050406030204" pitchFamily="18" charset="0"/>
-                        </a:rPr>
-                        <m:t>𝐴</m:t>
-                      </m:r>
-                    </m:oMath>
-                  </m:oMathPara>
-                </a14:m>
-                <a:endParaRPr lang="en-US" sz="2800" dirty="0"/>
-              </a:p>
-            </p:txBody>
-          </p:sp>
-        </mc:Choice>
-        <mc:Fallback>
-          <p:sp>
-            <p:nvSpPr>
-              <p:cNvPr id="8" name="TextBox 7">
-                <a:extLst>
-                  <a:ext uri="{FF2B5EF4-FFF2-40B4-BE49-F238E27FC236}">
-                    <a16:creationId xmlns:a16="http://schemas.microsoft.com/office/drawing/2014/main" id="{AC9CD046-E76C-E744-BC89-99BEBDCDE195}"/>
-                  </a:ext>
-                </a:extLst>
-              </p:cNvPr>
-              <p:cNvSpPr txBox="1">
-                <a:spLocks noRot="1" noChangeAspect="1" noMove="1" noResize="1" noEditPoints="1" noAdjustHandles="1" noChangeArrowheads="1" noChangeShapeType="1" noTextEdit="1"/>
-              </p:cNvSpPr>
-              <p:nvPr/>
-            </p:nvSpPr>
-            <p:spPr>
-              <a:xfrm>
-                <a:off x="990600" y="3685053"/>
-                <a:ext cx="1819922" cy="430887"/>
-              </a:xfrm>
-              <a:prstGeom prst="rect">
-                <a:avLst/>
-              </a:prstGeom>
-              <a:blipFill>
-                <a:blip r:embed="rId4"/>
-                <a:stretch>
-                  <a:fillRect l="-3472" r="-3472" b="-14286"/>
-                </a:stretch>
-              </a:blipFill>
-            </p:spPr>
-            <p:txBody>
-              <a:bodyPr/>
-              <a:lstStyle/>
-              <a:p>
-                <a:r>
-                  <a:rPr lang="en-US">
-                    <a:noFill/>
-                  </a:rPr>
-                  <a:t> </a:t>
-                </a:r>
-              </a:p>
-            </p:txBody>
-          </p:sp>
-        </mc:Fallback>
-      </mc:AlternateContent>
-      <mc:AlternateContent xmlns:mc="http://schemas.openxmlformats.org/markup-compatibility/2006">
-        <mc:Choice xmlns:a14="http://schemas.microsoft.com/office/drawing/2010/main" Requires="a14">
-          <p:sp>
-            <p:nvSpPr>
-              <p:cNvPr id="10" name="TextBox 9">
-                <a:extLst>
-                  <a:ext uri="{FF2B5EF4-FFF2-40B4-BE49-F238E27FC236}">
-                    <a16:creationId xmlns:a16="http://schemas.microsoft.com/office/drawing/2014/main" id="{0E91AF35-2057-9648-819B-9109F4794422}"/>
-                  </a:ext>
-                </a:extLst>
-              </p:cNvPr>
-              <p:cNvSpPr txBox="1"/>
-              <p:nvPr/>
-            </p:nvSpPr>
-            <p:spPr>
-              <a:xfrm>
-                <a:off x="990600" y="4142253"/>
-                <a:ext cx="1841723" cy="430887"/>
-              </a:xfrm>
-              <a:prstGeom prst="rect">
-                <a:avLst/>
-              </a:prstGeom>
-              <a:noFill/>
-            </p:spPr>
-            <p:txBody>
-              <a:bodyPr wrap="none" lIns="0" tIns="0" rIns="0" bIns="0" rtlCol="0">
-                <a:spAutoFit/>
-              </a:bodyPr>
-              <a:lstStyle/>
-              <a:p>
-                <a14:m>
-                  <m:oMathPara xmlns:m="http://schemas.openxmlformats.org/officeDocument/2006/math">
-                    <m:oMathParaPr>
-                      <m:jc m:val="centerGroup"/>
-                    </m:oMathParaPr>
-                    <m:oMath xmlns:m="http://schemas.openxmlformats.org/officeDocument/2006/math">
-                      <m:r>
-                        <a:rPr lang="en-US" sz="2800" b="0" i="1" smtClean="0">
-                          <a:latin typeface="Cambria Math" panose="02040503050406030204" pitchFamily="18" charset="0"/>
-                        </a:rPr>
-                        <m:t>𝐵</m:t>
-                      </m:r>
-                      <m:r>
-                        <a:rPr lang="en-US" sz="2800" b="0" i="1" smtClean="0">
-                          <a:latin typeface="Cambria Math" panose="02040503050406030204" pitchFamily="18" charset="0"/>
-                        </a:rPr>
-                        <m:t>→</m:t>
-                      </m:r>
-                      <m:r>
-                        <a:rPr lang="en-US" sz="2800" b="0" i="1" smtClean="0">
-                          <a:latin typeface="Cambria Math" panose="02040503050406030204" pitchFamily="18" charset="0"/>
-                        </a:rPr>
-                        <m:t>𝐶</m:t>
-                      </m:r>
-                      <m:r>
-                        <a:rPr lang="en-US" sz="2800" b="0" i="1" smtClean="0">
-                          <a:latin typeface="Cambria Math" panose="02040503050406030204" pitchFamily="18" charset="0"/>
-                        </a:rPr>
-                        <m:t>;</m:t>
-                      </m:r>
-                      <m:sSub>
-                        <m:sSubPr>
-                          <m:ctrlPr>
-                            <a:rPr lang="en-US" sz="2800" b="0" i="1" smtClean="0">
-                              <a:latin typeface="Cambria Math" panose="02040503050406030204" pitchFamily="18" charset="0"/>
-                            </a:rPr>
-                          </m:ctrlPr>
-                        </m:sSubPr>
-                        <m:e>
-                          <m:r>
-                            <a:rPr lang="en-US" sz="2800" b="0" i="1" smtClean="0">
-                              <a:latin typeface="Cambria Math" panose="02040503050406030204" pitchFamily="18" charset="0"/>
-                            </a:rPr>
-                            <m:t>𝑘</m:t>
-                          </m:r>
-                        </m:e>
-                        <m:sub>
-                          <m:r>
-                            <a:rPr lang="en-US" sz="2800" b="0" i="1" smtClean="0">
-                              <a:latin typeface="Cambria Math" panose="02040503050406030204" pitchFamily="18" charset="0"/>
-                            </a:rPr>
-                            <m:t>2</m:t>
-                          </m:r>
-                        </m:sub>
-                      </m:sSub>
-                      <m:r>
-                        <a:rPr lang="en-US" sz="2800" b="0" i="1" smtClean="0">
-                          <a:latin typeface="Cambria Math" panose="02040503050406030204" pitchFamily="18" charset="0"/>
-                        </a:rPr>
-                        <m:t>𝐵</m:t>
-                      </m:r>
-                    </m:oMath>
-                  </m:oMathPara>
-                </a14:m>
-                <a:endParaRPr lang="en-US" sz="2800" dirty="0"/>
-              </a:p>
-            </p:txBody>
-          </p:sp>
-        </mc:Choice>
-        <mc:Fallback>
-          <p:sp>
-            <p:nvSpPr>
-              <p:cNvPr id="10" name="TextBox 9">
-                <a:extLst>
-                  <a:ext uri="{FF2B5EF4-FFF2-40B4-BE49-F238E27FC236}">
-                    <a16:creationId xmlns:a16="http://schemas.microsoft.com/office/drawing/2014/main" id="{0E91AF35-2057-9648-819B-9109F4794422}"/>
-                  </a:ext>
-                </a:extLst>
-              </p:cNvPr>
-              <p:cNvSpPr txBox="1">
-                <a:spLocks noRot="1" noChangeAspect="1" noMove="1" noResize="1" noEditPoints="1" noAdjustHandles="1" noChangeArrowheads="1" noChangeShapeType="1" noTextEdit="1"/>
-              </p:cNvSpPr>
-              <p:nvPr/>
-            </p:nvSpPr>
-            <p:spPr>
-              <a:xfrm>
-                <a:off x="990600" y="4142253"/>
-                <a:ext cx="1841723" cy="430887"/>
-              </a:xfrm>
-              <a:prstGeom prst="rect">
-                <a:avLst/>
-              </a:prstGeom>
-              <a:blipFill>
-                <a:blip r:embed="rId5"/>
-                <a:stretch>
-                  <a:fillRect l="-3425" r="-2740" b="-14286"/>
-                </a:stretch>
-              </a:blipFill>
-            </p:spPr>
-            <p:txBody>
-              <a:bodyPr/>
-              <a:lstStyle/>
-              <a:p>
-                <a:r>
-                  <a:rPr lang="en-US">
-                    <a:noFill/>
-                  </a:rPr>
-                  <a:t> </a:t>
-                </a:r>
-              </a:p>
-            </p:txBody>
-          </p:sp>
-        </mc:Fallback>
-      </mc:AlternateContent>
-      <p:sp>
-        <p:nvSpPr>
-          <p:cNvPr id="12" name="TextBox 11">
-            <a:extLst>
-              <a:ext uri="{FF2B5EF4-FFF2-40B4-BE49-F238E27FC236}">
-                <a16:creationId xmlns:a16="http://schemas.microsoft.com/office/drawing/2014/main" id="{1DC9CF4B-F2D5-E741-8B71-D6A264B53F08}"/>
-              </a:ext>
-            </a:extLst>
-          </p:cNvPr>
-          <p:cNvSpPr txBox="1"/>
-          <p:nvPr/>
-        </p:nvSpPr>
-        <p:spPr>
-          <a:xfrm>
-            <a:off x="1066800" y="2286000"/>
-            <a:ext cx="1329210" cy="461665"/>
-          </a:xfrm>
-          <a:prstGeom prst="rect">
-            <a:avLst/>
-          </a:prstGeom>
-          <a:noFill/>
-        </p:spPr>
-        <p:txBody>
-          <a:bodyPr wrap="none" rtlCol="0">
-            <a:spAutoFit/>
-          </a:bodyPr>
-          <a:lstStyle/>
-          <a:p>
-            <a:r>
-              <a:rPr lang="en-US" sz="2400" b="1" dirty="0"/>
-              <a:t>Model 1</a:t>
-            </a:r>
-          </a:p>
-        </p:txBody>
-      </p:sp>
-      <p:sp>
-        <p:nvSpPr>
-          <p:cNvPr id="13" name="TextBox 12">
-            <a:extLst>
-              <a:ext uri="{FF2B5EF4-FFF2-40B4-BE49-F238E27FC236}">
-                <a16:creationId xmlns:a16="http://schemas.microsoft.com/office/drawing/2014/main" id="{262295ED-EEAC-934A-8B80-79C73CF6B621}"/>
-              </a:ext>
-            </a:extLst>
-          </p:cNvPr>
-          <p:cNvSpPr txBox="1"/>
-          <p:nvPr/>
-        </p:nvSpPr>
-        <p:spPr>
-          <a:xfrm>
-            <a:off x="990600" y="3348335"/>
-            <a:ext cx="1329210" cy="461665"/>
-          </a:xfrm>
-          <a:prstGeom prst="rect">
-            <a:avLst/>
-          </a:prstGeom>
-          <a:noFill/>
-        </p:spPr>
-        <p:txBody>
-          <a:bodyPr wrap="none" rtlCol="0">
-            <a:spAutoFit/>
-          </a:bodyPr>
-          <a:lstStyle/>
-          <a:p>
-            <a:r>
-              <a:rPr lang="en-US" sz="2400" b="1" dirty="0"/>
-              <a:t>Model 2</a:t>
-            </a:r>
-          </a:p>
-        </p:txBody>
-      </p:sp>
-      <p:cxnSp>
-        <p:nvCxnSpPr>
-          <p:cNvPr id="15" name="Straight Connector 14">
-            <a:extLst>
-              <a:ext uri="{FF2B5EF4-FFF2-40B4-BE49-F238E27FC236}">
-                <a16:creationId xmlns:a16="http://schemas.microsoft.com/office/drawing/2014/main" id="{756E8C83-A724-A145-81B3-BC3678D74F36}"/>
-              </a:ext>
-            </a:extLst>
-          </p:cNvPr>
-          <p:cNvCxnSpPr>
-            <a:cxnSpLocks/>
-          </p:cNvCxnSpPr>
-          <p:nvPr/>
-        </p:nvCxnSpPr>
-        <p:spPr>
-          <a:xfrm flipH="1">
-            <a:off x="3482920" y="3962400"/>
-            <a:ext cx="4365680" cy="0"/>
-          </a:xfrm>
-          <a:prstGeom prst="line">
-            <a:avLst/>
-          </a:prstGeom>
-          <a:ln w="28575">
-            <a:solidFill>
-              <a:srgbClr val="FF0000"/>
-            </a:solidFill>
-          </a:ln>
-        </p:spPr>
-        <p:style>
-          <a:lnRef idx="2">
-            <a:schemeClr val="accent1"/>
-          </a:lnRef>
-          <a:fillRef idx="0">
-            <a:schemeClr val="accent1"/>
-          </a:fillRef>
-          <a:effectRef idx="1">
-            <a:schemeClr val="accent1"/>
-          </a:effectRef>
-          <a:fontRef idx="minor">
-            <a:schemeClr val="tx1"/>
-          </a:fontRef>
-        </p:style>
-      </p:cxnSp>
-      <mc:AlternateContent xmlns:mc="http://schemas.openxmlformats.org/markup-compatibility/2006">
-        <mc:Choice xmlns:a14="http://schemas.microsoft.com/office/drawing/2010/main" Requires="a14">
-          <p:sp>
-            <p:nvSpPr>
-              <p:cNvPr id="16" name="TextBox 15">
-                <a:extLst>
-                  <a:ext uri="{FF2B5EF4-FFF2-40B4-BE49-F238E27FC236}">
-                    <a16:creationId xmlns:a16="http://schemas.microsoft.com/office/drawing/2014/main" id="{F70DEA66-3857-F642-9637-8EF876BA698B}"/>
-                  </a:ext>
-                </a:extLst>
-              </p:cNvPr>
-              <p:cNvSpPr txBox="1"/>
-              <p:nvPr/>
-            </p:nvSpPr>
-            <p:spPr>
-              <a:xfrm>
-                <a:off x="3429000" y="3608853"/>
-                <a:ext cx="4606326" cy="582147"/>
-              </a:xfrm>
-              <a:prstGeom prst="rect">
-                <a:avLst/>
-              </a:prstGeom>
-              <a:noFill/>
-            </p:spPr>
-            <p:txBody>
-              <a:bodyPr wrap="none" rtlCol="0">
-                <a:spAutoFit/>
-              </a:bodyPr>
-              <a:lstStyle/>
-              <a:p>
-                <a:r>
-                  <a:rPr lang="en-US" sz="2400" dirty="0"/>
-                  <a:t>Objective function: </a:t>
-                </a:r>
-                <a14:m>
-                  <m:oMath xmlns:m="http://schemas.openxmlformats.org/officeDocument/2006/math">
-                    <m:sSup>
-                      <m:sSupPr>
-                        <m:ctrlPr>
-                          <a:rPr lang="en-US" sz="2400" b="0" i="1" smtClean="0">
-                            <a:latin typeface="Cambria Math" panose="02040503050406030204" pitchFamily="18" charset="0"/>
-                          </a:rPr>
-                        </m:ctrlPr>
-                      </m:sSupPr>
-                      <m:e>
-                        <m:nary>
-                          <m:naryPr>
-                            <m:chr m:val="∑"/>
-                            <m:supHide m:val="on"/>
-                            <m:ctrlPr>
-                              <a:rPr lang="en-US" sz="2400" b="0" i="1" smtClean="0">
-                                <a:latin typeface="Cambria Math" panose="02040503050406030204" pitchFamily="18" charset="0"/>
-                              </a:rPr>
-                            </m:ctrlPr>
-                          </m:naryPr>
-                          <m:sub>
-                            <m:r>
-                              <a:rPr lang="en-US" sz="2400" b="0" i="1" smtClean="0">
-                                <a:latin typeface="Cambria Math" panose="02040503050406030204" pitchFamily="18" charset="0"/>
-                              </a:rPr>
-                              <m:t>𝑖</m:t>
-                            </m:r>
-                          </m:sub>
-                          <m:sup/>
-                          <m:e>
-                            <m:d>
-                              <m:dPr>
-                                <m:ctrlPr>
-                                  <a:rPr lang="en-US" sz="2400" i="1">
-                                    <a:latin typeface="Cambria Math" panose="02040503050406030204" pitchFamily="18" charset="0"/>
-                                  </a:rPr>
-                                </m:ctrlPr>
-                              </m:dPr>
-                              <m:e>
-                                <m:sSub>
-                                  <m:sSubPr>
-                                    <m:ctrlPr>
-                                      <a:rPr lang="en-US" sz="2400" b="0" i="1" smtClean="0">
-                                        <a:latin typeface="Cambria Math" panose="02040503050406030204" pitchFamily="18" charset="0"/>
-                                      </a:rPr>
-                                    </m:ctrlPr>
-                                  </m:sSubPr>
-                                  <m:e>
-                                    <m:r>
-                                      <a:rPr lang="en-US" sz="2400" i="1">
-                                        <a:latin typeface="Cambria Math" panose="02040503050406030204" pitchFamily="18" charset="0"/>
-                                      </a:rPr>
-                                      <m:t>𝐴</m:t>
-                                    </m:r>
-                                  </m:e>
-                                  <m:sub>
-                                    <m:r>
-                                      <a:rPr lang="en-US" sz="2400" b="0" i="1" smtClean="0">
-                                        <a:latin typeface="Cambria Math" panose="02040503050406030204" pitchFamily="18" charset="0"/>
-                                      </a:rPr>
-                                      <m:t>𝑖</m:t>
-                                    </m:r>
-                                  </m:sub>
-                                </m:sSub>
-                                <m:r>
-                                  <a:rPr lang="en-US" sz="2400" i="1">
-                                    <a:latin typeface="Cambria Math" panose="02040503050406030204" pitchFamily="18" charset="0"/>
-                                  </a:rPr>
-                                  <m:t>−</m:t>
-                                </m:r>
-                                <m:sSub>
-                                  <m:sSubPr>
-                                    <m:ctrlPr>
-                                      <a:rPr lang="en-US" sz="2400" b="0" i="1" smtClean="0">
-                                        <a:latin typeface="Cambria Math" panose="02040503050406030204" pitchFamily="18" charset="0"/>
-                                      </a:rPr>
-                                    </m:ctrlPr>
-                                  </m:sSubPr>
-                                  <m:e>
-                                    <m:acc>
-                                      <m:accPr>
-                                        <m:chr m:val="̂"/>
-                                        <m:ctrlPr>
-                                          <a:rPr lang="en-US" sz="2400" i="1">
-                                            <a:latin typeface="Cambria Math" panose="02040503050406030204" pitchFamily="18" charset="0"/>
-                                          </a:rPr>
-                                        </m:ctrlPr>
-                                      </m:accPr>
-                                      <m:e>
-                                        <m:r>
-                                          <a:rPr lang="en-US" sz="2400" i="1">
-                                            <a:latin typeface="Cambria Math" panose="02040503050406030204" pitchFamily="18" charset="0"/>
-                                          </a:rPr>
-                                          <m:t>𝐴</m:t>
-                                        </m:r>
-                                      </m:e>
-                                    </m:acc>
-                                  </m:e>
-                                  <m:sub>
-                                    <m:r>
-                                      <a:rPr lang="en-US" sz="2400" b="0" i="1" smtClean="0">
-                                        <a:latin typeface="Cambria Math" panose="02040503050406030204" pitchFamily="18" charset="0"/>
-                                      </a:rPr>
-                                      <m:t>𝑖</m:t>
-                                    </m:r>
-                                  </m:sub>
-                                </m:sSub>
-                              </m:e>
-                            </m:d>
-                          </m:e>
-                        </m:nary>
-                      </m:e>
-                      <m:sup>
-                        <m:r>
-                          <a:rPr lang="en-US" sz="2400" b="0" i="1" smtClean="0">
-                            <a:latin typeface="Cambria Math" panose="02040503050406030204" pitchFamily="18" charset="0"/>
-                          </a:rPr>
-                          <m:t>2</m:t>
-                        </m:r>
-                      </m:sup>
-                    </m:sSup>
-                  </m:oMath>
-                </a14:m>
-                <a:endParaRPr lang="en-US" sz="2400" dirty="0"/>
-              </a:p>
-            </p:txBody>
-          </p:sp>
-        </mc:Choice>
-        <mc:Fallback>
-          <p:sp>
-            <p:nvSpPr>
-              <p:cNvPr id="16" name="TextBox 15">
-                <a:extLst>
-                  <a:ext uri="{FF2B5EF4-FFF2-40B4-BE49-F238E27FC236}">
-                    <a16:creationId xmlns:a16="http://schemas.microsoft.com/office/drawing/2014/main" id="{F70DEA66-3857-F642-9637-8EF876BA698B}"/>
-                  </a:ext>
-                </a:extLst>
-              </p:cNvPr>
-              <p:cNvSpPr txBox="1">
-                <a:spLocks noRot="1" noChangeAspect="1" noMove="1" noResize="1" noEditPoints="1" noAdjustHandles="1" noChangeArrowheads="1" noChangeShapeType="1" noTextEdit="1"/>
-              </p:cNvSpPr>
-              <p:nvPr/>
-            </p:nvSpPr>
-            <p:spPr>
-              <a:xfrm>
-                <a:off x="3429000" y="3608853"/>
-                <a:ext cx="4606326" cy="582147"/>
-              </a:xfrm>
-              <a:prstGeom prst="rect">
-                <a:avLst/>
-              </a:prstGeom>
-              <a:blipFill>
-                <a:blip r:embed="rId6"/>
-                <a:stretch>
-                  <a:fillRect l="-1923" t="-80851" b="-146809"/>
-                </a:stretch>
-              </a:blipFill>
-            </p:spPr>
-            <p:txBody>
-              <a:bodyPr/>
-              <a:lstStyle/>
-              <a:p>
-                <a:r>
-                  <a:rPr lang="en-US">
-                    <a:noFill/>
-                  </a:rPr>
-                  <a:t> </a:t>
-                </a:r>
-              </a:p>
-            </p:txBody>
-          </p:sp>
-        </mc:Fallback>
-      </mc:AlternateContent>
-      <mc:AlternateContent xmlns:mc="http://schemas.openxmlformats.org/markup-compatibility/2006">
-        <mc:Choice xmlns:a14="http://schemas.microsoft.com/office/drawing/2010/main" Requires="a14">
-          <p:sp>
-            <p:nvSpPr>
-              <p:cNvPr id="18" name="TextBox 17">
-                <a:extLst>
-                  <a:ext uri="{FF2B5EF4-FFF2-40B4-BE49-F238E27FC236}">
-                    <a16:creationId xmlns:a16="http://schemas.microsoft.com/office/drawing/2014/main" id="{9A667760-60EB-064F-9B43-02F9038B8C6E}"/>
-                  </a:ext>
-                </a:extLst>
-              </p:cNvPr>
-              <p:cNvSpPr txBox="1"/>
-              <p:nvPr/>
-            </p:nvSpPr>
-            <p:spPr>
-              <a:xfrm>
-                <a:off x="3429000" y="4142253"/>
-                <a:ext cx="4466736" cy="582147"/>
-              </a:xfrm>
-              <a:prstGeom prst="rect">
-                <a:avLst/>
-              </a:prstGeom>
-              <a:noFill/>
-            </p:spPr>
-            <p:txBody>
-              <a:bodyPr wrap="none" rtlCol="0">
-                <a:spAutoFit/>
-              </a:bodyPr>
-              <a:lstStyle/>
-              <a:p>
-                <a:r>
-                  <a:rPr lang="en-US" sz="2400" dirty="0"/>
-                  <a:t>Objective function: </a:t>
-                </a:r>
-                <a14:m>
-                  <m:oMath xmlns:m="http://schemas.openxmlformats.org/officeDocument/2006/math">
-                    <m:sSup>
-                      <m:sSupPr>
-                        <m:ctrlPr>
-                          <a:rPr lang="en-US" sz="2400" b="0" i="1" smtClean="0">
-                            <a:latin typeface="Cambria Math" panose="02040503050406030204" pitchFamily="18" charset="0"/>
-                          </a:rPr>
-                        </m:ctrlPr>
-                      </m:sSupPr>
-                      <m:e>
-                        <m:nary>
-                          <m:naryPr>
-                            <m:chr m:val="∑"/>
-                            <m:supHide m:val="on"/>
-                            <m:ctrlPr>
-                              <a:rPr lang="en-US" sz="2400" b="0" i="1" smtClean="0">
-                                <a:latin typeface="Cambria Math" panose="02040503050406030204" pitchFamily="18" charset="0"/>
-                              </a:rPr>
-                            </m:ctrlPr>
-                          </m:naryPr>
-                          <m:sub>
-                            <m:r>
-                              <a:rPr lang="en-US" sz="2400" b="0" i="1" smtClean="0">
-                                <a:latin typeface="Cambria Math" panose="02040503050406030204" pitchFamily="18" charset="0"/>
-                              </a:rPr>
-                              <m:t>𝑖</m:t>
-                            </m:r>
-                          </m:sub>
-                          <m:sup/>
-                          <m:e>
-                            <m:d>
-                              <m:dPr>
-                                <m:ctrlPr>
-                                  <a:rPr lang="en-US" sz="2400" i="1">
-                                    <a:latin typeface="Cambria Math" panose="02040503050406030204" pitchFamily="18" charset="0"/>
-                                  </a:rPr>
-                                </m:ctrlPr>
-                              </m:dPr>
-                              <m:e>
-                                <m:sSub>
-                                  <m:sSubPr>
-                                    <m:ctrlPr>
-                                      <a:rPr lang="en-US" sz="2400" b="0" i="1" smtClean="0">
-                                        <a:latin typeface="Cambria Math" panose="02040503050406030204" pitchFamily="18" charset="0"/>
-                                      </a:rPr>
-                                    </m:ctrlPr>
-                                  </m:sSubPr>
-                                  <m:e>
-                                    <m:r>
-                                      <a:rPr lang="en-US" sz="2400" b="0" i="1" smtClean="0">
-                                        <a:latin typeface="Cambria Math" panose="02040503050406030204" pitchFamily="18" charset="0"/>
-                                      </a:rPr>
-                                      <m:t>𝐵</m:t>
-                                    </m:r>
-                                  </m:e>
-                                  <m:sub>
-                                    <m:r>
-                                      <a:rPr lang="en-US" sz="2400" b="0" i="1" smtClean="0">
-                                        <a:latin typeface="Cambria Math" panose="02040503050406030204" pitchFamily="18" charset="0"/>
-                                      </a:rPr>
-                                      <m:t>𝑖</m:t>
-                                    </m:r>
-                                  </m:sub>
-                                </m:sSub>
-                                <m:r>
-                                  <a:rPr lang="en-US" sz="2400" i="1">
-                                    <a:latin typeface="Cambria Math" panose="02040503050406030204" pitchFamily="18" charset="0"/>
-                                  </a:rPr>
-                                  <m:t>−</m:t>
-                                </m:r>
-                                <m:sSub>
-                                  <m:sSubPr>
-                                    <m:ctrlPr>
-                                      <a:rPr lang="en-US" sz="2400" b="0" i="1" smtClean="0">
-                                        <a:latin typeface="Cambria Math" panose="02040503050406030204" pitchFamily="18" charset="0"/>
-                                      </a:rPr>
-                                    </m:ctrlPr>
-                                  </m:sSubPr>
-                                  <m:e>
-                                    <m:acc>
-                                      <m:accPr>
-                                        <m:chr m:val="̂"/>
-                                        <m:ctrlPr>
-                                          <a:rPr lang="en-US" sz="2400" i="1">
-                                            <a:latin typeface="Cambria Math" panose="02040503050406030204" pitchFamily="18" charset="0"/>
-                                          </a:rPr>
-                                        </m:ctrlPr>
-                                      </m:accPr>
-                                      <m:e>
-                                        <m:r>
-                                          <a:rPr lang="en-US" sz="2400" b="0" i="1" smtClean="0">
-                                            <a:latin typeface="Cambria Math" panose="02040503050406030204" pitchFamily="18" charset="0"/>
-                                          </a:rPr>
-                                          <m:t>𝐵</m:t>
-                                        </m:r>
-                                      </m:e>
-                                    </m:acc>
-                                  </m:e>
-                                  <m:sub>
-                                    <m:r>
-                                      <a:rPr lang="en-US" sz="2400" b="0" i="1" smtClean="0">
-                                        <a:latin typeface="Cambria Math" panose="02040503050406030204" pitchFamily="18" charset="0"/>
-                                      </a:rPr>
-                                      <m:t>𝑖</m:t>
-                                    </m:r>
-                                  </m:sub>
-                                </m:sSub>
-                              </m:e>
-                            </m:d>
-                          </m:e>
-                        </m:nary>
-                      </m:e>
-                      <m:sup>
-                        <m:r>
-                          <a:rPr lang="en-US" sz="2400" b="0" i="1" smtClean="0">
-                            <a:latin typeface="Cambria Math" panose="02040503050406030204" pitchFamily="18" charset="0"/>
-                          </a:rPr>
-                          <m:t>2</m:t>
-                        </m:r>
-                      </m:sup>
-                    </m:sSup>
-                  </m:oMath>
-                </a14:m>
-                <a:endParaRPr lang="en-US" sz="2400" dirty="0"/>
-              </a:p>
-            </p:txBody>
-          </p:sp>
-        </mc:Choice>
-        <mc:Fallback>
-          <p:sp>
-            <p:nvSpPr>
-              <p:cNvPr id="18" name="TextBox 17">
-                <a:extLst>
-                  <a:ext uri="{FF2B5EF4-FFF2-40B4-BE49-F238E27FC236}">
-                    <a16:creationId xmlns:a16="http://schemas.microsoft.com/office/drawing/2014/main" id="{9A667760-60EB-064F-9B43-02F9038B8C6E}"/>
-                  </a:ext>
-                </a:extLst>
-              </p:cNvPr>
-              <p:cNvSpPr txBox="1">
-                <a:spLocks noRot="1" noChangeAspect="1" noMove="1" noResize="1" noEditPoints="1" noAdjustHandles="1" noChangeArrowheads="1" noChangeShapeType="1" noTextEdit="1"/>
-              </p:cNvSpPr>
-              <p:nvPr/>
-            </p:nvSpPr>
-            <p:spPr>
-              <a:xfrm>
-                <a:off x="3429000" y="4142253"/>
-                <a:ext cx="4466736" cy="582147"/>
-              </a:xfrm>
-              <a:prstGeom prst="rect">
-                <a:avLst/>
-              </a:prstGeom>
-              <a:blipFill>
-                <a:blip r:embed="rId7"/>
-                <a:stretch>
-                  <a:fillRect l="-1983" t="-80851" b="-148936"/>
-                </a:stretch>
-              </a:blipFill>
-            </p:spPr>
-            <p:txBody>
-              <a:bodyPr/>
-              <a:lstStyle/>
-              <a:p>
-                <a:r>
-                  <a:rPr lang="en-US">
-                    <a:noFill/>
-                  </a:rPr>
-                  <a:t> </a:t>
-                </a:r>
-              </a:p>
-            </p:txBody>
-          </p:sp>
-        </mc:Fallback>
-      </mc:AlternateContent>
-      <p:sp>
-        <p:nvSpPr>
-          <p:cNvPr id="20" name="TextBox 19">
-            <a:extLst>
-              <a:ext uri="{FF2B5EF4-FFF2-40B4-BE49-F238E27FC236}">
-                <a16:creationId xmlns:a16="http://schemas.microsoft.com/office/drawing/2014/main" id="{4F13385C-8AC7-814E-BD37-D8982C9AD1D8}"/>
-              </a:ext>
-            </a:extLst>
-          </p:cNvPr>
-          <p:cNvSpPr txBox="1"/>
-          <p:nvPr/>
-        </p:nvSpPr>
-        <p:spPr>
-          <a:xfrm>
-            <a:off x="2319810" y="5334000"/>
-            <a:ext cx="2069797" cy="923330"/>
-          </a:xfrm>
-          <a:prstGeom prst="rect">
-            <a:avLst/>
-          </a:prstGeom>
-          <a:noFill/>
-        </p:spPr>
-        <p:txBody>
-          <a:bodyPr wrap="none" rtlCol="0">
-            <a:spAutoFit/>
-          </a:bodyPr>
-          <a:lstStyle/>
-          <a:p>
-            <a:r>
-              <a:rPr lang="en-US" sz="5400" b="1" dirty="0"/>
-              <a:t>Why?</a:t>
-            </a:r>
-          </a:p>
-        </p:txBody>
-      </p:sp>
-    </p:spTree>
-    <p:extLst>
-      <p:ext uri="{BB962C8B-B14F-4D97-AF65-F5344CB8AC3E}">
-        <p14:creationId xmlns:p14="http://schemas.microsoft.com/office/powerpoint/2010/main" val="3038152607"/>
-      </p:ext>
-    </p:extLst>
-  </p:cSld>
-  <p:clrMapOvr>
-    <a:masterClrMapping/>
-  </p:clrMapOvr>
-  <p:timing>
-    <p:tnLst>
-      <p:par>
-        <p:cTn id="1" dur="indefinite" restart="never" nodeType="tmRoot">
-          <p:childTnLst>
-            <p:seq concurrent="1" nextAc="seek">
-              <p:cTn id="2" dur="indefinite" nodeType="mainSeq">
-                <p:childTnLst>
-                  <p:par>
-                    <p:cTn id="3" fill="hold">
-                      <p:stCondLst>
-                        <p:cond delay="indefinite"/>
-                      </p:stCondLst>
-                      <p:childTnLst>
-                        <p:par>
-                          <p:cTn id="4" fill="hold">
-                            <p:stCondLst>
-                              <p:cond delay="0"/>
-                            </p:stCondLst>
-                            <p:childTnLst>
-                              <p:par>
-                                <p:cTn id="5" presetID="1" presetClass="entr" presetSubtype="0" fill="hold" grpId="0" nodeType="clickEffect">
-                                  <p:stCondLst>
-                                    <p:cond delay="0"/>
-                                  </p:stCondLst>
-                                  <p:childTnLst>
-                                    <p:set>
-                                      <p:cBhvr>
-                                        <p:cTn id="6" dur="1" fill="hold">
-                                          <p:stCondLst>
-                                            <p:cond delay="0"/>
-                                          </p:stCondLst>
-                                        </p:cTn>
-                                        <p:tgtEl>
-                                          <p:spTgt spid="8"/>
-                                        </p:tgtEl>
-                                        <p:attrNameLst>
-                                          <p:attrName>style.visibility</p:attrName>
-                                        </p:attrNameLst>
-                                      </p:cBhvr>
-                                      <p:to>
-                                        <p:strVal val="visible"/>
-                                      </p:to>
-                                    </p:set>
-                                  </p:childTnLst>
-                                </p:cTn>
-                              </p:par>
-                              <p:par>
-                                <p:cTn id="7" presetID="1" presetClass="entr" presetSubtype="0" fill="hold" grpId="0" nodeType="withEffect">
-                                  <p:stCondLst>
-                                    <p:cond delay="0"/>
-                                  </p:stCondLst>
-                                  <p:childTnLst>
-                                    <p:set>
-                                      <p:cBhvr>
-                                        <p:cTn id="8" dur="1" fill="hold">
-                                          <p:stCondLst>
-                                            <p:cond delay="0"/>
-                                          </p:stCondLst>
-                                        </p:cTn>
-                                        <p:tgtEl>
-                                          <p:spTgt spid="13"/>
-                                        </p:tgtEl>
-                                        <p:attrNameLst>
-                                          <p:attrName>style.visibility</p:attrName>
-                                        </p:attrNameLst>
-                                      </p:cBhvr>
-                                      <p:to>
-                                        <p:strVal val="visible"/>
-                                      </p:to>
-                                    </p:set>
-                                  </p:childTnLst>
-                                </p:cTn>
-                              </p:par>
-                              <p:par>
-                                <p:cTn id="9" presetID="1" presetClass="entr" presetSubtype="0" fill="hold" grpId="0" nodeType="withEffect">
-                                  <p:stCondLst>
-                                    <p:cond delay="0"/>
-                                  </p:stCondLst>
-                                  <p:childTnLst>
-                                    <p:set>
-                                      <p:cBhvr>
-                                        <p:cTn id="10" dur="1" fill="hold">
-                                          <p:stCondLst>
-                                            <p:cond delay="0"/>
-                                          </p:stCondLst>
-                                        </p:cTn>
-                                        <p:tgtEl>
-                                          <p:spTgt spid="16"/>
-                                        </p:tgtEl>
-                                        <p:attrNameLst>
-                                          <p:attrName>style.visibility</p:attrName>
-                                        </p:attrNameLst>
-                                      </p:cBhvr>
-                                      <p:to>
-                                        <p:strVal val="visible"/>
-                                      </p:to>
-                                    </p:set>
-                                  </p:childTnLst>
-                                </p:cTn>
-                              </p:par>
-                            </p:childTnLst>
-                          </p:cTn>
-                        </p:par>
-                      </p:childTnLst>
-                    </p:cTn>
-                  </p:par>
-                  <p:par>
-                    <p:cTn id="11" fill="hold">
-                      <p:stCondLst>
-                        <p:cond delay="indefinite"/>
-                      </p:stCondLst>
-                      <p:childTnLst>
-                        <p:par>
-                          <p:cTn id="12" fill="hold">
-                            <p:stCondLst>
-                              <p:cond delay="0"/>
-                            </p:stCondLst>
-                            <p:childTnLst>
-                              <p:par>
-                                <p:cTn id="13" presetID="1" presetClass="entr" presetSubtype="0" fill="hold" nodeType="clickEffect">
-                                  <p:stCondLst>
-                                    <p:cond delay="0"/>
-                                  </p:stCondLst>
-                                  <p:childTnLst>
-                                    <p:set>
-                                      <p:cBhvr>
-                                        <p:cTn id="14" dur="1" fill="hold">
-                                          <p:stCondLst>
-                                            <p:cond delay="0"/>
-                                          </p:stCondLst>
-                                        </p:cTn>
-                                        <p:tgtEl>
-                                          <p:spTgt spid="15"/>
-                                        </p:tgtEl>
-                                        <p:attrNameLst>
-                                          <p:attrName>style.visibility</p:attrName>
-                                        </p:attrNameLst>
-                                      </p:cBhvr>
-                                      <p:to>
-                                        <p:strVal val="visible"/>
-                                      </p:to>
-                                    </p:set>
-                                  </p:childTnLst>
-                                </p:cTn>
-                              </p:par>
-                            </p:childTnLst>
-                          </p:cTn>
-                        </p:par>
-                      </p:childTnLst>
-                    </p:cTn>
-                  </p:par>
-                  <p:par>
-                    <p:cTn id="15" fill="hold">
-                      <p:stCondLst>
-                        <p:cond delay="indefinite"/>
-                      </p:stCondLst>
-                      <p:childTnLst>
-                        <p:par>
-                          <p:cTn id="16" fill="hold">
-                            <p:stCondLst>
-                              <p:cond delay="0"/>
-                            </p:stCondLst>
-                            <p:childTnLst>
-                              <p:par>
-                                <p:cTn id="17" presetID="1" presetClass="entr" presetSubtype="0" fill="hold" grpId="0" nodeType="clickEffect">
-                                  <p:stCondLst>
-                                    <p:cond delay="0"/>
-                                  </p:stCondLst>
-                                  <p:childTnLst>
-                                    <p:set>
-                                      <p:cBhvr>
-                                        <p:cTn id="18" dur="1" fill="hold">
-                                          <p:stCondLst>
-                                            <p:cond delay="0"/>
-                                          </p:stCondLst>
-                                        </p:cTn>
-                                        <p:tgtEl>
-                                          <p:spTgt spid="10"/>
-                                        </p:tgtEl>
-                                        <p:attrNameLst>
-                                          <p:attrName>style.visibility</p:attrName>
-                                        </p:attrNameLst>
-                                      </p:cBhvr>
-                                      <p:to>
-                                        <p:strVal val="visible"/>
-                                      </p:to>
-                                    </p:set>
-                                  </p:childTnLst>
-                                </p:cTn>
-                              </p:par>
-                              <p:par>
-                                <p:cTn id="19" presetID="1" presetClass="entr" presetSubtype="0" fill="hold" nodeType="withEffect">
-                                  <p:stCondLst>
-                                    <p:cond delay="0"/>
-                                  </p:stCondLst>
-                                  <p:childTnLst>
-                                    <p:set>
-                                      <p:cBhvr>
-                                        <p:cTn id="20" dur="1" fill="hold">
-                                          <p:stCondLst>
-                                            <p:cond delay="0"/>
-                                          </p:stCondLst>
-                                        </p:cTn>
-                                        <p:tgtEl>
-                                          <p:spTgt spid="15"/>
-                                        </p:tgtEl>
-                                        <p:attrNameLst>
-                                          <p:attrName>style.visibility</p:attrName>
-                                        </p:attrNameLst>
-                                      </p:cBhvr>
-                                      <p:to>
-                                        <p:strVal val="visible"/>
-                                      </p:to>
-                                    </p:set>
-                                  </p:childTnLst>
-                                </p:cTn>
-                              </p:par>
-                              <p:par>
-                                <p:cTn id="21" presetID="1" presetClass="entr" presetSubtype="0" fill="hold" grpId="0" nodeType="withEffect">
-                                  <p:stCondLst>
-                                    <p:cond delay="0"/>
-                                  </p:stCondLst>
-                                  <p:childTnLst>
-                                    <p:set>
-                                      <p:cBhvr>
-                                        <p:cTn id="22" dur="1" fill="hold">
-                                          <p:stCondLst>
-                                            <p:cond delay="0"/>
-                                          </p:stCondLst>
-                                        </p:cTn>
-                                        <p:tgtEl>
-                                          <p:spTgt spid="18"/>
-                                        </p:tgtEl>
-                                        <p:attrNameLst>
-                                          <p:attrName>style.visibility</p:attrName>
-                                        </p:attrNameLst>
-                                      </p:cBhvr>
-                                      <p:to>
-                                        <p:strVal val="visible"/>
-                                      </p:to>
-                                    </p:set>
-                                  </p:childTnLst>
-                                </p:cTn>
-                              </p:par>
-                            </p:childTnLst>
-                          </p:cTn>
-                        </p:par>
-                      </p:childTnLst>
-                    </p:cTn>
-                  </p:par>
-                  <p:par>
-                    <p:cTn id="23" fill="hold">
-                      <p:stCondLst>
-                        <p:cond delay="indefinite"/>
-                      </p:stCondLst>
-                      <p:childTnLst>
-                        <p:par>
-                          <p:cTn id="24" fill="hold">
-                            <p:stCondLst>
-                              <p:cond delay="0"/>
-                            </p:stCondLst>
-                            <p:childTnLst>
-                              <p:par>
-                                <p:cTn id="25" presetID="1" presetClass="entr" presetSubtype="0" fill="hold" grpId="0" nodeType="clickEffect">
-                                  <p:stCondLst>
-                                    <p:cond delay="0"/>
-                                  </p:stCondLst>
-                                  <p:childTnLst>
-                                    <p:set>
-                                      <p:cBhvr>
-                                        <p:cTn id="26" dur="1" fill="hold">
-                                          <p:stCondLst>
-                                            <p:cond delay="0"/>
-                                          </p:stCondLst>
-                                        </p:cTn>
-                                        <p:tgtEl>
-                                          <p:spTgt spid="20"/>
-                                        </p:tgtEl>
-                                        <p:attrNameLst>
-                                          <p:attrName>style.visibility</p:attrName>
-                                        </p:attrNameLst>
-                                      </p:cBhvr>
-                                      <p:to>
-                                        <p:strVal val="visible"/>
-                                      </p:to>
-                                    </p:set>
-                                  </p:childTnLst>
-                                </p:cTn>
-                              </p:par>
-                            </p:childTnLst>
-                          </p:cTn>
-                        </p:par>
-                      </p:childTnLst>
-                    </p:cTn>
-                  </p:par>
-                </p:childTnLst>
-              </p:cTn>
-              <p:prevCondLst>
-                <p:cond evt="onPrev" delay="0">
-                  <p:tgtEl>
-                    <p:sldTgt/>
-                  </p:tgtEl>
-                </p:cond>
-              </p:prevCondLst>
-              <p:nextCondLst>
-                <p:cond evt="onNext" delay="0">
-                  <p:tgtEl>
-                    <p:sldTgt/>
-                  </p:tgtEl>
-                </p:cond>
-              </p:nextCondLst>
-            </p:seq>
-          </p:childTnLst>
-        </p:cTn>
-      </p:par>
-    </p:tnLst>
-    <p:bldLst>
-      <p:bldP spid="8" grpId="0"/>
-      <p:bldP spid="10" grpId="0"/>
-      <p:bldP spid="13" grpId="0"/>
-      <p:bldP spid="16" grpId="0"/>
-      <p:bldP spid="18" grpId="0"/>
-      <p:bldP spid="20" grpId="0"/>
-    </p:bldLst>
-  </p:timing>
-</p:sld>
-</file>
-
-<file path=ppt/slides/slide8.xml><?xml version="1.0" encoding="utf-8"?>
+<file path=ppt/slides/slide9.xml><?xml version="1.0" encoding="utf-8"?>
 <p:sld xmlns:a="http://schemas.openxmlformats.org/drawingml/2006/main" xmlns:r="http://schemas.openxmlformats.org/officeDocument/2006/relationships" xmlns:p="http://schemas.openxmlformats.org/presentationml/2006/main">
   <p:cSld>
     <p:spTree>
@@ -13575,7 +14921,7 @@
               <a:pPr>
                 <a:defRPr/>
               </a:pPr>
-              <a:t>8</a:t>
+              <a:t>9</a:t>
             </a:fld>
             <a:endParaRPr lang="en-US" altLang="x-none"/>
           </a:p>
@@ -13585,188 +14931,6 @@
     <p:extLst>
       <p:ext uri="{BB962C8B-B14F-4D97-AF65-F5344CB8AC3E}">
         <p14:creationId xmlns:p14="http://schemas.microsoft.com/office/powerpoint/2010/main" val="2453085303"/>
-      </p:ext>
-    </p:extLst>
-  </p:cSld>
-  <p:clrMapOvr>
-    <a:masterClrMapping/>
-  </p:clrMapOvr>
-</p:sld>
-</file>
-
-<file path=ppt/slides/slide9.xml><?xml version="1.0" encoding="utf-8"?>
-<p:sld xmlns:a="http://schemas.openxmlformats.org/drawingml/2006/main" xmlns:r="http://schemas.openxmlformats.org/officeDocument/2006/relationships" xmlns:p="http://schemas.openxmlformats.org/presentationml/2006/main">
-  <p:cSld>
-    <p:spTree>
-      <p:nvGrpSpPr>
-        <p:cNvPr id="1" name=""/>
-        <p:cNvGrpSpPr/>
-        <p:nvPr/>
-      </p:nvGrpSpPr>
-      <p:grpSpPr>
-        <a:xfrm>
-          <a:off x="0" y="0"/>
-          <a:ext cx="0" cy="0"/>
-          <a:chOff x="0" y="0"/>
-          <a:chExt cx="0" cy="0"/>
-        </a:xfrm>
-      </p:grpSpPr>
-      <p:sp>
-        <p:nvSpPr>
-          <p:cNvPr id="2" name="Title 1">
-            <a:extLst>
-              <a:ext uri="{FF2B5EF4-FFF2-40B4-BE49-F238E27FC236}">
-                <a16:creationId xmlns:a16="http://schemas.microsoft.com/office/drawing/2014/main" id="{66EDE726-8A45-8545-B532-1DECE75EDD88}"/>
-              </a:ext>
-            </a:extLst>
-          </p:cNvPr>
-          <p:cNvSpPr>
-            <a:spLocks noGrp="1"/>
-          </p:cNvSpPr>
-          <p:nvPr>
-            <p:ph type="title"/>
-          </p:nvPr>
-        </p:nvSpPr>
-        <p:spPr/>
-        <p:txBody>
-          <a:bodyPr/>
-          <a:lstStyle/>
-          <a:p>
-            <a:r>
-              <a:rPr lang="en-US" dirty="0"/>
-              <a:t>Optimization Techniques</a:t>
-            </a:r>
-          </a:p>
-        </p:txBody>
-      </p:sp>
-      <p:sp>
-        <p:nvSpPr>
-          <p:cNvPr id="3" name="Content Placeholder 2">
-            <a:extLst>
-              <a:ext uri="{FF2B5EF4-FFF2-40B4-BE49-F238E27FC236}">
-                <a16:creationId xmlns:a16="http://schemas.microsoft.com/office/drawing/2014/main" id="{BF7C375B-B6B2-E942-AAAA-20482B5AF468}"/>
-              </a:ext>
-            </a:extLst>
-          </p:cNvPr>
-          <p:cNvSpPr>
-            <a:spLocks noGrp="1"/>
-          </p:cNvSpPr>
-          <p:nvPr>
-            <p:ph idx="1"/>
-          </p:nvPr>
-        </p:nvSpPr>
-        <p:spPr/>
-        <p:txBody>
-          <a:bodyPr/>
-          <a:lstStyle/>
-          <a:p>
-            <a:r>
-              <a:rPr lang="en-US" dirty="0"/>
-              <a:t>Gradient decent</a:t>
-            </a:r>
-          </a:p>
-          <a:p>
-            <a:r>
-              <a:rPr lang="en-US" dirty="0"/>
-              <a:t>Gauss-Newton</a:t>
-            </a:r>
-          </a:p>
-          <a:p>
-            <a:r>
-              <a:rPr lang="en-US" dirty="0" err="1"/>
-              <a:t>Lavenberg</a:t>
-            </a:r>
-            <a:r>
-              <a:rPr lang="en-US" dirty="0"/>
-              <a:t>-Marquardt</a:t>
-            </a:r>
-          </a:p>
-          <a:p>
-            <a:r>
-              <a:rPr lang="en-US" dirty="0"/>
-              <a:t>Simulated annealing</a:t>
-            </a:r>
-          </a:p>
-          <a:p>
-            <a:r>
-              <a:rPr lang="en-US" dirty="0"/>
-              <a:t>Differential evolution</a:t>
-            </a:r>
-          </a:p>
-          <a:p>
-            <a:endParaRPr lang="en-US" dirty="0"/>
-          </a:p>
-        </p:txBody>
-      </p:sp>
-      <p:sp>
-        <p:nvSpPr>
-          <p:cNvPr id="4" name="Slide Number Placeholder 3">
-            <a:extLst>
-              <a:ext uri="{FF2B5EF4-FFF2-40B4-BE49-F238E27FC236}">
-                <a16:creationId xmlns:a16="http://schemas.microsoft.com/office/drawing/2014/main" id="{2DCCEC55-4F5B-864B-AAB2-8D6766BCEC48}"/>
-              </a:ext>
-            </a:extLst>
-          </p:cNvPr>
-          <p:cNvSpPr>
-            <a:spLocks noGrp="1"/>
-          </p:cNvSpPr>
-          <p:nvPr>
-            <p:ph type="sldNum" sz="quarter" idx="11"/>
-          </p:nvPr>
-        </p:nvSpPr>
-        <p:spPr/>
-        <p:txBody>
-          <a:bodyPr/>
-          <a:lstStyle/>
-          <a:p>
-            <a:pPr>
-              <a:defRPr/>
-            </a:pPr>
-            <a:fld id="{3EF4E9CC-9D91-476E-91FD-5BEEC1642931}" type="slidenum">
-              <a:rPr lang="en-US" altLang="x-none" smtClean="0"/>
-              <a:pPr>
-                <a:defRPr/>
-              </a:pPr>
-              <a:t>9</a:t>
-            </a:fld>
-            <a:endParaRPr lang="en-US" altLang="x-none"/>
-          </a:p>
-        </p:txBody>
-      </p:sp>
-      <p:pic>
-        <p:nvPicPr>
-          <p:cNvPr id="5" name="Picture 4">
-            <a:extLst>
-              <a:ext uri="{FF2B5EF4-FFF2-40B4-BE49-F238E27FC236}">
-                <a16:creationId xmlns:a16="http://schemas.microsoft.com/office/drawing/2014/main" id="{7116BFAC-9729-A847-ABBC-EA5B52741699}"/>
-              </a:ext>
-            </a:extLst>
-          </p:cNvPr>
-          <p:cNvPicPr>
-            <a:picLocks noChangeAspect="1"/>
-          </p:cNvPicPr>
-          <p:nvPr/>
-        </p:nvPicPr>
-        <p:blipFill>
-          <a:blip r:embed="rId2"/>
-          <a:stretch>
-            <a:fillRect/>
-          </a:stretch>
-        </p:blipFill>
-        <p:spPr>
-          <a:xfrm>
-            <a:off x="7772400" y="381000"/>
-            <a:ext cx="1074953" cy="914401"/>
-          </a:xfrm>
-          <a:prstGeom prst="rect">
-            <a:avLst/>
-          </a:prstGeom>
-        </p:spPr>
-      </p:pic>
-    </p:spTree>
-    <p:extLst>
-      <p:ext uri="{BB962C8B-B14F-4D97-AF65-F5344CB8AC3E}">
-        <p14:creationId xmlns:p14="http://schemas.microsoft.com/office/powerpoint/2010/main" val="168185330"/>
       </p:ext>
     </p:extLst>
   </p:cSld>
